--- a/毕业答辩.pptx
+++ b/毕业答辩.pptx
@@ -8,7 +8,7 @@
     <p:notesMasterId r:id="rId4"/>
   </p:notesMasterIdLst>
   <p:handoutMasterIdLst>
-    <p:handoutMasterId r:id="rId22"/>
+    <p:handoutMasterId r:id="rId21"/>
   </p:handoutMasterIdLst>
   <p:sldIdLst>
     <p:sldId id="257" r:id="rId3"/>
@@ -22,13 +22,12 @@
     <p:sldId id="311" r:id="rId12"/>
     <p:sldId id="312" r:id="rId13"/>
     <p:sldId id="313" r:id="rId14"/>
-    <p:sldId id="317" r:id="rId15"/>
-    <p:sldId id="314" r:id="rId16"/>
-    <p:sldId id="321" r:id="rId17"/>
-    <p:sldId id="325" r:id="rId18"/>
-    <p:sldId id="326" r:id="rId19"/>
-    <p:sldId id="327" r:id="rId20"/>
-    <p:sldId id="328" r:id="rId21"/>
+    <p:sldId id="314" r:id="rId15"/>
+    <p:sldId id="321" r:id="rId16"/>
+    <p:sldId id="325" r:id="rId17"/>
+    <p:sldId id="326" r:id="rId18"/>
+    <p:sldId id="327" r:id="rId19"/>
+    <p:sldId id="328" r:id="rId20"/>
   </p:sldIdLst>
   <p:sldSz cx="12192000" cy="6858000"/>
   <p:notesSz cx="6858000" cy="9144000"/>
@@ -937,7 +936,7 @@
           <a:p>
             <a:r>
               <a:rPr lang="en-US" altLang="zh-CN"/>
-              <a:t>14</a:t>
+              <a:t>15</a:t>
             </a:r>
             <a:endParaRPr lang="zh-CN" altLang="en-US"/>
           </a:p>
@@ -1016,7 +1015,7 @@
           <a:p>
             <a:r>
               <a:rPr lang="en-US" altLang="zh-CN"/>
-              <a:t>15</a:t>
+              <a:t>16</a:t>
             </a:r>
             <a:endParaRPr lang="zh-CN" altLang="en-US"/>
           </a:p>
@@ -1268,85 +1267,6 @@
 </file>
 
 <file path=ppt/notesSlides/notesSlide17.xml><?xml version="1.0" encoding="utf-8"?>
-<p:notes xmlns:a="http://schemas.openxmlformats.org/drawingml/2006/main" xmlns:r="http://schemas.openxmlformats.org/officeDocument/2006/relationships" xmlns:p="http://schemas.openxmlformats.org/presentationml/2006/main">
-  <p:cSld>
-    <p:spTree>
-      <p:nvGrpSpPr>
-        <p:cNvPr id="1" name=""/>
-        <p:cNvGrpSpPr/>
-        <p:nvPr/>
-      </p:nvGrpSpPr>
-      <p:grpSpPr>
-        <a:xfrm>
-          <a:off x="0" y="0"/>
-          <a:ext cx="0" cy="0"/>
-          <a:chOff x="0" y="0"/>
-          <a:chExt cx="0" cy="0"/>
-        </a:xfrm>
-      </p:grpSpPr>
-      <p:sp>
-        <p:nvSpPr>
-          <p:cNvPr id="2" name="幻灯片图像占位符 1"/>
-          <p:cNvSpPr>
-            <a:spLocks noGrp="1" noRot="1" noChangeAspect="1"/>
-          </p:cNvSpPr>
-          <p:nvPr>
-            <p:ph type="sldImg"/>
-          </p:nvPr>
-        </p:nvSpPr>
-        <p:spPr/>
-      </p:sp>
-      <p:sp>
-        <p:nvSpPr>
-          <p:cNvPr id="3" name="备注占位符 2"/>
-          <p:cNvSpPr>
-            <a:spLocks noGrp="1"/>
-          </p:cNvSpPr>
-          <p:nvPr>
-            <p:ph type="body" idx="1"/>
-          </p:nvPr>
-        </p:nvSpPr>
-        <p:spPr/>
-        <p:txBody>
-          <a:bodyPr/>
-          <a:lstStyle/>
-          <a:p>
-            <a:endParaRPr lang="zh-CN" altLang="en-US"/>
-          </a:p>
-        </p:txBody>
-      </p:sp>
-      <p:sp>
-        <p:nvSpPr>
-          <p:cNvPr id="4" name="灯片编号占位符 3"/>
-          <p:cNvSpPr>
-            <a:spLocks noGrp="1"/>
-          </p:cNvSpPr>
-          <p:nvPr>
-            <p:ph type="sldNum" sz="quarter" idx="10"/>
-          </p:nvPr>
-        </p:nvSpPr>
-        <p:spPr/>
-        <p:txBody>
-          <a:bodyPr/>
-          <a:lstStyle/>
-          <a:p>
-            <a:r>
-              <a:rPr lang="en-US" altLang="zh-CN"/>
-              <a:t>16</a:t>
-            </a:r>
-            <a:endParaRPr lang="zh-CN" altLang="en-US"/>
-          </a:p>
-        </p:txBody>
-      </p:sp>
-    </p:spTree>
-  </p:cSld>
-  <p:clrMapOvr>
-    <a:masterClrMapping/>
-  </p:clrMapOvr>
-</p:notes>
-</file>
-
-<file path=ppt/notesSlides/notesSlide18.xml><?xml version="1.0" encoding="utf-8"?>
 <p:notes xmlns:a="http://schemas.openxmlformats.org/drawingml/2006/main" xmlns:r="http://schemas.openxmlformats.org/officeDocument/2006/relationships" xmlns:p="http://schemas.openxmlformats.org/presentationml/2006/main">
   <p:cSld>
     <p:spTree>
@@ -3340,12 +3260,12 @@
   </p:clrMapOvr>
   <mc:AlternateContent xmlns:mc="http://schemas.openxmlformats.org/markup-compatibility/2006">
     <mc:Choice xmlns:p14="http://schemas.microsoft.com/office/powerpoint/2010/main" Requires="p14">
-      <p:transition spd="slow" p14:dur="1500" advClick="0" advTm="3000">
+      <p:transition spd="slow" p14:dur="1500">
         <p:split orient="vert"/>
       </p:transition>
     </mc:Choice>
     <mc:Fallback>
-      <p:transition spd="slow" advClick="0" advTm="3000">
+      <p:transition spd="slow">
         <p:split orient="vert"/>
       </p:transition>
     </mc:Fallback>
@@ -4385,12 +4305,12 @@
   </p:clrMapOvr>
   <mc:AlternateContent xmlns:mc="http://schemas.openxmlformats.org/markup-compatibility/2006">
     <mc:Choice xmlns:p14="http://schemas.microsoft.com/office/powerpoint/2010/main" Requires="p14">
-      <p:transition spd="slow" p14:dur="1500" advClick="0" advTm="3000">
+      <p:transition spd="slow" p14:dur="1500">
         <p:split orient="vert"/>
       </p:transition>
     </mc:Choice>
     <mc:Fallback>
-      <p:transition spd="slow" advClick="0" advTm="3000">
+      <p:transition spd="slow">
         <p:split orient="vert"/>
       </p:transition>
     </mc:Fallback>
@@ -6420,12 +6340,12 @@
   </p:clrMapOvr>
   <mc:AlternateContent xmlns:mc="http://schemas.openxmlformats.org/markup-compatibility/2006">
     <mc:Choice xmlns:p14="http://schemas.microsoft.com/office/powerpoint/2010/main" Requires="p14">
-      <p:transition spd="slow" p14:dur="1500" advClick="0" advTm="3000">
+      <p:transition spd="slow" p14:dur="1500">
         <p:split orient="vert"/>
       </p:transition>
     </mc:Choice>
     <mc:Fallback>
-      <p:transition spd="slow" advClick="0" advTm="3000">
+      <p:transition spd="slow">
         <p:split orient="vert"/>
       </p:transition>
     </mc:Fallback>
@@ -6517,1293 +6437,6 @@
 </file>
 
 <file path=ppt/slides/slide12.xml><?xml version="1.0" encoding="utf-8"?>
-<p:sld xmlns:a="http://schemas.openxmlformats.org/drawingml/2006/main" xmlns:r="http://schemas.openxmlformats.org/officeDocument/2006/relationships" xmlns:p="http://schemas.openxmlformats.org/presentationml/2006/main">
-  <p:cSld>
-    <p:spTree>
-      <p:nvGrpSpPr>
-        <p:cNvPr id="1" name=""/>
-        <p:cNvGrpSpPr/>
-        <p:nvPr/>
-      </p:nvGrpSpPr>
-      <p:grpSpPr>
-        <a:xfrm>
-          <a:off x="0" y="0"/>
-          <a:ext cx="0" cy="0"/>
-          <a:chOff x="0" y="0"/>
-          <a:chExt cx="0" cy="0"/>
-        </a:xfrm>
-      </p:grpSpPr>
-      <p:sp>
-        <p:nvSpPr>
-          <p:cNvPr id="12" name="Shape 884"/>
-          <p:cNvSpPr/>
-          <p:nvPr/>
-        </p:nvSpPr>
-        <p:spPr>
-          <a:xfrm>
-            <a:off x="553815" y="1084204"/>
-            <a:ext cx="720072" cy="599840"/>
-          </a:xfrm>
-          <a:prstGeom prst="homePlate">
-            <a:avLst/>
-          </a:prstGeom>
-          <a:solidFill>
-            <a:schemeClr val="accent2"/>
-          </a:solidFill>
-          <a:ln w="12700">
-            <a:miter lim="400000"/>
-          </a:ln>
-        </p:spPr>
-        <p:txBody>
-          <a:bodyPr lIns="0" tIns="0" rIns="0" bIns="0" anchor="ctr"/>
-          <a:lstStyle/>
-          <a:p>
-            <a:pPr lvl="0" algn="ctr">
-              <a:lnSpc>
-                <a:spcPct val="120000"/>
-              </a:lnSpc>
-            </a:pPr>
-            <a:endParaRPr sz="1460"/>
-          </a:p>
-        </p:txBody>
-      </p:sp>
-      <p:sp>
-        <p:nvSpPr>
-          <p:cNvPr id="13" name="Freeform 29"/>
-          <p:cNvSpPr>
-            <a:spLocks noEditPoints="1"/>
-          </p:cNvSpPr>
-          <p:nvPr/>
-        </p:nvSpPr>
-        <p:spPr bwMode="auto">
-          <a:xfrm>
-            <a:off x="693894" y="1216069"/>
-            <a:ext cx="277372" cy="336110"/>
-          </a:xfrm>
-          <a:custGeom>
-            <a:avLst/>
-            <a:gdLst>
-              <a:gd name="T0" fmla="*/ 6 w 144"/>
-              <a:gd name="T1" fmla="*/ 37 h 174"/>
-              <a:gd name="T2" fmla="*/ 5 w 144"/>
-              <a:gd name="T3" fmla="*/ 50 h 174"/>
-              <a:gd name="T4" fmla="*/ 29 w 144"/>
-              <a:gd name="T5" fmla="*/ 79 h 174"/>
-              <a:gd name="T6" fmla="*/ 30 w 144"/>
-              <a:gd name="T7" fmla="*/ 78 h 174"/>
-              <a:gd name="T8" fmla="*/ 45 w 144"/>
-              <a:gd name="T9" fmla="*/ 70 h 174"/>
-              <a:gd name="T10" fmla="*/ 0 w 144"/>
-              <a:gd name="T11" fmla="*/ 14 h 174"/>
-              <a:gd name="T12" fmla="*/ 29 w 144"/>
-              <a:gd name="T13" fmla="*/ 79 h 174"/>
-              <a:gd name="T14" fmla="*/ 72 w 144"/>
-              <a:gd name="T15" fmla="*/ 38 h 174"/>
-              <a:gd name="T16" fmla="*/ 82 w 144"/>
-              <a:gd name="T17" fmla="*/ 43 h 174"/>
-              <a:gd name="T18" fmla="*/ 119 w 144"/>
-              <a:gd name="T19" fmla="*/ 73 h 174"/>
-              <a:gd name="T20" fmla="*/ 92 w 144"/>
-              <a:gd name="T21" fmla="*/ 35 h 174"/>
-              <a:gd name="T22" fmla="*/ 93 w 144"/>
-              <a:gd name="T23" fmla="*/ 19 h 174"/>
-              <a:gd name="T24" fmla="*/ 96 w 144"/>
-              <a:gd name="T25" fmla="*/ 12 h 174"/>
-              <a:gd name="T26" fmla="*/ 89 w 144"/>
-              <a:gd name="T27" fmla="*/ 8 h 174"/>
-              <a:gd name="T28" fmla="*/ 76 w 144"/>
-              <a:gd name="T29" fmla="*/ 5 h 174"/>
-              <a:gd name="T30" fmla="*/ 70 w 144"/>
-              <a:gd name="T31" fmla="*/ 7 h 174"/>
-              <a:gd name="T32" fmla="*/ 62 w 144"/>
-              <a:gd name="T33" fmla="*/ 11 h 174"/>
-              <a:gd name="T34" fmla="*/ 32 w 144"/>
-              <a:gd name="T35" fmla="*/ 4 h 174"/>
-              <a:gd name="T36" fmla="*/ 48 w 144"/>
-              <a:gd name="T37" fmla="*/ 68 h 174"/>
-              <a:gd name="T38" fmla="*/ 126 w 144"/>
-              <a:gd name="T39" fmla="*/ 163 h 174"/>
-              <a:gd name="T40" fmla="*/ 11 w 144"/>
-              <a:gd name="T41" fmla="*/ 167 h 174"/>
-              <a:gd name="T42" fmla="*/ 14 w 144"/>
-              <a:gd name="T43" fmla="*/ 174 h 174"/>
-              <a:gd name="T44" fmla="*/ 126 w 144"/>
-              <a:gd name="T45" fmla="*/ 174 h 174"/>
-              <a:gd name="T46" fmla="*/ 130 w 144"/>
-              <a:gd name="T47" fmla="*/ 167 h 174"/>
-              <a:gd name="T48" fmla="*/ 139 w 144"/>
-              <a:gd name="T49" fmla="*/ 76 h 174"/>
-              <a:gd name="T50" fmla="*/ 122 w 144"/>
-              <a:gd name="T51" fmla="*/ 93 h 174"/>
-              <a:gd name="T52" fmla="*/ 139 w 144"/>
-              <a:gd name="T53" fmla="*/ 76 h 174"/>
-              <a:gd name="T54" fmla="*/ 71 w 144"/>
-              <a:gd name="T55" fmla="*/ 135 h 174"/>
-              <a:gd name="T56" fmla="*/ 70 w 144"/>
-              <a:gd name="T57" fmla="*/ 135 h 174"/>
-              <a:gd name="T58" fmla="*/ 61 w 144"/>
-              <a:gd name="T59" fmla="*/ 136 h 174"/>
-              <a:gd name="T60" fmla="*/ 57 w 144"/>
-              <a:gd name="T61" fmla="*/ 137 h 174"/>
-              <a:gd name="T62" fmla="*/ 49 w 144"/>
-              <a:gd name="T63" fmla="*/ 139 h 174"/>
-              <a:gd name="T64" fmla="*/ 49 w 144"/>
-              <a:gd name="T65" fmla="*/ 139 h 174"/>
-              <a:gd name="T66" fmla="*/ 48 w 144"/>
-              <a:gd name="T67" fmla="*/ 135 h 174"/>
-              <a:gd name="T68" fmla="*/ 39 w 144"/>
-              <a:gd name="T69" fmla="*/ 136 h 174"/>
-              <a:gd name="T70" fmla="*/ 39 w 144"/>
-              <a:gd name="T71" fmla="*/ 144 h 174"/>
-              <a:gd name="T72" fmla="*/ 39 w 144"/>
-              <a:gd name="T73" fmla="*/ 144 h 174"/>
-              <a:gd name="T74" fmla="*/ 39 w 144"/>
-              <a:gd name="T75" fmla="*/ 144 h 174"/>
-              <a:gd name="T76" fmla="*/ 28 w 144"/>
-              <a:gd name="T77" fmla="*/ 155 h 174"/>
-              <a:gd name="T78" fmla="*/ 115 w 144"/>
-              <a:gd name="T79" fmla="*/ 159 h 174"/>
-              <a:gd name="T80" fmla="*/ 113 w 144"/>
-              <a:gd name="T81" fmla="*/ 155 h 174"/>
-              <a:gd name="T82" fmla="*/ 110 w 144"/>
-              <a:gd name="T83" fmla="*/ 152 h 174"/>
-              <a:gd name="T84" fmla="*/ 107 w 144"/>
-              <a:gd name="T85" fmla="*/ 149 h 174"/>
-              <a:gd name="T86" fmla="*/ 104 w 144"/>
-              <a:gd name="T87" fmla="*/ 146 h 174"/>
-              <a:gd name="T88" fmla="*/ 101 w 144"/>
-              <a:gd name="T89" fmla="*/ 144 h 174"/>
-              <a:gd name="T90" fmla="*/ 96 w 144"/>
-              <a:gd name="T91" fmla="*/ 141 h 174"/>
-              <a:gd name="T92" fmla="*/ 92 w 144"/>
-              <a:gd name="T93" fmla="*/ 139 h 174"/>
-              <a:gd name="T94" fmla="*/ 128 w 144"/>
-              <a:gd name="T95" fmla="*/ 101 h 174"/>
-              <a:gd name="T96" fmla="*/ 117 w 144"/>
-              <a:gd name="T97" fmla="*/ 94 h 174"/>
-              <a:gd name="T98" fmla="*/ 116 w 144"/>
-              <a:gd name="T99" fmla="*/ 77 h 174"/>
-            </a:gdLst>
-            <a:ahLst/>
-            <a:cxnLst>
-              <a:cxn ang="0">
-                <a:pos x="T0" y="T1"/>
-              </a:cxn>
-              <a:cxn ang="0">
-                <a:pos x="T2" y="T3"/>
-              </a:cxn>
-              <a:cxn ang="0">
-                <a:pos x="T4" y="T5"/>
-              </a:cxn>
-              <a:cxn ang="0">
-                <a:pos x="T6" y="T7"/>
-              </a:cxn>
-              <a:cxn ang="0">
-                <a:pos x="T8" y="T9"/>
-              </a:cxn>
-              <a:cxn ang="0">
-                <a:pos x="T10" y="T11"/>
-              </a:cxn>
-              <a:cxn ang="0">
-                <a:pos x="T12" y="T13"/>
-              </a:cxn>
-              <a:cxn ang="0">
-                <a:pos x="T14" y="T15"/>
-              </a:cxn>
-              <a:cxn ang="0">
-                <a:pos x="T16" y="T17"/>
-              </a:cxn>
-              <a:cxn ang="0">
-                <a:pos x="T18" y="T19"/>
-              </a:cxn>
-              <a:cxn ang="0">
-                <a:pos x="T20" y="T21"/>
-              </a:cxn>
-              <a:cxn ang="0">
-                <a:pos x="T22" y="T23"/>
-              </a:cxn>
-              <a:cxn ang="0">
-                <a:pos x="T24" y="T25"/>
-              </a:cxn>
-              <a:cxn ang="0">
-                <a:pos x="T26" y="T27"/>
-              </a:cxn>
-              <a:cxn ang="0">
-                <a:pos x="T28" y="T29"/>
-              </a:cxn>
-              <a:cxn ang="0">
-                <a:pos x="T30" y="T31"/>
-              </a:cxn>
-              <a:cxn ang="0">
-                <a:pos x="T32" y="T33"/>
-              </a:cxn>
-              <a:cxn ang="0">
-                <a:pos x="T34" y="T35"/>
-              </a:cxn>
-              <a:cxn ang="0">
-                <a:pos x="T36" y="T37"/>
-              </a:cxn>
-              <a:cxn ang="0">
-                <a:pos x="T38" y="T39"/>
-              </a:cxn>
-              <a:cxn ang="0">
-                <a:pos x="T40" y="T41"/>
-              </a:cxn>
-              <a:cxn ang="0">
-                <a:pos x="T42" y="T43"/>
-              </a:cxn>
-              <a:cxn ang="0">
-                <a:pos x="T44" y="T45"/>
-              </a:cxn>
-              <a:cxn ang="0">
-                <a:pos x="T46" y="T47"/>
-              </a:cxn>
-              <a:cxn ang="0">
-                <a:pos x="T48" y="T49"/>
-              </a:cxn>
-              <a:cxn ang="0">
-                <a:pos x="T50" y="T51"/>
-              </a:cxn>
-              <a:cxn ang="0">
-                <a:pos x="T52" y="T53"/>
-              </a:cxn>
-              <a:cxn ang="0">
-                <a:pos x="T54" y="T55"/>
-              </a:cxn>
-              <a:cxn ang="0">
-                <a:pos x="T56" y="T57"/>
-              </a:cxn>
-              <a:cxn ang="0">
-                <a:pos x="T58" y="T59"/>
-              </a:cxn>
-              <a:cxn ang="0">
-                <a:pos x="T60" y="T61"/>
-              </a:cxn>
-              <a:cxn ang="0">
-                <a:pos x="T62" y="T63"/>
-              </a:cxn>
-              <a:cxn ang="0">
-                <a:pos x="T64" y="T65"/>
-              </a:cxn>
-              <a:cxn ang="0">
-                <a:pos x="T66" y="T67"/>
-              </a:cxn>
-              <a:cxn ang="0">
-                <a:pos x="T68" y="T69"/>
-              </a:cxn>
-              <a:cxn ang="0">
-                <a:pos x="T70" y="T71"/>
-              </a:cxn>
-              <a:cxn ang="0">
-                <a:pos x="T72" y="T73"/>
-              </a:cxn>
-              <a:cxn ang="0">
-                <a:pos x="T74" y="T75"/>
-              </a:cxn>
-              <a:cxn ang="0">
-                <a:pos x="T76" y="T77"/>
-              </a:cxn>
-              <a:cxn ang="0">
-                <a:pos x="T78" y="T79"/>
-              </a:cxn>
-              <a:cxn ang="0">
-                <a:pos x="T80" y="T81"/>
-              </a:cxn>
-              <a:cxn ang="0">
-                <a:pos x="T82" y="T83"/>
-              </a:cxn>
-              <a:cxn ang="0">
-                <a:pos x="T84" y="T85"/>
-              </a:cxn>
-              <a:cxn ang="0">
-                <a:pos x="T86" y="T87"/>
-              </a:cxn>
-              <a:cxn ang="0">
-                <a:pos x="T88" y="T89"/>
-              </a:cxn>
-              <a:cxn ang="0">
-                <a:pos x="T90" y="T91"/>
-              </a:cxn>
-              <a:cxn ang="0">
-                <a:pos x="T92" y="T93"/>
-              </a:cxn>
-              <a:cxn ang="0">
-                <a:pos x="T94" y="T95"/>
-              </a:cxn>
-              <a:cxn ang="0">
-                <a:pos x="T96" y="T97"/>
-              </a:cxn>
-              <a:cxn ang="0">
-                <a:pos x="T98" y="T99"/>
-              </a:cxn>
-            </a:cxnLst>
-            <a:rect l="0" t="0" r="r" b="b"/>
-            <a:pathLst>
-              <a:path w="144" h="174">
-                <a:moveTo>
-                  <a:pt x="5" y="50"/>
-                </a:moveTo>
-                <a:cubicBezTo>
-                  <a:pt x="4" y="46"/>
-                  <a:pt x="4" y="41"/>
-                  <a:pt x="6" y="37"/>
-                </a:cubicBezTo>
-                <a:cubicBezTo>
-                  <a:pt x="15" y="59"/>
-                  <a:pt x="15" y="59"/>
-                  <a:pt x="15" y="59"/>
-                </a:cubicBezTo>
-                <a:cubicBezTo>
-                  <a:pt x="11" y="58"/>
-                  <a:pt x="7" y="55"/>
-                  <a:pt x="5" y="50"/>
-                </a:cubicBezTo>
-                <a:close/>
-                <a:moveTo>
-                  <a:pt x="29" y="79"/>
-                </a:moveTo>
-                <a:cubicBezTo>
-                  <a:pt x="29" y="79"/>
-                  <a:pt x="29" y="79"/>
-                  <a:pt x="29" y="79"/>
-                </a:cubicBezTo>
-                <a:cubicBezTo>
-                  <a:pt x="29" y="79"/>
-                  <a:pt x="29" y="79"/>
-                  <a:pt x="30" y="78"/>
-                </a:cubicBezTo>
-                <a:cubicBezTo>
-                  <a:pt x="30" y="78"/>
-                  <a:pt x="30" y="78"/>
-                  <a:pt x="30" y="78"/>
-                </a:cubicBezTo>
-                <a:cubicBezTo>
-                  <a:pt x="30" y="78"/>
-                  <a:pt x="30" y="78"/>
-                  <a:pt x="30" y="78"/>
-                </a:cubicBezTo>
-                <a:cubicBezTo>
-                  <a:pt x="32" y="77"/>
-                  <a:pt x="36" y="74"/>
-                  <a:pt x="45" y="70"/>
-                </a:cubicBezTo>
-                <a:cubicBezTo>
-                  <a:pt x="18" y="9"/>
-                  <a:pt x="18" y="9"/>
-                  <a:pt x="18" y="9"/>
-                </a:cubicBezTo>
-                <a:cubicBezTo>
-                  <a:pt x="0" y="14"/>
-                  <a:pt x="0" y="14"/>
-                  <a:pt x="0" y="14"/>
-                </a:cubicBezTo>
-                <a:cubicBezTo>
-                  <a:pt x="0" y="14"/>
-                  <a:pt x="0" y="14"/>
-                  <a:pt x="28" y="79"/>
-                </a:cubicBezTo>
-                <a:cubicBezTo>
-                  <a:pt x="28" y="79"/>
-                  <a:pt x="28" y="79"/>
-                  <a:pt x="29" y="79"/>
-                </a:cubicBezTo>
-                <a:close/>
-                <a:moveTo>
-                  <a:pt x="58" y="63"/>
-                </a:moveTo>
-                <a:cubicBezTo>
-                  <a:pt x="67" y="58"/>
-                  <a:pt x="72" y="48"/>
-                  <a:pt x="72" y="38"/>
-                </a:cubicBezTo>
-                <a:cubicBezTo>
-                  <a:pt x="73" y="39"/>
-                  <a:pt x="73" y="40"/>
-                  <a:pt x="74" y="40"/>
-                </a:cubicBezTo>
-                <a:cubicBezTo>
-                  <a:pt x="76" y="43"/>
-                  <a:pt x="79" y="44"/>
-                  <a:pt x="82" y="43"/>
-                </a:cubicBezTo>
-                <a:cubicBezTo>
-                  <a:pt x="82" y="43"/>
-                  <a:pt x="111" y="71"/>
-                  <a:pt x="116" y="77"/>
-                </a:cubicBezTo>
-                <a:cubicBezTo>
-                  <a:pt x="117" y="76"/>
-                  <a:pt x="118" y="74"/>
-                  <a:pt x="119" y="73"/>
-                </a:cubicBezTo>
-                <a:cubicBezTo>
-                  <a:pt x="121" y="71"/>
-                  <a:pt x="123" y="70"/>
-                  <a:pt x="126" y="69"/>
-                </a:cubicBezTo>
-                <a:cubicBezTo>
-                  <a:pt x="92" y="35"/>
-                  <a:pt x="92" y="35"/>
-                  <a:pt x="92" y="35"/>
-                </a:cubicBezTo>
-                <a:cubicBezTo>
-                  <a:pt x="92" y="32"/>
-                  <a:pt x="92" y="29"/>
-                  <a:pt x="90" y="27"/>
-                </a:cubicBezTo>
-                <a:cubicBezTo>
-                  <a:pt x="92" y="25"/>
-                  <a:pt x="93" y="22"/>
-                  <a:pt x="93" y="19"/>
-                </a:cubicBezTo>
-                <a:cubicBezTo>
-                  <a:pt x="93" y="18"/>
-                  <a:pt x="93" y="18"/>
-                  <a:pt x="93" y="18"/>
-                </a:cubicBezTo>
-                <a:cubicBezTo>
-                  <a:pt x="96" y="17"/>
-                  <a:pt x="97" y="15"/>
-                  <a:pt x="96" y="12"/>
-                </a:cubicBezTo>
-                <a:cubicBezTo>
-                  <a:pt x="96" y="12"/>
-                  <a:pt x="96" y="12"/>
-                  <a:pt x="95" y="10"/>
-                </a:cubicBezTo>
-                <a:cubicBezTo>
-                  <a:pt x="94" y="8"/>
-                  <a:pt x="91" y="7"/>
-                  <a:pt x="89" y="8"/>
-                </a:cubicBezTo>
-                <a:cubicBezTo>
-                  <a:pt x="89" y="8"/>
-                  <a:pt x="89" y="8"/>
-                  <a:pt x="88" y="8"/>
-                </a:cubicBezTo>
-                <a:cubicBezTo>
-                  <a:pt x="85" y="5"/>
-                  <a:pt x="80" y="3"/>
-                  <a:pt x="76" y="5"/>
-                </a:cubicBezTo>
-                <a:cubicBezTo>
-                  <a:pt x="76" y="5"/>
-                  <a:pt x="76" y="5"/>
-                  <a:pt x="70" y="8"/>
-                </a:cubicBezTo>
-                <a:cubicBezTo>
-                  <a:pt x="70" y="7"/>
-                  <a:pt x="70" y="7"/>
-                  <a:pt x="70" y="7"/>
-                </a:cubicBezTo>
-                <a:cubicBezTo>
-                  <a:pt x="62" y="11"/>
-                  <a:pt x="62" y="11"/>
-                  <a:pt x="62" y="11"/>
-                </a:cubicBezTo>
-                <a:cubicBezTo>
-                  <a:pt x="62" y="11"/>
-                  <a:pt x="62" y="11"/>
-                  <a:pt x="62" y="11"/>
-                </a:cubicBezTo>
-                <a:cubicBezTo>
-                  <a:pt x="61" y="11"/>
-                  <a:pt x="61" y="11"/>
-                  <a:pt x="61" y="11"/>
-                </a:cubicBezTo>
-                <a:cubicBezTo>
-                  <a:pt x="54" y="4"/>
-                  <a:pt x="43" y="0"/>
-                  <a:pt x="32" y="4"/>
-                </a:cubicBezTo>
-                <a:cubicBezTo>
-                  <a:pt x="22" y="7"/>
-                  <a:pt x="22" y="7"/>
-                  <a:pt x="22" y="7"/>
-                </a:cubicBezTo>
-                <a:cubicBezTo>
-                  <a:pt x="48" y="68"/>
-                  <a:pt x="48" y="68"/>
-                  <a:pt x="48" y="68"/>
-                </a:cubicBezTo>
-                <a:cubicBezTo>
-                  <a:pt x="51" y="66"/>
-                  <a:pt x="54" y="65"/>
-                  <a:pt x="58" y="63"/>
-                </a:cubicBezTo>
-                <a:close/>
-                <a:moveTo>
-                  <a:pt x="126" y="163"/>
-                </a:moveTo>
-                <a:cubicBezTo>
-                  <a:pt x="122" y="163"/>
-                  <a:pt x="14" y="163"/>
-                  <a:pt x="14" y="163"/>
-                </a:cubicBezTo>
-                <a:cubicBezTo>
-                  <a:pt x="12" y="163"/>
-                  <a:pt x="11" y="165"/>
-                  <a:pt x="11" y="167"/>
-                </a:cubicBezTo>
-                <a:cubicBezTo>
-                  <a:pt x="11" y="170"/>
-                  <a:pt x="11" y="170"/>
-                  <a:pt x="11" y="170"/>
-                </a:cubicBezTo>
-                <a:cubicBezTo>
-                  <a:pt x="11" y="172"/>
-                  <a:pt x="12" y="174"/>
-                  <a:pt x="14" y="174"/>
-                </a:cubicBezTo>
-                <a:cubicBezTo>
-                  <a:pt x="37" y="174"/>
-                  <a:pt x="56" y="174"/>
-                  <a:pt x="70" y="174"/>
-                </a:cubicBezTo>
-                <a:cubicBezTo>
-                  <a:pt x="126" y="174"/>
-                  <a:pt x="126" y="174"/>
-                  <a:pt x="126" y="174"/>
-                </a:cubicBezTo>
-                <a:cubicBezTo>
-                  <a:pt x="128" y="174"/>
-                  <a:pt x="130" y="172"/>
-                  <a:pt x="130" y="170"/>
-                </a:cubicBezTo>
-                <a:cubicBezTo>
-                  <a:pt x="130" y="167"/>
-                  <a:pt x="130" y="167"/>
-                  <a:pt x="130" y="167"/>
-                </a:cubicBezTo>
-                <a:cubicBezTo>
-                  <a:pt x="130" y="165"/>
-                  <a:pt x="128" y="163"/>
-                  <a:pt x="126" y="163"/>
-                </a:cubicBezTo>
-                <a:close/>
-                <a:moveTo>
-                  <a:pt x="139" y="76"/>
-                </a:moveTo>
-                <a:cubicBezTo>
-                  <a:pt x="134" y="71"/>
-                  <a:pt x="126" y="71"/>
-                  <a:pt x="122" y="76"/>
-                </a:cubicBezTo>
-                <a:cubicBezTo>
-                  <a:pt x="117" y="81"/>
-                  <a:pt x="117" y="88"/>
-                  <a:pt x="122" y="93"/>
-                </a:cubicBezTo>
-                <a:cubicBezTo>
-                  <a:pt x="126" y="98"/>
-                  <a:pt x="134" y="98"/>
-                  <a:pt x="139" y="93"/>
-                </a:cubicBezTo>
-                <a:cubicBezTo>
-                  <a:pt x="144" y="88"/>
-                  <a:pt x="144" y="81"/>
-                  <a:pt x="139" y="76"/>
-                </a:cubicBezTo>
-                <a:close/>
-                <a:moveTo>
-                  <a:pt x="117" y="94"/>
-                </a:moveTo>
-                <a:cubicBezTo>
-                  <a:pt x="71" y="135"/>
-                  <a:pt x="71" y="135"/>
-                  <a:pt x="71" y="135"/>
-                </a:cubicBezTo>
-                <a:cubicBezTo>
-                  <a:pt x="71" y="135"/>
-                  <a:pt x="70" y="135"/>
-                  <a:pt x="70" y="135"/>
-                </a:cubicBezTo>
-                <a:cubicBezTo>
-                  <a:pt x="70" y="135"/>
-                  <a:pt x="70" y="135"/>
-                  <a:pt x="70" y="135"/>
-                </a:cubicBezTo>
-                <a:cubicBezTo>
-                  <a:pt x="68" y="135"/>
-                  <a:pt x="66" y="135"/>
-                  <a:pt x="65" y="135"/>
-                </a:cubicBezTo>
-                <a:cubicBezTo>
-                  <a:pt x="64" y="135"/>
-                  <a:pt x="62" y="136"/>
-                  <a:pt x="61" y="136"/>
-                </a:cubicBezTo>
-                <a:cubicBezTo>
-                  <a:pt x="60" y="136"/>
-                  <a:pt x="58" y="136"/>
-                  <a:pt x="57" y="137"/>
-                </a:cubicBezTo>
-                <a:cubicBezTo>
-                  <a:pt x="57" y="137"/>
-                  <a:pt x="57" y="137"/>
-                  <a:pt x="57" y="137"/>
-                </a:cubicBezTo>
-                <a:cubicBezTo>
-                  <a:pt x="54" y="137"/>
-                  <a:pt x="52" y="138"/>
-                  <a:pt x="49" y="139"/>
-                </a:cubicBezTo>
-                <a:cubicBezTo>
-                  <a:pt x="49" y="139"/>
-                  <a:pt x="49" y="139"/>
-                  <a:pt x="49" y="139"/>
-                </a:cubicBezTo>
-                <a:cubicBezTo>
-                  <a:pt x="50" y="139"/>
-                  <a:pt x="50" y="139"/>
-                  <a:pt x="50" y="140"/>
-                </a:cubicBezTo>
-                <a:cubicBezTo>
-                  <a:pt x="50" y="139"/>
-                  <a:pt x="49" y="139"/>
-                  <a:pt x="49" y="139"/>
-                </a:cubicBezTo>
-                <a:cubicBezTo>
-                  <a:pt x="49" y="139"/>
-                  <a:pt x="49" y="139"/>
-                  <a:pt x="49" y="139"/>
-                </a:cubicBezTo>
-                <a:cubicBezTo>
-                  <a:pt x="49" y="139"/>
-                  <a:pt x="49" y="139"/>
-                  <a:pt x="48" y="135"/>
-                </a:cubicBezTo>
-                <a:cubicBezTo>
-                  <a:pt x="47" y="134"/>
-                  <a:pt x="45" y="133"/>
-                  <a:pt x="43" y="134"/>
-                </a:cubicBezTo>
-                <a:cubicBezTo>
-                  <a:pt x="43" y="134"/>
-                  <a:pt x="43" y="134"/>
-                  <a:pt x="39" y="136"/>
-                </a:cubicBezTo>
-                <a:cubicBezTo>
-                  <a:pt x="37" y="137"/>
-                  <a:pt x="36" y="139"/>
-                  <a:pt x="37" y="141"/>
-                </a:cubicBezTo>
-                <a:cubicBezTo>
-                  <a:pt x="37" y="141"/>
-                  <a:pt x="37" y="141"/>
-                  <a:pt x="39" y="144"/>
-                </a:cubicBezTo>
-                <a:cubicBezTo>
-                  <a:pt x="39" y="144"/>
-                  <a:pt x="39" y="144"/>
-                  <a:pt x="39" y="144"/>
-                </a:cubicBezTo>
-                <a:cubicBezTo>
-                  <a:pt x="39" y="144"/>
-                  <a:pt x="39" y="144"/>
-                  <a:pt x="39" y="144"/>
-                </a:cubicBezTo>
-                <a:cubicBezTo>
-                  <a:pt x="39" y="144"/>
-                  <a:pt x="39" y="144"/>
-                  <a:pt x="39" y="144"/>
-                </a:cubicBezTo>
-                <a:cubicBezTo>
-                  <a:pt x="39" y="144"/>
-                  <a:pt x="39" y="144"/>
-                  <a:pt x="39" y="144"/>
-                </a:cubicBezTo>
-                <a:cubicBezTo>
-                  <a:pt x="36" y="146"/>
-                  <a:pt x="33" y="149"/>
-                  <a:pt x="31" y="151"/>
-                </a:cubicBezTo>
-                <a:cubicBezTo>
-                  <a:pt x="30" y="152"/>
-                  <a:pt x="29" y="154"/>
-                  <a:pt x="28" y="155"/>
-                </a:cubicBezTo>
-                <a:cubicBezTo>
-                  <a:pt x="27" y="156"/>
-                  <a:pt x="26" y="158"/>
-                  <a:pt x="25" y="159"/>
-                </a:cubicBezTo>
-                <a:cubicBezTo>
-                  <a:pt x="115" y="159"/>
-                  <a:pt x="115" y="159"/>
-                  <a:pt x="115" y="159"/>
-                </a:cubicBezTo>
-                <a:cubicBezTo>
-                  <a:pt x="114" y="158"/>
-                  <a:pt x="114" y="157"/>
-                  <a:pt x="113" y="156"/>
-                </a:cubicBezTo>
-                <a:cubicBezTo>
-                  <a:pt x="113" y="156"/>
-                  <a:pt x="113" y="155"/>
-                  <a:pt x="113" y="155"/>
-                </a:cubicBezTo>
-                <a:cubicBezTo>
-                  <a:pt x="112" y="154"/>
-                  <a:pt x="111" y="153"/>
-                  <a:pt x="111" y="153"/>
-                </a:cubicBezTo>
-                <a:cubicBezTo>
-                  <a:pt x="111" y="152"/>
-                  <a:pt x="110" y="152"/>
-                  <a:pt x="110" y="152"/>
-                </a:cubicBezTo>
-                <a:cubicBezTo>
-                  <a:pt x="109" y="151"/>
-                  <a:pt x="109" y="150"/>
-                  <a:pt x="108" y="149"/>
-                </a:cubicBezTo>
-                <a:cubicBezTo>
-                  <a:pt x="108" y="149"/>
-                  <a:pt x="107" y="149"/>
-                  <a:pt x="107" y="149"/>
-                </a:cubicBezTo>
-                <a:cubicBezTo>
-                  <a:pt x="106" y="148"/>
-                  <a:pt x="106" y="147"/>
-                  <a:pt x="105" y="147"/>
-                </a:cubicBezTo>
-                <a:cubicBezTo>
-                  <a:pt x="104" y="146"/>
-                  <a:pt x="104" y="146"/>
-                  <a:pt x="104" y="146"/>
-                </a:cubicBezTo>
-                <a:cubicBezTo>
-                  <a:pt x="103" y="145"/>
-                  <a:pt x="102" y="144"/>
-                  <a:pt x="101" y="144"/>
-                </a:cubicBezTo>
-                <a:cubicBezTo>
-                  <a:pt x="101" y="144"/>
-                  <a:pt x="101" y="144"/>
-                  <a:pt x="101" y="144"/>
-                </a:cubicBezTo>
-                <a:cubicBezTo>
-                  <a:pt x="99" y="143"/>
-                  <a:pt x="98" y="142"/>
-                  <a:pt x="97" y="142"/>
-                </a:cubicBezTo>
-                <a:cubicBezTo>
-                  <a:pt x="97" y="141"/>
-                  <a:pt x="96" y="141"/>
-                  <a:pt x="96" y="141"/>
-                </a:cubicBezTo>
-                <a:cubicBezTo>
-                  <a:pt x="95" y="141"/>
-                  <a:pt x="94" y="140"/>
-                  <a:pt x="93" y="140"/>
-                </a:cubicBezTo>
-                <a:cubicBezTo>
-                  <a:pt x="93" y="140"/>
-                  <a:pt x="92" y="139"/>
-                  <a:pt x="92" y="139"/>
-                </a:cubicBezTo>
-                <a:cubicBezTo>
-                  <a:pt x="91" y="139"/>
-                  <a:pt x="90" y="138"/>
-                  <a:pt x="88" y="138"/>
-                </a:cubicBezTo>
-                <a:cubicBezTo>
-                  <a:pt x="128" y="101"/>
-                  <a:pt x="128" y="101"/>
-                  <a:pt x="128" y="101"/>
-                </a:cubicBezTo>
-                <a:cubicBezTo>
-                  <a:pt x="125" y="100"/>
-                  <a:pt x="121" y="98"/>
-                  <a:pt x="119" y="96"/>
-                </a:cubicBezTo>
-                <a:cubicBezTo>
-                  <a:pt x="118" y="95"/>
-                  <a:pt x="118" y="94"/>
-                  <a:pt x="117" y="94"/>
-                </a:cubicBezTo>
-                <a:close/>
-                <a:moveTo>
-                  <a:pt x="82" y="43"/>
-                </a:moveTo>
-                <a:cubicBezTo>
-                  <a:pt x="116" y="77"/>
-                  <a:pt x="116" y="77"/>
-                  <a:pt x="116" y="77"/>
-                </a:cubicBezTo>
-              </a:path>
-            </a:pathLst>
-          </a:custGeom>
-          <a:solidFill>
-            <a:schemeClr val="bg1"/>
-          </a:solidFill>
-          <a:ln>
-            <a:noFill/>
-          </a:ln>
-        </p:spPr>
-        <p:txBody>
-          <a:bodyPr vert="horz" wrap="square" lIns="148590" tIns="74295" rIns="148590" bIns="74295" numCol="1" anchor="t" anchorCtr="0" compatLnSpc="1"/>
-          <a:lstStyle/>
-          <a:p>
-            <a:pPr>
-              <a:lnSpc>
-                <a:spcPct val="120000"/>
-              </a:lnSpc>
-            </a:pPr>
-            <a:endParaRPr lang="en-US" sz="5850"/>
-          </a:p>
-        </p:txBody>
-      </p:sp>
-      <p:sp>
-        <p:nvSpPr>
-          <p:cNvPr id="22" name="TextBox 13"/>
-          <p:cNvSpPr txBox="1"/>
-          <p:nvPr/>
-        </p:nvSpPr>
-        <p:spPr>
-          <a:xfrm>
-            <a:off x="1457325" y="1083945"/>
-            <a:ext cx="3082925" cy="442595"/>
-          </a:xfrm>
-          <a:prstGeom prst="rect">
-            <a:avLst/>
-          </a:prstGeom>
-          <a:noFill/>
-        </p:spPr>
-        <p:txBody>
-          <a:bodyPr wrap="square" lIns="0" tIns="0" rIns="0" bIns="0" rtlCol="0" anchor="t" anchorCtr="0">
-            <a:spAutoFit/>
-          </a:bodyPr>
-          <a:lstStyle/>
-          <a:p>
-            <a:pPr defTabSz="1216660">
-              <a:lnSpc>
-                <a:spcPct val="120000"/>
-              </a:lnSpc>
-              <a:spcBef>
-                <a:spcPct val="0"/>
-              </a:spcBef>
-              <a:defRPr/>
-            </a:pPr>
-            <a:r>
-              <a:rPr lang="zh-CN" altLang="en-US" sz="2400" b="1" dirty="0">
-                <a:solidFill>
-                  <a:schemeClr val="tx1">
-                    <a:lumMod val="90000"/>
-                    <a:lumOff val="10000"/>
-                  </a:schemeClr>
-                </a:solidFill>
-                <a:latin typeface="Arial" panose="020B0604020202020204" pitchFamily="34" charset="0"/>
-                <a:ea typeface="微软雅黑" panose="020B0503020204020204" pitchFamily="34" charset="-122"/>
-                <a:sym typeface="Arial" panose="020B0604020202020204" pitchFamily="34" charset="0"/>
-              </a:rPr>
-              <a:t>系统实体与属性</a:t>
-            </a:r>
-            <a:r>
-              <a:rPr lang="en-US" altLang="zh-CN" sz="2400" b="1" dirty="0">
-                <a:solidFill>
-                  <a:schemeClr val="tx1">
-                    <a:lumMod val="90000"/>
-                    <a:lumOff val="10000"/>
-                  </a:schemeClr>
-                </a:solidFill>
-                <a:latin typeface="Arial" panose="020B0604020202020204" pitchFamily="34" charset="0"/>
-                <a:ea typeface="微软雅黑" panose="020B0503020204020204" pitchFamily="34" charset="-122"/>
-                <a:sym typeface="Arial" panose="020B0604020202020204" pitchFamily="34" charset="0"/>
-              </a:rPr>
-              <a:t>E-R</a:t>
-            </a:r>
-            <a:r>
-              <a:rPr lang="zh-CN" altLang="en-US" sz="2400" b="1" dirty="0">
-                <a:solidFill>
-                  <a:schemeClr val="tx1">
-                    <a:lumMod val="90000"/>
-                    <a:lumOff val="10000"/>
-                  </a:schemeClr>
-                </a:solidFill>
-                <a:latin typeface="Arial" panose="020B0604020202020204" pitchFamily="34" charset="0"/>
-                <a:ea typeface="微软雅黑" panose="020B0503020204020204" pitchFamily="34" charset="-122"/>
-                <a:sym typeface="Arial" panose="020B0604020202020204" pitchFamily="34" charset="0"/>
-              </a:rPr>
-              <a:t>图</a:t>
-            </a:r>
-            <a:endParaRPr lang="zh-CN" altLang="en-US" sz="2400" b="1" dirty="0">
-              <a:solidFill>
-                <a:schemeClr val="tx1">
-                  <a:lumMod val="90000"/>
-                  <a:lumOff val="10000"/>
-                </a:schemeClr>
-              </a:solidFill>
-              <a:latin typeface="Arial" panose="020B0604020202020204" pitchFamily="34" charset="0"/>
-              <a:ea typeface="微软雅黑" panose="020B0503020204020204" pitchFamily="34" charset="-122"/>
-              <a:sym typeface="Arial" panose="020B0604020202020204" pitchFamily="34" charset="0"/>
-            </a:endParaRPr>
-          </a:p>
-        </p:txBody>
-      </p:sp>
-      <p:sp>
-        <p:nvSpPr>
-          <p:cNvPr id="28" name="不完整圆 27"/>
-          <p:cNvSpPr/>
-          <p:nvPr/>
-        </p:nvSpPr>
-        <p:spPr>
-          <a:xfrm>
-            <a:off x="317243" y="254362"/>
-            <a:ext cx="317240" cy="317240"/>
-          </a:xfrm>
-          <a:prstGeom prst="pie">
-            <a:avLst/>
-          </a:prstGeom>
-          <a:ln>
-            <a:noFill/>
-          </a:ln>
-        </p:spPr>
-        <p:style>
-          <a:lnRef idx="2">
-            <a:schemeClr val="accent1">
-              <a:shade val="50000"/>
-            </a:schemeClr>
-          </a:lnRef>
-          <a:fillRef idx="1">
-            <a:schemeClr val="accent1"/>
-          </a:fillRef>
-          <a:effectRef idx="0">
-            <a:schemeClr val="accent1"/>
-          </a:effectRef>
-          <a:fontRef idx="minor">
-            <a:schemeClr val="lt1"/>
-          </a:fontRef>
-        </p:style>
-        <p:txBody>
-          <a:bodyPr rtlCol="0" anchor="ctr"/>
-          <a:lstStyle/>
-          <a:p>
-            <a:pPr algn="ctr"/>
-            <a:endParaRPr lang="zh-CN" altLang="en-US">
-              <a:solidFill>
-                <a:schemeClr val="tx1"/>
-              </a:solidFill>
-            </a:endParaRPr>
-          </a:p>
-        </p:txBody>
-      </p:sp>
-      <p:sp>
-        <p:nvSpPr>
-          <p:cNvPr id="29" name="文本框 28"/>
-          <p:cNvSpPr txBox="1">
-            <a:spLocks noChangeArrowheads="1"/>
-          </p:cNvSpPr>
-          <p:nvPr/>
-        </p:nvSpPr>
-        <p:spPr bwMode="auto">
-          <a:xfrm>
-            <a:off x="657903" y="182150"/>
-            <a:ext cx="1402080" cy="460375"/>
-          </a:xfrm>
-          <a:prstGeom prst="rect">
-            <a:avLst/>
-          </a:prstGeom>
-          <a:noFill/>
-          <a:ln>
-            <a:noFill/>
-          </a:ln>
-          <a:extLst>
-            <a:ext uri="{909E8E84-426E-40DD-AFC4-6F175D3DCCD1}">
-              <a14:hiddenFill xmlns:a14="http://schemas.microsoft.com/office/drawing/2010/main">
-                <a:solidFill>
-                  <a:srgbClr val="FFFFFF"/>
-                </a:solidFill>
-              </a14:hiddenFill>
-            </a:ext>
-            <a:ext uri="{91240B29-F687-4F45-9708-019B960494DF}">
-              <a14:hiddenLine xmlns:a14="http://schemas.microsoft.com/office/drawing/2010/main" w="9525">
-                <a:solidFill>
-                  <a:srgbClr val="000000"/>
-                </a:solidFill>
-                <a:miter lim="800000"/>
-                <a:headEnd/>
-                <a:tailEnd/>
-              </a14:hiddenLine>
-            </a:ext>
-          </a:extLst>
-        </p:spPr>
-        <p:txBody>
-          <a:bodyPr wrap="none">
-            <a:spAutoFit/>
-          </a:bodyPr>
-          <a:lstStyle>
-            <a:lvl1pPr>
-              <a:lnSpc>
-                <a:spcPct val="90000"/>
-              </a:lnSpc>
-              <a:spcBef>
-                <a:spcPts val="1000"/>
-              </a:spcBef>
-              <a:buFont typeface="Arial" panose="020B0604020202020204" pitchFamily="34" charset="0"/>
-              <a:buChar char="•"/>
-              <a:defRPr sz="2800">
-                <a:solidFill>
-                  <a:schemeClr val="tx1"/>
-                </a:solidFill>
-                <a:latin typeface="Calibri" panose="020F0502020204030204" pitchFamily="34" charset="0"/>
-                <a:ea typeface="宋体" panose="02010600030101010101" pitchFamily="2" charset="-122"/>
-              </a:defRPr>
-            </a:lvl1pPr>
-            <a:lvl2pPr marL="742950" indent="-285750">
-              <a:lnSpc>
-                <a:spcPct val="90000"/>
-              </a:lnSpc>
-              <a:spcBef>
-                <a:spcPts val="500"/>
-              </a:spcBef>
-              <a:buFont typeface="Arial" panose="020B0604020202020204" pitchFamily="34" charset="0"/>
-              <a:buChar char="•"/>
-              <a:defRPr sz="2400">
-                <a:solidFill>
-                  <a:schemeClr val="tx1"/>
-                </a:solidFill>
-                <a:latin typeface="Calibri" panose="020F0502020204030204" pitchFamily="34" charset="0"/>
-                <a:ea typeface="宋体" panose="02010600030101010101" pitchFamily="2" charset="-122"/>
-              </a:defRPr>
-            </a:lvl2pPr>
-            <a:lvl3pPr marL="1143000" indent="-228600">
-              <a:lnSpc>
-                <a:spcPct val="90000"/>
-              </a:lnSpc>
-              <a:spcBef>
-                <a:spcPts val="500"/>
-              </a:spcBef>
-              <a:buFont typeface="Arial" panose="020B0604020202020204" pitchFamily="34" charset="0"/>
-              <a:buChar char="•"/>
-              <a:defRPr sz="2000">
-                <a:solidFill>
-                  <a:schemeClr val="tx1"/>
-                </a:solidFill>
-                <a:latin typeface="Calibri" panose="020F0502020204030204" pitchFamily="34" charset="0"/>
-                <a:ea typeface="宋体" panose="02010600030101010101" pitchFamily="2" charset="-122"/>
-              </a:defRPr>
-            </a:lvl3pPr>
-            <a:lvl4pPr marL="1600200" indent="-228600">
-              <a:lnSpc>
-                <a:spcPct val="90000"/>
-              </a:lnSpc>
-              <a:spcBef>
-                <a:spcPts val="500"/>
-              </a:spcBef>
-              <a:buFont typeface="Arial" panose="020B0604020202020204" pitchFamily="34" charset="0"/>
-              <a:buChar char="•"/>
-              <a:defRPr>
-                <a:solidFill>
-                  <a:schemeClr val="tx1"/>
-                </a:solidFill>
-                <a:latin typeface="Calibri" panose="020F0502020204030204" pitchFamily="34" charset="0"/>
-                <a:ea typeface="宋体" panose="02010600030101010101" pitchFamily="2" charset="-122"/>
-              </a:defRPr>
-            </a:lvl4pPr>
-            <a:lvl5pPr marL="2057400" indent="-228600">
-              <a:lnSpc>
-                <a:spcPct val="90000"/>
-              </a:lnSpc>
-              <a:spcBef>
-                <a:spcPts val="500"/>
-              </a:spcBef>
-              <a:buFont typeface="Arial" panose="020B0604020202020204" pitchFamily="34" charset="0"/>
-              <a:buChar char="•"/>
-              <a:defRPr>
-                <a:solidFill>
-                  <a:schemeClr val="tx1"/>
-                </a:solidFill>
-                <a:latin typeface="Calibri" panose="020F0502020204030204" pitchFamily="34" charset="0"/>
-                <a:ea typeface="宋体" panose="02010600030101010101" pitchFamily="2" charset="-122"/>
-              </a:defRPr>
-            </a:lvl5pPr>
-            <a:lvl6pPr marL="2514600" indent="-228600" fontAlgn="base">
-              <a:lnSpc>
-                <a:spcPct val="90000"/>
-              </a:lnSpc>
-              <a:spcBef>
-                <a:spcPts val="500"/>
-              </a:spcBef>
-              <a:spcAft>
-                <a:spcPct val="0"/>
-              </a:spcAft>
-              <a:buFont typeface="Arial" panose="020B0604020202020204" pitchFamily="34" charset="0"/>
-              <a:buChar char="•"/>
-              <a:defRPr>
-                <a:solidFill>
-                  <a:schemeClr val="tx1"/>
-                </a:solidFill>
-                <a:latin typeface="Calibri" panose="020F0502020204030204" pitchFamily="34" charset="0"/>
-                <a:ea typeface="宋体" panose="02010600030101010101" pitchFamily="2" charset="-122"/>
-              </a:defRPr>
-            </a:lvl6pPr>
-            <a:lvl7pPr marL="2971800" indent="-228600" fontAlgn="base">
-              <a:lnSpc>
-                <a:spcPct val="90000"/>
-              </a:lnSpc>
-              <a:spcBef>
-                <a:spcPts val="500"/>
-              </a:spcBef>
-              <a:spcAft>
-                <a:spcPct val="0"/>
-              </a:spcAft>
-              <a:buFont typeface="Arial" panose="020B0604020202020204" pitchFamily="34" charset="0"/>
-              <a:buChar char="•"/>
-              <a:defRPr>
-                <a:solidFill>
-                  <a:schemeClr val="tx1"/>
-                </a:solidFill>
-                <a:latin typeface="Calibri" panose="020F0502020204030204" pitchFamily="34" charset="0"/>
-                <a:ea typeface="宋体" panose="02010600030101010101" pitchFamily="2" charset="-122"/>
-              </a:defRPr>
-            </a:lvl7pPr>
-            <a:lvl8pPr marL="3429000" indent="-228600" fontAlgn="base">
-              <a:lnSpc>
-                <a:spcPct val="90000"/>
-              </a:lnSpc>
-              <a:spcBef>
-                <a:spcPts val="500"/>
-              </a:spcBef>
-              <a:spcAft>
-                <a:spcPct val="0"/>
-              </a:spcAft>
-              <a:buFont typeface="Arial" panose="020B0604020202020204" pitchFamily="34" charset="0"/>
-              <a:buChar char="•"/>
-              <a:defRPr>
-                <a:solidFill>
-                  <a:schemeClr val="tx1"/>
-                </a:solidFill>
-                <a:latin typeface="Calibri" panose="020F0502020204030204" pitchFamily="34" charset="0"/>
-                <a:ea typeface="宋体" panose="02010600030101010101" pitchFamily="2" charset="-122"/>
-              </a:defRPr>
-            </a:lvl8pPr>
-            <a:lvl9pPr marL="3886200" indent="-228600" fontAlgn="base">
-              <a:lnSpc>
-                <a:spcPct val="90000"/>
-              </a:lnSpc>
-              <a:spcBef>
-                <a:spcPts val="500"/>
-              </a:spcBef>
-              <a:spcAft>
-                <a:spcPct val="0"/>
-              </a:spcAft>
-              <a:buFont typeface="Arial" panose="020B0604020202020204" pitchFamily="34" charset="0"/>
-              <a:buChar char="•"/>
-              <a:defRPr>
-                <a:solidFill>
-                  <a:schemeClr val="tx1"/>
-                </a:solidFill>
-                <a:latin typeface="Calibri" panose="020F0502020204030204" pitchFamily="34" charset="0"/>
-                <a:ea typeface="宋体" panose="02010600030101010101" pitchFamily="2" charset="-122"/>
-              </a:defRPr>
-            </a:lvl9pPr>
-          </a:lstStyle>
-          <a:p>
-            <a:pPr fontAlgn="base">
-              <a:lnSpc>
-                <a:spcPct val="100000"/>
-              </a:lnSpc>
-              <a:spcBef>
-                <a:spcPct val="0"/>
-              </a:spcBef>
-              <a:spcAft>
-                <a:spcPct val="0"/>
-              </a:spcAft>
-              <a:buFontTx/>
-              <a:buNone/>
-            </a:pPr>
-            <a:r>
-              <a:rPr lang="zh-CN" altLang="en-US" sz="2400" dirty="0">
-                <a:solidFill>
-                  <a:srgbClr val="000000"/>
-                </a:solidFill>
-                <a:latin typeface="微软雅黑" panose="020B0503020204020204" pitchFamily="34" charset="-122"/>
-                <a:ea typeface="微软雅黑" panose="020B0503020204020204" pitchFamily="34" charset="-122"/>
-              </a:rPr>
-              <a:t>系统设计</a:t>
-            </a:r>
-            <a:endParaRPr lang="zh-CN" altLang="en-US" sz="2400" dirty="0">
-              <a:solidFill>
-                <a:srgbClr val="000000"/>
-              </a:solidFill>
-              <a:latin typeface="微软雅黑" panose="020B0503020204020204" pitchFamily="34" charset="-122"/>
-              <a:ea typeface="微软雅黑" panose="020B0503020204020204" pitchFamily="34" charset="-122"/>
-            </a:endParaRPr>
-          </a:p>
-        </p:txBody>
-      </p:sp>
-      <p:graphicFrame>
-        <p:nvGraphicFramePr>
-          <p:cNvPr id="2" name="对象 1"/>
-          <p:cNvGraphicFramePr/>
-          <p:nvPr/>
-        </p:nvGraphicFramePr>
-        <p:xfrm>
-          <a:off x="909320" y="1838960"/>
-          <a:ext cx="10746105" cy="4665345"/>
-        </p:xfrm>
-        <a:graphic>
-          <a:graphicData uri="http://schemas.openxmlformats.org/presentationml/2006/ole">
-            <mc:AlternateContent xmlns:mc="http://schemas.openxmlformats.org/markup-compatibility/2006">
-              <mc:Choice xmlns:v="urn:schemas-microsoft-com:vml" Requires="v">
-                <p:oleObj spid="_x0000_s3" name="" r:id="rId1" imgW="18821400" imgH="7454900" progId="Visio.Drawing.11">
-                  <p:embed/>
-                </p:oleObj>
-              </mc:Choice>
-              <mc:Fallback>
-                <p:oleObj name="" r:id="rId1" imgW="18821400" imgH="7454900" progId="Visio.Drawing.11">
-                  <p:embed/>
-                  <p:pic>
-                    <p:nvPicPr>
-                      <p:cNvPr id="0" name="图片 2"/>
-                      <p:cNvPicPr/>
-                      <p:nvPr/>
-                    </p:nvPicPr>
-                    <p:blipFill>
-                      <a:blip r:embed="rId2"/>
-                      <a:stretch>
-                        <a:fillRect/>
-                      </a:stretch>
-                    </p:blipFill>
-                    <p:spPr>
-                      <a:xfrm>
-                        <a:off x="909320" y="1838960"/>
-                        <a:ext cx="10746105" cy="4665345"/>
-                      </a:xfrm>
-                      <a:prstGeom prst="rect">
-                        <a:avLst/>
-                      </a:prstGeom>
-                    </p:spPr>
-                  </p:pic>
-                </p:oleObj>
-              </mc:Fallback>
-            </mc:AlternateContent>
-          </a:graphicData>
-        </a:graphic>
-      </p:graphicFrame>
-    </p:spTree>
-  </p:cSld>
-  <p:clrMapOvr>
-    <a:masterClrMapping/>
-  </p:clrMapOvr>
-  <mc:AlternateContent xmlns:mc="http://schemas.openxmlformats.org/markup-compatibility/2006">
-    <mc:Choice xmlns:p14="http://schemas.microsoft.com/office/powerpoint/2010/main" Requires="p14">
-      <p:transition spd="slow" p14:dur="1500" advClick="0" advTm="3000">
-        <p:split orient="vert"/>
-      </p:transition>
-    </mc:Choice>
-    <mc:Fallback>
-      <p:transition spd="slow" advClick="0" advTm="3000">
-        <p:split orient="vert"/>
-      </p:transition>
-    </mc:Fallback>
-  </mc:AlternateContent>
-</p:sld>
-</file>
-
-<file path=ppt/slides/slide13.xml><?xml version="1.0" encoding="utf-8"?>
 <p:sld xmlns:a="http://schemas.openxmlformats.org/drawingml/2006/main" xmlns:r="http://schemas.openxmlformats.org/officeDocument/2006/relationships" xmlns:p="http://schemas.openxmlformats.org/presentationml/2006/main">
   <p:cSld>
     <p:spTree>
@@ -8715,12 +7348,421 @@
   </p:clrMapOvr>
   <mc:AlternateContent xmlns:mc="http://schemas.openxmlformats.org/markup-compatibility/2006">
     <mc:Choice xmlns:p14="http://schemas.microsoft.com/office/powerpoint/2010/main" Requires="p14">
-      <p:transition spd="slow" p14:dur="1500" advClick="0" advTm="3000">
+      <p:transition spd="slow" p14:dur="1500">
         <p:split orient="vert"/>
       </p:transition>
     </mc:Choice>
     <mc:Fallback>
-      <p:transition spd="slow" advClick="0" advTm="3000">
+      <p:transition spd="slow">
+        <p:split orient="vert"/>
+      </p:transition>
+    </mc:Fallback>
+  </mc:AlternateContent>
+</p:sld>
+</file>
+
+<file path=ppt/slides/slide13.xml><?xml version="1.0" encoding="utf-8"?>
+<p:sld xmlns:a="http://schemas.openxmlformats.org/drawingml/2006/main" xmlns:r="http://schemas.openxmlformats.org/officeDocument/2006/relationships" xmlns:p="http://schemas.openxmlformats.org/presentationml/2006/main">
+  <p:cSld>
+    <p:spTree>
+      <p:nvGrpSpPr>
+        <p:cNvPr id="1" name=""/>
+        <p:cNvGrpSpPr/>
+        <p:nvPr/>
+      </p:nvGrpSpPr>
+      <p:grpSpPr>
+        <a:xfrm>
+          <a:off x="0" y="0"/>
+          <a:ext cx="0" cy="0"/>
+          <a:chOff x="0" y="0"/>
+          <a:chExt cx="0" cy="0"/>
+        </a:xfrm>
+      </p:grpSpPr>
+      <p:sp>
+        <p:nvSpPr>
+          <p:cNvPr id="25" name="不完整圆 24"/>
+          <p:cNvSpPr/>
+          <p:nvPr/>
+        </p:nvSpPr>
+        <p:spPr>
+          <a:xfrm>
+            <a:off x="317243" y="254362"/>
+            <a:ext cx="317240" cy="317240"/>
+          </a:xfrm>
+          <a:prstGeom prst="pie">
+            <a:avLst/>
+          </a:prstGeom>
+          <a:ln>
+            <a:noFill/>
+          </a:ln>
+        </p:spPr>
+        <p:style>
+          <a:lnRef idx="2">
+            <a:schemeClr val="accent1">
+              <a:shade val="50000"/>
+            </a:schemeClr>
+          </a:lnRef>
+          <a:fillRef idx="1">
+            <a:schemeClr val="accent1"/>
+          </a:fillRef>
+          <a:effectRef idx="0">
+            <a:schemeClr val="accent1"/>
+          </a:effectRef>
+          <a:fontRef idx="minor">
+            <a:schemeClr val="lt1"/>
+          </a:fontRef>
+        </p:style>
+        <p:txBody>
+          <a:bodyPr rtlCol="0" anchor="ctr"/>
+          <a:lstStyle/>
+          <a:p>
+            <a:pPr algn="ctr"/>
+            <a:endParaRPr lang="zh-CN" altLang="en-US">
+              <a:solidFill>
+                <a:schemeClr val="tx1"/>
+              </a:solidFill>
+            </a:endParaRPr>
+          </a:p>
+        </p:txBody>
+      </p:sp>
+      <p:sp>
+        <p:nvSpPr>
+          <p:cNvPr id="26" name="文本框 25"/>
+          <p:cNvSpPr txBox="1">
+            <a:spLocks noChangeArrowheads="1"/>
+          </p:cNvSpPr>
+          <p:nvPr/>
+        </p:nvSpPr>
+        <p:spPr bwMode="auto">
+          <a:xfrm>
+            <a:off x="657903" y="182150"/>
+            <a:ext cx="1402080" cy="460375"/>
+          </a:xfrm>
+          <a:prstGeom prst="rect">
+            <a:avLst/>
+          </a:prstGeom>
+          <a:noFill/>
+          <a:ln>
+            <a:noFill/>
+          </a:ln>
+          <a:extLst>
+            <a:ext uri="{909E8E84-426E-40DD-AFC4-6F175D3DCCD1}">
+              <a14:hiddenFill xmlns:a14="http://schemas.microsoft.com/office/drawing/2010/main">
+                <a:solidFill>
+                  <a:srgbClr val="FFFFFF"/>
+                </a:solidFill>
+              </a14:hiddenFill>
+            </a:ext>
+            <a:ext uri="{91240B29-F687-4F45-9708-019B960494DF}">
+              <a14:hiddenLine xmlns:a14="http://schemas.microsoft.com/office/drawing/2010/main" w="9525">
+                <a:solidFill>
+                  <a:srgbClr val="000000"/>
+                </a:solidFill>
+                <a:miter lim="800000"/>
+                <a:headEnd/>
+                <a:tailEnd/>
+              </a14:hiddenLine>
+            </a:ext>
+          </a:extLst>
+        </p:spPr>
+        <p:txBody>
+          <a:bodyPr wrap="none">
+            <a:spAutoFit/>
+          </a:bodyPr>
+          <a:lstStyle>
+            <a:lvl1pPr>
+              <a:lnSpc>
+                <a:spcPct val="90000"/>
+              </a:lnSpc>
+              <a:spcBef>
+                <a:spcPts val="1000"/>
+              </a:spcBef>
+              <a:buFont typeface="Arial" panose="020B0604020202020204" pitchFamily="34" charset="0"/>
+              <a:buChar char="•"/>
+              <a:defRPr sz="2800">
+                <a:solidFill>
+                  <a:schemeClr val="tx1"/>
+                </a:solidFill>
+                <a:latin typeface="Calibri" panose="020F0502020204030204" pitchFamily="34" charset="0"/>
+                <a:ea typeface="宋体" panose="02010600030101010101" pitchFamily="2" charset="-122"/>
+              </a:defRPr>
+            </a:lvl1pPr>
+            <a:lvl2pPr marL="742950" indent="-285750">
+              <a:lnSpc>
+                <a:spcPct val="90000"/>
+              </a:lnSpc>
+              <a:spcBef>
+                <a:spcPts val="500"/>
+              </a:spcBef>
+              <a:buFont typeface="Arial" panose="020B0604020202020204" pitchFamily="34" charset="0"/>
+              <a:buChar char="•"/>
+              <a:defRPr sz="2400">
+                <a:solidFill>
+                  <a:schemeClr val="tx1"/>
+                </a:solidFill>
+                <a:latin typeface="Calibri" panose="020F0502020204030204" pitchFamily="34" charset="0"/>
+                <a:ea typeface="宋体" panose="02010600030101010101" pitchFamily="2" charset="-122"/>
+              </a:defRPr>
+            </a:lvl2pPr>
+            <a:lvl3pPr marL="1143000" indent="-228600">
+              <a:lnSpc>
+                <a:spcPct val="90000"/>
+              </a:lnSpc>
+              <a:spcBef>
+                <a:spcPts val="500"/>
+              </a:spcBef>
+              <a:buFont typeface="Arial" panose="020B0604020202020204" pitchFamily="34" charset="0"/>
+              <a:buChar char="•"/>
+              <a:defRPr sz="2000">
+                <a:solidFill>
+                  <a:schemeClr val="tx1"/>
+                </a:solidFill>
+                <a:latin typeface="Calibri" panose="020F0502020204030204" pitchFamily="34" charset="0"/>
+                <a:ea typeface="宋体" panose="02010600030101010101" pitchFamily="2" charset="-122"/>
+              </a:defRPr>
+            </a:lvl3pPr>
+            <a:lvl4pPr marL="1600200" indent="-228600">
+              <a:lnSpc>
+                <a:spcPct val="90000"/>
+              </a:lnSpc>
+              <a:spcBef>
+                <a:spcPts val="500"/>
+              </a:spcBef>
+              <a:buFont typeface="Arial" panose="020B0604020202020204" pitchFamily="34" charset="0"/>
+              <a:buChar char="•"/>
+              <a:defRPr>
+                <a:solidFill>
+                  <a:schemeClr val="tx1"/>
+                </a:solidFill>
+                <a:latin typeface="Calibri" panose="020F0502020204030204" pitchFamily="34" charset="0"/>
+                <a:ea typeface="宋体" panose="02010600030101010101" pitchFamily="2" charset="-122"/>
+              </a:defRPr>
+            </a:lvl4pPr>
+            <a:lvl5pPr marL="2057400" indent="-228600">
+              <a:lnSpc>
+                <a:spcPct val="90000"/>
+              </a:lnSpc>
+              <a:spcBef>
+                <a:spcPts val="500"/>
+              </a:spcBef>
+              <a:buFont typeface="Arial" panose="020B0604020202020204" pitchFamily="34" charset="0"/>
+              <a:buChar char="•"/>
+              <a:defRPr>
+                <a:solidFill>
+                  <a:schemeClr val="tx1"/>
+                </a:solidFill>
+                <a:latin typeface="Calibri" panose="020F0502020204030204" pitchFamily="34" charset="0"/>
+                <a:ea typeface="宋体" panose="02010600030101010101" pitchFamily="2" charset="-122"/>
+              </a:defRPr>
+            </a:lvl5pPr>
+            <a:lvl6pPr marL="2514600" indent="-228600" fontAlgn="base">
+              <a:lnSpc>
+                <a:spcPct val="90000"/>
+              </a:lnSpc>
+              <a:spcBef>
+                <a:spcPts val="500"/>
+              </a:spcBef>
+              <a:spcAft>
+                <a:spcPct val="0"/>
+              </a:spcAft>
+              <a:buFont typeface="Arial" panose="020B0604020202020204" pitchFamily="34" charset="0"/>
+              <a:buChar char="•"/>
+              <a:defRPr>
+                <a:solidFill>
+                  <a:schemeClr val="tx1"/>
+                </a:solidFill>
+                <a:latin typeface="Calibri" panose="020F0502020204030204" pitchFamily="34" charset="0"/>
+                <a:ea typeface="宋体" panose="02010600030101010101" pitchFamily="2" charset="-122"/>
+              </a:defRPr>
+            </a:lvl6pPr>
+            <a:lvl7pPr marL="2971800" indent="-228600" fontAlgn="base">
+              <a:lnSpc>
+                <a:spcPct val="90000"/>
+              </a:lnSpc>
+              <a:spcBef>
+                <a:spcPts val="500"/>
+              </a:spcBef>
+              <a:spcAft>
+                <a:spcPct val="0"/>
+              </a:spcAft>
+              <a:buFont typeface="Arial" panose="020B0604020202020204" pitchFamily="34" charset="0"/>
+              <a:buChar char="•"/>
+              <a:defRPr>
+                <a:solidFill>
+                  <a:schemeClr val="tx1"/>
+                </a:solidFill>
+                <a:latin typeface="Calibri" panose="020F0502020204030204" pitchFamily="34" charset="0"/>
+                <a:ea typeface="宋体" panose="02010600030101010101" pitchFamily="2" charset="-122"/>
+              </a:defRPr>
+            </a:lvl7pPr>
+            <a:lvl8pPr marL="3429000" indent="-228600" fontAlgn="base">
+              <a:lnSpc>
+                <a:spcPct val="90000"/>
+              </a:lnSpc>
+              <a:spcBef>
+                <a:spcPts val="500"/>
+              </a:spcBef>
+              <a:spcAft>
+                <a:spcPct val="0"/>
+              </a:spcAft>
+              <a:buFont typeface="Arial" panose="020B0604020202020204" pitchFamily="34" charset="0"/>
+              <a:buChar char="•"/>
+              <a:defRPr>
+                <a:solidFill>
+                  <a:schemeClr val="tx1"/>
+                </a:solidFill>
+                <a:latin typeface="Calibri" panose="020F0502020204030204" pitchFamily="34" charset="0"/>
+                <a:ea typeface="宋体" panose="02010600030101010101" pitchFamily="2" charset="-122"/>
+              </a:defRPr>
+            </a:lvl8pPr>
+            <a:lvl9pPr marL="3886200" indent="-228600" fontAlgn="base">
+              <a:lnSpc>
+                <a:spcPct val="90000"/>
+              </a:lnSpc>
+              <a:spcBef>
+                <a:spcPts val="500"/>
+              </a:spcBef>
+              <a:spcAft>
+                <a:spcPct val="0"/>
+              </a:spcAft>
+              <a:buFont typeface="Arial" panose="020B0604020202020204" pitchFamily="34" charset="0"/>
+              <a:buChar char="•"/>
+              <a:defRPr>
+                <a:solidFill>
+                  <a:schemeClr val="tx1"/>
+                </a:solidFill>
+                <a:latin typeface="Calibri" panose="020F0502020204030204" pitchFamily="34" charset="0"/>
+                <a:ea typeface="宋体" panose="02010600030101010101" pitchFamily="2" charset="-122"/>
+              </a:defRPr>
+            </a:lvl9pPr>
+          </a:lstStyle>
+          <a:p>
+            <a:pPr algn="l" fontAlgn="base">
+              <a:lnSpc>
+                <a:spcPct val="100000"/>
+              </a:lnSpc>
+              <a:spcBef>
+                <a:spcPct val="0"/>
+              </a:spcBef>
+              <a:spcAft>
+                <a:spcPct val="0"/>
+              </a:spcAft>
+              <a:buFontTx/>
+              <a:buNone/>
+            </a:pPr>
+            <a:r>
+              <a:rPr lang="zh-CN" altLang="en-US" sz="2400" b="1" dirty="0">
+                <a:solidFill>
+                  <a:srgbClr val="000000"/>
+                </a:solidFill>
+                <a:latin typeface="微软雅黑" panose="020B0503020204020204" pitchFamily="34" charset="-122"/>
+                <a:ea typeface="微软雅黑" panose="020B0503020204020204" pitchFamily="34" charset="-122"/>
+                <a:sym typeface="+mn-ea"/>
+              </a:rPr>
+              <a:t>系统实现</a:t>
+            </a:r>
+            <a:endParaRPr lang="zh-CN" altLang="en-US" sz="2400" dirty="0">
+              <a:solidFill>
+                <a:srgbClr val="000000"/>
+              </a:solidFill>
+              <a:latin typeface="微软雅黑" panose="020B0503020204020204" pitchFamily="34" charset="-122"/>
+              <a:ea typeface="微软雅黑" panose="020B0503020204020204" pitchFamily="34" charset="-122"/>
+            </a:endParaRPr>
+          </a:p>
+        </p:txBody>
+      </p:sp>
+      <p:pic>
+        <p:nvPicPr>
+          <p:cNvPr id="28" name="图片 27"/>
+          <p:cNvPicPr>
+            <a:picLocks noChangeAspect="1"/>
+          </p:cNvPicPr>
+          <p:nvPr/>
+        </p:nvPicPr>
+        <p:blipFill>
+          <a:blip r:embed="rId1"/>
+          <a:stretch>
+            <a:fillRect/>
+          </a:stretch>
+        </p:blipFill>
+        <p:spPr>
+          <a:xfrm>
+            <a:off x="635000" y="1289050"/>
+            <a:ext cx="10673080" cy="5208905"/>
+          </a:xfrm>
+          <a:prstGeom prst="rect">
+            <a:avLst/>
+          </a:prstGeom>
+        </p:spPr>
+      </p:pic>
+      <p:sp>
+        <p:nvSpPr>
+          <p:cNvPr id="29" name="文本框 28"/>
+          <p:cNvSpPr txBox="1"/>
+          <p:nvPr/>
+        </p:nvSpPr>
+        <p:spPr>
+          <a:xfrm>
+            <a:off x="549275" y="857885"/>
+            <a:ext cx="2011680" cy="368300"/>
+          </a:xfrm>
+          <a:prstGeom prst="rect">
+            <a:avLst/>
+          </a:prstGeom>
+          <a:noFill/>
+        </p:spPr>
+        <p:txBody>
+          <a:bodyPr wrap="none" rtlCol="0">
+            <a:spAutoFit/>
+            <a:scene3d>
+              <a:camera prst="orthographicFront"/>
+              <a:lightRig rig="threePt" dir="t"/>
+            </a:scene3d>
+          </a:bodyPr>
+          <a:p>
+            <a:r>
+              <a:rPr lang="zh-CN" altLang="en-US">
+                <a:solidFill>
+                  <a:schemeClr val="accent1"/>
+                </a:solidFill>
+                <a:effectLst>
+                  <a:outerShdw blurRad="38100" dist="25400" dir="5400000" algn="ctr" rotWithShape="0">
+                    <a:srgbClr val="6E747A">
+                      <a:alpha val="43000"/>
+                    </a:srgbClr>
+                  </a:outerShdw>
+                </a:effectLst>
+              </a:rPr>
+              <a:t>系统管理系统界面</a:t>
+            </a:r>
+            <a:endParaRPr lang="zh-CN" altLang="en-US">
+              <a:solidFill>
+                <a:schemeClr val="accent1"/>
+              </a:solidFill>
+              <a:effectLst>
+                <a:outerShdw blurRad="38100" dist="25400" dir="5400000" algn="ctr" rotWithShape="0">
+                  <a:srgbClr val="6E747A">
+                    <a:alpha val="43000"/>
+                  </a:srgbClr>
+                </a:outerShdw>
+              </a:effectLst>
+            </a:endParaRPr>
+          </a:p>
+        </p:txBody>
+      </p:sp>
+    </p:spTree>
+  </p:cSld>
+  <p:clrMapOvr>
+    <a:masterClrMapping/>
+  </p:clrMapOvr>
+  <mc:AlternateContent xmlns:mc="http://schemas.openxmlformats.org/markup-compatibility/2006">
+    <mc:Choice xmlns:p14="http://schemas.microsoft.com/office/powerpoint/2010/main" Requires="p14">
+      <p:transition spd="slow" p14:dur="1500">
+        <p:split orient="vert"/>
+      </p:transition>
+    </mc:Choice>
+    <mc:Fallback>
+      <p:transition spd="slow">
         <p:split orient="vert"/>
       </p:transition>
     </mc:Fallback>
@@ -9038,30 +8080,6 @@
           </a:p>
         </p:txBody>
       </p:sp>
-      <p:pic>
-        <p:nvPicPr>
-          <p:cNvPr id="28" name="图片 27"/>
-          <p:cNvPicPr>
-            <a:picLocks noChangeAspect="1"/>
-          </p:cNvPicPr>
-          <p:nvPr/>
-        </p:nvPicPr>
-        <p:blipFill>
-          <a:blip r:embed="rId1"/>
-          <a:stretch>
-            <a:fillRect/>
-          </a:stretch>
-        </p:blipFill>
-        <p:spPr>
-          <a:xfrm>
-            <a:off x="635000" y="1289050"/>
-            <a:ext cx="10673080" cy="5208905"/>
-          </a:xfrm>
-          <a:prstGeom prst="rect">
-            <a:avLst/>
-          </a:prstGeom>
-        </p:spPr>
-      </p:pic>
       <p:sp>
         <p:nvSpPr>
           <p:cNvPr id="29" name="文本框 28"/>
@@ -9100,7 +8118,7 @@
                   </a:outerShdw>
                 </a:effectLst>
               </a:rPr>
-              <a:t>系统管理系统界面</a:t>
+              <a:t>系统收银系统界面</a:t>
             </a:r>
             <a:endParaRPr lang="zh-CN" altLang="en-US">
               <a:solidFill>
@@ -9117,6 +8135,30 @@
           </a:p>
         </p:txBody>
       </p:sp>
+      <p:pic>
+        <p:nvPicPr>
+          <p:cNvPr id="2" name="图片 1"/>
+          <p:cNvPicPr>
+            <a:picLocks noChangeAspect="1"/>
+          </p:cNvPicPr>
+          <p:nvPr/>
+        </p:nvPicPr>
+        <p:blipFill>
+          <a:blip r:embed="rId1"/>
+          <a:stretch>
+            <a:fillRect/>
+          </a:stretch>
+        </p:blipFill>
+        <p:spPr>
+          <a:xfrm>
+            <a:off x="657860" y="1437005"/>
+            <a:ext cx="10523855" cy="5109210"/>
+          </a:xfrm>
+          <a:prstGeom prst="rect">
+            <a:avLst/>
+          </a:prstGeom>
+        </p:spPr>
+      </p:pic>
     </p:spTree>
   </p:cSld>
   <p:clrMapOvr>
@@ -9124,12 +8166,12 @@
   </p:clrMapOvr>
   <mc:AlternateContent xmlns:mc="http://schemas.openxmlformats.org/markup-compatibility/2006">
     <mc:Choice xmlns:p14="http://schemas.microsoft.com/office/powerpoint/2010/main" Requires="p14">
-      <p:transition spd="slow" p14:dur="1500" advClick="0" advTm="3000">
+      <p:transition spd="slow" p14:dur="1500">
         <p:split orient="vert"/>
       </p:transition>
     </mc:Choice>
     <mc:Fallback>
-      <p:transition spd="slow" advClick="0" advTm="3000">
+      <p:transition spd="slow">
         <p:split orient="vert"/>
       </p:transition>
     </mc:Fallback>
@@ -9455,8 +8497,8 @@
         </p:nvSpPr>
         <p:spPr>
           <a:xfrm>
-            <a:off x="549275" y="857885"/>
-            <a:ext cx="2011680" cy="368300"/>
+            <a:off x="434975" y="858520"/>
+            <a:ext cx="1554480" cy="368300"/>
           </a:xfrm>
           <a:prstGeom prst="rect">
             <a:avLst/>
@@ -9485,7 +8527,7 @@
                   </a:outerShdw>
                 </a:effectLst>
               </a:rPr>
-              <a:t>系统收银系统界面</a:t>
+              <a:t>销售记录界面</a:t>
             </a:r>
             <a:endParaRPr lang="zh-CN" altLang="en-US">
               <a:solidFill>
@@ -9504,7 +8546,7 @@
       </p:sp>
       <p:pic>
         <p:nvPicPr>
-          <p:cNvPr id="2" name="图片 1"/>
+          <p:cNvPr id="3" name="图片 2"/>
           <p:cNvPicPr>
             <a:picLocks noChangeAspect="1"/>
           </p:cNvPicPr>
@@ -9518,8 +8560,8 @@
         </p:blipFill>
         <p:spPr>
           <a:xfrm>
-            <a:off x="657860" y="1437005"/>
-            <a:ext cx="10523855" cy="5109210"/>
+            <a:off x="434975" y="1423670"/>
+            <a:ext cx="11677015" cy="4624070"/>
           </a:xfrm>
           <a:prstGeom prst="rect">
             <a:avLst/>
@@ -9533,12 +8575,12 @@
   </p:clrMapOvr>
   <mc:AlternateContent xmlns:mc="http://schemas.openxmlformats.org/markup-compatibility/2006">
     <mc:Choice xmlns:p14="http://schemas.microsoft.com/office/powerpoint/2010/main" Requires="p14">
-      <p:transition spd="slow" p14:dur="1500" advClick="0" advTm="3000">
+      <p:transition spd="slow" p14:dur="1500">
         <p:split orient="vert"/>
       </p:transition>
     </mc:Choice>
     <mc:Fallback>
-      <p:transition spd="slow" advClick="0" advTm="3000">
+      <p:transition spd="slow">
         <p:split orient="vert"/>
       </p:transition>
     </mc:Fallback>
@@ -9913,415 +8955,6 @@
       </p:sp>
       <p:pic>
         <p:nvPicPr>
-          <p:cNvPr id="3" name="图片 2"/>
-          <p:cNvPicPr>
-            <a:picLocks noChangeAspect="1"/>
-          </p:cNvPicPr>
-          <p:nvPr/>
-        </p:nvPicPr>
-        <p:blipFill>
-          <a:blip r:embed="rId1"/>
-          <a:stretch>
-            <a:fillRect/>
-          </a:stretch>
-        </p:blipFill>
-        <p:spPr>
-          <a:xfrm>
-            <a:off x="434975" y="1423670"/>
-            <a:ext cx="11677015" cy="4624070"/>
-          </a:xfrm>
-          <a:prstGeom prst="rect">
-            <a:avLst/>
-          </a:prstGeom>
-        </p:spPr>
-      </p:pic>
-    </p:spTree>
-  </p:cSld>
-  <p:clrMapOvr>
-    <a:masterClrMapping/>
-  </p:clrMapOvr>
-  <mc:AlternateContent xmlns:mc="http://schemas.openxmlformats.org/markup-compatibility/2006">
-    <mc:Choice xmlns:p14="http://schemas.microsoft.com/office/powerpoint/2010/main" Requires="p14">
-      <p:transition spd="slow" p14:dur="1500" advClick="0" advTm="3000">
-        <p:split orient="vert"/>
-      </p:transition>
-    </mc:Choice>
-    <mc:Fallback>
-      <p:transition spd="slow" advClick="0" advTm="3000">
-        <p:split orient="vert"/>
-      </p:transition>
-    </mc:Fallback>
-  </mc:AlternateContent>
-</p:sld>
-</file>
-
-<file path=ppt/slides/slide17.xml><?xml version="1.0" encoding="utf-8"?>
-<p:sld xmlns:a="http://schemas.openxmlformats.org/drawingml/2006/main" xmlns:r="http://schemas.openxmlformats.org/officeDocument/2006/relationships" xmlns:p="http://schemas.openxmlformats.org/presentationml/2006/main">
-  <p:cSld>
-    <p:spTree>
-      <p:nvGrpSpPr>
-        <p:cNvPr id="1" name=""/>
-        <p:cNvGrpSpPr/>
-        <p:nvPr/>
-      </p:nvGrpSpPr>
-      <p:grpSpPr>
-        <a:xfrm>
-          <a:off x="0" y="0"/>
-          <a:ext cx="0" cy="0"/>
-          <a:chOff x="0" y="0"/>
-          <a:chExt cx="0" cy="0"/>
-        </a:xfrm>
-      </p:grpSpPr>
-      <p:sp>
-        <p:nvSpPr>
-          <p:cNvPr id="25" name="不完整圆 24"/>
-          <p:cNvSpPr/>
-          <p:nvPr/>
-        </p:nvSpPr>
-        <p:spPr>
-          <a:xfrm>
-            <a:off x="317243" y="254362"/>
-            <a:ext cx="317240" cy="317240"/>
-          </a:xfrm>
-          <a:prstGeom prst="pie">
-            <a:avLst/>
-          </a:prstGeom>
-          <a:ln>
-            <a:noFill/>
-          </a:ln>
-        </p:spPr>
-        <p:style>
-          <a:lnRef idx="2">
-            <a:schemeClr val="accent1">
-              <a:shade val="50000"/>
-            </a:schemeClr>
-          </a:lnRef>
-          <a:fillRef idx="1">
-            <a:schemeClr val="accent1"/>
-          </a:fillRef>
-          <a:effectRef idx="0">
-            <a:schemeClr val="accent1"/>
-          </a:effectRef>
-          <a:fontRef idx="minor">
-            <a:schemeClr val="lt1"/>
-          </a:fontRef>
-        </p:style>
-        <p:txBody>
-          <a:bodyPr rtlCol="0" anchor="ctr"/>
-          <a:lstStyle/>
-          <a:p>
-            <a:pPr algn="ctr"/>
-            <a:endParaRPr lang="zh-CN" altLang="en-US">
-              <a:solidFill>
-                <a:schemeClr val="tx1"/>
-              </a:solidFill>
-            </a:endParaRPr>
-          </a:p>
-        </p:txBody>
-      </p:sp>
-      <p:sp>
-        <p:nvSpPr>
-          <p:cNvPr id="26" name="文本框 25"/>
-          <p:cNvSpPr txBox="1">
-            <a:spLocks noChangeArrowheads="1"/>
-          </p:cNvSpPr>
-          <p:nvPr/>
-        </p:nvSpPr>
-        <p:spPr bwMode="auto">
-          <a:xfrm>
-            <a:off x="657903" y="182150"/>
-            <a:ext cx="1402080" cy="460375"/>
-          </a:xfrm>
-          <a:prstGeom prst="rect">
-            <a:avLst/>
-          </a:prstGeom>
-          <a:noFill/>
-          <a:ln>
-            <a:noFill/>
-          </a:ln>
-          <a:extLst>
-            <a:ext uri="{909E8E84-426E-40DD-AFC4-6F175D3DCCD1}">
-              <a14:hiddenFill xmlns:a14="http://schemas.microsoft.com/office/drawing/2010/main">
-                <a:solidFill>
-                  <a:srgbClr val="FFFFFF"/>
-                </a:solidFill>
-              </a14:hiddenFill>
-            </a:ext>
-            <a:ext uri="{91240B29-F687-4F45-9708-019B960494DF}">
-              <a14:hiddenLine xmlns:a14="http://schemas.microsoft.com/office/drawing/2010/main" w="9525">
-                <a:solidFill>
-                  <a:srgbClr val="000000"/>
-                </a:solidFill>
-                <a:miter lim="800000"/>
-                <a:headEnd/>
-                <a:tailEnd/>
-              </a14:hiddenLine>
-            </a:ext>
-          </a:extLst>
-        </p:spPr>
-        <p:txBody>
-          <a:bodyPr wrap="none">
-            <a:spAutoFit/>
-          </a:bodyPr>
-          <a:lstStyle>
-            <a:lvl1pPr>
-              <a:lnSpc>
-                <a:spcPct val="90000"/>
-              </a:lnSpc>
-              <a:spcBef>
-                <a:spcPts val="1000"/>
-              </a:spcBef>
-              <a:buFont typeface="Arial" panose="020B0604020202020204" pitchFamily="34" charset="0"/>
-              <a:buChar char="•"/>
-              <a:defRPr sz="2800">
-                <a:solidFill>
-                  <a:schemeClr val="tx1"/>
-                </a:solidFill>
-                <a:latin typeface="Calibri" panose="020F0502020204030204" pitchFamily="34" charset="0"/>
-                <a:ea typeface="宋体" panose="02010600030101010101" pitchFamily="2" charset="-122"/>
-              </a:defRPr>
-            </a:lvl1pPr>
-            <a:lvl2pPr marL="742950" indent="-285750">
-              <a:lnSpc>
-                <a:spcPct val="90000"/>
-              </a:lnSpc>
-              <a:spcBef>
-                <a:spcPts val="500"/>
-              </a:spcBef>
-              <a:buFont typeface="Arial" panose="020B0604020202020204" pitchFamily="34" charset="0"/>
-              <a:buChar char="•"/>
-              <a:defRPr sz="2400">
-                <a:solidFill>
-                  <a:schemeClr val="tx1"/>
-                </a:solidFill>
-                <a:latin typeface="Calibri" panose="020F0502020204030204" pitchFamily="34" charset="0"/>
-                <a:ea typeface="宋体" panose="02010600030101010101" pitchFamily="2" charset="-122"/>
-              </a:defRPr>
-            </a:lvl2pPr>
-            <a:lvl3pPr marL="1143000" indent="-228600">
-              <a:lnSpc>
-                <a:spcPct val="90000"/>
-              </a:lnSpc>
-              <a:spcBef>
-                <a:spcPts val="500"/>
-              </a:spcBef>
-              <a:buFont typeface="Arial" panose="020B0604020202020204" pitchFamily="34" charset="0"/>
-              <a:buChar char="•"/>
-              <a:defRPr sz="2000">
-                <a:solidFill>
-                  <a:schemeClr val="tx1"/>
-                </a:solidFill>
-                <a:latin typeface="Calibri" panose="020F0502020204030204" pitchFamily="34" charset="0"/>
-                <a:ea typeface="宋体" panose="02010600030101010101" pitchFamily="2" charset="-122"/>
-              </a:defRPr>
-            </a:lvl3pPr>
-            <a:lvl4pPr marL="1600200" indent="-228600">
-              <a:lnSpc>
-                <a:spcPct val="90000"/>
-              </a:lnSpc>
-              <a:spcBef>
-                <a:spcPts val="500"/>
-              </a:spcBef>
-              <a:buFont typeface="Arial" panose="020B0604020202020204" pitchFamily="34" charset="0"/>
-              <a:buChar char="•"/>
-              <a:defRPr>
-                <a:solidFill>
-                  <a:schemeClr val="tx1"/>
-                </a:solidFill>
-                <a:latin typeface="Calibri" panose="020F0502020204030204" pitchFamily="34" charset="0"/>
-                <a:ea typeface="宋体" panose="02010600030101010101" pitchFamily="2" charset="-122"/>
-              </a:defRPr>
-            </a:lvl4pPr>
-            <a:lvl5pPr marL="2057400" indent="-228600">
-              <a:lnSpc>
-                <a:spcPct val="90000"/>
-              </a:lnSpc>
-              <a:spcBef>
-                <a:spcPts val="500"/>
-              </a:spcBef>
-              <a:buFont typeface="Arial" panose="020B0604020202020204" pitchFamily="34" charset="0"/>
-              <a:buChar char="•"/>
-              <a:defRPr>
-                <a:solidFill>
-                  <a:schemeClr val="tx1"/>
-                </a:solidFill>
-                <a:latin typeface="Calibri" panose="020F0502020204030204" pitchFamily="34" charset="0"/>
-                <a:ea typeface="宋体" panose="02010600030101010101" pitchFamily="2" charset="-122"/>
-              </a:defRPr>
-            </a:lvl5pPr>
-            <a:lvl6pPr marL="2514600" indent="-228600" fontAlgn="base">
-              <a:lnSpc>
-                <a:spcPct val="90000"/>
-              </a:lnSpc>
-              <a:spcBef>
-                <a:spcPts val="500"/>
-              </a:spcBef>
-              <a:spcAft>
-                <a:spcPct val="0"/>
-              </a:spcAft>
-              <a:buFont typeface="Arial" panose="020B0604020202020204" pitchFamily="34" charset="0"/>
-              <a:buChar char="•"/>
-              <a:defRPr>
-                <a:solidFill>
-                  <a:schemeClr val="tx1"/>
-                </a:solidFill>
-                <a:latin typeface="Calibri" panose="020F0502020204030204" pitchFamily="34" charset="0"/>
-                <a:ea typeface="宋体" panose="02010600030101010101" pitchFamily="2" charset="-122"/>
-              </a:defRPr>
-            </a:lvl6pPr>
-            <a:lvl7pPr marL="2971800" indent="-228600" fontAlgn="base">
-              <a:lnSpc>
-                <a:spcPct val="90000"/>
-              </a:lnSpc>
-              <a:spcBef>
-                <a:spcPts val="500"/>
-              </a:spcBef>
-              <a:spcAft>
-                <a:spcPct val="0"/>
-              </a:spcAft>
-              <a:buFont typeface="Arial" panose="020B0604020202020204" pitchFamily="34" charset="0"/>
-              <a:buChar char="•"/>
-              <a:defRPr>
-                <a:solidFill>
-                  <a:schemeClr val="tx1"/>
-                </a:solidFill>
-                <a:latin typeface="Calibri" panose="020F0502020204030204" pitchFamily="34" charset="0"/>
-                <a:ea typeface="宋体" panose="02010600030101010101" pitchFamily="2" charset="-122"/>
-              </a:defRPr>
-            </a:lvl7pPr>
-            <a:lvl8pPr marL="3429000" indent="-228600" fontAlgn="base">
-              <a:lnSpc>
-                <a:spcPct val="90000"/>
-              </a:lnSpc>
-              <a:spcBef>
-                <a:spcPts val="500"/>
-              </a:spcBef>
-              <a:spcAft>
-                <a:spcPct val="0"/>
-              </a:spcAft>
-              <a:buFont typeface="Arial" panose="020B0604020202020204" pitchFamily="34" charset="0"/>
-              <a:buChar char="•"/>
-              <a:defRPr>
-                <a:solidFill>
-                  <a:schemeClr val="tx1"/>
-                </a:solidFill>
-                <a:latin typeface="Calibri" panose="020F0502020204030204" pitchFamily="34" charset="0"/>
-                <a:ea typeface="宋体" panose="02010600030101010101" pitchFamily="2" charset="-122"/>
-              </a:defRPr>
-            </a:lvl8pPr>
-            <a:lvl9pPr marL="3886200" indent="-228600" fontAlgn="base">
-              <a:lnSpc>
-                <a:spcPct val="90000"/>
-              </a:lnSpc>
-              <a:spcBef>
-                <a:spcPts val="500"/>
-              </a:spcBef>
-              <a:spcAft>
-                <a:spcPct val="0"/>
-              </a:spcAft>
-              <a:buFont typeface="Arial" panose="020B0604020202020204" pitchFamily="34" charset="0"/>
-              <a:buChar char="•"/>
-              <a:defRPr>
-                <a:solidFill>
-                  <a:schemeClr val="tx1"/>
-                </a:solidFill>
-                <a:latin typeface="Calibri" panose="020F0502020204030204" pitchFamily="34" charset="0"/>
-                <a:ea typeface="宋体" panose="02010600030101010101" pitchFamily="2" charset="-122"/>
-              </a:defRPr>
-            </a:lvl9pPr>
-          </a:lstStyle>
-          <a:p>
-            <a:pPr algn="l" fontAlgn="base">
-              <a:lnSpc>
-                <a:spcPct val="100000"/>
-              </a:lnSpc>
-              <a:spcBef>
-                <a:spcPct val="0"/>
-              </a:spcBef>
-              <a:spcAft>
-                <a:spcPct val="0"/>
-              </a:spcAft>
-              <a:buFontTx/>
-              <a:buNone/>
-            </a:pPr>
-            <a:r>
-              <a:rPr lang="zh-CN" altLang="en-US" sz="2400" b="1" dirty="0">
-                <a:solidFill>
-                  <a:srgbClr val="000000"/>
-                </a:solidFill>
-                <a:latin typeface="微软雅黑" panose="020B0503020204020204" pitchFamily="34" charset="-122"/>
-                <a:ea typeface="微软雅黑" panose="020B0503020204020204" pitchFamily="34" charset="-122"/>
-                <a:sym typeface="+mn-ea"/>
-              </a:rPr>
-              <a:t>系统实现</a:t>
-            </a:r>
-            <a:endParaRPr lang="zh-CN" altLang="en-US" sz="2400" dirty="0">
-              <a:solidFill>
-                <a:srgbClr val="000000"/>
-              </a:solidFill>
-              <a:latin typeface="微软雅黑" panose="020B0503020204020204" pitchFamily="34" charset="-122"/>
-              <a:ea typeface="微软雅黑" panose="020B0503020204020204" pitchFamily="34" charset="-122"/>
-            </a:endParaRPr>
-          </a:p>
-        </p:txBody>
-      </p:sp>
-      <p:sp>
-        <p:nvSpPr>
-          <p:cNvPr id="29" name="文本框 28"/>
-          <p:cNvSpPr txBox="1"/>
-          <p:nvPr/>
-        </p:nvSpPr>
-        <p:spPr>
-          <a:xfrm>
-            <a:off x="434975" y="858520"/>
-            <a:ext cx="1554480" cy="368300"/>
-          </a:xfrm>
-          <a:prstGeom prst="rect">
-            <a:avLst/>
-          </a:prstGeom>
-          <a:noFill/>
-        </p:spPr>
-        <p:txBody>
-          <a:bodyPr wrap="none" rtlCol="0">
-            <a:spAutoFit/>
-            <a:scene3d>
-              <a:camera prst="orthographicFront"/>
-              <a:lightRig rig="threePt" dir="t"/>
-            </a:scene3d>
-          </a:bodyPr>
-          <a:p>
-            <a:r>
-              <a:rPr lang="zh-CN" altLang="en-US">
-                <a:solidFill>
-                  <a:schemeClr val="accent1"/>
-                </a:solidFill>
-                <a:effectLst>
-                  <a:outerShdw blurRad="38100" dist="25400" dir="5400000" algn="ctr" rotWithShape="0">
-                    <a:srgbClr val="6E747A">
-                      <a:alpha val="43000"/>
-                    </a:srgbClr>
-                  </a:outerShdw>
-                </a:effectLst>
-              </a:rPr>
-              <a:t>销售记录界面</a:t>
-            </a:r>
-            <a:endParaRPr lang="zh-CN" altLang="en-US">
-              <a:solidFill>
-                <a:schemeClr val="accent1"/>
-              </a:solidFill>
-              <a:effectLst>
-                <a:outerShdw blurRad="38100" dist="25400" dir="5400000" algn="ctr" rotWithShape="0">
-                  <a:srgbClr val="6E747A">
-                    <a:alpha val="43000"/>
-                  </a:srgbClr>
-                </a:outerShdw>
-              </a:effectLst>
-            </a:endParaRPr>
-          </a:p>
-        </p:txBody>
-      </p:sp>
-      <p:pic>
-        <p:nvPicPr>
           <p:cNvPr id="2" name="图片 1"/>
           <p:cNvPicPr>
             <a:picLocks noChangeAspect="1"/>
@@ -10351,12 +8984,12 @@
   </p:clrMapOvr>
   <mc:AlternateContent xmlns:mc="http://schemas.openxmlformats.org/markup-compatibility/2006">
     <mc:Choice xmlns:p14="http://schemas.microsoft.com/office/powerpoint/2010/main" Requires="p14">
-      <p:transition spd="slow" p14:dur="1500" advClick="0" advTm="3000">
+      <p:transition spd="slow" p14:dur="1500">
         <p:split orient="vert"/>
       </p:transition>
     </mc:Choice>
     <mc:Fallback>
-      <p:transition spd="slow" advClick="0" advTm="3000">
+      <p:transition spd="slow">
         <p:split orient="vert"/>
       </p:transition>
     </mc:Fallback>
@@ -10364,7 +8997,7 @@
 </p:sld>
 </file>
 
-<file path=ppt/slides/slide18.xml><?xml version="1.0" encoding="utf-8"?>
+<file path=ppt/slides/slide17.xml><?xml version="1.0" encoding="utf-8"?>
 <p:sld xmlns:a="http://schemas.openxmlformats.org/drawingml/2006/main" xmlns:r="http://schemas.openxmlformats.org/officeDocument/2006/relationships" xmlns:p="http://schemas.openxmlformats.org/presentationml/2006/main">
   <p:cSld>
     <p:spTree>
@@ -11084,12 +9717,12 @@
   </p:clrMapOvr>
   <mc:AlternateContent xmlns:mc="http://schemas.openxmlformats.org/markup-compatibility/2006">
     <mc:Choice xmlns:p14="http://schemas.microsoft.com/office/powerpoint/2010/main" Requires="p14">
-      <p:transition spd="slow" p14:dur="1500" advClick="0" advTm="3000">
+      <p:transition spd="slow" p14:dur="1500">
         <p:split orient="vert"/>
       </p:transition>
     </mc:Choice>
     <mc:Fallback>
-      <p:transition spd="slow" advClick="0" advTm="3000">
+      <p:transition spd="slow">
         <p:split orient="vert"/>
       </p:transition>
     </mc:Fallback>
@@ -13000,12 +11633,12 @@
   </p:clrMapOvr>
   <mc:AlternateContent xmlns:mc="http://schemas.openxmlformats.org/markup-compatibility/2006">
     <mc:Choice xmlns:p14="http://schemas.microsoft.com/office/powerpoint/2010/main" Requires="p14">
-      <p:transition spd="slow" p14:dur="1500" advClick="0" advTm="3000">
+      <p:transition spd="slow" p14:dur="1500">
         <p:split orient="vert"/>
       </p:transition>
     </mc:Choice>
     <mc:Fallback>
-      <p:transition spd="slow" advClick="0" advTm="3000">
+      <p:transition spd="slow">
         <p:split orient="vert"/>
       </p:transition>
     </mc:Fallback>
@@ -13933,12 +12566,12 @@
   </p:clrMapOvr>
   <mc:AlternateContent xmlns:mc="http://schemas.openxmlformats.org/markup-compatibility/2006">
     <mc:Choice xmlns:p14="http://schemas.microsoft.com/office/powerpoint/2010/main" Requires="p14">
-      <p:transition spd="slow" p14:dur="1500" advClick="0" advTm="3000">
+      <p:transition spd="slow" p14:dur="1500">
         <p:split orient="vert"/>
       </p:transition>
     </mc:Choice>
     <mc:Fallback>
-      <p:transition spd="slow" advClick="0" advTm="3000">
+      <p:transition spd="slow">
         <p:split orient="vert"/>
       </p:transition>
     </mc:Fallback>
@@ -15198,12 +13831,12 @@
   </p:clrMapOvr>
   <mc:AlternateContent xmlns:mc="http://schemas.openxmlformats.org/markup-compatibility/2006">
     <mc:Choice xmlns:p14="http://schemas.microsoft.com/office/powerpoint/2010/main" Requires="p14">
-      <p:transition spd="slow" p14:dur="1500" advClick="0" advTm="3000">
+      <p:transition spd="slow" p14:dur="1500">
         <p:split orient="vert"/>
       </p:transition>
     </mc:Choice>
     <mc:Fallback>
-      <p:transition spd="slow" advClick="0" advTm="3000">
+      <p:transition spd="slow">
         <p:split orient="vert"/>
       </p:transition>
     </mc:Fallback>
@@ -17517,12 +16150,12 @@
   </p:clrMapOvr>
   <mc:AlternateContent xmlns:mc="http://schemas.openxmlformats.org/markup-compatibility/2006">
     <mc:Choice xmlns:p14="http://schemas.microsoft.com/office/powerpoint/2010/main" Requires="p14">
-      <p:transition spd="slow" p14:dur="1500" advClick="0" advTm="3000">
+      <p:transition spd="slow" p14:dur="1500">
         <p:split orient="vert"/>
       </p:transition>
     </mc:Choice>
     <mc:Fallback>
-      <p:transition spd="slow" advClick="0" advTm="3000">
+      <p:transition spd="slow">
         <p:split orient="vert"/>
       </p:transition>
     </mc:Fallback>
@@ -19312,12 +17945,12 @@
   </p:clrMapOvr>
   <mc:AlternateContent xmlns:mc="http://schemas.openxmlformats.org/markup-compatibility/2006">
     <mc:Choice xmlns:p14="http://schemas.microsoft.com/office/powerpoint/2010/main" Requires="p14">
-      <p:transition spd="slow" p14:dur="1500" advClick="0" advTm="3000">
+      <p:transition spd="slow" p14:dur="1500">
         <p:split orient="vert"/>
       </p:transition>
     </mc:Choice>
     <mc:Fallback>
-      <p:transition spd="slow" advClick="0" advTm="3000">
+      <p:transition spd="slow">
         <p:split orient="vert"/>
       </p:transition>
     </mc:Fallback>
@@ -19720,12 +18353,12 @@
   </p:clrMapOvr>
   <mc:AlternateContent xmlns:mc="http://schemas.openxmlformats.org/markup-compatibility/2006">
     <mc:Choice xmlns:p14="http://schemas.microsoft.com/office/powerpoint/2010/main" Requires="p14">
-      <p:transition spd="slow" p14:dur="1500" advClick="0" advTm="3000">
+      <p:transition spd="slow" p14:dur="1500">
         <p:split orient="vert"/>
       </p:transition>
     </mc:Choice>
     <mc:Fallback>
-      <p:transition spd="slow" advClick="0" advTm="3000">
+      <p:transition spd="slow">
         <p:split orient="vert"/>
       </p:transition>
     </mc:Fallback>
@@ -20714,12 +19347,12 @@
   </p:clrMapOvr>
   <mc:AlternateContent xmlns:mc="http://schemas.openxmlformats.org/markup-compatibility/2006">
     <mc:Choice xmlns:p14="http://schemas.microsoft.com/office/powerpoint/2010/main" Requires="p14">
-      <p:transition spd="slow" p14:dur="1500" advClick="0" advTm="3000">
+      <p:transition spd="slow" p14:dur="1500">
         <p:split orient="vert"/>
       </p:transition>
     </mc:Choice>
     <mc:Fallback>
-      <p:transition spd="slow" advClick="0" advTm="3000">
+      <p:transition spd="slow">
         <p:split orient="vert"/>
       </p:transition>
     </mc:Fallback>
@@ -21820,12 +20453,12 @@
   </p:clrMapOvr>
   <mc:AlternateContent xmlns:mc="http://schemas.openxmlformats.org/markup-compatibility/2006">
     <mc:Choice xmlns:p14="http://schemas.microsoft.com/office/powerpoint/2010/main" Requires="p14">
-      <p:transition spd="slow" p14:dur="1500" advClick="0" advTm="3000">
+      <p:transition spd="slow" p14:dur="1500">
         <p:split orient="vert"/>
       </p:transition>
     </mc:Choice>
     <mc:Fallback>
-      <p:transition spd="slow" advClick="0" advTm="3000">
+      <p:transition spd="slow">
         <p:split orient="vert"/>
       </p:transition>
     </mc:Fallback>

--- a/毕业答辩.pptx
+++ b/毕业答辩.pptx
@@ -8,7 +8,7 @@
     <p:notesMasterId r:id="rId4"/>
   </p:notesMasterIdLst>
   <p:handoutMasterIdLst>
-    <p:handoutMasterId r:id="rId21"/>
+    <p:handoutMasterId r:id="rId20"/>
   </p:handoutMasterIdLst>
   <p:sldIdLst>
     <p:sldId id="257" r:id="rId3"/>
@@ -19,15 +19,14 @@
     <p:sldId id="307" r:id="rId9"/>
     <p:sldId id="309" r:id="rId10"/>
     <p:sldId id="310" r:id="rId11"/>
-    <p:sldId id="311" r:id="rId12"/>
-    <p:sldId id="312" r:id="rId13"/>
-    <p:sldId id="313" r:id="rId14"/>
-    <p:sldId id="314" r:id="rId15"/>
-    <p:sldId id="321" r:id="rId16"/>
-    <p:sldId id="325" r:id="rId17"/>
-    <p:sldId id="326" r:id="rId18"/>
-    <p:sldId id="327" r:id="rId19"/>
-    <p:sldId id="328" r:id="rId20"/>
+    <p:sldId id="312" r:id="rId12"/>
+    <p:sldId id="313" r:id="rId13"/>
+    <p:sldId id="314" r:id="rId14"/>
+    <p:sldId id="321" r:id="rId15"/>
+    <p:sldId id="325" r:id="rId16"/>
+    <p:sldId id="326" r:id="rId17"/>
+    <p:sldId id="327" r:id="rId18"/>
+    <p:sldId id="328" r:id="rId19"/>
   </p:sldIdLst>
   <p:sldSz cx="12192000" cy="6858000"/>
   <p:notesSz cx="6858000" cy="9144000"/>
@@ -857,7 +856,7 @@
           <a:p>
             <a:r>
               <a:rPr lang="en-US" altLang="zh-CN"/>
-              <a:t>6</a:t>
+              <a:t>15</a:t>
             </a:r>
             <a:endParaRPr lang="zh-CN" altLang="en-US"/>
           </a:p>
@@ -936,7 +935,7 @@
           <a:p>
             <a:r>
               <a:rPr lang="en-US" altLang="zh-CN"/>
-              <a:t>15</a:t>
+              <a:t>16</a:t>
             </a:r>
             <a:endParaRPr lang="zh-CN" altLang="en-US"/>
           </a:p>
@@ -1188,85 +1187,6 @@
 </file>
 
 <file path=ppt/notesSlides/notesSlide16.xml><?xml version="1.0" encoding="utf-8"?>
-<p:notes xmlns:a="http://schemas.openxmlformats.org/drawingml/2006/main" xmlns:r="http://schemas.openxmlformats.org/officeDocument/2006/relationships" xmlns:p="http://schemas.openxmlformats.org/presentationml/2006/main">
-  <p:cSld>
-    <p:spTree>
-      <p:nvGrpSpPr>
-        <p:cNvPr id="1" name=""/>
-        <p:cNvGrpSpPr/>
-        <p:nvPr/>
-      </p:nvGrpSpPr>
-      <p:grpSpPr>
-        <a:xfrm>
-          <a:off x="0" y="0"/>
-          <a:ext cx="0" cy="0"/>
-          <a:chOff x="0" y="0"/>
-          <a:chExt cx="0" cy="0"/>
-        </a:xfrm>
-      </p:grpSpPr>
-      <p:sp>
-        <p:nvSpPr>
-          <p:cNvPr id="2" name="幻灯片图像占位符 1"/>
-          <p:cNvSpPr>
-            <a:spLocks noGrp="1" noRot="1" noChangeAspect="1"/>
-          </p:cNvSpPr>
-          <p:nvPr>
-            <p:ph type="sldImg"/>
-          </p:nvPr>
-        </p:nvSpPr>
-        <p:spPr/>
-      </p:sp>
-      <p:sp>
-        <p:nvSpPr>
-          <p:cNvPr id="3" name="备注占位符 2"/>
-          <p:cNvSpPr>
-            <a:spLocks noGrp="1"/>
-          </p:cNvSpPr>
-          <p:nvPr>
-            <p:ph type="body" idx="1"/>
-          </p:nvPr>
-        </p:nvSpPr>
-        <p:spPr/>
-        <p:txBody>
-          <a:bodyPr/>
-          <a:lstStyle/>
-          <a:p>
-            <a:endParaRPr lang="zh-CN" altLang="en-US"/>
-          </a:p>
-        </p:txBody>
-      </p:sp>
-      <p:sp>
-        <p:nvSpPr>
-          <p:cNvPr id="4" name="灯片编号占位符 3"/>
-          <p:cNvSpPr>
-            <a:spLocks noGrp="1"/>
-          </p:cNvSpPr>
-          <p:nvPr>
-            <p:ph type="sldNum" sz="quarter" idx="10"/>
-          </p:nvPr>
-        </p:nvSpPr>
-        <p:spPr/>
-        <p:txBody>
-          <a:bodyPr/>
-          <a:lstStyle/>
-          <a:p>
-            <a:r>
-              <a:rPr lang="en-US" altLang="zh-CN"/>
-              <a:t>16</a:t>
-            </a:r>
-            <a:endParaRPr lang="zh-CN" altLang="en-US"/>
-          </a:p>
-        </p:txBody>
-      </p:sp>
-    </p:spTree>
-  </p:cSld>
-  <p:clrMapOvr>
-    <a:masterClrMapping/>
-  </p:clrMapOvr>
-</p:notes>
-</file>
-
-<file path=ppt/notesSlides/notesSlide17.xml><?xml version="1.0" encoding="utf-8"?>
 <p:notes xmlns:a="http://schemas.openxmlformats.org/drawingml/2006/main" xmlns:r="http://schemas.openxmlformats.org/officeDocument/2006/relationships" xmlns:p="http://schemas.openxmlformats.org/presentationml/2006/main">
   <p:cSld>
     <p:spTree>
@@ -2926,22 +2846,26 @@
         </p:nvSpPr>
         <p:spPr>
           <a:xfrm>
-            <a:off x="5952413" y="3675528"/>
+            <a:off x="4383328" y="4825513"/>
             <a:ext cx="2080726" cy="368300"/>
           </a:xfrm>
           <a:prstGeom prst="rect">
             <a:avLst/>
           </a:prstGeom>
+          <a:noFill/>
+          <a:ln>
+            <a:noFill/>
+          </a:ln>
         </p:spPr>
         <p:style>
           <a:lnRef idx="2">
-            <a:schemeClr val="accent1"/>
+            <a:schemeClr val="dk1"/>
           </a:lnRef>
           <a:fillRef idx="1">
             <a:schemeClr val="lt1"/>
           </a:fillRef>
           <a:effectRef idx="0">
-            <a:schemeClr val="accent1"/>
+            <a:schemeClr val="dk1"/>
           </a:effectRef>
           <a:fontRef idx="minor">
             <a:schemeClr val="dk1"/>
@@ -2953,7 +2877,7 @@
           </a:bodyPr>
           <a:lstStyle/>
           <a:p>
-            <a:pPr algn="ctr"/>
+            <a:pPr algn="l"/>
             <a:r>
               <a:rPr lang="zh-CN" altLang="en-US">
                 <a:solidFill>
@@ -3050,54 +2974,32 @@
       </p:sp>
       <p:sp>
         <p:nvSpPr>
-          <p:cNvPr id="2" name="文本框 1"/>
-          <p:cNvSpPr txBox="1"/>
-          <p:nvPr/>
-        </p:nvSpPr>
-        <p:spPr>
-          <a:xfrm>
-            <a:off x="3414395" y="3908425"/>
-            <a:ext cx="5061585" cy="368300"/>
-          </a:xfrm>
-          <a:prstGeom prst="rect">
-            <a:avLst/>
-          </a:prstGeom>
-          <a:noFill/>
-        </p:spPr>
-        <p:txBody>
-          <a:bodyPr wrap="square" rtlCol="0">
-            <a:spAutoFit/>
-          </a:bodyPr>
-          <a:p>
-            <a:pPr algn="ctr"/>
-            <a:endParaRPr lang="zh-CN" altLang="en-US"/>
-          </a:p>
-        </p:txBody>
-      </p:sp>
-      <p:sp>
-        <p:nvSpPr>
           <p:cNvPr id="3" name="文本框 2"/>
           <p:cNvSpPr txBox="1"/>
           <p:nvPr/>
         </p:nvSpPr>
         <p:spPr>
           <a:xfrm>
-            <a:off x="4182110" y="4245610"/>
-            <a:ext cx="2949575" cy="368300"/>
+            <a:off x="4383405" y="4245610"/>
+            <a:ext cx="2185035" cy="368300"/>
           </a:xfrm>
           <a:prstGeom prst="rect">
             <a:avLst/>
           </a:prstGeom>
+          <a:noFill/>
+          <a:ln>
+            <a:noFill/>
+          </a:ln>
         </p:spPr>
         <p:style>
           <a:lnRef idx="2">
-            <a:schemeClr val="accent1"/>
+            <a:schemeClr val="dk1"/>
           </a:lnRef>
           <a:fillRef idx="1">
             <a:schemeClr val="lt1"/>
           </a:fillRef>
           <a:effectRef idx="0">
-            <a:schemeClr val="accent1"/>
+            <a:schemeClr val="dk1"/>
           </a:effectRef>
           <a:fontRef idx="minor">
             <a:schemeClr val="dk1"/>
@@ -3113,49 +3015,42 @@
                 <a:ea typeface="+mn-lt"/>
                 <a:cs typeface="+mn-lt"/>
               </a:rPr>
-              <a:t>答辩日期：</a:t>
+              <a:t>班级：</a:t>
             </a:r>
             <a:r>
               <a:rPr lang="en-US" altLang="zh-CN">
                 <a:ea typeface="+mn-lt"/>
                 <a:cs typeface="+mn-lt"/>
               </a:rPr>
-              <a:t>2021</a:t>
+              <a:t>17</a:t>
             </a:r>
             <a:r>
               <a:rPr lang="zh-CN" altLang="en-US">
                 <a:ea typeface="+mn-lt"/>
                 <a:cs typeface="+mn-lt"/>
               </a:rPr>
-              <a:t>年</a:t>
+              <a:t>级</a:t>
+            </a:r>
+            <a:r>
+              <a:rPr lang="zh-CN" altLang="zh-CN">
+                <a:ea typeface="+mn-lt"/>
+                <a:cs typeface="+mn-lt"/>
+              </a:rPr>
+              <a:t>软件</a:t>
             </a:r>
             <a:r>
               <a:rPr lang="en-US" altLang="zh-CN">
                 <a:ea typeface="+mn-lt"/>
                 <a:cs typeface="+mn-lt"/>
               </a:rPr>
-              <a:t>4</a:t>
+              <a:t>7</a:t>
             </a:r>
             <a:r>
               <a:rPr lang="zh-CN" altLang="en-US">
                 <a:ea typeface="+mn-lt"/>
                 <a:cs typeface="+mn-lt"/>
               </a:rPr>
-              <a:t>月</a:t>
-            </a:r>
-            <a:r>
-              <a:rPr lang="en-US" altLang="zh-CN">
-                <a:ea typeface="+mn-lt"/>
-                <a:cs typeface="+mn-lt"/>
-              </a:rPr>
-              <a:t>13</a:t>
-            </a:r>
-            <a:r>
-              <a:rPr lang="zh-CN" altLang="en-US">
-                <a:ea typeface="+mn-lt"/>
-                <a:cs typeface="+mn-lt"/>
-              </a:rPr>
-              <a:t>日</a:t>
+              <a:t>班</a:t>
             </a:r>
             <a:endParaRPr lang="zh-CN" altLang="en-US">
               <a:ea typeface="+mn-lt"/>
@@ -3172,22 +3067,26 @@
         </p:nvSpPr>
         <p:spPr>
           <a:xfrm>
-            <a:off x="4182110" y="3675380"/>
+            <a:off x="4383405" y="3675380"/>
             <a:ext cx="1783080" cy="368300"/>
           </a:xfrm>
           <a:prstGeom prst="rect">
             <a:avLst/>
           </a:prstGeom>
+          <a:noFill/>
+          <a:ln>
+            <a:noFill/>
+          </a:ln>
         </p:spPr>
         <p:style>
           <a:lnRef idx="2">
-            <a:schemeClr val="accent1"/>
+            <a:schemeClr val="dk1"/>
           </a:lnRef>
           <a:fillRef idx="1">
             <a:schemeClr val="lt1"/>
           </a:fillRef>
           <a:effectRef idx="0">
-            <a:schemeClr val="accent1"/>
+            <a:schemeClr val="dk1"/>
           </a:effectRef>
           <a:fontRef idx="minor">
             <a:schemeClr val="dk1"/>
@@ -3281,1127 +3180,6 @@
 </file>
 
 <file path=ppt/slides/slide10.xml><?xml version="1.0" encoding="utf-8"?>
-<p:sld xmlns:a="http://schemas.openxmlformats.org/drawingml/2006/main" xmlns:r="http://schemas.openxmlformats.org/officeDocument/2006/relationships" xmlns:p="http://schemas.openxmlformats.org/presentationml/2006/main">
-  <p:cSld>
-    <p:spTree>
-      <p:nvGrpSpPr>
-        <p:cNvPr id="1" name=""/>
-        <p:cNvGrpSpPr/>
-        <p:nvPr/>
-      </p:nvGrpSpPr>
-      <p:grpSpPr>
-        <a:xfrm>
-          <a:off x="0" y="0"/>
-          <a:ext cx="0" cy="0"/>
-          <a:chOff x="0" y="0"/>
-          <a:chExt cx="0" cy="0"/>
-        </a:xfrm>
-      </p:grpSpPr>
-      <p:sp>
-        <p:nvSpPr>
-          <p:cNvPr id="4" name="TextBox 13"/>
-          <p:cNvSpPr txBox="1"/>
-          <p:nvPr/>
-        </p:nvSpPr>
-        <p:spPr>
-          <a:xfrm>
-            <a:off x="1242060" y="1070610"/>
-            <a:ext cx="2482850" cy="332105"/>
-          </a:xfrm>
-          <a:prstGeom prst="rect">
-            <a:avLst/>
-          </a:prstGeom>
-          <a:noFill/>
-        </p:spPr>
-        <p:txBody>
-          <a:bodyPr wrap="square" lIns="0" tIns="0" rIns="0" bIns="0" rtlCol="0" anchor="t" anchorCtr="0">
-            <a:spAutoFit/>
-            <a:scene3d>
-              <a:camera prst="orthographicFront"/>
-              <a:lightRig rig="threePt" dir="t"/>
-            </a:scene3d>
-          </a:bodyPr>
-          <a:lstStyle/>
-          <a:p>
-            <a:pPr algn="ctr" defTabSz="1216660">
-              <a:lnSpc>
-                <a:spcPct val="120000"/>
-              </a:lnSpc>
-              <a:spcBef>
-                <a:spcPct val="0"/>
-              </a:spcBef>
-              <a:defRPr/>
-            </a:pPr>
-            <a:r>
-              <a:rPr lang="zh-CN" altLang="en-US" b="1" dirty="0">
-                <a:solidFill>
-                  <a:schemeClr val="accent1"/>
-                </a:solidFill>
-                <a:effectLst>
-                  <a:outerShdw blurRad="38100" dist="25400" dir="5400000" algn="ctr" rotWithShape="0">
-                    <a:srgbClr val="6E747A">
-                      <a:alpha val="43000"/>
-                    </a:srgbClr>
-                  </a:outerShdw>
-                </a:effectLst>
-                <a:latin typeface="Arial" panose="020B0604020202020204" pitchFamily="34" charset="0"/>
-                <a:ea typeface="微软雅黑" panose="020B0503020204020204" pitchFamily="34" charset="-122"/>
-                <a:sym typeface="Arial" panose="020B0604020202020204" pitchFamily="34" charset="0"/>
-              </a:rPr>
-              <a:t>售后退换的执行流程</a:t>
-            </a:r>
-            <a:endParaRPr lang="zh-CN" altLang="en-US" b="1" dirty="0">
-              <a:solidFill>
-                <a:schemeClr val="accent1"/>
-              </a:solidFill>
-              <a:effectLst>
-                <a:outerShdw blurRad="38100" dist="25400" dir="5400000" algn="ctr" rotWithShape="0">
-                  <a:srgbClr val="6E747A">
-                    <a:alpha val="43000"/>
-                  </a:srgbClr>
-                </a:outerShdw>
-              </a:effectLst>
-              <a:latin typeface="Arial" panose="020B0604020202020204" pitchFamily="34" charset="0"/>
-              <a:ea typeface="微软雅黑" panose="020B0503020204020204" pitchFamily="34" charset="-122"/>
-              <a:sym typeface="Arial" panose="020B0604020202020204" pitchFamily="34" charset="0"/>
-            </a:endParaRPr>
-          </a:p>
-        </p:txBody>
-      </p:sp>
-      <p:sp>
-        <p:nvSpPr>
-          <p:cNvPr id="6" name="不完整圆 38"/>
-          <p:cNvSpPr/>
-          <p:nvPr/>
-        </p:nvSpPr>
-        <p:spPr>
-          <a:xfrm>
-            <a:off x="317243" y="254362"/>
-            <a:ext cx="317240" cy="317240"/>
-          </a:xfrm>
-          <a:prstGeom prst="pie">
-            <a:avLst/>
-          </a:prstGeom>
-          <a:ln>
-            <a:noFill/>
-          </a:ln>
-        </p:spPr>
-        <p:style>
-          <a:lnRef idx="2">
-            <a:schemeClr val="accent1">
-              <a:shade val="50000"/>
-            </a:schemeClr>
-          </a:lnRef>
-          <a:fillRef idx="1">
-            <a:schemeClr val="accent1"/>
-          </a:fillRef>
-          <a:effectRef idx="0">
-            <a:schemeClr val="accent1"/>
-          </a:effectRef>
-          <a:fontRef idx="minor">
-            <a:schemeClr val="lt1"/>
-          </a:fontRef>
-        </p:style>
-        <p:txBody>
-          <a:bodyPr rtlCol="0" anchor="ctr"/>
-          <a:lstStyle/>
-          <a:p>
-            <a:pPr algn="ctr"/>
-            <a:endParaRPr lang="zh-CN" altLang="en-US">
-              <a:solidFill>
-                <a:schemeClr val="tx1"/>
-              </a:solidFill>
-            </a:endParaRPr>
-          </a:p>
-        </p:txBody>
-      </p:sp>
-      <p:sp>
-        <p:nvSpPr>
-          <p:cNvPr id="7" name="文本框 6"/>
-          <p:cNvSpPr txBox="1">
-            <a:spLocks noChangeArrowheads="1"/>
-          </p:cNvSpPr>
-          <p:nvPr/>
-        </p:nvSpPr>
-        <p:spPr bwMode="auto">
-          <a:xfrm>
-            <a:off x="657903" y="182150"/>
-            <a:ext cx="1402080" cy="460375"/>
-          </a:xfrm>
-          <a:prstGeom prst="rect">
-            <a:avLst/>
-          </a:prstGeom>
-          <a:noFill/>
-          <a:ln>
-            <a:noFill/>
-          </a:ln>
-          <a:extLst>
-            <a:ext uri="{909E8E84-426E-40DD-AFC4-6F175D3DCCD1}">
-              <a14:hiddenFill xmlns:a14="http://schemas.microsoft.com/office/drawing/2010/main">
-                <a:solidFill>
-                  <a:srgbClr val="FFFFFF"/>
-                </a:solidFill>
-              </a14:hiddenFill>
-            </a:ext>
-            <a:ext uri="{91240B29-F687-4F45-9708-019B960494DF}">
-              <a14:hiddenLine xmlns:a14="http://schemas.microsoft.com/office/drawing/2010/main" w="9525">
-                <a:solidFill>
-                  <a:srgbClr val="000000"/>
-                </a:solidFill>
-                <a:miter lim="800000"/>
-                <a:headEnd/>
-                <a:tailEnd/>
-              </a14:hiddenLine>
-            </a:ext>
-          </a:extLst>
-        </p:spPr>
-        <p:txBody>
-          <a:bodyPr wrap="none">
-            <a:spAutoFit/>
-          </a:bodyPr>
-          <a:lstStyle>
-            <a:lvl1pPr>
-              <a:lnSpc>
-                <a:spcPct val="90000"/>
-              </a:lnSpc>
-              <a:spcBef>
-                <a:spcPts val="1000"/>
-              </a:spcBef>
-              <a:buFont typeface="Arial" panose="020B0604020202020204" pitchFamily="34" charset="0"/>
-              <a:buChar char="•"/>
-              <a:defRPr sz="2800">
-                <a:solidFill>
-                  <a:schemeClr val="tx1"/>
-                </a:solidFill>
-                <a:latin typeface="Calibri" panose="020F0502020204030204" pitchFamily="34" charset="0"/>
-                <a:ea typeface="宋体" panose="02010600030101010101" pitchFamily="2" charset="-122"/>
-              </a:defRPr>
-            </a:lvl1pPr>
-            <a:lvl2pPr marL="742950" indent="-285750">
-              <a:lnSpc>
-                <a:spcPct val="90000"/>
-              </a:lnSpc>
-              <a:spcBef>
-                <a:spcPts val="500"/>
-              </a:spcBef>
-              <a:buFont typeface="Arial" panose="020B0604020202020204" pitchFamily="34" charset="0"/>
-              <a:buChar char="•"/>
-              <a:defRPr sz="2400">
-                <a:solidFill>
-                  <a:schemeClr val="tx1"/>
-                </a:solidFill>
-                <a:latin typeface="Calibri" panose="020F0502020204030204" pitchFamily="34" charset="0"/>
-                <a:ea typeface="宋体" panose="02010600030101010101" pitchFamily="2" charset="-122"/>
-              </a:defRPr>
-            </a:lvl2pPr>
-            <a:lvl3pPr marL="1143000" indent="-228600">
-              <a:lnSpc>
-                <a:spcPct val="90000"/>
-              </a:lnSpc>
-              <a:spcBef>
-                <a:spcPts val="500"/>
-              </a:spcBef>
-              <a:buFont typeface="Arial" panose="020B0604020202020204" pitchFamily="34" charset="0"/>
-              <a:buChar char="•"/>
-              <a:defRPr sz="2000">
-                <a:solidFill>
-                  <a:schemeClr val="tx1"/>
-                </a:solidFill>
-                <a:latin typeface="Calibri" panose="020F0502020204030204" pitchFamily="34" charset="0"/>
-                <a:ea typeface="宋体" panose="02010600030101010101" pitchFamily="2" charset="-122"/>
-              </a:defRPr>
-            </a:lvl3pPr>
-            <a:lvl4pPr marL="1600200" indent="-228600">
-              <a:lnSpc>
-                <a:spcPct val="90000"/>
-              </a:lnSpc>
-              <a:spcBef>
-                <a:spcPts val="500"/>
-              </a:spcBef>
-              <a:buFont typeface="Arial" panose="020B0604020202020204" pitchFamily="34" charset="0"/>
-              <a:buChar char="•"/>
-              <a:defRPr>
-                <a:solidFill>
-                  <a:schemeClr val="tx1"/>
-                </a:solidFill>
-                <a:latin typeface="Calibri" panose="020F0502020204030204" pitchFamily="34" charset="0"/>
-                <a:ea typeface="宋体" panose="02010600030101010101" pitchFamily="2" charset="-122"/>
-              </a:defRPr>
-            </a:lvl4pPr>
-            <a:lvl5pPr marL="2057400" indent="-228600">
-              <a:lnSpc>
-                <a:spcPct val="90000"/>
-              </a:lnSpc>
-              <a:spcBef>
-                <a:spcPts val="500"/>
-              </a:spcBef>
-              <a:buFont typeface="Arial" panose="020B0604020202020204" pitchFamily="34" charset="0"/>
-              <a:buChar char="•"/>
-              <a:defRPr>
-                <a:solidFill>
-                  <a:schemeClr val="tx1"/>
-                </a:solidFill>
-                <a:latin typeface="Calibri" panose="020F0502020204030204" pitchFamily="34" charset="0"/>
-                <a:ea typeface="宋体" panose="02010600030101010101" pitchFamily="2" charset="-122"/>
-              </a:defRPr>
-            </a:lvl5pPr>
-            <a:lvl6pPr marL="2514600" indent="-228600" fontAlgn="base">
-              <a:lnSpc>
-                <a:spcPct val="90000"/>
-              </a:lnSpc>
-              <a:spcBef>
-                <a:spcPts val="500"/>
-              </a:spcBef>
-              <a:spcAft>
-                <a:spcPct val="0"/>
-              </a:spcAft>
-              <a:buFont typeface="Arial" panose="020B0604020202020204" pitchFamily="34" charset="0"/>
-              <a:buChar char="•"/>
-              <a:defRPr>
-                <a:solidFill>
-                  <a:schemeClr val="tx1"/>
-                </a:solidFill>
-                <a:latin typeface="Calibri" panose="020F0502020204030204" pitchFamily="34" charset="0"/>
-                <a:ea typeface="宋体" panose="02010600030101010101" pitchFamily="2" charset="-122"/>
-              </a:defRPr>
-            </a:lvl6pPr>
-            <a:lvl7pPr marL="2971800" indent="-228600" fontAlgn="base">
-              <a:lnSpc>
-                <a:spcPct val="90000"/>
-              </a:lnSpc>
-              <a:spcBef>
-                <a:spcPts val="500"/>
-              </a:spcBef>
-              <a:spcAft>
-                <a:spcPct val="0"/>
-              </a:spcAft>
-              <a:buFont typeface="Arial" panose="020B0604020202020204" pitchFamily="34" charset="0"/>
-              <a:buChar char="•"/>
-              <a:defRPr>
-                <a:solidFill>
-                  <a:schemeClr val="tx1"/>
-                </a:solidFill>
-                <a:latin typeface="Calibri" panose="020F0502020204030204" pitchFamily="34" charset="0"/>
-                <a:ea typeface="宋体" panose="02010600030101010101" pitchFamily="2" charset="-122"/>
-              </a:defRPr>
-            </a:lvl7pPr>
-            <a:lvl8pPr marL="3429000" indent="-228600" fontAlgn="base">
-              <a:lnSpc>
-                <a:spcPct val="90000"/>
-              </a:lnSpc>
-              <a:spcBef>
-                <a:spcPts val="500"/>
-              </a:spcBef>
-              <a:spcAft>
-                <a:spcPct val="0"/>
-              </a:spcAft>
-              <a:buFont typeface="Arial" panose="020B0604020202020204" pitchFamily="34" charset="0"/>
-              <a:buChar char="•"/>
-              <a:defRPr>
-                <a:solidFill>
-                  <a:schemeClr val="tx1"/>
-                </a:solidFill>
-                <a:latin typeface="Calibri" panose="020F0502020204030204" pitchFamily="34" charset="0"/>
-                <a:ea typeface="宋体" panose="02010600030101010101" pitchFamily="2" charset="-122"/>
-              </a:defRPr>
-            </a:lvl8pPr>
-            <a:lvl9pPr marL="3886200" indent="-228600" fontAlgn="base">
-              <a:lnSpc>
-                <a:spcPct val="90000"/>
-              </a:lnSpc>
-              <a:spcBef>
-                <a:spcPts val="500"/>
-              </a:spcBef>
-              <a:spcAft>
-                <a:spcPct val="0"/>
-              </a:spcAft>
-              <a:buFont typeface="Arial" panose="020B0604020202020204" pitchFamily="34" charset="0"/>
-              <a:buChar char="•"/>
-              <a:defRPr>
-                <a:solidFill>
-                  <a:schemeClr val="tx1"/>
-                </a:solidFill>
-                <a:latin typeface="Calibri" panose="020F0502020204030204" pitchFamily="34" charset="0"/>
-                <a:ea typeface="宋体" panose="02010600030101010101" pitchFamily="2" charset="-122"/>
-              </a:defRPr>
-            </a:lvl9pPr>
-          </a:lstStyle>
-          <a:p>
-            <a:pPr algn="l" fontAlgn="base">
-              <a:lnSpc>
-                <a:spcPct val="100000"/>
-              </a:lnSpc>
-              <a:spcBef>
-                <a:spcPct val="0"/>
-              </a:spcBef>
-              <a:spcAft>
-                <a:spcPct val="0"/>
-              </a:spcAft>
-              <a:buFontTx/>
-              <a:buNone/>
-            </a:pPr>
-            <a:r>
-              <a:rPr lang="zh-CN" altLang="en-US" sz="2400">
-                <a:solidFill>
-                  <a:srgbClr val="000000"/>
-                </a:solidFill>
-                <a:latin typeface="微软雅黑" panose="020B0503020204020204" pitchFamily="34" charset="-122"/>
-                <a:ea typeface="微软雅黑" panose="020B0503020204020204" pitchFamily="34" charset="-122"/>
-                <a:sym typeface="+mn-ea"/>
-              </a:rPr>
-              <a:t>系统设计</a:t>
-            </a:r>
-            <a:endParaRPr lang="zh-CN" altLang="en-US" sz="2400" dirty="0">
-              <a:solidFill>
-                <a:srgbClr val="000000"/>
-              </a:solidFill>
-              <a:latin typeface="微软雅黑" panose="020B0503020204020204" pitchFamily="34" charset="-122"/>
-              <a:ea typeface="微软雅黑" panose="020B0503020204020204" pitchFamily="34" charset="-122"/>
-            </a:endParaRPr>
-          </a:p>
-        </p:txBody>
-      </p:sp>
-      <p:sp>
-        <p:nvSpPr>
-          <p:cNvPr id="2" name="Oval 31"/>
-          <p:cNvSpPr/>
-          <p:nvPr/>
-        </p:nvSpPr>
-        <p:spPr>
-          <a:xfrm>
-            <a:off x="657678" y="927235"/>
-            <a:ext cx="663186" cy="663186"/>
-          </a:xfrm>
-          <a:prstGeom prst="ellipse">
-            <a:avLst/>
-          </a:prstGeom>
-          <a:solidFill>
-            <a:schemeClr val="accent1"/>
-          </a:solidFill>
-          <a:ln>
-            <a:noFill/>
-          </a:ln>
-        </p:spPr>
-        <p:style>
-          <a:lnRef idx="2">
-            <a:schemeClr val="accent1">
-              <a:shade val="50000"/>
-            </a:schemeClr>
-          </a:lnRef>
-          <a:fillRef idx="1">
-            <a:schemeClr val="accent1"/>
-          </a:fillRef>
-          <a:effectRef idx="0">
-            <a:schemeClr val="accent1"/>
-          </a:effectRef>
-          <a:fontRef idx="minor">
-            <a:schemeClr val="lt1"/>
-          </a:fontRef>
-        </p:style>
-        <p:txBody>
-          <a:bodyPr rtlCol="0" anchor="ctr"/>
-          <a:p>
-            <a:pPr algn="ctr">
-              <a:lnSpc>
-                <a:spcPct val="120000"/>
-              </a:lnSpc>
-            </a:pPr>
-            <a:endParaRPr lang="en-US" sz="760"/>
-          </a:p>
-        </p:txBody>
-      </p:sp>
-      <p:sp>
-        <p:nvSpPr>
-          <p:cNvPr id="3" name="Freeform 183"/>
-          <p:cNvSpPr>
-            <a:spLocks noEditPoints="1"/>
-          </p:cNvSpPr>
-          <p:nvPr/>
-        </p:nvSpPr>
-        <p:spPr bwMode="auto">
-          <a:xfrm>
-            <a:off x="826422" y="1116889"/>
-            <a:ext cx="326208" cy="284118"/>
-          </a:xfrm>
-          <a:custGeom>
-            <a:avLst/>
-            <a:gdLst>
-              <a:gd name="T0" fmla="*/ 22 w 140"/>
-              <a:gd name="T1" fmla="*/ 40 h 122"/>
-              <a:gd name="T2" fmla="*/ 22 w 140"/>
-              <a:gd name="T3" fmla="*/ 111 h 122"/>
-              <a:gd name="T4" fmla="*/ 18 w 140"/>
-              <a:gd name="T5" fmla="*/ 116 h 122"/>
-              <a:gd name="T6" fmla="*/ 5 w 140"/>
-              <a:gd name="T7" fmla="*/ 116 h 122"/>
-              <a:gd name="T8" fmla="*/ 0 w 140"/>
-              <a:gd name="T9" fmla="*/ 111 h 122"/>
-              <a:gd name="T10" fmla="*/ 0 w 140"/>
-              <a:gd name="T11" fmla="*/ 40 h 122"/>
-              <a:gd name="T12" fmla="*/ 5 w 140"/>
-              <a:gd name="T13" fmla="*/ 36 h 122"/>
-              <a:gd name="T14" fmla="*/ 18 w 140"/>
-              <a:gd name="T15" fmla="*/ 36 h 122"/>
-              <a:gd name="T16" fmla="*/ 22 w 140"/>
-              <a:gd name="T17" fmla="*/ 40 h 122"/>
-              <a:gd name="T18" fmla="*/ 48 w 140"/>
-              <a:gd name="T19" fmla="*/ 24 h 122"/>
-              <a:gd name="T20" fmla="*/ 35 w 140"/>
-              <a:gd name="T21" fmla="*/ 24 h 122"/>
-              <a:gd name="T22" fmla="*/ 30 w 140"/>
-              <a:gd name="T23" fmla="*/ 28 h 122"/>
-              <a:gd name="T24" fmla="*/ 30 w 140"/>
-              <a:gd name="T25" fmla="*/ 111 h 122"/>
-              <a:gd name="T26" fmla="*/ 35 w 140"/>
-              <a:gd name="T27" fmla="*/ 116 h 122"/>
-              <a:gd name="T28" fmla="*/ 48 w 140"/>
-              <a:gd name="T29" fmla="*/ 116 h 122"/>
-              <a:gd name="T30" fmla="*/ 52 w 140"/>
-              <a:gd name="T31" fmla="*/ 111 h 122"/>
-              <a:gd name="T32" fmla="*/ 52 w 140"/>
-              <a:gd name="T33" fmla="*/ 28 h 122"/>
-              <a:gd name="T34" fmla="*/ 48 w 140"/>
-              <a:gd name="T35" fmla="*/ 24 h 122"/>
-              <a:gd name="T36" fmla="*/ 82 w 140"/>
-              <a:gd name="T37" fmla="*/ 16 h 122"/>
-              <a:gd name="T38" fmla="*/ 78 w 140"/>
-              <a:gd name="T39" fmla="*/ 12 h 122"/>
-              <a:gd name="T40" fmla="*/ 65 w 140"/>
-              <a:gd name="T41" fmla="*/ 12 h 122"/>
-              <a:gd name="T42" fmla="*/ 60 w 140"/>
-              <a:gd name="T43" fmla="*/ 16 h 122"/>
-              <a:gd name="T44" fmla="*/ 60 w 140"/>
-              <a:gd name="T45" fmla="*/ 104 h 122"/>
-              <a:gd name="T46" fmla="*/ 82 w 140"/>
-              <a:gd name="T47" fmla="*/ 77 h 122"/>
-              <a:gd name="T48" fmla="*/ 82 w 140"/>
-              <a:gd name="T49" fmla="*/ 16 h 122"/>
-              <a:gd name="T50" fmla="*/ 110 w 140"/>
-              <a:gd name="T51" fmla="*/ 83 h 122"/>
-              <a:gd name="T52" fmla="*/ 101 w 140"/>
-              <a:gd name="T53" fmla="*/ 76 h 122"/>
-              <a:gd name="T54" fmla="*/ 112 w 140"/>
-              <a:gd name="T55" fmla="*/ 71 h 122"/>
-              <a:gd name="T56" fmla="*/ 112 w 140"/>
-              <a:gd name="T57" fmla="*/ 4 h 122"/>
-              <a:gd name="T58" fmla="*/ 108 w 140"/>
-              <a:gd name="T59" fmla="*/ 0 h 122"/>
-              <a:gd name="T60" fmla="*/ 95 w 140"/>
-              <a:gd name="T61" fmla="*/ 0 h 122"/>
-              <a:gd name="T62" fmla="*/ 90 w 140"/>
-              <a:gd name="T63" fmla="*/ 4 h 122"/>
-              <a:gd name="T64" fmla="*/ 90 w 140"/>
-              <a:gd name="T65" fmla="*/ 82 h 122"/>
-              <a:gd name="T66" fmla="*/ 102 w 140"/>
-              <a:gd name="T67" fmla="*/ 92 h 122"/>
-              <a:gd name="T68" fmla="*/ 110 w 140"/>
-              <a:gd name="T69" fmla="*/ 83 h 122"/>
-              <a:gd name="T70" fmla="*/ 124 w 140"/>
-              <a:gd name="T71" fmla="*/ 71 h 122"/>
-              <a:gd name="T72" fmla="*/ 108 w 140"/>
-              <a:gd name="T73" fmla="*/ 77 h 122"/>
-              <a:gd name="T74" fmla="*/ 115 w 140"/>
-              <a:gd name="T75" fmla="*/ 83 h 122"/>
-              <a:gd name="T76" fmla="*/ 103 w 140"/>
-              <a:gd name="T77" fmla="*/ 98 h 122"/>
-              <a:gd name="T78" fmla="*/ 84 w 140"/>
-              <a:gd name="T79" fmla="*/ 81 h 122"/>
-              <a:gd name="T80" fmla="*/ 58 w 140"/>
-              <a:gd name="T81" fmla="*/ 112 h 122"/>
-              <a:gd name="T82" fmla="*/ 69 w 140"/>
-              <a:gd name="T83" fmla="*/ 122 h 122"/>
-              <a:gd name="T84" fmla="*/ 86 w 140"/>
-              <a:gd name="T85" fmla="*/ 103 h 122"/>
-              <a:gd name="T86" fmla="*/ 105 w 140"/>
-              <a:gd name="T87" fmla="*/ 119 h 122"/>
-              <a:gd name="T88" fmla="*/ 115 w 140"/>
-              <a:gd name="T89" fmla="*/ 107 h 122"/>
-              <a:gd name="T90" fmla="*/ 115 w 140"/>
-              <a:gd name="T91" fmla="*/ 107 h 122"/>
-              <a:gd name="T92" fmla="*/ 127 w 140"/>
-              <a:gd name="T93" fmla="*/ 93 h 122"/>
-              <a:gd name="T94" fmla="*/ 134 w 140"/>
-              <a:gd name="T95" fmla="*/ 99 h 122"/>
-              <a:gd name="T96" fmla="*/ 137 w 140"/>
-              <a:gd name="T97" fmla="*/ 82 h 122"/>
-              <a:gd name="T98" fmla="*/ 140 w 140"/>
-              <a:gd name="T99" fmla="*/ 65 h 122"/>
-              <a:gd name="T100" fmla="*/ 124 w 140"/>
-              <a:gd name="T101" fmla="*/ 71 h 122"/>
-            </a:gdLst>
-            <a:ahLst/>
-            <a:cxnLst>
-              <a:cxn ang="0">
-                <a:pos x="T0" y="T1"/>
-              </a:cxn>
-              <a:cxn ang="0">
-                <a:pos x="T2" y="T3"/>
-              </a:cxn>
-              <a:cxn ang="0">
-                <a:pos x="T4" y="T5"/>
-              </a:cxn>
-              <a:cxn ang="0">
-                <a:pos x="T6" y="T7"/>
-              </a:cxn>
-              <a:cxn ang="0">
-                <a:pos x="T8" y="T9"/>
-              </a:cxn>
-              <a:cxn ang="0">
-                <a:pos x="T10" y="T11"/>
-              </a:cxn>
-              <a:cxn ang="0">
-                <a:pos x="T12" y="T13"/>
-              </a:cxn>
-              <a:cxn ang="0">
-                <a:pos x="T14" y="T15"/>
-              </a:cxn>
-              <a:cxn ang="0">
-                <a:pos x="T16" y="T17"/>
-              </a:cxn>
-              <a:cxn ang="0">
-                <a:pos x="T18" y="T19"/>
-              </a:cxn>
-              <a:cxn ang="0">
-                <a:pos x="T20" y="T21"/>
-              </a:cxn>
-              <a:cxn ang="0">
-                <a:pos x="T22" y="T23"/>
-              </a:cxn>
-              <a:cxn ang="0">
-                <a:pos x="T24" y="T25"/>
-              </a:cxn>
-              <a:cxn ang="0">
-                <a:pos x="T26" y="T27"/>
-              </a:cxn>
-              <a:cxn ang="0">
-                <a:pos x="T28" y="T29"/>
-              </a:cxn>
-              <a:cxn ang="0">
-                <a:pos x="T30" y="T31"/>
-              </a:cxn>
-              <a:cxn ang="0">
-                <a:pos x="T32" y="T33"/>
-              </a:cxn>
-              <a:cxn ang="0">
-                <a:pos x="T34" y="T35"/>
-              </a:cxn>
-              <a:cxn ang="0">
-                <a:pos x="T36" y="T37"/>
-              </a:cxn>
-              <a:cxn ang="0">
-                <a:pos x="T38" y="T39"/>
-              </a:cxn>
-              <a:cxn ang="0">
-                <a:pos x="T40" y="T41"/>
-              </a:cxn>
-              <a:cxn ang="0">
-                <a:pos x="T42" y="T43"/>
-              </a:cxn>
-              <a:cxn ang="0">
-                <a:pos x="T44" y="T45"/>
-              </a:cxn>
-              <a:cxn ang="0">
-                <a:pos x="T46" y="T47"/>
-              </a:cxn>
-              <a:cxn ang="0">
-                <a:pos x="T48" y="T49"/>
-              </a:cxn>
-              <a:cxn ang="0">
-                <a:pos x="T50" y="T51"/>
-              </a:cxn>
-              <a:cxn ang="0">
-                <a:pos x="T52" y="T53"/>
-              </a:cxn>
-              <a:cxn ang="0">
-                <a:pos x="T54" y="T55"/>
-              </a:cxn>
-              <a:cxn ang="0">
-                <a:pos x="T56" y="T57"/>
-              </a:cxn>
-              <a:cxn ang="0">
-                <a:pos x="T58" y="T59"/>
-              </a:cxn>
-              <a:cxn ang="0">
-                <a:pos x="T60" y="T61"/>
-              </a:cxn>
-              <a:cxn ang="0">
-                <a:pos x="T62" y="T63"/>
-              </a:cxn>
-              <a:cxn ang="0">
-                <a:pos x="T64" y="T65"/>
-              </a:cxn>
-              <a:cxn ang="0">
-                <a:pos x="T66" y="T67"/>
-              </a:cxn>
-              <a:cxn ang="0">
-                <a:pos x="T68" y="T69"/>
-              </a:cxn>
-              <a:cxn ang="0">
-                <a:pos x="T70" y="T71"/>
-              </a:cxn>
-              <a:cxn ang="0">
-                <a:pos x="T72" y="T73"/>
-              </a:cxn>
-              <a:cxn ang="0">
-                <a:pos x="T74" y="T75"/>
-              </a:cxn>
-              <a:cxn ang="0">
-                <a:pos x="T76" y="T77"/>
-              </a:cxn>
-              <a:cxn ang="0">
-                <a:pos x="T78" y="T79"/>
-              </a:cxn>
-              <a:cxn ang="0">
-                <a:pos x="T80" y="T81"/>
-              </a:cxn>
-              <a:cxn ang="0">
-                <a:pos x="T82" y="T83"/>
-              </a:cxn>
-              <a:cxn ang="0">
-                <a:pos x="T84" y="T85"/>
-              </a:cxn>
-              <a:cxn ang="0">
-                <a:pos x="T86" y="T87"/>
-              </a:cxn>
-              <a:cxn ang="0">
-                <a:pos x="T88" y="T89"/>
-              </a:cxn>
-              <a:cxn ang="0">
-                <a:pos x="T90" y="T91"/>
-              </a:cxn>
-              <a:cxn ang="0">
-                <a:pos x="T92" y="T93"/>
-              </a:cxn>
-              <a:cxn ang="0">
-                <a:pos x="T94" y="T95"/>
-              </a:cxn>
-              <a:cxn ang="0">
-                <a:pos x="T96" y="T97"/>
-              </a:cxn>
-              <a:cxn ang="0">
-                <a:pos x="T98" y="T99"/>
-              </a:cxn>
-              <a:cxn ang="0">
-                <a:pos x="T100" y="T101"/>
-              </a:cxn>
-            </a:cxnLst>
-            <a:rect l="0" t="0" r="r" b="b"/>
-            <a:pathLst>
-              <a:path w="140" h="122">
-                <a:moveTo>
-                  <a:pt x="22" y="40"/>
-                </a:moveTo>
-                <a:cubicBezTo>
-                  <a:pt x="22" y="111"/>
-                  <a:pt x="22" y="111"/>
-                  <a:pt x="22" y="111"/>
-                </a:cubicBezTo>
-                <a:cubicBezTo>
-                  <a:pt x="22" y="114"/>
-                  <a:pt x="20" y="116"/>
-                  <a:pt x="18" y="116"/>
-                </a:cubicBezTo>
-                <a:cubicBezTo>
-                  <a:pt x="5" y="116"/>
-                  <a:pt x="5" y="116"/>
-                  <a:pt x="5" y="116"/>
-                </a:cubicBezTo>
-                <a:cubicBezTo>
-                  <a:pt x="2" y="116"/>
-                  <a:pt x="0" y="114"/>
-                  <a:pt x="0" y="111"/>
-                </a:cubicBezTo>
-                <a:cubicBezTo>
-                  <a:pt x="0" y="40"/>
-                  <a:pt x="0" y="40"/>
-                  <a:pt x="0" y="40"/>
-                </a:cubicBezTo>
-                <a:cubicBezTo>
-                  <a:pt x="0" y="38"/>
-                  <a:pt x="2" y="36"/>
-                  <a:pt x="5" y="36"/>
-                </a:cubicBezTo>
-                <a:cubicBezTo>
-                  <a:pt x="18" y="36"/>
-                  <a:pt x="18" y="36"/>
-                  <a:pt x="18" y="36"/>
-                </a:cubicBezTo>
-                <a:cubicBezTo>
-                  <a:pt x="20" y="36"/>
-                  <a:pt x="22" y="38"/>
-                  <a:pt x="22" y="40"/>
-                </a:cubicBezTo>
-                <a:close/>
-                <a:moveTo>
-                  <a:pt x="48" y="24"/>
-                </a:moveTo>
-                <a:cubicBezTo>
-                  <a:pt x="35" y="24"/>
-                  <a:pt x="35" y="24"/>
-                  <a:pt x="35" y="24"/>
-                </a:cubicBezTo>
-                <a:cubicBezTo>
-                  <a:pt x="32" y="24"/>
-                  <a:pt x="30" y="26"/>
-                  <a:pt x="30" y="28"/>
-                </a:cubicBezTo>
-                <a:cubicBezTo>
-                  <a:pt x="30" y="111"/>
-                  <a:pt x="30" y="111"/>
-                  <a:pt x="30" y="111"/>
-                </a:cubicBezTo>
-                <a:cubicBezTo>
-                  <a:pt x="30" y="114"/>
-                  <a:pt x="32" y="116"/>
-                  <a:pt x="35" y="116"/>
-                </a:cubicBezTo>
-                <a:cubicBezTo>
-                  <a:pt x="48" y="116"/>
-                  <a:pt x="48" y="116"/>
-                  <a:pt x="48" y="116"/>
-                </a:cubicBezTo>
-                <a:cubicBezTo>
-                  <a:pt x="50" y="116"/>
-                  <a:pt x="52" y="114"/>
-                  <a:pt x="52" y="111"/>
-                </a:cubicBezTo>
-                <a:cubicBezTo>
-                  <a:pt x="52" y="28"/>
-                  <a:pt x="52" y="28"/>
-                  <a:pt x="52" y="28"/>
-                </a:cubicBezTo>
-                <a:cubicBezTo>
-                  <a:pt x="52" y="26"/>
-                  <a:pt x="50" y="24"/>
-                  <a:pt x="48" y="24"/>
-                </a:cubicBezTo>
-                <a:close/>
-                <a:moveTo>
-                  <a:pt x="82" y="16"/>
-                </a:moveTo>
-                <a:cubicBezTo>
-                  <a:pt x="82" y="14"/>
-                  <a:pt x="80" y="12"/>
-                  <a:pt x="78" y="12"/>
-                </a:cubicBezTo>
-                <a:cubicBezTo>
-                  <a:pt x="65" y="12"/>
-                  <a:pt x="65" y="12"/>
-                  <a:pt x="65" y="12"/>
-                </a:cubicBezTo>
-                <a:cubicBezTo>
-                  <a:pt x="62" y="12"/>
-                  <a:pt x="60" y="14"/>
-                  <a:pt x="60" y="16"/>
-                </a:cubicBezTo>
-                <a:cubicBezTo>
-                  <a:pt x="60" y="104"/>
-                  <a:pt x="60" y="104"/>
-                  <a:pt x="60" y="104"/>
-                </a:cubicBezTo>
-                <a:cubicBezTo>
-                  <a:pt x="82" y="77"/>
-                  <a:pt x="82" y="77"/>
-                  <a:pt x="82" y="77"/>
-                </a:cubicBezTo>
-                <a:lnTo>
-                  <a:pt x="82" y="16"/>
-                </a:lnTo>
-                <a:close/>
-                <a:moveTo>
-                  <a:pt x="110" y="83"/>
-                </a:moveTo>
-                <a:cubicBezTo>
-                  <a:pt x="101" y="76"/>
-                  <a:pt x="101" y="76"/>
-                  <a:pt x="101" y="76"/>
-                </a:cubicBezTo>
-                <a:cubicBezTo>
-                  <a:pt x="112" y="71"/>
-                  <a:pt x="112" y="71"/>
-                  <a:pt x="112" y="71"/>
-                </a:cubicBezTo>
-                <a:cubicBezTo>
-                  <a:pt x="112" y="4"/>
-                  <a:pt x="112" y="4"/>
-                  <a:pt x="112" y="4"/>
-                </a:cubicBezTo>
-                <a:cubicBezTo>
-                  <a:pt x="112" y="2"/>
-                  <a:pt x="110" y="0"/>
-                  <a:pt x="108" y="0"/>
-                </a:cubicBezTo>
-                <a:cubicBezTo>
-                  <a:pt x="95" y="0"/>
-                  <a:pt x="95" y="0"/>
-                  <a:pt x="95" y="0"/>
-                </a:cubicBezTo>
-                <a:cubicBezTo>
-                  <a:pt x="92" y="0"/>
-                  <a:pt x="90" y="2"/>
-                  <a:pt x="90" y="4"/>
-                </a:cubicBezTo>
-                <a:cubicBezTo>
-                  <a:pt x="90" y="82"/>
-                  <a:pt x="90" y="82"/>
-                  <a:pt x="90" y="82"/>
-                </a:cubicBezTo>
-                <a:cubicBezTo>
-                  <a:pt x="102" y="92"/>
-                  <a:pt x="102" y="92"/>
-                  <a:pt x="102" y="92"/>
-                </a:cubicBezTo>
-                <a:lnTo>
-                  <a:pt x="110" y="83"/>
-                </a:lnTo>
-                <a:close/>
-                <a:moveTo>
-                  <a:pt x="124" y="71"/>
-                </a:moveTo>
-                <a:cubicBezTo>
-                  <a:pt x="108" y="77"/>
-                  <a:pt x="108" y="77"/>
-                  <a:pt x="108" y="77"/>
-                </a:cubicBezTo>
-                <a:cubicBezTo>
-                  <a:pt x="115" y="83"/>
-                  <a:pt x="115" y="83"/>
-                  <a:pt x="115" y="83"/>
-                </a:cubicBezTo>
-                <a:cubicBezTo>
-                  <a:pt x="103" y="98"/>
-                  <a:pt x="103" y="98"/>
-                  <a:pt x="103" y="98"/>
-                </a:cubicBezTo>
-                <a:cubicBezTo>
-                  <a:pt x="84" y="81"/>
-                  <a:pt x="84" y="81"/>
-                  <a:pt x="84" y="81"/>
-                </a:cubicBezTo>
-                <a:cubicBezTo>
-                  <a:pt x="58" y="112"/>
-                  <a:pt x="58" y="112"/>
-                  <a:pt x="58" y="112"/>
-                </a:cubicBezTo>
-                <a:cubicBezTo>
-                  <a:pt x="69" y="122"/>
-                  <a:pt x="69" y="122"/>
-                  <a:pt x="69" y="122"/>
-                </a:cubicBezTo>
-                <a:cubicBezTo>
-                  <a:pt x="86" y="103"/>
-                  <a:pt x="86" y="103"/>
-                  <a:pt x="86" y="103"/>
-                </a:cubicBezTo>
-                <a:cubicBezTo>
-                  <a:pt x="105" y="119"/>
-                  <a:pt x="105" y="119"/>
-                  <a:pt x="105" y="119"/>
-                </a:cubicBezTo>
-                <a:cubicBezTo>
-                  <a:pt x="115" y="107"/>
-                  <a:pt x="115" y="107"/>
-                  <a:pt x="115" y="107"/>
-                </a:cubicBezTo>
-                <a:cubicBezTo>
-                  <a:pt x="115" y="107"/>
-                  <a:pt x="115" y="107"/>
-                  <a:pt x="115" y="107"/>
-                </a:cubicBezTo>
-                <a:cubicBezTo>
-                  <a:pt x="127" y="93"/>
-                  <a:pt x="127" y="93"/>
-                  <a:pt x="127" y="93"/>
-                </a:cubicBezTo>
-                <a:cubicBezTo>
-                  <a:pt x="134" y="99"/>
-                  <a:pt x="134" y="99"/>
-                  <a:pt x="134" y="99"/>
-                </a:cubicBezTo>
-                <a:cubicBezTo>
-                  <a:pt x="137" y="82"/>
-                  <a:pt x="137" y="82"/>
-                  <a:pt x="137" y="82"/>
-                </a:cubicBezTo>
-                <a:cubicBezTo>
-                  <a:pt x="140" y="65"/>
-                  <a:pt x="140" y="65"/>
-                  <a:pt x="140" y="65"/>
-                </a:cubicBezTo>
-                <a:lnTo>
-                  <a:pt x="124" y="71"/>
-                </a:lnTo>
-                <a:close/>
-              </a:path>
-            </a:pathLst>
-          </a:custGeom>
-          <a:solidFill>
-            <a:schemeClr val="bg1"/>
-          </a:solidFill>
-          <a:ln>
-            <a:noFill/>
-          </a:ln>
-        </p:spPr>
-        <p:txBody>
-          <a:bodyPr vert="horz" wrap="square" lIns="91440" tIns="45720" rIns="91440" bIns="45720" numCol="1" anchor="t" anchorCtr="0" compatLnSpc="1"/>
-          <a:p>
-            <a:endParaRPr lang="zh-CN" altLang="en-US"/>
-          </a:p>
-        </p:txBody>
-      </p:sp>
-      <p:graphicFrame>
-        <p:nvGraphicFramePr>
-          <p:cNvPr id="18" name="对象 17"/>
-          <p:cNvGraphicFramePr/>
-          <p:nvPr/>
-        </p:nvGraphicFramePr>
-        <p:xfrm>
-          <a:off x="2799715" y="1402715"/>
-          <a:ext cx="5667375" cy="4987290"/>
-        </p:xfrm>
-        <a:graphic>
-          <a:graphicData uri="http://schemas.openxmlformats.org/presentationml/2006/ole">
-            <mc:AlternateContent xmlns:mc="http://schemas.openxmlformats.org/markup-compatibility/2006">
-              <mc:Choice xmlns:v="urn:schemas-microsoft-com:vml" Requires="v">
-                <p:oleObj spid="_x0000_s19" name="" r:id="rId1" imgW="9029700" imgH="6692900" progId="Visio.Drawing.11">
-                  <p:embed/>
-                </p:oleObj>
-              </mc:Choice>
-              <mc:Fallback>
-                <p:oleObj name="" r:id="rId1" imgW="9029700" imgH="6692900" progId="Visio.Drawing.11">
-                  <p:embed/>
-                  <p:pic>
-                    <p:nvPicPr>
-                      <p:cNvPr id="0" name="图片 18"/>
-                      <p:cNvPicPr/>
-                      <p:nvPr/>
-                    </p:nvPicPr>
-                    <p:blipFill>
-                      <a:blip r:embed="rId2"/>
-                      <a:stretch>
-                        <a:fillRect/>
-                      </a:stretch>
-                    </p:blipFill>
-                    <p:spPr>
-                      <a:xfrm>
-                        <a:off x="2799715" y="1402715"/>
-                        <a:ext cx="5667375" cy="4987290"/>
-                      </a:xfrm>
-                      <a:prstGeom prst="rect">
-                        <a:avLst/>
-                      </a:prstGeom>
-                    </p:spPr>
-                  </p:pic>
-                </p:oleObj>
-              </mc:Fallback>
-            </mc:AlternateContent>
-          </a:graphicData>
-        </a:graphic>
-      </p:graphicFrame>
-    </p:spTree>
-  </p:cSld>
-  <p:clrMapOvr>
-    <a:masterClrMapping/>
-  </p:clrMapOvr>
-  <mc:AlternateContent xmlns:mc="http://schemas.openxmlformats.org/markup-compatibility/2006">
-    <mc:Choice xmlns:p14="http://schemas.microsoft.com/office/powerpoint/2010/main" Requires="p14">
-      <p:transition spd="slow" p14:dur="1500">
-        <p:split orient="vert"/>
-      </p:transition>
-    </mc:Choice>
-    <mc:Fallback>
-      <p:transition spd="slow">
-        <p:split orient="vert"/>
-      </p:transition>
-    </mc:Fallback>
-  </mc:AlternateContent>
-  <p:timing>
-    <p:tnLst>
-      <p:par>
-        <p:cTn id="1" dur="indefinite" restart="never" nodeType="tmRoot">
-          <p:childTnLst>
-            <p:seq concurrent="1" nextAc="seek">
-              <p:cTn id="2" dur="indefinite" nodeType="mainSeq">
-                <p:childTnLst>
-                  <p:par>
-                    <p:cTn id="3" fill="hold">
-                      <p:stCondLst>
-                        <p:cond delay="indefinite"/>
-                      </p:stCondLst>
-                      <p:childTnLst>
-                        <p:par>
-                          <p:cTn id="4" fill="hold">
-                            <p:stCondLst>
-                              <p:cond delay="0"/>
-                            </p:stCondLst>
-                            <p:childTnLst>
-                              <p:par>
-                                <p:cTn id="5" presetID="3" presetClass="entr" presetSubtype="10" fill="hold" nodeType="clickEffect">
-                                  <p:stCondLst>
-                                    <p:cond delay="0"/>
-                                  </p:stCondLst>
-                                  <p:childTnLst>
-                                    <p:set>
-                                      <p:cBhvr>
-                                        <p:cTn id="6" dur="1" fill="hold">
-                                          <p:stCondLst>
-                                            <p:cond delay="0"/>
-                                          </p:stCondLst>
-                                        </p:cTn>
-                                        <p:tgtEl>
-                                          <p:spTgt spid="18"/>
-                                        </p:tgtEl>
-                                        <p:attrNameLst>
-                                          <p:attrName>style.visibility</p:attrName>
-                                        </p:attrNameLst>
-                                      </p:cBhvr>
-                                      <p:to>
-                                        <p:strVal val="visible"/>
-                                      </p:to>
-                                    </p:set>
-                                    <p:animEffect transition="in" filter="blinds(horizontal)">
-                                      <p:cBhvr>
-                                        <p:cTn id="7" dur="500"/>
-                                        <p:tgtEl>
-                                          <p:spTgt spid="18"/>
-                                        </p:tgtEl>
-                                      </p:cBhvr>
-                                    </p:animEffect>
-                                  </p:childTnLst>
-                                </p:cTn>
-                              </p:par>
-                            </p:childTnLst>
-                          </p:cTn>
-                        </p:par>
-                      </p:childTnLst>
-                    </p:cTn>
-                  </p:par>
-                </p:childTnLst>
-              </p:cTn>
-              <p:prevCondLst>
-                <p:cond evt="onPrev" delay="0">
-                  <p:tgtEl>
-                    <p:sldTgt/>
-                  </p:tgtEl>
-                </p:cond>
-              </p:prevCondLst>
-              <p:nextCondLst>
-                <p:cond evt="onNext" delay="0">
-                  <p:tgtEl>
-                    <p:sldTgt/>
-                  </p:tgtEl>
-                </p:cond>
-              </p:nextCondLst>
-            </p:seq>
-          </p:childTnLst>
-        </p:cTn>
-      </p:par>
-    </p:tnLst>
-  </p:timing>
-</p:sld>
-</file>
-
-<file path=ppt/slides/slide11.xml><?xml version="1.0" encoding="utf-8"?>
 <p:sld xmlns:a="http://schemas.openxmlformats.org/drawingml/2006/main" xmlns:r="http://schemas.openxmlformats.org/officeDocument/2006/relationships" xmlns:p="http://schemas.openxmlformats.org/presentationml/2006/main">
   <p:cSld>
     <p:spTree>
@@ -6436,7 +5214,7 @@
 </p:sld>
 </file>
 
-<file path=ppt/slides/slide12.xml><?xml version="1.0" encoding="utf-8"?>
+<file path=ppt/slides/slide11.xml><?xml version="1.0" encoding="utf-8"?>
 <p:sld xmlns:a="http://schemas.openxmlformats.org/drawingml/2006/main" xmlns:r="http://schemas.openxmlformats.org/officeDocument/2006/relationships" xmlns:p="http://schemas.openxmlformats.org/presentationml/2006/main">
   <p:cSld>
     <p:spTree>
@@ -7361,6 +6139,415 @@
 </p:sld>
 </file>
 
+<file path=ppt/slides/slide12.xml><?xml version="1.0" encoding="utf-8"?>
+<p:sld xmlns:a="http://schemas.openxmlformats.org/drawingml/2006/main" xmlns:r="http://schemas.openxmlformats.org/officeDocument/2006/relationships" xmlns:p="http://schemas.openxmlformats.org/presentationml/2006/main">
+  <p:cSld>
+    <p:spTree>
+      <p:nvGrpSpPr>
+        <p:cNvPr id="1" name=""/>
+        <p:cNvGrpSpPr/>
+        <p:nvPr/>
+      </p:nvGrpSpPr>
+      <p:grpSpPr>
+        <a:xfrm>
+          <a:off x="0" y="0"/>
+          <a:ext cx="0" cy="0"/>
+          <a:chOff x="0" y="0"/>
+          <a:chExt cx="0" cy="0"/>
+        </a:xfrm>
+      </p:grpSpPr>
+      <p:sp>
+        <p:nvSpPr>
+          <p:cNvPr id="25" name="不完整圆 24"/>
+          <p:cNvSpPr/>
+          <p:nvPr/>
+        </p:nvSpPr>
+        <p:spPr>
+          <a:xfrm>
+            <a:off x="317243" y="254362"/>
+            <a:ext cx="317240" cy="317240"/>
+          </a:xfrm>
+          <a:prstGeom prst="pie">
+            <a:avLst/>
+          </a:prstGeom>
+          <a:ln>
+            <a:noFill/>
+          </a:ln>
+        </p:spPr>
+        <p:style>
+          <a:lnRef idx="2">
+            <a:schemeClr val="accent1">
+              <a:shade val="50000"/>
+            </a:schemeClr>
+          </a:lnRef>
+          <a:fillRef idx="1">
+            <a:schemeClr val="accent1"/>
+          </a:fillRef>
+          <a:effectRef idx="0">
+            <a:schemeClr val="accent1"/>
+          </a:effectRef>
+          <a:fontRef idx="minor">
+            <a:schemeClr val="lt1"/>
+          </a:fontRef>
+        </p:style>
+        <p:txBody>
+          <a:bodyPr rtlCol="0" anchor="ctr"/>
+          <a:lstStyle/>
+          <a:p>
+            <a:pPr algn="ctr"/>
+            <a:endParaRPr lang="zh-CN" altLang="en-US">
+              <a:solidFill>
+                <a:schemeClr val="tx1"/>
+              </a:solidFill>
+            </a:endParaRPr>
+          </a:p>
+        </p:txBody>
+      </p:sp>
+      <p:sp>
+        <p:nvSpPr>
+          <p:cNvPr id="26" name="文本框 25"/>
+          <p:cNvSpPr txBox="1">
+            <a:spLocks noChangeArrowheads="1"/>
+          </p:cNvSpPr>
+          <p:nvPr/>
+        </p:nvSpPr>
+        <p:spPr bwMode="auto">
+          <a:xfrm>
+            <a:off x="657903" y="182150"/>
+            <a:ext cx="1402080" cy="460375"/>
+          </a:xfrm>
+          <a:prstGeom prst="rect">
+            <a:avLst/>
+          </a:prstGeom>
+          <a:noFill/>
+          <a:ln>
+            <a:noFill/>
+          </a:ln>
+          <a:extLst>
+            <a:ext uri="{909E8E84-426E-40DD-AFC4-6F175D3DCCD1}">
+              <a14:hiddenFill xmlns:a14="http://schemas.microsoft.com/office/drawing/2010/main">
+                <a:solidFill>
+                  <a:srgbClr val="FFFFFF"/>
+                </a:solidFill>
+              </a14:hiddenFill>
+            </a:ext>
+            <a:ext uri="{91240B29-F687-4F45-9708-019B960494DF}">
+              <a14:hiddenLine xmlns:a14="http://schemas.microsoft.com/office/drawing/2010/main" w="9525">
+                <a:solidFill>
+                  <a:srgbClr val="000000"/>
+                </a:solidFill>
+                <a:miter lim="800000"/>
+                <a:headEnd/>
+                <a:tailEnd/>
+              </a14:hiddenLine>
+            </a:ext>
+          </a:extLst>
+        </p:spPr>
+        <p:txBody>
+          <a:bodyPr wrap="none">
+            <a:spAutoFit/>
+          </a:bodyPr>
+          <a:lstStyle>
+            <a:lvl1pPr>
+              <a:lnSpc>
+                <a:spcPct val="90000"/>
+              </a:lnSpc>
+              <a:spcBef>
+                <a:spcPts val="1000"/>
+              </a:spcBef>
+              <a:buFont typeface="Arial" panose="020B0604020202020204" pitchFamily="34" charset="0"/>
+              <a:buChar char="•"/>
+              <a:defRPr sz="2800">
+                <a:solidFill>
+                  <a:schemeClr val="tx1"/>
+                </a:solidFill>
+                <a:latin typeface="Calibri" panose="020F0502020204030204" pitchFamily="34" charset="0"/>
+                <a:ea typeface="宋体" panose="02010600030101010101" pitchFamily="2" charset="-122"/>
+              </a:defRPr>
+            </a:lvl1pPr>
+            <a:lvl2pPr marL="742950" indent="-285750">
+              <a:lnSpc>
+                <a:spcPct val="90000"/>
+              </a:lnSpc>
+              <a:spcBef>
+                <a:spcPts val="500"/>
+              </a:spcBef>
+              <a:buFont typeface="Arial" panose="020B0604020202020204" pitchFamily="34" charset="0"/>
+              <a:buChar char="•"/>
+              <a:defRPr sz="2400">
+                <a:solidFill>
+                  <a:schemeClr val="tx1"/>
+                </a:solidFill>
+                <a:latin typeface="Calibri" panose="020F0502020204030204" pitchFamily="34" charset="0"/>
+                <a:ea typeface="宋体" panose="02010600030101010101" pitchFamily="2" charset="-122"/>
+              </a:defRPr>
+            </a:lvl2pPr>
+            <a:lvl3pPr marL="1143000" indent="-228600">
+              <a:lnSpc>
+                <a:spcPct val="90000"/>
+              </a:lnSpc>
+              <a:spcBef>
+                <a:spcPts val="500"/>
+              </a:spcBef>
+              <a:buFont typeface="Arial" panose="020B0604020202020204" pitchFamily="34" charset="0"/>
+              <a:buChar char="•"/>
+              <a:defRPr sz="2000">
+                <a:solidFill>
+                  <a:schemeClr val="tx1"/>
+                </a:solidFill>
+                <a:latin typeface="Calibri" panose="020F0502020204030204" pitchFamily="34" charset="0"/>
+                <a:ea typeface="宋体" panose="02010600030101010101" pitchFamily="2" charset="-122"/>
+              </a:defRPr>
+            </a:lvl3pPr>
+            <a:lvl4pPr marL="1600200" indent="-228600">
+              <a:lnSpc>
+                <a:spcPct val="90000"/>
+              </a:lnSpc>
+              <a:spcBef>
+                <a:spcPts val="500"/>
+              </a:spcBef>
+              <a:buFont typeface="Arial" panose="020B0604020202020204" pitchFamily="34" charset="0"/>
+              <a:buChar char="•"/>
+              <a:defRPr>
+                <a:solidFill>
+                  <a:schemeClr val="tx1"/>
+                </a:solidFill>
+                <a:latin typeface="Calibri" panose="020F0502020204030204" pitchFamily="34" charset="0"/>
+                <a:ea typeface="宋体" panose="02010600030101010101" pitchFamily="2" charset="-122"/>
+              </a:defRPr>
+            </a:lvl4pPr>
+            <a:lvl5pPr marL="2057400" indent="-228600">
+              <a:lnSpc>
+                <a:spcPct val="90000"/>
+              </a:lnSpc>
+              <a:spcBef>
+                <a:spcPts val="500"/>
+              </a:spcBef>
+              <a:buFont typeface="Arial" panose="020B0604020202020204" pitchFamily="34" charset="0"/>
+              <a:buChar char="•"/>
+              <a:defRPr>
+                <a:solidFill>
+                  <a:schemeClr val="tx1"/>
+                </a:solidFill>
+                <a:latin typeface="Calibri" panose="020F0502020204030204" pitchFamily="34" charset="0"/>
+                <a:ea typeface="宋体" panose="02010600030101010101" pitchFamily="2" charset="-122"/>
+              </a:defRPr>
+            </a:lvl5pPr>
+            <a:lvl6pPr marL="2514600" indent="-228600" fontAlgn="base">
+              <a:lnSpc>
+                <a:spcPct val="90000"/>
+              </a:lnSpc>
+              <a:spcBef>
+                <a:spcPts val="500"/>
+              </a:spcBef>
+              <a:spcAft>
+                <a:spcPct val="0"/>
+              </a:spcAft>
+              <a:buFont typeface="Arial" panose="020B0604020202020204" pitchFamily="34" charset="0"/>
+              <a:buChar char="•"/>
+              <a:defRPr>
+                <a:solidFill>
+                  <a:schemeClr val="tx1"/>
+                </a:solidFill>
+                <a:latin typeface="Calibri" panose="020F0502020204030204" pitchFamily="34" charset="0"/>
+                <a:ea typeface="宋体" panose="02010600030101010101" pitchFamily="2" charset="-122"/>
+              </a:defRPr>
+            </a:lvl6pPr>
+            <a:lvl7pPr marL="2971800" indent="-228600" fontAlgn="base">
+              <a:lnSpc>
+                <a:spcPct val="90000"/>
+              </a:lnSpc>
+              <a:spcBef>
+                <a:spcPts val="500"/>
+              </a:spcBef>
+              <a:spcAft>
+                <a:spcPct val="0"/>
+              </a:spcAft>
+              <a:buFont typeface="Arial" panose="020B0604020202020204" pitchFamily="34" charset="0"/>
+              <a:buChar char="•"/>
+              <a:defRPr>
+                <a:solidFill>
+                  <a:schemeClr val="tx1"/>
+                </a:solidFill>
+                <a:latin typeface="Calibri" panose="020F0502020204030204" pitchFamily="34" charset="0"/>
+                <a:ea typeface="宋体" panose="02010600030101010101" pitchFamily="2" charset="-122"/>
+              </a:defRPr>
+            </a:lvl7pPr>
+            <a:lvl8pPr marL="3429000" indent="-228600" fontAlgn="base">
+              <a:lnSpc>
+                <a:spcPct val="90000"/>
+              </a:lnSpc>
+              <a:spcBef>
+                <a:spcPts val="500"/>
+              </a:spcBef>
+              <a:spcAft>
+                <a:spcPct val="0"/>
+              </a:spcAft>
+              <a:buFont typeface="Arial" panose="020B0604020202020204" pitchFamily="34" charset="0"/>
+              <a:buChar char="•"/>
+              <a:defRPr>
+                <a:solidFill>
+                  <a:schemeClr val="tx1"/>
+                </a:solidFill>
+                <a:latin typeface="Calibri" panose="020F0502020204030204" pitchFamily="34" charset="0"/>
+                <a:ea typeface="宋体" panose="02010600030101010101" pitchFamily="2" charset="-122"/>
+              </a:defRPr>
+            </a:lvl8pPr>
+            <a:lvl9pPr marL="3886200" indent="-228600" fontAlgn="base">
+              <a:lnSpc>
+                <a:spcPct val="90000"/>
+              </a:lnSpc>
+              <a:spcBef>
+                <a:spcPts val="500"/>
+              </a:spcBef>
+              <a:spcAft>
+                <a:spcPct val="0"/>
+              </a:spcAft>
+              <a:buFont typeface="Arial" panose="020B0604020202020204" pitchFamily="34" charset="0"/>
+              <a:buChar char="•"/>
+              <a:defRPr>
+                <a:solidFill>
+                  <a:schemeClr val="tx1"/>
+                </a:solidFill>
+                <a:latin typeface="Calibri" panose="020F0502020204030204" pitchFamily="34" charset="0"/>
+                <a:ea typeface="宋体" panose="02010600030101010101" pitchFamily="2" charset="-122"/>
+              </a:defRPr>
+            </a:lvl9pPr>
+          </a:lstStyle>
+          <a:p>
+            <a:pPr algn="l" fontAlgn="base">
+              <a:lnSpc>
+                <a:spcPct val="100000"/>
+              </a:lnSpc>
+              <a:spcBef>
+                <a:spcPct val="0"/>
+              </a:spcBef>
+              <a:spcAft>
+                <a:spcPct val="0"/>
+              </a:spcAft>
+              <a:buFontTx/>
+              <a:buNone/>
+            </a:pPr>
+            <a:r>
+              <a:rPr lang="zh-CN" altLang="en-US" sz="2400" b="1" dirty="0">
+                <a:solidFill>
+                  <a:srgbClr val="000000"/>
+                </a:solidFill>
+                <a:latin typeface="微软雅黑" panose="020B0503020204020204" pitchFamily="34" charset="-122"/>
+                <a:ea typeface="微软雅黑" panose="020B0503020204020204" pitchFamily="34" charset="-122"/>
+                <a:sym typeface="+mn-ea"/>
+              </a:rPr>
+              <a:t>系统实现</a:t>
+            </a:r>
+            <a:endParaRPr lang="zh-CN" altLang="en-US" sz="2400" dirty="0">
+              <a:solidFill>
+                <a:srgbClr val="000000"/>
+              </a:solidFill>
+              <a:latin typeface="微软雅黑" panose="020B0503020204020204" pitchFamily="34" charset="-122"/>
+              <a:ea typeface="微软雅黑" panose="020B0503020204020204" pitchFamily="34" charset="-122"/>
+            </a:endParaRPr>
+          </a:p>
+        </p:txBody>
+      </p:sp>
+      <p:pic>
+        <p:nvPicPr>
+          <p:cNvPr id="28" name="图片 27"/>
+          <p:cNvPicPr>
+            <a:picLocks noChangeAspect="1"/>
+          </p:cNvPicPr>
+          <p:nvPr/>
+        </p:nvPicPr>
+        <p:blipFill>
+          <a:blip r:embed="rId1"/>
+          <a:stretch>
+            <a:fillRect/>
+          </a:stretch>
+        </p:blipFill>
+        <p:spPr>
+          <a:xfrm>
+            <a:off x="635000" y="1289050"/>
+            <a:ext cx="10673080" cy="5208905"/>
+          </a:xfrm>
+          <a:prstGeom prst="rect">
+            <a:avLst/>
+          </a:prstGeom>
+        </p:spPr>
+      </p:pic>
+      <p:sp>
+        <p:nvSpPr>
+          <p:cNvPr id="29" name="文本框 28"/>
+          <p:cNvSpPr txBox="1"/>
+          <p:nvPr/>
+        </p:nvSpPr>
+        <p:spPr>
+          <a:xfrm>
+            <a:off x="549275" y="857885"/>
+            <a:ext cx="2011680" cy="368300"/>
+          </a:xfrm>
+          <a:prstGeom prst="rect">
+            <a:avLst/>
+          </a:prstGeom>
+          <a:noFill/>
+        </p:spPr>
+        <p:txBody>
+          <a:bodyPr wrap="none" rtlCol="0">
+            <a:spAutoFit/>
+            <a:scene3d>
+              <a:camera prst="orthographicFront"/>
+              <a:lightRig rig="threePt" dir="t"/>
+            </a:scene3d>
+          </a:bodyPr>
+          <a:p>
+            <a:r>
+              <a:rPr lang="zh-CN" altLang="en-US">
+                <a:solidFill>
+                  <a:schemeClr val="accent1"/>
+                </a:solidFill>
+                <a:effectLst>
+                  <a:outerShdw blurRad="38100" dist="25400" dir="5400000" algn="ctr" rotWithShape="0">
+                    <a:srgbClr val="6E747A">
+                      <a:alpha val="43000"/>
+                    </a:srgbClr>
+                  </a:outerShdw>
+                </a:effectLst>
+              </a:rPr>
+              <a:t>系统管理系统界面</a:t>
+            </a:r>
+            <a:endParaRPr lang="zh-CN" altLang="en-US">
+              <a:solidFill>
+                <a:schemeClr val="accent1"/>
+              </a:solidFill>
+              <a:effectLst>
+                <a:outerShdw blurRad="38100" dist="25400" dir="5400000" algn="ctr" rotWithShape="0">
+                  <a:srgbClr val="6E747A">
+                    <a:alpha val="43000"/>
+                  </a:srgbClr>
+                </a:outerShdw>
+              </a:effectLst>
+            </a:endParaRPr>
+          </a:p>
+        </p:txBody>
+      </p:sp>
+    </p:spTree>
+  </p:cSld>
+  <p:clrMapOvr>
+    <a:masterClrMapping/>
+  </p:clrMapOvr>
+  <mc:AlternateContent xmlns:mc="http://schemas.openxmlformats.org/markup-compatibility/2006">
+    <mc:Choice xmlns:p14="http://schemas.microsoft.com/office/powerpoint/2010/main" Requires="p14">
+      <p:transition spd="slow" p14:dur="1500">
+        <p:split orient="vert"/>
+      </p:transition>
+    </mc:Choice>
+    <mc:Fallback>
+      <p:transition spd="slow">
+        <p:split orient="vert"/>
+      </p:transition>
+    </mc:Fallback>
+  </mc:AlternateContent>
+</p:sld>
+</file>
+
 <file path=ppt/slides/slide13.xml><?xml version="1.0" encoding="utf-8"?>
 <p:sld xmlns:a="http://schemas.openxmlformats.org/drawingml/2006/main" xmlns:r="http://schemas.openxmlformats.org/officeDocument/2006/relationships" xmlns:p="http://schemas.openxmlformats.org/presentationml/2006/main">
   <p:cSld>
@@ -7671,30 +6858,6 @@
           </a:p>
         </p:txBody>
       </p:sp>
-      <p:pic>
-        <p:nvPicPr>
-          <p:cNvPr id="28" name="图片 27"/>
-          <p:cNvPicPr>
-            <a:picLocks noChangeAspect="1"/>
-          </p:cNvPicPr>
-          <p:nvPr/>
-        </p:nvPicPr>
-        <p:blipFill>
-          <a:blip r:embed="rId1"/>
-          <a:stretch>
-            <a:fillRect/>
-          </a:stretch>
-        </p:blipFill>
-        <p:spPr>
-          <a:xfrm>
-            <a:off x="635000" y="1289050"/>
-            <a:ext cx="10673080" cy="5208905"/>
-          </a:xfrm>
-          <a:prstGeom prst="rect">
-            <a:avLst/>
-          </a:prstGeom>
-        </p:spPr>
-      </p:pic>
       <p:sp>
         <p:nvSpPr>
           <p:cNvPr id="29" name="文本框 28"/>
@@ -7733,7 +6896,7 @@
                   </a:outerShdw>
                 </a:effectLst>
               </a:rPr>
-              <a:t>系统管理系统界面</a:t>
+              <a:t>系统收银系统界面</a:t>
             </a:r>
             <a:endParaRPr lang="zh-CN" altLang="en-US">
               <a:solidFill>
@@ -7750,6 +6913,30 @@
           </a:p>
         </p:txBody>
       </p:sp>
+      <p:pic>
+        <p:nvPicPr>
+          <p:cNvPr id="2" name="图片 1"/>
+          <p:cNvPicPr>
+            <a:picLocks noChangeAspect="1"/>
+          </p:cNvPicPr>
+          <p:nvPr/>
+        </p:nvPicPr>
+        <p:blipFill>
+          <a:blip r:embed="rId1"/>
+          <a:stretch>
+            <a:fillRect/>
+          </a:stretch>
+        </p:blipFill>
+        <p:spPr>
+          <a:xfrm>
+            <a:off x="657860" y="1437005"/>
+            <a:ext cx="10523855" cy="5109210"/>
+          </a:xfrm>
+          <a:prstGeom prst="rect">
+            <a:avLst/>
+          </a:prstGeom>
+        </p:spPr>
+      </p:pic>
     </p:spTree>
   </p:cSld>
   <p:clrMapOvr>
@@ -8088,8 +7275,8 @@
         </p:nvSpPr>
         <p:spPr>
           <a:xfrm>
-            <a:off x="549275" y="857885"/>
-            <a:ext cx="2011680" cy="368300"/>
+            <a:off x="434975" y="858520"/>
+            <a:ext cx="1554480" cy="368300"/>
           </a:xfrm>
           <a:prstGeom prst="rect">
             <a:avLst/>
@@ -8118,7 +7305,7 @@
                   </a:outerShdw>
                 </a:effectLst>
               </a:rPr>
-              <a:t>系统收银系统界面</a:t>
+              <a:t>销售记录界面</a:t>
             </a:r>
             <a:endParaRPr lang="zh-CN" altLang="en-US">
               <a:solidFill>
@@ -8137,7 +7324,7 @@
       </p:sp>
       <p:pic>
         <p:nvPicPr>
-          <p:cNvPr id="2" name="图片 1"/>
+          <p:cNvPr id="3" name="图片 2"/>
           <p:cNvPicPr>
             <a:picLocks noChangeAspect="1"/>
           </p:cNvPicPr>
@@ -8151,8 +7338,8 @@
         </p:blipFill>
         <p:spPr>
           <a:xfrm>
-            <a:off x="657860" y="1437005"/>
-            <a:ext cx="10523855" cy="5109210"/>
+            <a:off x="434975" y="1423670"/>
+            <a:ext cx="11677015" cy="4624070"/>
           </a:xfrm>
           <a:prstGeom prst="rect">
             <a:avLst/>
@@ -8546,415 +7733,6 @@
       </p:sp>
       <p:pic>
         <p:nvPicPr>
-          <p:cNvPr id="3" name="图片 2"/>
-          <p:cNvPicPr>
-            <a:picLocks noChangeAspect="1"/>
-          </p:cNvPicPr>
-          <p:nvPr/>
-        </p:nvPicPr>
-        <p:blipFill>
-          <a:blip r:embed="rId1"/>
-          <a:stretch>
-            <a:fillRect/>
-          </a:stretch>
-        </p:blipFill>
-        <p:spPr>
-          <a:xfrm>
-            <a:off x="434975" y="1423670"/>
-            <a:ext cx="11677015" cy="4624070"/>
-          </a:xfrm>
-          <a:prstGeom prst="rect">
-            <a:avLst/>
-          </a:prstGeom>
-        </p:spPr>
-      </p:pic>
-    </p:spTree>
-  </p:cSld>
-  <p:clrMapOvr>
-    <a:masterClrMapping/>
-  </p:clrMapOvr>
-  <mc:AlternateContent xmlns:mc="http://schemas.openxmlformats.org/markup-compatibility/2006">
-    <mc:Choice xmlns:p14="http://schemas.microsoft.com/office/powerpoint/2010/main" Requires="p14">
-      <p:transition spd="slow" p14:dur="1500">
-        <p:split orient="vert"/>
-      </p:transition>
-    </mc:Choice>
-    <mc:Fallback>
-      <p:transition spd="slow">
-        <p:split orient="vert"/>
-      </p:transition>
-    </mc:Fallback>
-  </mc:AlternateContent>
-</p:sld>
-</file>
-
-<file path=ppt/slides/slide16.xml><?xml version="1.0" encoding="utf-8"?>
-<p:sld xmlns:a="http://schemas.openxmlformats.org/drawingml/2006/main" xmlns:r="http://schemas.openxmlformats.org/officeDocument/2006/relationships" xmlns:p="http://schemas.openxmlformats.org/presentationml/2006/main">
-  <p:cSld>
-    <p:spTree>
-      <p:nvGrpSpPr>
-        <p:cNvPr id="1" name=""/>
-        <p:cNvGrpSpPr/>
-        <p:nvPr/>
-      </p:nvGrpSpPr>
-      <p:grpSpPr>
-        <a:xfrm>
-          <a:off x="0" y="0"/>
-          <a:ext cx="0" cy="0"/>
-          <a:chOff x="0" y="0"/>
-          <a:chExt cx="0" cy="0"/>
-        </a:xfrm>
-      </p:grpSpPr>
-      <p:sp>
-        <p:nvSpPr>
-          <p:cNvPr id="25" name="不完整圆 24"/>
-          <p:cNvSpPr/>
-          <p:nvPr/>
-        </p:nvSpPr>
-        <p:spPr>
-          <a:xfrm>
-            <a:off x="317243" y="254362"/>
-            <a:ext cx="317240" cy="317240"/>
-          </a:xfrm>
-          <a:prstGeom prst="pie">
-            <a:avLst/>
-          </a:prstGeom>
-          <a:ln>
-            <a:noFill/>
-          </a:ln>
-        </p:spPr>
-        <p:style>
-          <a:lnRef idx="2">
-            <a:schemeClr val="accent1">
-              <a:shade val="50000"/>
-            </a:schemeClr>
-          </a:lnRef>
-          <a:fillRef idx="1">
-            <a:schemeClr val="accent1"/>
-          </a:fillRef>
-          <a:effectRef idx="0">
-            <a:schemeClr val="accent1"/>
-          </a:effectRef>
-          <a:fontRef idx="minor">
-            <a:schemeClr val="lt1"/>
-          </a:fontRef>
-        </p:style>
-        <p:txBody>
-          <a:bodyPr rtlCol="0" anchor="ctr"/>
-          <a:lstStyle/>
-          <a:p>
-            <a:pPr algn="ctr"/>
-            <a:endParaRPr lang="zh-CN" altLang="en-US">
-              <a:solidFill>
-                <a:schemeClr val="tx1"/>
-              </a:solidFill>
-            </a:endParaRPr>
-          </a:p>
-        </p:txBody>
-      </p:sp>
-      <p:sp>
-        <p:nvSpPr>
-          <p:cNvPr id="26" name="文本框 25"/>
-          <p:cNvSpPr txBox="1">
-            <a:spLocks noChangeArrowheads="1"/>
-          </p:cNvSpPr>
-          <p:nvPr/>
-        </p:nvSpPr>
-        <p:spPr bwMode="auto">
-          <a:xfrm>
-            <a:off x="657903" y="182150"/>
-            <a:ext cx="1402080" cy="460375"/>
-          </a:xfrm>
-          <a:prstGeom prst="rect">
-            <a:avLst/>
-          </a:prstGeom>
-          <a:noFill/>
-          <a:ln>
-            <a:noFill/>
-          </a:ln>
-          <a:extLst>
-            <a:ext uri="{909E8E84-426E-40DD-AFC4-6F175D3DCCD1}">
-              <a14:hiddenFill xmlns:a14="http://schemas.microsoft.com/office/drawing/2010/main">
-                <a:solidFill>
-                  <a:srgbClr val="FFFFFF"/>
-                </a:solidFill>
-              </a14:hiddenFill>
-            </a:ext>
-            <a:ext uri="{91240B29-F687-4F45-9708-019B960494DF}">
-              <a14:hiddenLine xmlns:a14="http://schemas.microsoft.com/office/drawing/2010/main" w="9525">
-                <a:solidFill>
-                  <a:srgbClr val="000000"/>
-                </a:solidFill>
-                <a:miter lim="800000"/>
-                <a:headEnd/>
-                <a:tailEnd/>
-              </a14:hiddenLine>
-            </a:ext>
-          </a:extLst>
-        </p:spPr>
-        <p:txBody>
-          <a:bodyPr wrap="none">
-            <a:spAutoFit/>
-          </a:bodyPr>
-          <a:lstStyle>
-            <a:lvl1pPr>
-              <a:lnSpc>
-                <a:spcPct val="90000"/>
-              </a:lnSpc>
-              <a:spcBef>
-                <a:spcPts val="1000"/>
-              </a:spcBef>
-              <a:buFont typeface="Arial" panose="020B0604020202020204" pitchFamily="34" charset="0"/>
-              <a:buChar char="•"/>
-              <a:defRPr sz="2800">
-                <a:solidFill>
-                  <a:schemeClr val="tx1"/>
-                </a:solidFill>
-                <a:latin typeface="Calibri" panose="020F0502020204030204" pitchFamily="34" charset="0"/>
-                <a:ea typeface="宋体" panose="02010600030101010101" pitchFamily="2" charset="-122"/>
-              </a:defRPr>
-            </a:lvl1pPr>
-            <a:lvl2pPr marL="742950" indent="-285750">
-              <a:lnSpc>
-                <a:spcPct val="90000"/>
-              </a:lnSpc>
-              <a:spcBef>
-                <a:spcPts val="500"/>
-              </a:spcBef>
-              <a:buFont typeface="Arial" panose="020B0604020202020204" pitchFamily="34" charset="0"/>
-              <a:buChar char="•"/>
-              <a:defRPr sz="2400">
-                <a:solidFill>
-                  <a:schemeClr val="tx1"/>
-                </a:solidFill>
-                <a:latin typeface="Calibri" panose="020F0502020204030204" pitchFamily="34" charset="0"/>
-                <a:ea typeface="宋体" panose="02010600030101010101" pitchFamily="2" charset="-122"/>
-              </a:defRPr>
-            </a:lvl2pPr>
-            <a:lvl3pPr marL="1143000" indent="-228600">
-              <a:lnSpc>
-                <a:spcPct val="90000"/>
-              </a:lnSpc>
-              <a:spcBef>
-                <a:spcPts val="500"/>
-              </a:spcBef>
-              <a:buFont typeface="Arial" panose="020B0604020202020204" pitchFamily="34" charset="0"/>
-              <a:buChar char="•"/>
-              <a:defRPr sz="2000">
-                <a:solidFill>
-                  <a:schemeClr val="tx1"/>
-                </a:solidFill>
-                <a:latin typeface="Calibri" panose="020F0502020204030204" pitchFamily="34" charset="0"/>
-                <a:ea typeface="宋体" panose="02010600030101010101" pitchFamily="2" charset="-122"/>
-              </a:defRPr>
-            </a:lvl3pPr>
-            <a:lvl4pPr marL="1600200" indent="-228600">
-              <a:lnSpc>
-                <a:spcPct val="90000"/>
-              </a:lnSpc>
-              <a:spcBef>
-                <a:spcPts val="500"/>
-              </a:spcBef>
-              <a:buFont typeface="Arial" panose="020B0604020202020204" pitchFamily="34" charset="0"/>
-              <a:buChar char="•"/>
-              <a:defRPr>
-                <a:solidFill>
-                  <a:schemeClr val="tx1"/>
-                </a:solidFill>
-                <a:latin typeface="Calibri" panose="020F0502020204030204" pitchFamily="34" charset="0"/>
-                <a:ea typeface="宋体" panose="02010600030101010101" pitchFamily="2" charset="-122"/>
-              </a:defRPr>
-            </a:lvl4pPr>
-            <a:lvl5pPr marL="2057400" indent="-228600">
-              <a:lnSpc>
-                <a:spcPct val="90000"/>
-              </a:lnSpc>
-              <a:spcBef>
-                <a:spcPts val="500"/>
-              </a:spcBef>
-              <a:buFont typeface="Arial" panose="020B0604020202020204" pitchFamily="34" charset="0"/>
-              <a:buChar char="•"/>
-              <a:defRPr>
-                <a:solidFill>
-                  <a:schemeClr val="tx1"/>
-                </a:solidFill>
-                <a:latin typeface="Calibri" panose="020F0502020204030204" pitchFamily="34" charset="0"/>
-                <a:ea typeface="宋体" panose="02010600030101010101" pitchFamily="2" charset="-122"/>
-              </a:defRPr>
-            </a:lvl5pPr>
-            <a:lvl6pPr marL="2514600" indent="-228600" fontAlgn="base">
-              <a:lnSpc>
-                <a:spcPct val="90000"/>
-              </a:lnSpc>
-              <a:spcBef>
-                <a:spcPts val="500"/>
-              </a:spcBef>
-              <a:spcAft>
-                <a:spcPct val="0"/>
-              </a:spcAft>
-              <a:buFont typeface="Arial" panose="020B0604020202020204" pitchFamily="34" charset="0"/>
-              <a:buChar char="•"/>
-              <a:defRPr>
-                <a:solidFill>
-                  <a:schemeClr val="tx1"/>
-                </a:solidFill>
-                <a:latin typeface="Calibri" panose="020F0502020204030204" pitchFamily="34" charset="0"/>
-                <a:ea typeface="宋体" panose="02010600030101010101" pitchFamily="2" charset="-122"/>
-              </a:defRPr>
-            </a:lvl6pPr>
-            <a:lvl7pPr marL="2971800" indent="-228600" fontAlgn="base">
-              <a:lnSpc>
-                <a:spcPct val="90000"/>
-              </a:lnSpc>
-              <a:spcBef>
-                <a:spcPts val="500"/>
-              </a:spcBef>
-              <a:spcAft>
-                <a:spcPct val="0"/>
-              </a:spcAft>
-              <a:buFont typeface="Arial" panose="020B0604020202020204" pitchFamily="34" charset="0"/>
-              <a:buChar char="•"/>
-              <a:defRPr>
-                <a:solidFill>
-                  <a:schemeClr val="tx1"/>
-                </a:solidFill>
-                <a:latin typeface="Calibri" panose="020F0502020204030204" pitchFamily="34" charset="0"/>
-                <a:ea typeface="宋体" panose="02010600030101010101" pitchFamily="2" charset="-122"/>
-              </a:defRPr>
-            </a:lvl7pPr>
-            <a:lvl8pPr marL="3429000" indent="-228600" fontAlgn="base">
-              <a:lnSpc>
-                <a:spcPct val="90000"/>
-              </a:lnSpc>
-              <a:spcBef>
-                <a:spcPts val="500"/>
-              </a:spcBef>
-              <a:spcAft>
-                <a:spcPct val="0"/>
-              </a:spcAft>
-              <a:buFont typeface="Arial" panose="020B0604020202020204" pitchFamily="34" charset="0"/>
-              <a:buChar char="•"/>
-              <a:defRPr>
-                <a:solidFill>
-                  <a:schemeClr val="tx1"/>
-                </a:solidFill>
-                <a:latin typeface="Calibri" panose="020F0502020204030204" pitchFamily="34" charset="0"/>
-                <a:ea typeface="宋体" panose="02010600030101010101" pitchFamily="2" charset="-122"/>
-              </a:defRPr>
-            </a:lvl8pPr>
-            <a:lvl9pPr marL="3886200" indent="-228600" fontAlgn="base">
-              <a:lnSpc>
-                <a:spcPct val="90000"/>
-              </a:lnSpc>
-              <a:spcBef>
-                <a:spcPts val="500"/>
-              </a:spcBef>
-              <a:spcAft>
-                <a:spcPct val="0"/>
-              </a:spcAft>
-              <a:buFont typeface="Arial" panose="020B0604020202020204" pitchFamily="34" charset="0"/>
-              <a:buChar char="•"/>
-              <a:defRPr>
-                <a:solidFill>
-                  <a:schemeClr val="tx1"/>
-                </a:solidFill>
-                <a:latin typeface="Calibri" panose="020F0502020204030204" pitchFamily="34" charset="0"/>
-                <a:ea typeface="宋体" panose="02010600030101010101" pitchFamily="2" charset="-122"/>
-              </a:defRPr>
-            </a:lvl9pPr>
-          </a:lstStyle>
-          <a:p>
-            <a:pPr algn="l" fontAlgn="base">
-              <a:lnSpc>
-                <a:spcPct val="100000"/>
-              </a:lnSpc>
-              <a:spcBef>
-                <a:spcPct val="0"/>
-              </a:spcBef>
-              <a:spcAft>
-                <a:spcPct val="0"/>
-              </a:spcAft>
-              <a:buFontTx/>
-              <a:buNone/>
-            </a:pPr>
-            <a:r>
-              <a:rPr lang="zh-CN" altLang="en-US" sz="2400" b="1" dirty="0">
-                <a:solidFill>
-                  <a:srgbClr val="000000"/>
-                </a:solidFill>
-                <a:latin typeface="微软雅黑" panose="020B0503020204020204" pitchFamily="34" charset="-122"/>
-                <a:ea typeface="微软雅黑" panose="020B0503020204020204" pitchFamily="34" charset="-122"/>
-                <a:sym typeface="+mn-ea"/>
-              </a:rPr>
-              <a:t>系统实现</a:t>
-            </a:r>
-            <a:endParaRPr lang="zh-CN" altLang="en-US" sz="2400" dirty="0">
-              <a:solidFill>
-                <a:srgbClr val="000000"/>
-              </a:solidFill>
-              <a:latin typeface="微软雅黑" panose="020B0503020204020204" pitchFamily="34" charset="-122"/>
-              <a:ea typeface="微软雅黑" panose="020B0503020204020204" pitchFamily="34" charset="-122"/>
-            </a:endParaRPr>
-          </a:p>
-        </p:txBody>
-      </p:sp>
-      <p:sp>
-        <p:nvSpPr>
-          <p:cNvPr id="29" name="文本框 28"/>
-          <p:cNvSpPr txBox="1"/>
-          <p:nvPr/>
-        </p:nvSpPr>
-        <p:spPr>
-          <a:xfrm>
-            <a:off x="434975" y="858520"/>
-            <a:ext cx="1554480" cy="368300"/>
-          </a:xfrm>
-          <a:prstGeom prst="rect">
-            <a:avLst/>
-          </a:prstGeom>
-          <a:noFill/>
-        </p:spPr>
-        <p:txBody>
-          <a:bodyPr wrap="none" rtlCol="0">
-            <a:spAutoFit/>
-            <a:scene3d>
-              <a:camera prst="orthographicFront"/>
-              <a:lightRig rig="threePt" dir="t"/>
-            </a:scene3d>
-          </a:bodyPr>
-          <a:p>
-            <a:r>
-              <a:rPr lang="zh-CN" altLang="en-US">
-                <a:solidFill>
-                  <a:schemeClr val="accent1"/>
-                </a:solidFill>
-                <a:effectLst>
-                  <a:outerShdw blurRad="38100" dist="25400" dir="5400000" algn="ctr" rotWithShape="0">
-                    <a:srgbClr val="6E747A">
-                      <a:alpha val="43000"/>
-                    </a:srgbClr>
-                  </a:outerShdw>
-                </a:effectLst>
-              </a:rPr>
-              <a:t>销售记录界面</a:t>
-            </a:r>
-            <a:endParaRPr lang="zh-CN" altLang="en-US">
-              <a:solidFill>
-                <a:schemeClr val="accent1"/>
-              </a:solidFill>
-              <a:effectLst>
-                <a:outerShdw blurRad="38100" dist="25400" dir="5400000" algn="ctr" rotWithShape="0">
-                  <a:srgbClr val="6E747A">
-                    <a:alpha val="43000"/>
-                  </a:srgbClr>
-                </a:outerShdw>
-              </a:effectLst>
-            </a:endParaRPr>
-          </a:p>
-        </p:txBody>
-      </p:sp>
-      <p:pic>
-        <p:nvPicPr>
           <p:cNvPr id="2" name="图片 1"/>
           <p:cNvPicPr>
             <a:picLocks noChangeAspect="1"/>
@@ -8997,7 +7775,7 @@
 </p:sld>
 </file>
 
-<file path=ppt/slides/slide17.xml><?xml version="1.0" encoding="utf-8"?>
+<file path=ppt/slides/slide16.xml><?xml version="1.0" encoding="utf-8"?>
 <p:sld xmlns:a="http://schemas.openxmlformats.org/drawingml/2006/main" xmlns:r="http://schemas.openxmlformats.org/officeDocument/2006/relationships" xmlns:p="http://schemas.openxmlformats.org/presentationml/2006/main">
   <p:cSld>
     <p:spTree>
@@ -19469,7 +18247,7 @@
         <p:spPr>
           <a:xfrm>
             <a:off x="1242060" y="1070610"/>
-            <a:ext cx="2473960" cy="332105"/>
+            <a:ext cx="2482850" cy="332105"/>
           </a:xfrm>
           <a:prstGeom prst="rect">
             <a:avLst/>
@@ -19511,7 +18289,7 @@
                 <a:ea typeface="微软雅黑" panose="020B0503020204020204" pitchFamily="34" charset="-122"/>
                 <a:sym typeface="Arial" panose="020B0604020202020204" pitchFamily="34" charset="0"/>
               </a:rPr>
-              <a:t>商品上架的执行流程</a:t>
+              <a:t>售后退换的执行流程</a:t>
             </a:r>
             <a:endParaRPr lang="zh-CN" altLang="en-US" b="1" dirty="0">
               <a:solidFill>
@@ -19826,13 +18604,13 @@
       </p:sp>
       <p:sp>
         <p:nvSpPr>
-          <p:cNvPr id="8" name="Oval 32"/>
+          <p:cNvPr id="2" name="Oval 31"/>
           <p:cNvSpPr/>
           <p:nvPr/>
         </p:nvSpPr>
         <p:spPr>
           <a:xfrm>
-            <a:off x="634937" y="927235"/>
+            <a:off x="657678" y="927235"/>
             <a:ext cx="663186" cy="663186"/>
           </a:xfrm>
           <a:prstGeom prst="ellipse">
@@ -19875,7 +18653,7 @@
       </p:sp>
       <p:sp>
         <p:nvSpPr>
-          <p:cNvPr id="9" name="Freeform 83"/>
+          <p:cNvPr id="3" name="Freeform 183"/>
           <p:cNvSpPr>
             <a:spLocks noEditPoints="1"/>
           </p:cNvSpPr>
@@ -19883,78 +18661,114 @@
         </p:nvSpPr>
         <p:spPr bwMode="auto">
           <a:xfrm>
-            <a:off x="766037" y="1095058"/>
-            <a:ext cx="400986" cy="327540"/>
+            <a:off x="826422" y="1116889"/>
+            <a:ext cx="326208" cy="284118"/>
           </a:xfrm>
           <a:custGeom>
             <a:avLst/>
             <a:gdLst>
-              <a:gd name="T0" fmla="*/ 120 w 176"/>
-              <a:gd name="T1" fmla="*/ 16 h 144"/>
-              <a:gd name="T2" fmla="*/ 72 w 176"/>
-              <a:gd name="T3" fmla="*/ 0 h 144"/>
-              <a:gd name="T4" fmla="*/ 8 w 176"/>
-              <a:gd name="T5" fmla="*/ 16 h 144"/>
-              <a:gd name="T6" fmla="*/ 0 w 176"/>
-              <a:gd name="T7" fmla="*/ 64 h 144"/>
-              <a:gd name="T8" fmla="*/ 8 w 176"/>
-              <a:gd name="T9" fmla="*/ 136 h 144"/>
-              <a:gd name="T10" fmla="*/ 160 w 176"/>
-              <a:gd name="T11" fmla="*/ 144 h 144"/>
-              <a:gd name="T12" fmla="*/ 168 w 176"/>
-              <a:gd name="T13" fmla="*/ 72 h 144"/>
-              <a:gd name="T14" fmla="*/ 176 w 176"/>
-              <a:gd name="T15" fmla="*/ 24 h 144"/>
-              <a:gd name="T16" fmla="*/ 72 w 176"/>
-              <a:gd name="T17" fmla="*/ 8 h 144"/>
-              <a:gd name="T18" fmla="*/ 112 w 176"/>
-              <a:gd name="T19" fmla="*/ 16 h 144"/>
-              <a:gd name="T20" fmla="*/ 72 w 176"/>
-              <a:gd name="T21" fmla="*/ 8 h 144"/>
-              <a:gd name="T22" fmla="*/ 16 w 176"/>
-              <a:gd name="T23" fmla="*/ 136 h 144"/>
-              <a:gd name="T24" fmla="*/ 32 w 176"/>
-              <a:gd name="T25" fmla="*/ 72 h 144"/>
-              <a:gd name="T26" fmla="*/ 40 w 176"/>
-              <a:gd name="T27" fmla="*/ 88 h 144"/>
-              <a:gd name="T28" fmla="*/ 64 w 176"/>
-              <a:gd name="T29" fmla="*/ 80 h 144"/>
-              <a:gd name="T30" fmla="*/ 112 w 176"/>
-              <a:gd name="T31" fmla="*/ 72 h 144"/>
-              <a:gd name="T32" fmla="*/ 120 w 176"/>
-              <a:gd name="T33" fmla="*/ 88 h 144"/>
-              <a:gd name="T34" fmla="*/ 144 w 176"/>
-              <a:gd name="T35" fmla="*/ 80 h 144"/>
-              <a:gd name="T36" fmla="*/ 160 w 176"/>
-              <a:gd name="T37" fmla="*/ 72 h 144"/>
-              <a:gd name="T38" fmla="*/ 40 w 176"/>
-              <a:gd name="T39" fmla="*/ 56 h 144"/>
-              <a:gd name="T40" fmla="*/ 56 w 176"/>
-              <a:gd name="T41" fmla="*/ 80 h 144"/>
-              <a:gd name="T42" fmla="*/ 40 w 176"/>
-              <a:gd name="T43" fmla="*/ 56 h 144"/>
-              <a:gd name="T44" fmla="*/ 136 w 176"/>
-              <a:gd name="T45" fmla="*/ 56 h 144"/>
-              <a:gd name="T46" fmla="*/ 120 w 176"/>
-              <a:gd name="T47" fmla="*/ 80 h 144"/>
-              <a:gd name="T48" fmla="*/ 168 w 176"/>
-              <a:gd name="T49" fmla="*/ 64 h 144"/>
-              <a:gd name="T50" fmla="*/ 144 w 176"/>
-              <a:gd name="T51" fmla="*/ 56 h 144"/>
-              <a:gd name="T52" fmla="*/ 120 w 176"/>
-              <a:gd name="T53" fmla="*/ 48 h 144"/>
-              <a:gd name="T54" fmla="*/ 112 w 176"/>
-              <a:gd name="T55" fmla="*/ 64 h 144"/>
-              <a:gd name="T56" fmla="*/ 64 w 176"/>
-              <a:gd name="T57" fmla="*/ 56 h 144"/>
-              <a:gd name="T58" fmla="*/ 40 w 176"/>
-              <a:gd name="T59" fmla="*/ 48 h 144"/>
-              <a:gd name="T60" fmla="*/ 32 w 176"/>
-              <a:gd name="T61" fmla="*/ 64 h 144"/>
-              <a:gd name="T62" fmla="*/ 8 w 176"/>
-              <a:gd name="T63" fmla="*/ 24 h 144"/>
-              <a:gd name="T64" fmla="*/ 168 w 176"/>
-              <a:gd name="T65" fmla="*/ 64 h 144"/>
+              <a:gd name="T0" fmla="*/ 22 w 140"/>
+              <a:gd name="T1" fmla="*/ 40 h 122"/>
+              <a:gd name="T2" fmla="*/ 22 w 140"/>
+              <a:gd name="T3" fmla="*/ 111 h 122"/>
+              <a:gd name="T4" fmla="*/ 18 w 140"/>
+              <a:gd name="T5" fmla="*/ 116 h 122"/>
+              <a:gd name="T6" fmla="*/ 5 w 140"/>
+              <a:gd name="T7" fmla="*/ 116 h 122"/>
+              <a:gd name="T8" fmla="*/ 0 w 140"/>
+              <a:gd name="T9" fmla="*/ 111 h 122"/>
+              <a:gd name="T10" fmla="*/ 0 w 140"/>
+              <a:gd name="T11" fmla="*/ 40 h 122"/>
+              <a:gd name="T12" fmla="*/ 5 w 140"/>
+              <a:gd name="T13" fmla="*/ 36 h 122"/>
+              <a:gd name="T14" fmla="*/ 18 w 140"/>
+              <a:gd name="T15" fmla="*/ 36 h 122"/>
+              <a:gd name="T16" fmla="*/ 22 w 140"/>
+              <a:gd name="T17" fmla="*/ 40 h 122"/>
+              <a:gd name="T18" fmla="*/ 48 w 140"/>
+              <a:gd name="T19" fmla="*/ 24 h 122"/>
+              <a:gd name="T20" fmla="*/ 35 w 140"/>
+              <a:gd name="T21" fmla="*/ 24 h 122"/>
+              <a:gd name="T22" fmla="*/ 30 w 140"/>
+              <a:gd name="T23" fmla="*/ 28 h 122"/>
+              <a:gd name="T24" fmla="*/ 30 w 140"/>
+              <a:gd name="T25" fmla="*/ 111 h 122"/>
+              <a:gd name="T26" fmla="*/ 35 w 140"/>
+              <a:gd name="T27" fmla="*/ 116 h 122"/>
+              <a:gd name="T28" fmla="*/ 48 w 140"/>
+              <a:gd name="T29" fmla="*/ 116 h 122"/>
+              <a:gd name="T30" fmla="*/ 52 w 140"/>
+              <a:gd name="T31" fmla="*/ 111 h 122"/>
+              <a:gd name="T32" fmla="*/ 52 w 140"/>
+              <a:gd name="T33" fmla="*/ 28 h 122"/>
+              <a:gd name="T34" fmla="*/ 48 w 140"/>
+              <a:gd name="T35" fmla="*/ 24 h 122"/>
+              <a:gd name="T36" fmla="*/ 82 w 140"/>
+              <a:gd name="T37" fmla="*/ 16 h 122"/>
+              <a:gd name="T38" fmla="*/ 78 w 140"/>
+              <a:gd name="T39" fmla="*/ 12 h 122"/>
+              <a:gd name="T40" fmla="*/ 65 w 140"/>
+              <a:gd name="T41" fmla="*/ 12 h 122"/>
+              <a:gd name="T42" fmla="*/ 60 w 140"/>
+              <a:gd name="T43" fmla="*/ 16 h 122"/>
+              <a:gd name="T44" fmla="*/ 60 w 140"/>
+              <a:gd name="T45" fmla="*/ 104 h 122"/>
+              <a:gd name="T46" fmla="*/ 82 w 140"/>
+              <a:gd name="T47" fmla="*/ 77 h 122"/>
+              <a:gd name="T48" fmla="*/ 82 w 140"/>
+              <a:gd name="T49" fmla="*/ 16 h 122"/>
+              <a:gd name="T50" fmla="*/ 110 w 140"/>
+              <a:gd name="T51" fmla="*/ 83 h 122"/>
+              <a:gd name="T52" fmla="*/ 101 w 140"/>
+              <a:gd name="T53" fmla="*/ 76 h 122"/>
+              <a:gd name="T54" fmla="*/ 112 w 140"/>
+              <a:gd name="T55" fmla="*/ 71 h 122"/>
+              <a:gd name="T56" fmla="*/ 112 w 140"/>
+              <a:gd name="T57" fmla="*/ 4 h 122"/>
+              <a:gd name="T58" fmla="*/ 108 w 140"/>
+              <a:gd name="T59" fmla="*/ 0 h 122"/>
+              <a:gd name="T60" fmla="*/ 95 w 140"/>
+              <a:gd name="T61" fmla="*/ 0 h 122"/>
+              <a:gd name="T62" fmla="*/ 90 w 140"/>
+              <a:gd name="T63" fmla="*/ 4 h 122"/>
+              <a:gd name="T64" fmla="*/ 90 w 140"/>
+              <a:gd name="T65" fmla="*/ 82 h 122"/>
+              <a:gd name="T66" fmla="*/ 102 w 140"/>
+              <a:gd name="T67" fmla="*/ 92 h 122"/>
+              <a:gd name="T68" fmla="*/ 110 w 140"/>
+              <a:gd name="T69" fmla="*/ 83 h 122"/>
+              <a:gd name="T70" fmla="*/ 124 w 140"/>
+              <a:gd name="T71" fmla="*/ 71 h 122"/>
+              <a:gd name="T72" fmla="*/ 108 w 140"/>
+              <a:gd name="T73" fmla="*/ 77 h 122"/>
+              <a:gd name="T74" fmla="*/ 115 w 140"/>
+              <a:gd name="T75" fmla="*/ 83 h 122"/>
+              <a:gd name="T76" fmla="*/ 103 w 140"/>
+              <a:gd name="T77" fmla="*/ 98 h 122"/>
+              <a:gd name="T78" fmla="*/ 84 w 140"/>
+              <a:gd name="T79" fmla="*/ 81 h 122"/>
+              <a:gd name="T80" fmla="*/ 58 w 140"/>
+              <a:gd name="T81" fmla="*/ 112 h 122"/>
+              <a:gd name="T82" fmla="*/ 69 w 140"/>
+              <a:gd name="T83" fmla="*/ 122 h 122"/>
+              <a:gd name="T84" fmla="*/ 86 w 140"/>
+              <a:gd name="T85" fmla="*/ 103 h 122"/>
+              <a:gd name="T86" fmla="*/ 105 w 140"/>
+              <a:gd name="T87" fmla="*/ 119 h 122"/>
+              <a:gd name="T88" fmla="*/ 115 w 140"/>
+              <a:gd name="T89" fmla="*/ 107 h 122"/>
+              <a:gd name="T90" fmla="*/ 115 w 140"/>
+              <a:gd name="T91" fmla="*/ 107 h 122"/>
+              <a:gd name="T92" fmla="*/ 127 w 140"/>
+              <a:gd name="T93" fmla="*/ 93 h 122"/>
+              <a:gd name="T94" fmla="*/ 134 w 140"/>
+              <a:gd name="T95" fmla="*/ 99 h 122"/>
+              <a:gd name="T96" fmla="*/ 137 w 140"/>
+              <a:gd name="T97" fmla="*/ 82 h 122"/>
+              <a:gd name="T98" fmla="*/ 140 w 140"/>
+              <a:gd name="T99" fmla="*/ 65 h 122"/>
+              <a:gd name="T100" fmla="*/ 124 w 140"/>
+              <a:gd name="T101" fmla="*/ 71 h 122"/>
             </a:gdLst>
             <a:ahLst/>
             <a:cxnLst>
@@ -20057,322 +18871,306 @@
               <a:cxn ang="0">
                 <a:pos x="T64" y="T65"/>
               </a:cxn>
+              <a:cxn ang="0">
+                <a:pos x="T66" y="T67"/>
+              </a:cxn>
+              <a:cxn ang="0">
+                <a:pos x="T68" y="T69"/>
+              </a:cxn>
+              <a:cxn ang="0">
+                <a:pos x="T70" y="T71"/>
+              </a:cxn>
+              <a:cxn ang="0">
+                <a:pos x="T72" y="T73"/>
+              </a:cxn>
+              <a:cxn ang="0">
+                <a:pos x="T74" y="T75"/>
+              </a:cxn>
+              <a:cxn ang="0">
+                <a:pos x="T76" y="T77"/>
+              </a:cxn>
+              <a:cxn ang="0">
+                <a:pos x="T78" y="T79"/>
+              </a:cxn>
+              <a:cxn ang="0">
+                <a:pos x="T80" y="T81"/>
+              </a:cxn>
+              <a:cxn ang="0">
+                <a:pos x="T82" y="T83"/>
+              </a:cxn>
+              <a:cxn ang="0">
+                <a:pos x="T84" y="T85"/>
+              </a:cxn>
+              <a:cxn ang="0">
+                <a:pos x="T86" y="T87"/>
+              </a:cxn>
+              <a:cxn ang="0">
+                <a:pos x="T88" y="T89"/>
+              </a:cxn>
+              <a:cxn ang="0">
+                <a:pos x="T90" y="T91"/>
+              </a:cxn>
+              <a:cxn ang="0">
+                <a:pos x="T92" y="T93"/>
+              </a:cxn>
+              <a:cxn ang="0">
+                <a:pos x="T94" y="T95"/>
+              </a:cxn>
+              <a:cxn ang="0">
+                <a:pos x="T96" y="T97"/>
+              </a:cxn>
+              <a:cxn ang="0">
+                <a:pos x="T98" y="T99"/>
+              </a:cxn>
+              <a:cxn ang="0">
+                <a:pos x="T100" y="T101"/>
+              </a:cxn>
             </a:cxnLst>
             <a:rect l="0" t="0" r="r" b="b"/>
             <a:pathLst>
-              <a:path w="176" h="144">
+              <a:path w="140" h="122">
                 <a:moveTo>
-                  <a:pt x="168" y="16"/>
+                  <a:pt x="22" y="40"/>
                 </a:moveTo>
                 <a:cubicBezTo>
-                  <a:pt x="120" y="16"/>
-                  <a:pt x="120" y="16"/>
-                  <a:pt x="120" y="16"/>
-                </a:cubicBezTo>
-                <a:cubicBezTo>
-                  <a:pt x="120" y="7"/>
-                  <a:pt x="113" y="0"/>
-                  <a:pt x="104" y="0"/>
-                </a:cubicBezTo>
-                <a:cubicBezTo>
-                  <a:pt x="72" y="0"/>
-                  <a:pt x="72" y="0"/>
-                  <a:pt x="72" y="0"/>
-                </a:cubicBezTo>
-                <a:cubicBezTo>
-                  <a:pt x="63" y="0"/>
-                  <a:pt x="56" y="7"/>
-                  <a:pt x="56" y="16"/>
-                </a:cubicBezTo>
-                <a:cubicBezTo>
-                  <a:pt x="8" y="16"/>
-                  <a:pt x="8" y="16"/>
-                  <a:pt x="8" y="16"/>
-                </a:cubicBezTo>
-                <a:cubicBezTo>
-                  <a:pt x="4" y="16"/>
-                  <a:pt x="0" y="20"/>
-                  <a:pt x="0" y="24"/>
-                </a:cubicBezTo>
-                <a:cubicBezTo>
-                  <a:pt x="0" y="64"/>
-                  <a:pt x="0" y="64"/>
-                  <a:pt x="0" y="64"/>
-                </a:cubicBezTo>
-                <a:cubicBezTo>
-                  <a:pt x="0" y="68"/>
-                  <a:pt x="4" y="72"/>
-                  <a:pt x="8" y="72"/>
-                </a:cubicBezTo>
-                <a:cubicBezTo>
-                  <a:pt x="8" y="136"/>
-                  <a:pt x="8" y="136"/>
-                  <a:pt x="8" y="136"/>
-                </a:cubicBezTo>
-                <a:cubicBezTo>
-                  <a:pt x="8" y="140"/>
-                  <a:pt x="12" y="144"/>
-                  <a:pt x="16" y="144"/>
-                </a:cubicBezTo>
-                <a:cubicBezTo>
-                  <a:pt x="160" y="144"/>
-                  <a:pt x="160" y="144"/>
-                  <a:pt x="160" y="144"/>
-                </a:cubicBezTo>
-                <a:cubicBezTo>
-                  <a:pt x="164" y="144"/>
-                  <a:pt x="168" y="140"/>
-                  <a:pt x="168" y="136"/>
-                </a:cubicBezTo>
-                <a:cubicBezTo>
-                  <a:pt x="168" y="72"/>
-                  <a:pt x="168" y="72"/>
-                  <a:pt x="168" y="72"/>
-                </a:cubicBezTo>
-                <a:cubicBezTo>
-                  <a:pt x="172" y="72"/>
-                  <a:pt x="176" y="68"/>
-                  <a:pt x="176" y="64"/>
-                </a:cubicBezTo>
-                <a:cubicBezTo>
-                  <a:pt x="176" y="24"/>
-                  <a:pt x="176" y="24"/>
-                  <a:pt x="176" y="24"/>
-                </a:cubicBezTo>
-                <a:cubicBezTo>
-                  <a:pt x="176" y="20"/>
-                  <a:pt x="172" y="16"/>
-                  <a:pt x="168" y="16"/>
-                </a:cubicBezTo>
+                  <a:pt x="22" y="111"/>
+                  <a:pt x="22" y="111"/>
+                  <a:pt x="22" y="111"/>
+                </a:cubicBezTo>
+                <a:cubicBezTo>
+                  <a:pt x="22" y="114"/>
+                  <a:pt x="20" y="116"/>
+                  <a:pt x="18" y="116"/>
+                </a:cubicBezTo>
+                <a:cubicBezTo>
+                  <a:pt x="5" y="116"/>
+                  <a:pt x="5" y="116"/>
+                  <a:pt x="5" y="116"/>
+                </a:cubicBezTo>
+                <a:cubicBezTo>
+                  <a:pt x="2" y="116"/>
+                  <a:pt x="0" y="114"/>
+                  <a:pt x="0" y="111"/>
+                </a:cubicBezTo>
+                <a:cubicBezTo>
+                  <a:pt x="0" y="40"/>
+                  <a:pt x="0" y="40"/>
+                  <a:pt x="0" y="40"/>
+                </a:cubicBezTo>
+                <a:cubicBezTo>
+                  <a:pt x="0" y="38"/>
+                  <a:pt x="2" y="36"/>
+                  <a:pt x="5" y="36"/>
+                </a:cubicBezTo>
+                <a:cubicBezTo>
+                  <a:pt x="18" y="36"/>
+                  <a:pt x="18" y="36"/>
+                  <a:pt x="18" y="36"/>
+                </a:cubicBezTo>
+                <a:cubicBezTo>
+                  <a:pt x="20" y="36"/>
+                  <a:pt x="22" y="38"/>
+                  <a:pt x="22" y="40"/>
+                </a:cubicBezTo>
+                <a:close/>
                 <a:moveTo>
-                  <a:pt x="72" y="8"/>
+                  <a:pt x="48" y="24"/>
                 </a:moveTo>
                 <a:cubicBezTo>
-                  <a:pt x="104" y="8"/>
-                  <a:pt x="104" y="8"/>
-                  <a:pt x="104" y="8"/>
-                </a:cubicBezTo>
-                <a:cubicBezTo>
-                  <a:pt x="108" y="8"/>
-                  <a:pt x="112" y="12"/>
-                  <a:pt x="112" y="16"/>
-                </a:cubicBezTo>
-                <a:cubicBezTo>
-                  <a:pt x="64" y="16"/>
-                  <a:pt x="64" y="16"/>
-                  <a:pt x="64" y="16"/>
-                </a:cubicBezTo>
-                <a:cubicBezTo>
-                  <a:pt x="64" y="12"/>
-                  <a:pt x="68" y="8"/>
-                  <a:pt x="72" y="8"/>
-                </a:cubicBezTo>
+                  <a:pt x="35" y="24"/>
+                  <a:pt x="35" y="24"/>
+                  <a:pt x="35" y="24"/>
+                </a:cubicBezTo>
+                <a:cubicBezTo>
+                  <a:pt x="32" y="24"/>
+                  <a:pt x="30" y="26"/>
+                  <a:pt x="30" y="28"/>
+                </a:cubicBezTo>
+                <a:cubicBezTo>
+                  <a:pt x="30" y="111"/>
+                  <a:pt x="30" y="111"/>
+                  <a:pt x="30" y="111"/>
+                </a:cubicBezTo>
+                <a:cubicBezTo>
+                  <a:pt x="30" y="114"/>
+                  <a:pt x="32" y="116"/>
+                  <a:pt x="35" y="116"/>
+                </a:cubicBezTo>
+                <a:cubicBezTo>
+                  <a:pt x="48" y="116"/>
+                  <a:pt x="48" y="116"/>
+                  <a:pt x="48" y="116"/>
+                </a:cubicBezTo>
+                <a:cubicBezTo>
+                  <a:pt x="50" y="116"/>
+                  <a:pt x="52" y="114"/>
+                  <a:pt x="52" y="111"/>
+                </a:cubicBezTo>
+                <a:cubicBezTo>
+                  <a:pt x="52" y="28"/>
+                  <a:pt x="52" y="28"/>
+                  <a:pt x="52" y="28"/>
+                </a:cubicBezTo>
+                <a:cubicBezTo>
+                  <a:pt x="52" y="26"/>
+                  <a:pt x="50" y="24"/>
+                  <a:pt x="48" y="24"/>
+                </a:cubicBezTo>
+                <a:close/>
                 <a:moveTo>
-                  <a:pt x="160" y="136"/>
+                  <a:pt x="82" y="16"/>
                 </a:moveTo>
                 <a:cubicBezTo>
-                  <a:pt x="16" y="136"/>
-                  <a:pt x="16" y="136"/>
-                  <a:pt x="16" y="136"/>
-                </a:cubicBezTo>
-                <a:cubicBezTo>
-                  <a:pt x="16" y="72"/>
-                  <a:pt x="16" y="72"/>
-                  <a:pt x="16" y="72"/>
-                </a:cubicBezTo>
-                <a:cubicBezTo>
-                  <a:pt x="32" y="72"/>
-                  <a:pt x="32" y="72"/>
-                  <a:pt x="32" y="72"/>
-                </a:cubicBezTo>
-                <a:cubicBezTo>
-                  <a:pt x="32" y="80"/>
-                  <a:pt x="32" y="80"/>
-                  <a:pt x="32" y="80"/>
-                </a:cubicBezTo>
-                <a:cubicBezTo>
-                  <a:pt x="32" y="84"/>
-                  <a:pt x="36" y="88"/>
-                  <a:pt x="40" y="88"/>
-                </a:cubicBezTo>
-                <a:cubicBezTo>
-                  <a:pt x="56" y="88"/>
-                  <a:pt x="56" y="88"/>
-                  <a:pt x="56" y="88"/>
-                </a:cubicBezTo>
-                <a:cubicBezTo>
-                  <a:pt x="60" y="88"/>
-                  <a:pt x="64" y="84"/>
-                  <a:pt x="64" y="80"/>
-                </a:cubicBezTo>
-                <a:cubicBezTo>
-                  <a:pt x="64" y="72"/>
-                  <a:pt x="64" y="72"/>
-                  <a:pt x="64" y="72"/>
-                </a:cubicBezTo>
-                <a:cubicBezTo>
-                  <a:pt x="112" y="72"/>
-                  <a:pt x="112" y="72"/>
-                  <a:pt x="112" y="72"/>
-                </a:cubicBezTo>
-                <a:cubicBezTo>
-                  <a:pt x="112" y="80"/>
-                  <a:pt x="112" y="80"/>
-                  <a:pt x="112" y="80"/>
-                </a:cubicBezTo>
-                <a:cubicBezTo>
-                  <a:pt x="112" y="84"/>
-                  <a:pt x="116" y="88"/>
-                  <a:pt x="120" y="88"/>
-                </a:cubicBezTo>
-                <a:cubicBezTo>
-                  <a:pt x="136" y="88"/>
-                  <a:pt x="136" y="88"/>
-                  <a:pt x="136" y="88"/>
-                </a:cubicBezTo>
-                <a:cubicBezTo>
-                  <a:pt x="140" y="88"/>
-                  <a:pt x="144" y="84"/>
-                  <a:pt x="144" y="80"/>
-                </a:cubicBezTo>
-                <a:cubicBezTo>
-                  <a:pt x="144" y="72"/>
-                  <a:pt x="144" y="72"/>
-                  <a:pt x="144" y="72"/>
-                </a:cubicBezTo>
-                <a:cubicBezTo>
-                  <a:pt x="160" y="72"/>
-                  <a:pt x="160" y="72"/>
-                  <a:pt x="160" y="72"/>
+                  <a:pt x="82" y="14"/>
+                  <a:pt x="80" y="12"/>
+                  <a:pt x="78" y="12"/>
+                </a:cubicBezTo>
+                <a:cubicBezTo>
+                  <a:pt x="65" y="12"/>
+                  <a:pt x="65" y="12"/>
+                  <a:pt x="65" y="12"/>
+                </a:cubicBezTo>
+                <a:cubicBezTo>
+                  <a:pt x="62" y="12"/>
+                  <a:pt x="60" y="14"/>
+                  <a:pt x="60" y="16"/>
+                </a:cubicBezTo>
+                <a:cubicBezTo>
+                  <a:pt x="60" y="104"/>
+                  <a:pt x="60" y="104"/>
+                  <a:pt x="60" y="104"/>
+                </a:cubicBezTo>
+                <a:cubicBezTo>
+                  <a:pt x="82" y="77"/>
+                  <a:pt x="82" y="77"/>
+                  <a:pt x="82" y="77"/>
                 </a:cubicBezTo>
                 <a:lnTo>
-                  <a:pt x="160" y="136"/>
+                  <a:pt x="82" y="16"/>
                 </a:lnTo>
                 <a:close/>
                 <a:moveTo>
-                  <a:pt x="40" y="56"/>
+                  <a:pt x="110" y="83"/>
                 </a:moveTo>
                 <a:cubicBezTo>
-                  <a:pt x="56" y="56"/>
-                  <a:pt x="56" y="56"/>
-                  <a:pt x="56" y="56"/>
-                </a:cubicBezTo>
-                <a:cubicBezTo>
-                  <a:pt x="56" y="80"/>
-                  <a:pt x="56" y="80"/>
-                  <a:pt x="56" y="80"/>
-                </a:cubicBezTo>
-                <a:cubicBezTo>
-                  <a:pt x="40" y="80"/>
-                  <a:pt x="40" y="80"/>
-                  <a:pt x="40" y="80"/>
+                  <a:pt x="101" y="76"/>
+                  <a:pt x="101" y="76"/>
+                  <a:pt x="101" y="76"/>
+                </a:cubicBezTo>
+                <a:cubicBezTo>
+                  <a:pt x="112" y="71"/>
+                  <a:pt x="112" y="71"/>
+                  <a:pt x="112" y="71"/>
+                </a:cubicBezTo>
+                <a:cubicBezTo>
+                  <a:pt x="112" y="4"/>
+                  <a:pt x="112" y="4"/>
+                  <a:pt x="112" y="4"/>
+                </a:cubicBezTo>
+                <a:cubicBezTo>
+                  <a:pt x="112" y="2"/>
+                  <a:pt x="110" y="0"/>
+                  <a:pt x="108" y="0"/>
+                </a:cubicBezTo>
+                <a:cubicBezTo>
+                  <a:pt x="95" y="0"/>
+                  <a:pt x="95" y="0"/>
+                  <a:pt x="95" y="0"/>
+                </a:cubicBezTo>
+                <a:cubicBezTo>
+                  <a:pt x="92" y="0"/>
+                  <a:pt x="90" y="2"/>
+                  <a:pt x="90" y="4"/>
+                </a:cubicBezTo>
+                <a:cubicBezTo>
+                  <a:pt x="90" y="82"/>
+                  <a:pt x="90" y="82"/>
+                  <a:pt x="90" y="82"/>
+                </a:cubicBezTo>
+                <a:cubicBezTo>
+                  <a:pt x="102" y="92"/>
+                  <a:pt x="102" y="92"/>
+                  <a:pt x="102" y="92"/>
                 </a:cubicBezTo>
                 <a:lnTo>
-                  <a:pt x="40" y="56"/>
+                  <a:pt x="110" y="83"/>
                 </a:lnTo>
                 <a:close/>
                 <a:moveTo>
-                  <a:pt x="120" y="56"/>
+                  <a:pt x="124" y="71"/>
                 </a:moveTo>
                 <a:cubicBezTo>
-                  <a:pt x="136" y="56"/>
-                  <a:pt x="136" y="56"/>
-                  <a:pt x="136" y="56"/>
-                </a:cubicBezTo>
-                <a:cubicBezTo>
-                  <a:pt x="136" y="80"/>
-                  <a:pt x="136" y="80"/>
-                  <a:pt x="136" y="80"/>
-                </a:cubicBezTo>
-                <a:cubicBezTo>
-                  <a:pt x="120" y="80"/>
-                  <a:pt x="120" y="80"/>
-                  <a:pt x="120" y="80"/>
+                  <a:pt x="108" y="77"/>
+                  <a:pt x="108" y="77"/>
+                  <a:pt x="108" y="77"/>
+                </a:cubicBezTo>
+                <a:cubicBezTo>
+                  <a:pt x="115" y="83"/>
+                  <a:pt x="115" y="83"/>
+                  <a:pt x="115" y="83"/>
+                </a:cubicBezTo>
+                <a:cubicBezTo>
+                  <a:pt x="103" y="98"/>
+                  <a:pt x="103" y="98"/>
+                  <a:pt x="103" y="98"/>
+                </a:cubicBezTo>
+                <a:cubicBezTo>
+                  <a:pt x="84" y="81"/>
+                  <a:pt x="84" y="81"/>
+                  <a:pt x="84" y="81"/>
+                </a:cubicBezTo>
+                <a:cubicBezTo>
+                  <a:pt x="58" y="112"/>
+                  <a:pt x="58" y="112"/>
+                  <a:pt x="58" y="112"/>
+                </a:cubicBezTo>
+                <a:cubicBezTo>
+                  <a:pt x="69" y="122"/>
+                  <a:pt x="69" y="122"/>
+                  <a:pt x="69" y="122"/>
+                </a:cubicBezTo>
+                <a:cubicBezTo>
+                  <a:pt x="86" y="103"/>
+                  <a:pt x="86" y="103"/>
+                  <a:pt x="86" y="103"/>
+                </a:cubicBezTo>
+                <a:cubicBezTo>
+                  <a:pt x="105" y="119"/>
+                  <a:pt x="105" y="119"/>
+                  <a:pt x="105" y="119"/>
+                </a:cubicBezTo>
+                <a:cubicBezTo>
+                  <a:pt x="115" y="107"/>
+                  <a:pt x="115" y="107"/>
+                  <a:pt x="115" y="107"/>
+                </a:cubicBezTo>
+                <a:cubicBezTo>
+                  <a:pt x="115" y="107"/>
+                  <a:pt x="115" y="107"/>
+                  <a:pt x="115" y="107"/>
+                </a:cubicBezTo>
+                <a:cubicBezTo>
+                  <a:pt x="127" y="93"/>
+                  <a:pt x="127" y="93"/>
+                  <a:pt x="127" y="93"/>
+                </a:cubicBezTo>
+                <a:cubicBezTo>
+                  <a:pt x="134" y="99"/>
+                  <a:pt x="134" y="99"/>
+                  <a:pt x="134" y="99"/>
+                </a:cubicBezTo>
+                <a:cubicBezTo>
+                  <a:pt x="137" y="82"/>
+                  <a:pt x="137" y="82"/>
+                  <a:pt x="137" y="82"/>
+                </a:cubicBezTo>
+                <a:cubicBezTo>
+                  <a:pt x="140" y="65"/>
+                  <a:pt x="140" y="65"/>
+                  <a:pt x="140" y="65"/>
                 </a:cubicBezTo>
                 <a:lnTo>
-                  <a:pt x="120" y="56"/>
-                </a:lnTo>
-                <a:close/>
-                <a:moveTo>
-                  <a:pt x="168" y="64"/>
-                </a:moveTo>
-                <a:cubicBezTo>
-                  <a:pt x="144" y="64"/>
-                  <a:pt x="144" y="64"/>
-                  <a:pt x="144" y="64"/>
-                </a:cubicBezTo>
-                <a:cubicBezTo>
-                  <a:pt x="144" y="56"/>
-                  <a:pt x="144" y="56"/>
-                  <a:pt x="144" y="56"/>
-                </a:cubicBezTo>
-                <a:cubicBezTo>
-                  <a:pt x="144" y="52"/>
-                  <a:pt x="140" y="48"/>
-                  <a:pt x="136" y="48"/>
-                </a:cubicBezTo>
-                <a:cubicBezTo>
-                  <a:pt x="120" y="48"/>
-                  <a:pt x="120" y="48"/>
-                  <a:pt x="120" y="48"/>
-                </a:cubicBezTo>
-                <a:cubicBezTo>
-                  <a:pt x="116" y="48"/>
-                  <a:pt x="112" y="52"/>
-                  <a:pt x="112" y="56"/>
-                </a:cubicBezTo>
-                <a:cubicBezTo>
-                  <a:pt x="112" y="64"/>
-                  <a:pt x="112" y="64"/>
-                  <a:pt x="112" y="64"/>
-                </a:cubicBezTo>
-                <a:cubicBezTo>
-                  <a:pt x="64" y="64"/>
-                  <a:pt x="64" y="64"/>
-                  <a:pt x="64" y="64"/>
-                </a:cubicBezTo>
-                <a:cubicBezTo>
-                  <a:pt x="64" y="56"/>
-                  <a:pt x="64" y="56"/>
-                  <a:pt x="64" y="56"/>
-                </a:cubicBezTo>
-                <a:cubicBezTo>
-                  <a:pt x="64" y="52"/>
-                  <a:pt x="60" y="48"/>
-                  <a:pt x="56" y="48"/>
-                </a:cubicBezTo>
-                <a:cubicBezTo>
-                  <a:pt x="40" y="48"/>
-                  <a:pt x="40" y="48"/>
-                  <a:pt x="40" y="48"/>
-                </a:cubicBezTo>
-                <a:cubicBezTo>
-                  <a:pt x="36" y="48"/>
-                  <a:pt x="32" y="52"/>
-                  <a:pt x="32" y="56"/>
-                </a:cubicBezTo>
-                <a:cubicBezTo>
-                  <a:pt x="32" y="64"/>
-                  <a:pt x="32" y="64"/>
-                  <a:pt x="32" y="64"/>
-                </a:cubicBezTo>
-                <a:cubicBezTo>
-                  <a:pt x="8" y="64"/>
-                  <a:pt x="8" y="64"/>
-                  <a:pt x="8" y="64"/>
-                </a:cubicBezTo>
-                <a:cubicBezTo>
-                  <a:pt x="8" y="24"/>
-                  <a:pt x="8" y="24"/>
-                  <a:pt x="8" y="24"/>
-                </a:cubicBezTo>
-                <a:cubicBezTo>
-                  <a:pt x="168" y="24"/>
-                  <a:pt x="168" y="24"/>
-                  <a:pt x="168" y="24"/>
-                </a:cubicBezTo>
-                <a:lnTo>
-                  <a:pt x="168" y="64"/>
+                  <a:pt x="124" y="71"/>
                 </a:lnTo>
                 <a:close/>
               </a:path>
@@ -20386,41 +19184,36 @@
           </a:ln>
         </p:spPr>
         <p:txBody>
-          <a:bodyPr vert="horz" wrap="square" lIns="51435" tIns="25718" rIns="51435" bIns="25718" numCol="1" anchor="t" anchorCtr="0" compatLnSpc="1"/>
+          <a:bodyPr vert="horz" wrap="square" lIns="91440" tIns="45720" rIns="91440" bIns="45720" numCol="1" anchor="t" anchorCtr="0" compatLnSpc="1"/>
           <a:p>
-            <a:pPr>
-              <a:lnSpc>
-                <a:spcPct val="120000"/>
-              </a:lnSpc>
-            </a:pPr>
-            <a:endParaRPr lang="en-US" sz="760" dirty="0"/>
+            <a:endParaRPr lang="zh-CN" altLang="en-US"/>
           </a:p>
         </p:txBody>
       </p:sp>
       <p:graphicFrame>
         <p:nvGraphicFramePr>
-          <p:cNvPr id="10" name="对象 9"/>
+          <p:cNvPr id="18" name="对象 17"/>
           <p:cNvGraphicFramePr/>
           <p:nvPr/>
         </p:nvGraphicFramePr>
         <p:xfrm>
-          <a:off x="3265805" y="1515745"/>
-          <a:ext cx="4166870" cy="5120005"/>
+          <a:off x="2799715" y="1402715"/>
+          <a:ext cx="5667375" cy="4987290"/>
         </p:xfrm>
         <a:graphic>
           <a:graphicData uri="http://schemas.openxmlformats.org/presentationml/2006/ole">
             <mc:AlternateContent xmlns:mc="http://schemas.openxmlformats.org/markup-compatibility/2006">
               <mc:Choice xmlns:v="urn:schemas-microsoft-com:vml" Requires="v">
-                <p:oleObj spid="_x0000_s16" name="" r:id="rId1" imgW="4902200" imgH="7073900" progId="Visio.Drawing.11">
+                <p:oleObj spid="_x0000_s19" name="" r:id="rId1" imgW="9029700" imgH="6692900" progId="Visio.Drawing.11">
                   <p:embed/>
                 </p:oleObj>
               </mc:Choice>
               <mc:Fallback>
-                <p:oleObj name="" r:id="rId1" imgW="4902200" imgH="7073900" progId="Visio.Drawing.11">
+                <p:oleObj name="" r:id="rId1" imgW="9029700" imgH="6692900" progId="Visio.Drawing.11">
                   <p:embed/>
                   <p:pic>
                     <p:nvPicPr>
-                      <p:cNvPr id="0" name="图片 15"/>
+                      <p:cNvPr id="0" name="图片 18"/>
                       <p:cNvPicPr/>
                       <p:nvPr/>
                     </p:nvPicPr>
@@ -20432,8 +19225,8 @@
                     </p:blipFill>
                     <p:spPr>
                       <a:xfrm>
-                        <a:off x="3265805" y="1515745"/>
-                        <a:ext cx="4166870" cy="5120005"/>
+                        <a:off x="2799715" y="1402715"/>
+                        <a:ext cx="5667375" cy="4987290"/>
                       </a:xfrm>
                       <a:prstGeom prst="rect">
                         <a:avLst/>
@@ -20497,7 +19290,7 @@
                                           </p:stCondLst>
                                         </p:cTn>
                                         <p:tgtEl>
-                                          <p:spTgt spid="10"/>
+                                          <p:spTgt spid="18"/>
                                         </p:tgtEl>
                                         <p:attrNameLst>
                                           <p:attrName>style.visibility</p:attrName>
@@ -20511,7 +19304,7 @@
                                       <p:cBhvr>
                                         <p:cTn id="7" dur="500"/>
                                         <p:tgtEl>
-                                          <p:spTgt spid="10"/>
+                                          <p:spTgt spid="18"/>
                                         </p:tgtEl>
                                       </p:cBhvr>
                                     </p:animEffect>

--- a/毕业答辩.pptx
+++ b/毕业答辩.pptx
@@ -6449,30 +6449,6 @@
           </a:p>
         </p:txBody>
       </p:sp>
-      <p:pic>
-        <p:nvPicPr>
-          <p:cNvPr id="28" name="图片 27"/>
-          <p:cNvPicPr>
-            <a:picLocks noChangeAspect="1"/>
-          </p:cNvPicPr>
-          <p:nvPr/>
-        </p:nvPicPr>
-        <p:blipFill>
-          <a:blip r:embed="rId1"/>
-          <a:stretch>
-            <a:fillRect/>
-          </a:stretch>
-        </p:blipFill>
-        <p:spPr>
-          <a:xfrm>
-            <a:off x="635000" y="1289050"/>
-            <a:ext cx="10673080" cy="5208905"/>
-          </a:xfrm>
-          <a:prstGeom prst="rect">
-            <a:avLst/>
-          </a:prstGeom>
-        </p:spPr>
-      </p:pic>
       <p:sp>
         <p:nvSpPr>
           <p:cNvPr id="29" name="文本框 28"/>
@@ -6528,6 +6504,30 @@
           </a:p>
         </p:txBody>
       </p:sp>
+      <p:pic>
+        <p:nvPicPr>
+          <p:cNvPr id="2" name="图片 1"/>
+          <p:cNvPicPr>
+            <a:picLocks noChangeAspect="1"/>
+          </p:cNvPicPr>
+          <p:nvPr/>
+        </p:nvPicPr>
+        <p:blipFill>
+          <a:blip r:embed="rId1"/>
+          <a:stretch>
+            <a:fillRect/>
+          </a:stretch>
+        </p:blipFill>
+        <p:spPr>
+          <a:xfrm>
+            <a:off x="437515" y="1375410"/>
+            <a:ext cx="11438255" cy="5391150"/>
+          </a:xfrm>
+          <a:prstGeom prst="rect">
+            <a:avLst/>
+          </a:prstGeom>
+        </p:spPr>
+      </p:pic>
     </p:spTree>
   </p:cSld>
   <p:clrMapOvr>
@@ -6915,7 +6915,7 @@
       </p:sp>
       <p:pic>
         <p:nvPicPr>
-          <p:cNvPr id="2" name="图片 1"/>
+          <p:cNvPr id="3" name="图片 2"/>
           <p:cNvPicPr>
             <a:picLocks noChangeAspect="1"/>
           </p:cNvPicPr>
@@ -6929,8 +6929,8 @@
         </p:blipFill>
         <p:spPr>
           <a:xfrm>
-            <a:off x="657860" y="1437005"/>
-            <a:ext cx="10523855" cy="5109210"/>
+            <a:off x="549275" y="1367790"/>
+            <a:ext cx="11272520" cy="5313045"/>
           </a:xfrm>
           <a:prstGeom prst="rect">
             <a:avLst/>
@@ -7733,22 +7733,26 @@
       </p:sp>
       <p:pic>
         <p:nvPicPr>
-          <p:cNvPr id="2" name="图片 1"/>
+          <p:cNvPr id="3" name="图片 2"/>
           <p:cNvPicPr>
             <a:picLocks noChangeAspect="1"/>
           </p:cNvPicPr>
-          <p:nvPr/>
+          <p:nvPr>
+            <p:custDataLst>
+              <p:tags r:id="rId1"/>
+            </p:custDataLst>
+          </p:nvPr>
         </p:nvPicPr>
         <p:blipFill>
-          <a:blip r:embed="rId1"/>
+          <a:blip r:embed="rId2"/>
           <a:stretch>
             <a:fillRect/>
           </a:stretch>
         </p:blipFill>
         <p:spPr>
           <a:xfrm>
-            <a:off x="635000" y="1287780"/>
-            <a:ext cx="10361295" cy="5031105"/>
+            <a:off x="634365" y="1226820"/>
+            <a:ext cx="10395585" cy="5395595"/>
           </a:xfrm>
           <a:prstGeom prst="rect">
             <a:avLst/>
@@ -19342,6 +19346,12 @@
 </p:sld>
 </file>
 
+<file path=ppt/tags/tag1.xml><?xml version="1.0" encoding="utf-8"?>
+<p:tagLst xmlns:p="http://schemas.openxmlformats.org/presentationml/2006/main">
+  <p:tag name="KSO_WM_UNIT_PLACING_PICTURE_USER_VIEWPORT" val="{&quot;height&quot;:10668,&quot;width&quot;:20556}"/>
+</p:tagLst>
+</file>
+
 <file path=ppt/theme/theme1.xml><?xml version="1.0" encoding="utf-8"?>
 <a:theme xmlns:a="http://schemas.openxmlformats.org/drawingml/2006/main" name="标准000">
   <a:themeElements>

--- a/毕业答辩.pptx
+++ b/毕业答辩.pptx
@@ -8,25 +8,24 @@
     <p:notesMasterId r:id="rId4"/>
   </p:notesMasterIdLst>
   <p:handoutMasterIdLst>
-    <p:handoutMasterId r:id="rId20"/>
+    <p:handoutMasterId r:id="rId19"/>
   </p:handoutMasterIdLst>
   <p:sldIdLst>
     <p:sldId id="257" r:id="rId3"/>
     <p:sldId id="300" r:id="rId5"/>
     <p:sldId id="302" r:id="rId6"/>
     <p:sldId id="304" r:id="rId7"/>
-    <p:sldId id="306" r:id="rId8"/>
-    <p:sldId id="307" r:id="rId9"/>
-    <p:sldId id="309" r:id="rId10"/>
-    <p:sldId id="310" r:id="rId11"/>
-    <p:sldId id="312" r:id="rId12"/>
-    <p:sldId id="313" r:id="rId13"/>
-    <p:sldId id="314" r:id="rId14"/>
-    <p:sldId id="321" r:id="rId15"/>
-    <p:sldId id="325" r:id="rId16"/>
-    <p:sldId id="326" r:id="rId17"/>
-    <p:sldId id="327" r:id="rId18"/>
-    <p:sldId id="328" r:id="rId19"/>
+    <p:sldId id="307" r:id="rId8"/>
+    <p:sldId id="309" r:id="rId9"/>
+    <p:sldId id="310" r:id="rId10"/>
+    <p:sldId id="312" r:id="rId11"/>
+    <p:sldId id="313" r:id="rId12"/>
+    <p:sldId id="314" r:id="rId13"/>
+    <p:sldId id="321" r:id="rId14"/>
+    <p:sldId id="325" r:id="rId15"/>
+    <p:sldId id="326" r:id="rId16"/>
+    <p:sldId id="327" r:id="rId17"/>
+    <p:sldId id="328" r:id="rId18"/>
   </p:sldIdLst>
   <p:sldSz cx="12192000" cy="6858000"/>
   <p:notesSz cx="6858000" cy="9144000"/>
@@ -777,7 +776,7 @@
           <a:p>
             <a:r>
               <a:rPr lang="en-US" altLang="zh-CN"/>
-              <a:t>6</a:t>
+              <a:t>15</a:t>
             </a:r>
             <a:endParaRPr lang="zh-CN" altLang="en-US"/>
           </a:p>
@@ -856,7 +855,7 @@
           <a:p>
             <a:r>
               <a:rPr lang="en-US" altLang="zh-CN"/>
-              <a:t>15</a:t>
+              <a:t>16</a:t>
             </a:r>
             <a:endParaRPr lang="zh-CN" altLang="en-US"/>
           </a:p>
@@ -1108,85 +1107,6 @@
 </file>
 
 <file path=ppt/notesSlides/notesSlide15.xml><?xml version="1.0" encoding="utf-8"?>
-<p:notes xmlns:a="http://schemas.openxmlformats.org/drawingml/2006/main" xmlns:r="http://schemas.openxmlformats.org/officeDocument/2006/relationships" xmlns:p="http://schemas.openxmlformats.org/presentationml/2006/main">
-  <p:cSld>
-    <p:spTree>
-      <p:nvGrpSpPr>
-        <p:cNvPr id="1" name=""/>
-        <p:cNvGrpSpPr/>
-        <p:nvPr/>
-      </p:nvGrpSpPr>
-      <p:grpSpPr>
-        <a:xfrm>
-          <a:off x="0" y="0"/>
-          <a:ext cx="0" cy="0"/>
-          <a:chOff x="0" y="0"/>
-          <a:chExt cx="0" cy="0"/>
-        </a:xfrm>
-      </p:grpSpPr>
-      <p:sp>
-        <p:nvSpPr>
-          <p:cNvPr id="2" name="幻灯片图像占位符 1"/>
-          <p:cNvSpPr>
-            <a:spLocks noGrp="1" noRot="1" noChangeAspect="1"/>
-          </p:cNvSpPr>
-          <p:nvPr>
-            <p:ph type="sldImg"/>
-          </p:nvPr>
-        </p:nvSpPr>
-        <p:spPr/>
-      </p:sp>
-      <p:sp>
-        <p:nvSpPr>
-          <p:cNvPr id="3" name="备注占位符 2"/>
-          <p:cNvSpPr>
-            <a:spLocks noGrp="1"/>
-          </p:cNvSpPr>
-          <p:nvPr>
-            <p:ph type="body" idx="1"/>
-          </p:nvPr>
-        </p:nvSpPr>
-        <p:spPr/>
-        <p:txBody>
-          <a:bodyPr/>
-          <a:lstStyle/>
-          <a:p>
-            <a:endParaRPr lang="zh-CN" altLang="en-US"/>
-          </a:p>
-        </p:txBody>
-      </p:sp>
-      <p:sp>
-        <p:nvSpPr>
-          <p:cNvPr id="4" name="灯片编号占位符 3"/>
-          <p:cNvSpPr>
-            <a:spLocks noGrp="1"/>
-          </p:cNvSpPr>
-          <p:nvPr>
-            <p:ph type="sldNum" sz="quarter" idx="10"/>
-          </p:nvPr>
-        </p:nvSpPr>
-        <p:spPr/>
-        <p:txBody>
-          <a:bodyPr/>
-          <a:lstStyle/>
-          <a:p>
-            <a:r>
-              <a:rPr lang="en-US" altLang="zh-CN"/>
-              <a:t>16</a:t>
-            </a:r>
-            <a:endParaRPr lang="zh-CN" altLang="en-US"/>
-          </a:p>
-        </p:txBody>
-      </p:sp>
-    </p:spTree>
-  </p:cSld>
-  <p:clrMapOvr>
-    <a:masterClrMapping/>
-  </p:clrMapOvr>
-</p:notes>
-</file>
-
-<file path=ppt/notesSlides/notesSlide16.xml><?xml version="1.0" encoding="utf-8"?>
 <p:notes xmlns:a="http://schemas.openxmlformats.org/drawingml/2006/main" xmlns:r="http://schemas.openxmlformats.org/officeDocument/2006/relationships" xmlns:p="http://schemas.openxmlformats.org/presentationml/2006/main">
   <p:cSld>
     <p:spTree>
@@ -1567,7 +1487,7 @@
           <a:p>
             <a:r>
               <a:rPr lang="en-US" altLang="zh-CN"/>
-              <a:t>12</a:t>
+              <a:t>3</a:t>
             </a:r>
             <a:endParaRPr lang="zh-CN" altLang="en-US"/>
           </a:p>
@@ -1646,7 +1566,7 @@
           <a:p>
             <a:r>
               <a:rPr lang="en-US" altLang="zh-CN"/>
-              <a:t>3</a:t>
+              <a:t>6</a:t>
             </a:r>
             <a:endParaRPr lang="zh-CN" altLang="en-US"/>
           </a:p>
@@ -3196,2041 +3116,6 @@
           <a:chExt cx="0" cy="0"/>
         </a:xfrm>
       </p:grpSpPr>
-      <p:sp>
-        <p:nvSpPr>
-          <p:cNvPr id="4" name="TextBox 13"/>
-          <p:cNvSpPr txBox="1"/>
-          <p:nvPr/>
-        </p:nvSpPr>
-        <p:spPr>
-          <a:xfrm>
-            <a:off x="1242060" y="1070610"/>
-            <a:ext cx="3670300" cy="332105"/>
-          </a:xfrm>
-          <a:prstGeom prst="rect">
-            <a:avLst/>
-          </a:prstGeom>
-          <a:noFill/>
-        </p:spPr>
-        <p:txBody>
-          <a:bodyPr wrap="square" lIns="0" tIns="0" rIns="0" bIns="0" rtlCol="0" anchor="t" anchorCtr="0">
-            <a:spAutoFit/>
-            <a:scene3d>
-              <a:camera prst="orthographicFront"/>
-              <a:lightRig rig="threePt" dir="t"/>
-            </a:scene3d>
-          </a:bodyPr>
-          <a:lstStyle/>
-          <a:p>
-            <a:pPr algn="ctr" defTabSz="1216660">
-              <a:lnSpc>
-                <a:spcPct val="120000"/>
-              </a:lnSpc>
-              <a:spcBef>
-                <a:spcPct val="0"/>
-              </a:spcBef>
-              <a:defRPr/>
-            </a:pPr>
-            <a:r>
-              <a:rPr lang="zh-CN" altLang="en-US" b="1" dirty="0">
-                <a:solidFill>
-                  <a:schemeClr val="accent1"/>
-                </a:solidFill>
-                <a:effectLst>
-                  <a:outerShdw blurRad="38100" dist="25400" dir="5400000" algn="ctr" rotWithShape="0">
-                    <a:srgbClr val="6E747A">
-                      <a:alpha val="43000"/>
-                    </a:srgbClr>
-                  </a:outerShdw>
-                </a:effectLst>
-                <a:latin typeface="Arial" panose="020B0604020202020204" pitchFamily="34" charset="0"/>
-                <a:ea typeface="微软雅黑" panose="020B0503020204020204" pitchFamily="34" charset="-122"/>
-                <a:sym typeface="Arial" panose="020B0604020202020204" pitchFamily="34" charset="0"/>
-              </a:rPr>
-              <a:t>收银结算优惠判断的执行流程</a:t>
-            </a:r>
-            <a:endParaRPr lang="zh-CN" altLang="en-US" b="1" dirty="0">
-              <a:solidFill>
-                <a:schemeClr val="accent1"/>
-              </a:solidFill>
-              <a:effectLst>
-                <a:outerShdw blurRad="38100" dist="25400" dir="5400000" algn="ctr" rotWithShape="0">
-                  <a:srgbClr val="6E747A">
-                    <a:alpha val="43000"/>
-                  </a:srgbClr>
-                </a:outerShdw>
-              </a:effectLst>
-              <a:latin typeface="Arial" panose="020B0604020202020204" pitchFamily="34" charset="0"/>
-              <a:ea typeface="微软雅黑" panose="020B0503020204020204" pitchFamily="34" charset="-122"/>
-              <a:sym typeface="Arial" panose="020B0604020202020204" pitchFamily="34" charset="0"/>
-            </a:endParaRPr>
-          </a:p>
-        </p:txBody>
-      </p:sp>
-      <p:sp>
-        <p:nvSpPr>
-          <p:cNvPr id="6" name="不完整圆 38"/>
-          <p:cNvSpPr/>
-          <p:nvPr/>
-        </p:nvSpPr>
-        <p:spPr>
-          <a:xfrm>
-            <a:off x="317243" y="254362"/>
-            <a:ext cx="317240" cy="317240"/>
-          </a:xfrm>
-          <a:prstGeom prst="pie">
-            <a:avLst/>
-          </a:prstGeom>
-          <a:ln>
-            <a:noFill/>
-          </a:ln>
-        </p:spPr>
-        <p:style>
-          <a:lnRef idx="2">
-            <a:schemeClr val="accent1">
-              <a:shade val="50000"/>
-            </a:schemeClr>
-          </a:lnRef>
-          <a:fillRef idx="1">
-            <a:schemeClr val="accent1"/>
-          </a:fillRef>
-          <a:effectRef idx="0">
-            <a:schemeClr val="accent1"/>
-          </a:effectRef>
-          <a:fontRef idx="minor">
-            <a:schemeClr val="lt1"/>
-          </a:fontRef>
-        </p:style>
-        <p:txBody>
-          <a:bodyPr rtlCol="0" anchor="ctr"/>
-          <a:lstStyle/>
-          <a:p>
-            <a:pPr algn="ctr"/>
-            <a:endParaRPr lang="zh-CN" altLang="en-US">
-              <a:solidFill>
-                <a:schemeClr val="tx1"/>
-              </a:solidFill>
-            </a:endParaRPr>
-          </a:p>
-        </p:txBody>
-      </p:sp>
-      <p:sp>
-        <p:nvSpPr>
-          <p:cNvPr id="7" name="文本框 6"/>
-          <p:cNvSpPr txBox="1">
-            <a:spLocks noChangeArrowheads="1"/>
-          </p:cNvSpPr>
-          <p:nvPr/>
-        </p:nvSpPr>
-        <p:spPr bwMode="auto">
-          <a:xfrm>
-            <a:off x="657903" y="182150"/>
-            <a:ext cx="1402080" cy="460375"/>
-          </a:xfrm>
-          <a:prstGeom prst="rect">
-            <a:avLst/>
-          </a:prstGeom>
-          <a:noFill/>
-          <a:ln>
-            <a:noFill/>
-          </a:ln>
-          <a:extLst>
-            <a:ext uri="{909E8E84-426E-40DD-AFC4-6F175D3DCCD1}">
-              <a14:hiddenFill xmlns:a14="http://schemas.microsoft.com/office/drawing/2010/main">
-                <a:solidFill>
-                  <a:srgbClr val="FFFFFF"/>
-                </a:solidFill>
-              </a14:hiddenFill>
-            </a:ext>
-            <a:ext uri="{91240B29-F687-4F45-9708-019B960494DF}">
-              <a14:hiddenLine xmlns:a14="http://schemas.microsoft.com/office/drawing/2010/main" w="9525">
-                <a:solidFill>
-                  <a:srgbClr val="000000"/>
-                </a:solidFill>
-                <a:miter lim="800000"/>
-                <a:headEnd/>
-                <a:tailEnd/>
-              </a14:hiddenLine>
-            </a:ext>
-          </a:extLst>
-        </p:spPr>
-        <p:txBody>
-          <a:bodyPr wrap="none">
-            <a:spAutoFit/>
-          </a:bodyPr>
-          <a:lstStyle>
-            <a:lvl1pPr>
-              <a:lnSpc>
-                <a:spcPct val="90000"/>
-              </a:lnSpc>
-              <a:spcBef>
-                <a:spcPts val="1000"/>
-              </a:spcBef>
-              <a:buFont typeface="Arial" panose="020B0604020202020204" pitchFamily="34" charset="0"/>
-              <a:buChar char="•"/>
-              <a:defRPr sz="2800">
-                <a:solidFill>
-                  <a:schemeClr val="tx1"/>
-                </a:solidFill>
-                <a:latin typeface="Calibri" panose="020F0502020204030204" pitchFamily="34" charset="0"/>
-                <a:ea typeface="宋体" panose="02010600030101010101" pitchFamily="2" charset="-122"/>
-              </a:defRPr>
-            </a:lvl1pPr>
-            <a:lvl2pPr marL="742950" indent="-285750">
-              <a:lnSpc>
-                <a:spcPct val="90000"/>
-              </a:lnSpc>
-              <a:spcBef>
-                <a:spcPts val="500"/>
-              </a:spcBef>
-              <a:buFont typeface="Arial" panose="020B0604020202020204" pitchFamily="34" charset="0"/>
-              <a:buChar char="•"/>
-              <a:defRPr sz="2400">
-                <a:solidFill>
-                  <a:schemeClr val="tx1"/>
-                </a:solidFill>
-                <a:latin typeface="Calibri" panose="020F0502020204030204" pitchFamily="34" charset="0"/>
-                <a:ea typeface="宋体" panose="02010600030101010101" pitchFamily="2" charset="-122"/>
-              </a:defRPr>
-            </a:lvl2pPr>
-            <a:lvl3pPr marL="1143000" indent="-228600">
-              <a:lnSpc>
-                <a:spcPct val="90000"/>
-              </a:lnSpc>
-              <a:spcBef>
-                <a:spcPts val="500"/>
-              </a:spcBef>
-              <a:buFont typeface="Arial" panose="020B0604020202020204" pitchFamily="34" charset="0"/>
-              <a:buChar char="•"/>
-              <a:defRPr sz="2000">
-                <a:solidFill>
-                  <a:schemeClr val="tx1"/>
-                </a:solidFill>
-                <a:latin typeface="Calibri" panose="020F0502020204030204" pitchFamily="34" charset="0"/>
-                <a:ea typeface="宋体" panose="02010600030101010101" pitchFamily="2" charset="-122"/>
-              </a:defRPr>
-            </a:lvl3pPr>
-            <a:lvl4pPr marL="1600200" indent="-228600">
-              <a:lnSpc>
-                <a:spcPct val="90000"/>
-              </a:lnSpc>
-              <a:spcBef>
-                <a:spcPts val="500"/>
-              </a:spcBef>
-              <a:buFont typeface="Arial" panose="020B0604020202020204" pitchFamily="34" charset="0"/>
-              <a:buChar char="•"/>
-              <a:defRPr>
-                <a:solidFill>
-                  <a:schemeClr val="tx1"/>
-                </a:solidFill>
-                <a:latin typeface="Calibri" panose="020F0502020204030204" pitchFamily="34" charset="0"/>
-                <a:ea typeface="宋体" panose="02010600030101010101" pitchFamily="2" charset="-122"/>
-              </a:defRPr>
-            </a:lvl4pPr>
-            <a:lvl5pPr marL="2057400" indent="-228600">
-              <a:lnSpc>
-                <a:spcPct val="90000"/>
-              </a:lnSpc>
-              <a:spcBef>
-                <a:spcPts val="500"/>
-              </a:spcBef>
-              <a:buFont typeface="Arial" panose="020B0604020202020204" pitchFamily="34" charset="0"/>
-              <a:buChar char="•"/>
-              <a:defRPr>
-                <a:solidFill>
-                  <a:schemeClr val="tx1"/>
-                </a:solidFill>
-                <a:latin typeface="Calibri" panose="020F0502020204030204" pitchFamily="34" charset="0"/>
-                <a:ea typeface="宋体" panose="02010600030101010101" pitchFamily="2" charset="-122"/>
-              </a:defRPr>
-            </a:lvl5pPr>
-            <a:lvl6pPr marL="2514600" indent="-228600" fontAlgn="base">
-              <a:lnSpc>
-                <a:spcPct val="90000"/>
-              </a:lnSpc>
-              <a:spcBef>
-                <a:spcPts val="500"/>
-              </a:spcBef>
-              <a:spcAft>
-                <a:spcPct val="0"/>
-              </a:spcAft>
-              <a:buFont typeface="Arial" panose="020B0604020202020204" pitchFamily="34" charset="0"/>
-              <a:buChar char="•"/>
-              <a:defRPr>
-                <a:solidFill>
-                  <a:schemeClr val="tx1"/>
-                </a:solidFill>
-                <a:latin typeface="Calibri" panose="020F0502020204030204" pitchFamily="34" charset="0"/>
-                <a:ea typeface="宋体" panose="02010600030101010101" pitchFamily="2" charset="-122"/>
-              </a:defRPr>
-            </a:lvl6pPr>
-            <a:lvl7pPr marL="2971800" indent="-228600" fontAlgn="base">
-              <a:lnSpc>
-                <a:spcPct val="90000"/>
-              </a:lnSpc>
-              <a:spcBef>
-                <a:spcPts val="500"/>
-              </a:spcBef>
-              <a:spcAft>
-                <a:spcPct val="0"/>
-              </a:spcAft>
-              <a:buFont typeface="Arial" panose="020B0604020202020204" pitchFamily="34" charset="0"/>
-              <a:buChar char="•"/>
-              <a:defRPr>
-                <a:solidFill>
-                  <a:schemeClr val="tx1"/>
-                </a:solidFill>
-                <a:latin typeface="Calibri" panose="020F0502020204030204" pitchFamily="34" charset="0"/>
-                <a:ea typeface="宋体" panose="02010600030101010101" pitchFamily="2" charset="-122"/>
-              </a:defRPr>
-            </a:lvl7pPr>
-            <a:lvl8pPr marL="3429000" indent="-228600" fontAlgn="base">
-              <a:lnSpc>
-                <a:spcPct val="90000"/>
-              </a:lnSpc>
-              <a:spcBef>
-                <a:spcPts val="500"/>
-              </a:spcBef>
-              <a:spcAft>
-                <a:spcPct val="0"/>
-              </a:spcAft>
-              <a:buFont typeface="Arial" panose="020B0604020202020204" pitchFamily="34" charset="0"/>
-              <a:buChar char="•"/>
-              <a:defRPr>
-                <a:solidFill>
-                  <a:schemeClr val="tx1"/>
-                </a:solidFill>
-                <a:latin typeface="Calibri" panose="020F0502020204030204" pitchFamily="34" charset="0"/>
-                <a:ea typeface="宋体" panose="02010600030101010101" pitchFamily="2" charset="-122"/>
-              </a:defRPr>
-            </a:lvl8pPr>
-            <a:lvl9pPr marL="3886200" indent="-228600" fontAlgn="base">
-              <a:lnSpc>
-                <a:spcPct val="90000"/>
-              </a:lnSpc>
-              <a:spcBef>
-                <a:spcPts val="500"/>
-              </a:spcBef>
-              <a:spcAft>
-                <a:spcPct val="0"/>
-              </a:spcAft>
-              <a:buFont typeface="Arial" panose="020B0604020202020204" pitchFamily="34" charset="0"/>
-              <a:buChar char="•"/>
-              <a:defRPr>
-                <a:solidFill>
-                  <a:schemeClr val="tx1"/>
-                </a:solidFill>
-                <a:latin typeface="Calibri" panose="020F0502020204030204" pitchFamily="34" charset="0"/>
-                <a:ea typeface="宋体" panose="02010600030101010101" pitchFamily="2" charset="-122"/>
-              </a:defRPr>
-            </a:lvl9pPr>
-          </a:lstStyle>
-          <a:p>
-            <a:pPr algn="l" fontAlgn="base">
-              <a:lnSpc>
-                <a:spcPct val="100000"/>
-              </a:lnSpc>
-              <a:spcBef>
-                <a:spcPct val="0"/>
-              </a:spcBef>
-              <a:spcAft>
-                <a:spcPct val="0"/>
-              </a:spcAft>
-              <a:buFontTx/>
-              <a:buNone/>
-            </a:pPr>
-            <a:r>
-              <a:rPr lang="zh-CN" altLang="en-US" sz="2400">
-                <a:solidFill>
-                  <a:srgbClr val="000000"/>
-                </a:solidFill>
-                <a:latin typeface="微软雅黑" panose="020B0503020204020204" pitchFamily="34" charset="-122"/>
-                <a:ea typeface="微软雅黑" panose="020B0503020204020204" pitchFamily="34" charset="-122"/>
-                <a:sym typeface="+mn-ea"/>
-              </a:rPr>
-              <a:t>系统设计</a:t>
-            </a:r>
-            <a:endParaRPr lang="zh-CN" altLang="en-US" sz="2400" dirty="0">
-              <a:solidFill>
-                <a:srgbClr val="000000"/>
-              </a:solidFill>
-              <a:latin typeface="微软雅黑" panose="020B0503020204020204" pitchFamily="34" charset="-122"/>
-              <a:ea typeface="微软雅黑" panose="020B0503020204020204" pitchFamily="34" charset="-122"/>
-            </a:endParaRPr>
-          </a:p>
-        </p:txBody>
-      </p:sp>
-      <p:sp>
-        <p:nvSpPr>
-          <p:cNvPr id="2" name="Oval 31"/>
-          <p:cNvSpPr/>
-          <p:nvPr/>
-        </p:nvSpPr>
-        <p:spPr>
-          <a:xfrm>
-            <a:off x="657678" y="927235"/>
-            <a:ext cx="663186" cy="663186"/>
-          </a:xfrm>
-          <a:prstGeom prst="ellipse">
-            <a:avLst/>
-          </a:prstGeom>
-          <a:solidFill>
-            <a:schemeClr val="accent1"/>
-          </a:solidFill>
-          <a:ln>
-            <a:noFill/>
-          </a:ln>
-        </p:spPr>
-        <p:style>
-          <a:lnRef idx="2">
-            <a:schemeClr val="accent1">
-              <a:shade val="50000"/>
-            </a:schemeClr>
-          </a:lnRef>
-          <a:fillRef idx="1">
-            <a:schemeClr val="accent1"/>
-          </a:fillRef>
-          <a:effectRef idx="0">
-            <a:schemeClr val="accent1"/>
-          </a:effectRef>
-          <a:fontRef idx="minor">
-            <a:schemeClr val="lt1"/>
-          </a:fontRef>
-        </p:style>
-        <p:txBody>
-          <a:bodyPr rtlCol="0" anchor="ctr"/>
-          <a:p>
-            <a:pPr algn="ctr">
-              <a:lnSpc>
-                <a:spcPct val="120000"/>
-              </a:lnSpc>
-            </a:pPr>
-            <a:endParaRPr lang="en-US" sz="760"/>
-          </a:p>
-        </p:txBody>
-      </p:sp>
-      <p:sp>
-        <p:nvSpPr>
-          <p:cNvPr id="8" name="Freeform 173"/>
-          <p:cNvSpPr>
-            <a:spLocks noEditPoints="1"/>
-          </p:cNvSpPr>
-          <p:nvPr/>
-        </p:nvSpPr>
-        <p:spPr bwMode="auto">
-          <a:xfrm>
-            <a:off x="835775" y="1105208"/>
-            <a:ext cx="307501" cy="307502"/>
-          </a:xfrm>
-          <a:custGeom>
-            <a:avLst/>
-            <a:gdLst>
-              <a:gd name="T0" fmla="*/ 110 w 132"/>
-              <a:gd name="T1" fmla="*/ 66 h 132"/>
-              <a:gd name="T2" fmla="*/ 66 w 132"/>
-              <a:gd name="T3" fmla="*/ 26 h 132"/>
-              <a:gd name="T4" fmla="*/ 0 w 132"/>
-              <a:gd name="T5" fmla="*/ 66 h 132"/>
-              <a:gd name="T6" fmla="*/ 121 w 132"/>
-              <a:gd name="T7" fmla="*/ 76 h 132"/>
-              <a:gd name="T8" fmla="*/ 118 w 132"/>
-              <a:gd name="T9" fmla="*/ 83 h 132"/>
-              <a:gd name="T10" fmla="*/ 116 w 132"/>
-              <a:gd name="T11" fmla="*/ 88 h 132"/>
-              <a:gd name="T12" fmla="*/ 114 w 132"/>
-              <a:gd name="T13" fmla="*/ 95 h 132"/>
-              <a:gd name="T14" fmla="*/ 105 w 132"/>
-              <a:gd name="T15" fmla="*/ 101 h 132"/>
-              <a:gd name="T16" fmla="*/ 102 w 132"/>
-              <a:gd name="T17" fmla="*/ 108 h 132"/>
-              <a:gd name="T18" fmla="*/ 97 w 132"/>
-              <a:gd name="T19" fmla="*/ 113 h 132"/>
-              <a:gd name="T20" fmla="*/ 86 w 132"/>
-              <a:gd name="T21" fmla="*/ 114 h 132"/>
-              <a:gd name="T22" fmla="*/ 80 w 132"/>
-              <a:gd name="T23" fmla="*/ 119 h 132"/>
-              <a:gd name="T24" fmla="*/ 73 w 132"/>
-              <a:gd name="T25" fmla="*/ 122 h 132"/>
-              <a:gd name="T26" fmla="*/ 63 w 132"/>
-              <a:gd name="T27" fmla="*/ 118 h 132"/>
-              <a:gd name="T28" fmla="*/ 56 w 132"/>
-              <a:gd name="T29" fmla="*/ 120 h 132"/>
-              <a:gd name="T30" fmla="*/ 48 w 132"/>
-              <a:gd name="T31" fmla="*/ 119 h 132"/>
-              <a:gd name="T32" fmla="*/ 41 w 132"/>
-              <a:gd name="T33" fmla="*/ 112 h 132"/>
-              <a:gd name="T34" fmla="*/ 33 w 132"/>
-              <a:gd name="T35" fmla="*/ 110 h 132"/>
-              <a:gd name="T36" fmla="*/ 27 w 132"/>
-              <a:gd name="T37" fmla="*/ 106 h 132"/>
-              <a:gd name="T38" fmla="*/ 23 w 132"/>
-              <a:gd name="T39" fmla="*/ 96 h 132"/>
-              <a:gd name="T40" fmla="*/ 17 w 132"/>
-              <a:gd name="T41" fmla="*/ 92 h 132"/>
-              <a:gd name="T42" fmla="*/ 13 w 132"/>
-              <a:gd name="T43" fmla="*/ 85 h 132"/>
-              <a:gd name="T44" fmla="*/ 15 w 132"/>
-              <a:gd name="T45" fmla="*/ 77 h 132"/>
-              <a:gd name="T46" fmla="*/ 10 w 132"/>
-              <a:gd name="T47" fmla="*/ 68 h 132"/>
-              <a:gd name="T48" fmla="*/ 13 w 132"/>
-              <a:gd name="T49" fmla="*/ 63 h 132"/>
-              <a:gd name="T50" fmla="*/ 12 w 132"/>
-              <a:gd name="T51" fmla="*/ 55 h 132"/>
-              <a:gd name="T52" fmla="*/ 14 w 132"/>
-              <a:gd name="T53" fmla="*/ 48 h 132"/>
-              <a:gd name="T54" fmla="*/ 17 w 132"/>
-              <a:gd name="T55" fmla="*/ 44 h 132"/>
-              <a:gd name="T56" fmla="*/ 18 w 132"/>
-              <a:gd name="T57" fmla="*/ 37 h 132"/>
-              <a:gd name="T58" fmla="*/ 25 w 132"/>
-              <a:gd name="T59" fmla="*/ 33 h 132"/>
-              <a:gd name="T60" fmla="*/ 30 w 132"/>
-              <a:gd name="T61" fmla="*/ 23 h 132"/>
-              <a:gd name="T62" fmla="*/ 36 w 132"/>
-              <a:gd name="T63" fmla="*/ 23 h 132"/>
-              <a:gd name="T64" fmla="*/ 41 w 132"/>
-              <a:gd name="T65" fmla="*/ 17 h 132"/>
-              <a:gd name="T66" fmla="*/ 47 w 132"/>
-              <a:gd name="T67" fmla="*/ 14 h 132"/>
-              <a:gd name="T68" fmla="*/ 55 w 132"/>
-              <a:gd name="T69" fmla="*/ 15 h 132"/>
-              <a:gd name="T70" fmla="*/ 59 w 132"/>
-              <a:gd name="T71" fmla="*/ 10 h 132"/>
-              <a:gd name="T72" fmla="*/ 69 w 132"/>
-              <a:gd name="T73" fmla="*/ 14 h 132"/>
-              <a:gd name="T74" fmla="*/ 77 w 132"/>
-              <a:gd name="T75" fmla="*/ 11 h 132"/>
-              <a:gd name="T76" fmla="*/ 82 w 132"/>
-              <a:gd name="T77" fmla="*/ 16 h 132"/>
-              <a:gd name="T78" fmla="*/ 89 w 132"/>
-              <a:gd name="T79" fmla="*/ 16 h 132"/>
-              <a:gd name="T80" fmla="*/ 95 w 132"/>
-              <a:gd name="T81" fmla="*/ 19 h 132"/>
-              <a:gd name="T82" fmla="*/ 99 w 132"/>
-              <a:gd name="T83" fmla="*/ 26 h 132"/>
-              <a:gd name="T84" fmla="*/ 105 w 132"/>
-              <a:gd name="T85" fmla="*/ 26 h 132"/>
-              <a:gd name="T86" fmla="*/ 109 w 132"/>
-              <a:gd name="T87" fmla="*/ 36 h 132"/>
-              <a:gd name="T88" fmla="*/ 116 w 132"/>
-              <a:gd name="T89" fmla="*/ 41 h 132"/>
-              <a:gd name="T90" fmla="*/ 117 w 132"/>
-              <a:gd name="T91" fmla="*/ 48 h 132"/>
-              <a:gd name="T92" fmla="*/ 119 w 132"/>
-              <a:gd name="T93" fmla="*/ 53 h 132"/>
-              <a:gd name="T94" fmla="*/ 121 w 132"/>
-              <a:gd name="T95" fmla="*/ 60 h 132"/>
-              <a:gd name="T96" fmla="*/ 118 w 132"/>
-              <a:gd name="T97" fmla="*/ 66 h 132"/>
-              <a:gd name="T98" fmla="*/ 122 w 132"/>
-              <a:gd name="T99" fmla="*/ 71 h 132"/>
-              <a:gd name="T100" fmla="*/ 87 w 132"/>
-              <a:gd name="T101" fmla="*/ 41 h 132"/>
-              <a:gd name="T102" fmla="*/ 83 w 132"/>
-              <a:gd name="T103" fmla="*/ 70 h 132"/>
-              <a:gd name="T104" fmla="*/ 72 w 132"/>
-              <a:gd name="T105" fmla="*/ 92 h 132"/>
-              <a:gd name="T106" fmla="*/ 49 w 132"/>
-              <a:gd name="T107" fmla="*/ 71 h 132"/>
-              <a:gd name="T108" fmla="*/ 44 w 132"/>
-              <a:gd name="T109" fmla="*/ 41 h 132"/>
-              <a:gd name="T110" fmla="*/ 66 w 132"/>
-              <a:gd name="T111" fmla="*/ 57 h 132"/>
-            </a:gdLst>
-            <a:ahLst/>
-            <a:cxnLst>
-              <a:cxn ang="0">
-                <a:pos x="T0" y="T1"/>
-              </a:cxn>
-              <a:cxn ang="0">
-                <a:pos x="T2" y="T3"/>
-              </a:cxn>
-              <a:cxn ang="0">
-                <a:pos x="T4" y="T5"/>
-              </a:cxn>
-              <a:cxn ang="0">
-                <a:pos x="T6" y="T7"/>
-              </a:cxn>
-              <a:cxn ang="0">
-                <a:pos x="T8" y="T9"/>
-              </a:cxn>
-              <a:cxn ang="0">
-                <a:pos x="T10" y="T11"/>
-              </a:cxn>
-              <a:cxn ang="0">
-                <a:pos x="T12" y="T13"/>
-              </a:cxn>
-              <a:cxn ang="0">
-                <a:pos x="T14" y="T15"/>
-              </a:cxn>
-              <a:cxn ang="0">
-                <a:pos x="T16" y="T17"/>
-              </a:cxn>
-              <a:cxn ang="0">
-                <a:pos x="T18" y="T19"/>
-              </a:cxn>
-              <a:cxn ang="0">
-                <a:pos x="T20" y="T21"/>
-              </a:cxn>
-              <a:cxn ang="0">
-                <a:pos x="T22" y="T23"/>
-              </a:cxn>
-              <a:cxn ang="0">
-                <a:pos x="T24" y="T25"/>
-              </a:cxn>
-              <a:cxn ang="0">
-                <a:pos x="T26" y="T27"/>
-              </a:cxn>
-              <a:cxn ang="0">
-                <a:pos x="T28" y="T29"/>
-              </a:cxn>
-              <a:cxn ang="0">
-                <a:pos x="T30" y="T31"/>
-              </a:cxn>
-              <a:cxn ang="0">
-                <a:pos x="T32" y="T33"/>
-              </a:cxn>
-              <a:cxn ang="0">
-                <a:pos x="T34" y="T35"/>
-              </a:cxn>
-              <a:cxn ang="0">
-                <a:pos x="T36" y="T37"/>
-              </a:cxn>
-              <a:cxn ang="0">
-                <a:pos x="T38" y="T39"/>
-              </a:cxn>
-              <a:cxn ang="0">
-                <a:pos x="T40" y="T41"/>
-              </a:cxn>
-              <a:cxn ang="0">
-                <a:pos x="T42" y="T43"/>
-              </a:cxn>
-              <a:cxn ang="0">
-                <a:pos x="T44" y="T45"/>
-              </a:cxn>
-              <a:cxn ang="0">
-                <a:pos x="T46" y="T47"/>
-              </a:cxn>
-              <a:cxn ang="0">
-                <a:pos x="T48" y="T49"/>
-              </a:cxn>
-              <a:cxn ang="0">
-                <a:pos x="T50" y="T51"/>
-              </a:cxn>
-              <a:cxn ang="0">
-                <a:pos x="T52" y="T53"/>
-              </a:cxn>
-              <a:cxn ang="0">
-                <a:pos x="T54" y="T55"/>
-              </a:cxn>
-              <a:cxn ang="0">
-                <a:pos x="T56" y="T57"/>
-              </a:cxn>
-              <a:cxn ang="0">
-                <a:pos x="T58" y="T59"/>
-              </a:cxn>
-              <a:cxn ang="0">
-                <a:pos x="T60" y="T61"/>
-              </a:cxn>
-              <a:cxn ang="0">
-                <a:pos x="T62" y="T63"/>
-              </a:cxn>
-              <a:cxn ang="0">
-                <a:pos x="T64" y="T65"/>
-              </a:cxn>
-              <a:cxn ang="0">
-                <a:pos x="T66" y="T67"/>
-              </a:cxn>
-              <a:cxn ang="0">
-                <a:pos x="T68" y="T69"/>
-              </a:cxn>
-              <a:cxn ang="0">
-                <a:pos x="T70" y="T71"/>
-              </a:cxn>
-              <a:cxn ang="0">
-                <a:pos x="T72" y="T73"/>
-              </a:cxn>
-              <a:cxn ang="0">
-                <a:pos x="T74" y="T75"/>
-              </a:cxn>
-              <a:cxn ang="0">
-                <a:pos x="T76" y="T77"/>
-              </a:cxn>
-              <a:cxn ang="0">
-                <a:pos x="T78" y="T79"/>
-              </a:cxn>
-              <a:cxn ang="0">
-                <a:pos x="T80" y="T81"/>
-              </a:cxn>
-              <a:cxn ang="0">
-                <a:pos x="T82" y="T83"/>
-              </a:cxn>
-              <a:cxn ang="0">
-                <a:pos x="T84" y="T85"/>
-              </a:cxn>
-              <a:cxn ang="0">
-                <a:pos x="T86" y="T87"/>
-              </a:cxn>
-              <a:cxn ang="0">
-                <a:pos x="T88" y="T89"/>
-              </a:cxn>
-              <a:cxn ang="0">
-                <a:pos x="T90" y="T91"/>
-              </a:cxn>
-              <a:cxn ang="0">
-                <a:pos x="T92" y="T93"/>
-              </a:cxn>
-              <a:cxn ang="0">
-                <a:pos x="T94" y="T95"/>
-              </a:cxn>
-              <a:cxn ang="0">
-                <a:pos x="T96" y="T97"/>
-              </a:cxn>
-              <a:cxn ang="0">
-                <a:pos x="T98" y="T99"/>
-              </a:cxn>
-              <a:cxn ang="0">
-                <a:pos x="T100" y="T101"/>
-              </a:cxn>
-              <a:cxn ang="0">
-                <a:pos x="T102" y="T103"/>
-              </a:cxn>
-              <a:cxn ang="0">
-                <a:pos x="T104" y="T105"/>
-              </a:cxn>
-              <a:cxn ang="0">
-                <a:pos x="T106" y="T107"/>
-              </a:cxn>
-              <a:cxn ang="0">
-                <a:pos x="T108" y="T109"/>
-              </a:cxn>
-              <a:cxn ang="0">
-                <a:pos x="T110" y="T111"/>
-              </a:cxn>
-            </a:cxnLst>
-            <a:rect l="0" t="0" r="r" b="b"/>
-            <a:pathLst>
-              <a:path w="132" h="132">
-                <a:moveTo>
-                  <a:pt x="66" y="22"/>
-                </a:moveTo>
-                <a:cubicBezTo>
-                  <a:pt x="42" y="22"/>
-                  <a:pt x="22" y="42"/>
-                  <a:pt x="22" y="66"/>
-                </a:cubicBezTo>
-                <a:cubicBezTo>
-                  <a:pt x="22" y="90"/>
-                  <a:pt x="42" y="110"/>
-                  <a:pt x="66" y="110"/>
-                </a:cubicBezTo>
-                <a:cubicBezTo>
-                  <a:pt x="90" y="110"/>
-                  <a:pt x="110" y="90"/>
-                  <a:pt x="110" y="66"/>
-                </a:cubicBezTo>
-                <a:cubicBezTo>
-                  <a:pt x="110" y="42"/>
-                  <a:pt x="90" y="22"/>
-                  <a:pt x="66" y="22"/>
-                </a:cubicBezTo>
-                <a:close/>
-                <a:moveTo>
-                  <a:pt x="66" y="106"/>
-                </a:moveTo>
-                <a:cubicBezTo>
-                  <a:pt x="44" y="106"/>
-                  <a:pt x="26" y="88"/>
-                  <a:pt x="26" y="66"/>
-                </a:cubicBezTo>
-                <a:cubicBezTo>
-                  <a:pt x="26" y="44"/>
-                  <a:pt x="44" y="26"/>
-                  <a:pt x="66" y="26"/>
-                </a:cubicBezTo>
-                <a:cubicBezTo>
-                  <a:pt x="88" y="26"/>
-                  <a:pt x="105" y="44"/>
-                  <a:pt x="105" y="66"/>
-                </a:cubicBezTo>
-                <a:cubicBezTo>
-                  <a:pt x="105" y="88"/>
-                  <a:pt x="88" y="106"/>
-                  <a:pt x="66" y="106"/>
-                </a:cubicBezTo>
-                <a:close/>
-                <a:moveTo>
-                  <a:pt x="66" y="0"/>
-                </a:moveTo>
-                <a:cubicBezTo>
-                  <a:pt x="29" y="0"/>
-                  <a:pt x="0" y="30"/>
-                  <a:pt x="0" y="66"/>
-                </a:cubicBezTo>
-                <a:cubicBezTo>
-                  <a:pt x="0" y="102"/>
-                  <a:pt x="29" y="132"/>
-                  <a:pt x="66" y="132"/>
-                </a:cubicBezTo>
-                <a:cubicBezTo>
-                  <a:pt x="102" y="132"/>
-                  <a:pt x="132" y="102"/>
-                  <a:pt x="132" y="66"/>
-                </a:cubicBezTo>
-                <a:cubicBezTo>
-                  <a:pt x="132" y="30"/>
-                  <a:pt x="102" y="0"/>
-                  <a:pt x="66" y="0"/>
-                </a:cubicBezTo>
-                <a:close/>
-                <a:moveTo>
-                  <a:pt x="121" y="76"/>
-                </a:moveTo>
-                <a:cubicBezTo>
-                  <a:pt x="121" y="76"/>
-                  <a:pt x="120" y="76"/>
-                  <a:pt x="120" y="76"/>
-                </a:cubicBezTo>
-                <a:cubicBezTo>
-                  <a:pt x="119" y="76"/>
-                  <a:pt x="117" y="76"/>
-                  <a:pt x="117" y="78"/>
-                </a:cubicBezTo>
-                <a:cubicBezTo>
-                  <a:pt x="117" y="78"/>
-                  <a:pt x="117" y="79"/>
-                  <a:pt x="116" y="80"/>
-                </a:cubicBezTo>
-                <a:cubicBezTo>
-                  <a:pt x="116" y="81"/>
-                  <a:pt x="117" y="83"/>
-                  <a:pt x="118" y="83"/>
-                </a:cubicBezTo>
-                <a:cubicBezTo>
-                  <a:pt x="118" y="83"/>
-                  <a:pt x="119" y="83"/>
-                  <a:pt x="119" y="83"/>
-                </a:cubicBezTo>
-                <a:cubicBezTo>
-                  <a:pt x="119" y="83"/>
-                  <a:pt x="119" y="83"/>
-                  <a:pt x="119" y="83"/>
-                </a:cubicBezTo>
-                <a:cubicBezTo>
-                  <a:pt x="119" y="85"/>
-                  <a:pt x="118" y="87"/>
-                  <a:pt x="117" y="88"/>
-                </a:cubicBezTo>
-                <a:cubicBezTo>
-                  <a:pt x="117" y="88"/>
-                  <a:pt x="117" y="88"/>
-                  <a:pt x="116" y="88"/>
-                </a:cubicBezTo>
-                <a:cubicBezTo>
-                  <a:pt x="115" y="87"/>
-                  <a:pt x="114" y="88"/>
-                  <a:pt x="113" y="89"/>
-                </a:cubicBezTo>
-                <a:cubicBezTo>
-                  <a:pt x="113" y="90"/>
-                  <a:pt x="112" y="90"/>
-                  <a:pt x="112" y="91"/>
-                </a:cubicBezTo>
-                <a:cubicBezTo>
-                  <a:pt x="111" y="92"/>
-                  <a:pt x="112" y="94"/>
-                  <a:pt x="113" y="94"/>
-                </a:cubicBezTo>
-                <a:cubicBezTo>
-                  <a:pt x="113" y="95"/>
-                  <a:pt x="114" y="95"/>
-                  <a:pt x="114" y="95"/>
-                </a:cubicBezTo>
-                <a:cubicBezTo>
-                  <a:pt x="113" y="96"/>
-                  <a:pt x="112" y="98"/>
-                  <a:pt x="111" y="99"/>
-                </a:cubicBezTo>
-                <a:cubicBezTo>
-                  <a:pt x="111" y="99"/>
-                  <a:pt x="111" y="99"/>
-                  <a:pt x="110" y="98"/>
-                </a:cubicBezTo>
-                <a:cubicBezTo>
-                  <a:pt x="109" y="98"/>
-                  <a:pt x="108" y="98"/>
-                  <a:pt x="107" y="99"/>
-                </a:cubicBezTo>
-                <a:cubicBezTo>
-                  <a:pt x="106" y="99"/>
-                  <a:pt x="106" y="100"/>
-                  <a:pt x="105" y="101"/>
-                </a:cubicBezTo>
-                <a:cubicBezTo>
-                  <a:pt x="104" y="102"/>
-                  <a:pt x="105" y="103"/>
-                  <a:pt x="106" y="104"/>
-                </a:cubicBezTo>
-                <a:cubicBezTo>
-                  <a:pt x="106" y="104"/>
-                  <a:pt x="106" y="105"/>
-                  <a:pt x="106" y="105"/>
-                </a:cubicBezTo>
-                <a:cubicBezTo>
-                  <a:pt x="105" y="106"/>
-                  <a:pt x="104" y="107"/>
-                  <a:pt x="102" y="108"/>
-                </a:cubicBezTo>
-                <a:cubicBezTo>
-                  <a:pt x="102" y="108"/>
-                  <a:pt x="102" y="108"/>
-                  <a:pt x="102" y="108"/>
-                </a:cubicBezTo>
-                <a:cubicBezTo>
-                  <a:pt x="101" y="107"/>
-                  <a:pt x="100" y="106"/>
-                  <a:pt x="98" y="107"/>
-                </a:cubicBezTo>
-                <a:cubicBezTo>
-                  <a:pt x="98" y="108"/>
-                  <a:pt x="97" y="108"/>
-                  <a:pt x="97" y="109"/>
-                </a:cubicBezTo>
-                <a:cubicBezTo>
-                  <a:pt x="95" y="109"/>
-                  <a:pt x="95" y="111"/>
-                  <a:pt x="96" y="112"/>
-                </a:cubicBezTo>
-                <a:cubicBezTo>
-                  <a:pt x="96" y="112"/>
-                  <a:pt x="97" y="113"/>
-                  <a:pt x="97" y="113"/>
-                </a:cubicBezTo>
-                <a:cubicBezTo>
-                  <a:pt x="95" y="114"/>
-                  <a:pt x="94" y="115"/>
-                  <a:pt x="92" y="116"/>
-                </a:cubicBezTo>
-                <a:cubicBezTo>
-                  <a:pt x="92" y="115"/>
-                  <a:pt x="92" y="115"/>
-                  <a:pt x="92" y="115"/>
-                </a:cubicBezTo>
-                <a:cubicBezTo>
-                  <a:pt x="91" y="113"/>
-                  <a:pt x="90" y="113"/>
-                  <a:pt x="88" y="113"/>
-                </a:cubicBezTo>
-                <a:cubicBezTo>
-                  <a:pt x="88" y="114"/>
-                  <a:pt x="87" y="114"/>
-                  <a:pt x="86" y="114"/>
-                </a:cubicBezTo>
-                <a:cubicBezTo>
-                  <a:pt x="85" y="115"/>
-                  <a:pt x="84" y="116"/>
-                  <a:pt x="85" y="118"/>
-                </a:cubicBezTo>
-                <a:cubicBezTo>
-                  <a:pt x="85" y="118"/>
-                  <a:pt x="85" y="118"/>
-                  <a:pt x="86" y="118"/>
-                </a:cubicBezTo>
-                <a:cubicBezTo>
-                  <a:pt x="84" y="119"/>
-                  <a:pt x="82" y="120"/>
-                  <a:pt x="80" y="120"/>
-                </a:cubicBezTo>
-                <a:cubicBezTo>
-                  <a:pt x="80" y="120"/>
-                  <a:pt x="80" y="119"/>
-                  <a:pt x="80" y="119"/>
-                </a:cubicBezTo>
-                <a:cubicBezTo>
-                  <a:pt x="80" y="118"/>
-                  <a:pt x="79" y="117"/>
-                  <a:pt x="77" y="117"/>
-                </a:cubicBezTo>
-                <a:cubicBezTo>
-                  <a:pt x="77" y="117"/>
-                  <a:pt x="76" y="118"/>
-                  <a:pt x="75" y="118"/>
-                </a:cubicBezTo>
-                <a:cubicBezTo>
-                  <a:pt x="74" y="118"/>
-                  <a:pt x="73" y="119"/>
-                  <a:pt x="73" y="121"/>
-                </a:cubicBezTo>
-                <a:cubicBezTo>
-                  <a:pt x="73" y="121"/>
-                  <a:pt x="73" y="121"/>
-                  <a:pt x="73" y="122"/>
-                </a:cubicBezTo>
-                <a:cubicBezTo>
-                  <a:pt x="72" y="122"/>
-                  <a:pt x="70" y="122"/>
-                  <a:pt x="68" y="122"/>
-                </a:cubicBezTo>
-                <a:cubicBezTo>
-                  <a:pt x="68" y="122"/>
-                  <a:pt x="68" y="121"/>
-                  <a:pt x="68" y="121"/>
-                </a:cubicBezTo>
-                <a:cubicBezTo>
-                  <a:pt x="68" y="120"/>
-                  <a:pt x="67" y="119"/>
-                  <a:pt x="66" y="118"/>
-                </a:cubicBezTo>
-                <a:cubicBezTo>
-                  <a:pt x="65" y="118"/>
-                  <a:pt x="64" y="118"/>
-                  <a:pt x="63" y="118"/>
-                </a:cubicBezTo>
-                <a:cubicBezTo>
-                  <a:pt x="62" y="118"/>
-                  <a:pt x="61" y="119"/>
-                  <a:pt x="61" y="121"/>
-                </a:cubicBezTo>
-                <a:cubicBezTo>
-                  <a:pt x="61" y="121"/>
-                  <a:pt x="61" y="122"/>
-                  <a:pt x="61" y="122"/>
-                </a:cubicBezTo>
-                <a:cubicBezTo>
-                  <a:pt x="59" y="122"/>
-                  <a:pt x="57" y="121"/>
-                  <a:pt x="55" y="121"/>
-                </a:cubicBezTo>
-                <a:cubicBezTo>
-                  <a:pt x="55" y="121"/>
-                  <a:pt x="56" y="120"/>
-                  <a:pt x="56" y="120"/>
-                </a:cubicBezTo>
-                <a:cubicBezTo>
-                  <a:pt x="56" y="119"/>
-                  <a:pt x="55" y="117"/>
-                  <a:pt x="54" y="117"/>
-                </a:cubicBezTo>
-                <a:cubicBezTo>
-                  <a:pt x="53" y="117"/>
-                  <a:pt x="52" y="117"/>
-                  <a:pt x="52" y="117"/>
-                </a:cubicBezTo>
-                <a:cubicBezTo>
-                  <a:pt x="50" y="116"/>
-                  <a:pt x="49" y="117"/>
-                  <a:pt x="49" y="118"/>
-                </a:cubicBezTo>
-                <a:cubicBezTo>
-                  <a:pt x="48" y="119"/>
-                  <a:pt x="48" y="119"/>
-                  <a:pt x="48" y="119"/>
-                </a:cubicBezTo>
-                <a:cubicBezTo>
-                  <a:pt x="47" y="119"/>
-                  <a:pt x="45" y="118"/>
-                  <a:pt x="43" y="117"/>
-                </a:cubicBezTo>
-                <a:cubicBezTo>
-                  <a:pt x="43" y="117"/>
-                  <a:pt x="44" y="117"/>
-                  <a:pt x="44" y="116"/>
-                </a:cubicBezTo>
-                <a:cubicBezTo>
-                  <a:pt x="44" y="115"/>
-                  <a:pt x="44" y="114"/>
-                  <a:pt x="43" y="113"/>
-                </a:cubicBezTo>
-                <a:cubicBezTo>
-                  <a:pt x="42" y="113"/>
-                  <a:pt x="41" y="112"/>
-                  <a:pt x="41" y="112"/>
-                </a:cubicBezTo>
-                <a:cubicBezTo>
-                  <a:pt x="39" y="111"/>
-                  <a:pt x="38" y="112"/>
-                  <a:pt x="37" y="113"/>
-                </a:cubicBezTo>
-                <a:cubicBezTo>
-                  <a:pt x="37" y="113"/>
-                  <a:pt x="37" y="114"/>
-                  <a:pt x="37" y="114"/>
-                </a:cubicBezTo>
-                <a:cubicBezTo>
-                  <a:pt x="35" y="113"/>
-                  <a:pt x="34" y="112"/>
-                  <a:pt x="32" y="111"/>
-                </a:cubicBezTo>
-                <a:cubicBezTo>
-                  <a:pt x="33" y="111"/>
-                  <a:pt x="33" y="111"/>
-                  <a:pt x="33" y="110"/>
-                </a:cubicBezTo>
-                <a:cubicBezTo>
-                  <a:pt x="34" y="109"/>
-                  <a:pt x="34" y="108"/>
-                  <a:pt x="33" y="107"/>
-                </a:cubicBezTo>
-                <a:cubicBezTo>
-                  <a:pt x="32" y="106"/>
-                  <a:pt x="32" y="106"/>
-                  <a:pt x="31" y="105"/>
-                </a:cubicBezTo>
-                <a:cubicBezTo>
-                  <a:pt x="30" y="104"/>
-                  <a:pt x="28" y="104"/>
-                  <a:pt x="27" y="105"/>
-                </a:cubicBezTo>
-                <a:cubicBezTo>
-                  <a:pt x="27" y="106"/>
-                  <a:pt x="27" y="106"/>
-                  <a:pt x="27" y="106"/>
-                </a:cubicBezTo>
-                <a:cubicBezTo>
-                  <a:pt x="26" y="105"/>
-                  <a:pt x="24" y="104"/>
-                  <a:pt x="23" y="102"/>
-                </a:cubicBezTo>
-                <a:cubicBezTo>
-                  <a:pt x="23" y="102"/>
-                  <a:pt x="24" y="102"/>
-                  <a:pt x="24" y="102"/>
-                </a:cubicBezTo>
-                <a:cubicBezTo>
-                  <a:pt x="25" y="101"/>
-                  <a:pt x="25" y="99"/>
-                  <a:pt x="25" y="98"/>
-                </a:cubicBezTo>
-                <a:cubicBezTo>
-                  <a:pt x="24" y="98"/>
-                  <a:pt x="24" y="97"/>
-                  <a:pt x="23" y="96"/>
-                </a:cubicBezTo>
-                <a:cubicBezTo>
-                  <a:pt x="22" y="95"/>
-                  <a:pt x="21" y="95"/>
-                  <a:pt x="20" y="96"/>
-                </a:cubicBezTo>
-                <a:cubicBezTo>
-                  <a:pt x="19" y="96"/>
-                  <a:pt x="19" y="96"/>
-                  <a:pt x="19" y="97"/>
-                </a:cubicBezTo>
-                <a:cubicBezTo>
-                  <a:pt x="18" y="95"/>
-                  <a:pt x="17" y="93"/>
-                  <a:pt x="16" y="92"/>
-                </a:cubicBezTo>
-                <a:cubicBezTo>
-                  <a:pt x="16" y="92"/>
-                  <a:pt x="17" y="92"/>
-                  <a:pt x="17" y="92"/>
-                </a:cubicBezTo>
-                <a:cubicBezTo>
-                  <a:pt x="18" y="91"/>
-                  <a:pt x="19" y="90"/>
-                  <a:pt x="18" y="88"/>
-                </a:cubicBezTo>
-                <a:cubicBezTo>
-                  <a:pt x="18" y="88"/>
-                  <a:pt x="18" y="87"/>
-                  <a:pt x="17" y="86"/>
-                </a:cubicBezTo>
-                <a:cubicBezTo>
-                  <a:pt x="17" y="85"/>
-                  <a:pt x="15" y="84"/>
-                  <a:pt x="14" y="85"/>
-                </a:cubicBezTo>
-                <a:cubicBezTo>
-                  <a:pt x="14" y="85"/>
-                  <a:pt x="14" y="85"/>
-                  <a:pt x="13" y="85"/>
-                </a:cubicBezTo>
-                <a:cubicBezTo>
-                  <a:pt x="13" y="84"/>
-                  <a:pt x="12" y="82"/>
-                  <a:pt x="12" y="80"/>
-                </a:cubicBezTo>
-                <a:cubicBezTo>
-                  <a:pt x="12" y="80"/>
-                  <a:pt x="12" y="80"/>
-                  <a:pt x="12" y="80"/>
-                </a:cubicBezTo>
-                <a:cubicBezTo>
-                  <a:pt x="12" y="80"/>
-                  <a:pt x="12" y="80"/>
-                  <a:pt x="13" y="80"/>
-                </a:cubicBezTo>
-                <a:cubicBezTo>
-                  <a:pt x="14" y="80"/>
-                  <a:pt x="15" y="78"/>
-                  <a:pt x="15" y="77"/>
-                </a:cubicBezTo>
-                <a:cubicBezTo>
-                  <a:pt x="14" y="76"/>
-                  <a:pt x="14" y="76"/>
-                  <a:pt x="14" y="75"/>
-                </a:cubicBezTo>
-                <a:cubicBezTo>
-                  <a:pt x="14" y="73"/>
-                  <a:pt x="13" y="73"/>
-                  <a:pt x="11" y="73"/>
-                </a:cubicBezTo>
-                <a:cubicBezTo>
-                  <a:pt x="11" y="73"/>
-                  <a:pt x="11" y="73"/>
-                  <a:pt x="10" y="73"/>
-                </a:cubicBezTo>
-                <a:cubicBezTo>
-                  <a:pt x="10" y="71"/>
-                  <a:pt x="10" y="69"/>
-                  <a:pt x="10" y="68"/>
-                </a:cubicBezTo>
-                <a:cubicBezTo>
-                  <a:pt x="10" y="68"/>
-                  <a:pt x="11" y="68"/>
-                  <a:pt x="11" y="68"/>
-                </a:cubicBezTo>
-                <a:cubicBezTo>
-                  <a:pt x="11" y="68"/>
-                  <a:pt x="11" y="68"/>
-                  <a:pt x="11" y="68"/>
-                </a:cubicBezTo>
-                <a:cubicBezTo>
-                  <a:pt x="12" y="68"/>
-                  <a:pt x="13" y="67"/>
-                  <a:pt x="13" y="65"/>
-                </a:cubicBezTo>
-                <a:cubicBezTo>
-                  <a:pt x="13" y="65"/>
-                  <a:pt x="13" y="64"/>
-                  <a:pt x="13" y="63"/>
-                </a:cubicBezTo>
-                <a:cubicBezTo>
-                  <a:pt x="14" y="62"/>
-                  <a:pt x="13" y="60"/>
-                  <a:pt x="11" y="60"/>
-                </a:cubicBezTo>
-                <a:cubicBezTo>
-                  <a:pt x="11" y="60"/>
-                  <a:pt x="10" y="60"/>
-                  <a:pt x="10" y="61"/>
-                </a:cubicBezTo>
-                <a:cubicBezTo>
-                  <a:pt x="10" y="59"/>
-                  <a:pt x="11" y="57"/>
-                  <a:pt x="11" y="55"/>
-                </a:cubicBezTo>
-                <a:cubicBezTo>
-                  <a:pt x="11" y="55"/>
-                  <a:pt x="11" y="55"/>
-                  <a:pt x="12" y="55"/>
-                </a:cubicBezTo>
-                <a:cubicBezTo>
-                  <a:pt x="12" y="56"/>
-                  <a:pt x="12" y="56"/>
-                  <a:pt x="12" y="56"/>
-                </a:cubicBezTo>
-                <a:cubicBezTo>
-                  <a:pt x="14" y="56"/>
-                  <a:pt x="15" y="55"/>
-                  <a:pt x="15" y="54"/>
-                </a:cubicBezTo>
-                <a:cubicBezTo>
-                  <a:pt x="15" y="53"/>
-                  <a:pt x="15" y="52"/>
-                  <a:pt x="15" y="51"/>
-                </a:cubicBezTo>
-                <a:cubicBezTo>
-                  <a:pt x="16" y="50"/>
-                  <a:pt x="15" y="49"/>
-                  <a:pt x="14" y="48"/>
-                </a:cubicBezTo>
-                <a:cubicBezTo>
-                  <a:pt x="13" y="48"/>
-                  <a:pt x="13" y="48"/>
-                  <a:pt x="13" y="48"/>
-                </a:cubicBezTo>
-                <a:cubicBezTo>
-                  <a:pt x="13" y="46"/>
-                  <a:pt x="14" y="45"/>
-                  <a:pt x="15" y="43"/>
-                </a:cubicBezTo>
-                <a:cubicBezTo>
-                  <a:pt x="15" y="43"/>
-                  <a:pt x="15" y="43"/>
-                  <a:pt x="16" y="44"/>
-                </a:cubicBezTo>
-                <a:cubicBezTo>
-                  <a:pt x="16" y="44"/>
-                  <a:pt x="16" y="44"/>
-                  <a:pt x="17" y="44"/>
-                </a:cubicBezTo>
-                <a:cubicBezTo>
-                  <a:pt x="18" y="44"/>
-                  <a:pt x="18" y="43"/>
-                  <a:pt x="19" y="43"/>
-                </a:cubicBezTo>
-                <a:cubicBezTo>
-                  <a:pt x="19" y="42"/>
-                  <a:pt x="20" y="41"/>
-                  <a:pt x="20" y="40"/>
-                </a:cubicBezTo>
-                <a:cubicBezTo>
-                  <a:pt x="21" y="39"/>
-                  <a:pt x="20" y="38"/>
-                  <a:pt x="19" y="37"/>
-                </a:cubicBezTo>
-                <a:cubicBezTo>
-                  <a:pt x="19" y="37"/>
-                  <a:pt x="18" y="37"/>
-                  <a:pt x="18" y="37"/>
-                </a:cubicBezTo>
-                <a:cubicBezTo>
-                  <a:pt x="19" y="35"/>
-                  <a:pt x="20" y="34"/>
-                  <a:pt x="21" y="32"/>
-                </a:cubicBezTo>
-                <a:cubicBezTo>
-                  <a:pt x="21" y="32"/>
-                  <a:pt x="22" y="33"/>
-                  <a:pt x="22" y="33"/>
-                </a:cubicBezTo>
-                <a:cubicBezTo>
-                  <a:pt x="22" y="33"/>
-                  <a:pt x="23" y="34"/>
-                  <a:pt x="23" y="34"/>
-                </a:cubicBezTo>
-                <a:cubicBezTo>
-                  <a:pt x="24" y="34"/>
-                  <a:pt x="25" y="33"/>
-                  <a:pt x="25" y="33"/>
-                </a:cubicBezTo>
-                <a:cubicBezTo>
-                  <a:pt x="26" y="32"/>
-                  <a:pt x="26" y="31"/>
-                  <a:pt x="27" y="31"/>
-                </a:cubicBezTo>
-                <a:cubicBezTo>
-                  <a:pt x="28" y="30"/>
-                  <a:pt x="28" y="28"/>
-                  <a:pt x="27" y="27"/>
-                </a:cubicBezTo>
-                <a:cubicBezTo>
-                  <a:pt x="26" y="27"/>
-                  <a:pt x="26" y="27"/>
-                  <a:pt x="26" y="27"/>
-                </a:cubicBezTo>
-                <a:cubicBezTo>
-                  <a:pt x="27" y="26"/>
-                  <a:pt x="28" y="24"/>
-                  <a:pt x="30" y="23"/>
-                </a:cubicBezTo>
-                <a:cubicBezTo>
-                  <a:pt x="30" y="23"/>
-                  <a:pt x="30" y="24"/>
-                  <a:pt x="30" y="24"/>
-                </a:cubicBezTo>
-                <a:cubicBezTo>
-                  <a:pt x="31" y="25"/>
-                  <a:pt x="32" y="25"/>
-                  <a:pt x="32" y="25"/>
-                </a:cubicBezTo>
-                <a:cubicBezTo>
-                  <a:pt x="33" y="25"/>
-                  <a:pt x="33" y="25"/>
-                  <a:pt x="34" y="24"/>
-                </a:cubicBezTo>
-                <a:cubicBezTo>
-                  <a:pt x="34" y="24"/>
-                  <a:pt x="35" y="23"/>
-                  <a:pt x="36" y="23"/>
-                </a:cubicBezTo>
-                <a:cubicBezTo>
-                  <a:pt x="37" y="22"/>
-                  <a:pt x="37" y="21"/>
-                  <a:pt x="36" y="20"/>
-                </a:cubicBezTo>
-                <a:cubicBezTo>
-                  <a:pt x="36" y="19"/>
-                  <a:pt x="36" y="19"/>
-                  <a:pt x="36" y="19"/>
-                </a:cubicBezTo>
-                <a:cubicBezTo>
-                  <a:pt x="37" y="18"/>
-                  <a:pt x="39" y="17"/>
-                  <a:pt x="40" y="16"/>
-                </a:cubicBezTo>
-                <a:cubicBezTo>
-                  <a:pt x="40" y="16"/>
-                  <a:pt x="40" y="17"/>
-                  <a:pt x="41" y="17"/>
-                </a:cubicBezTo>
-                <a:cubicBezTo>
-                  <a:pt x="41" y="18"/>
-                  <a:pt x="42" y="19"/>
-                  <a:pt x="43" y="19"/>
-                </a:cubicBezTo>
-                <a:cubicBezTo>
-                  <a:pt x="43" y="19"/>
-                  <a:pt x="44" y="18"/>
-                  <a:pt x="44" y="18"/>
-                </a:cubicBezTo>
-                <a:cubicBezTo>
-                  <a:pt x="45" y="18"/>
-                  <a:pt x="45" y="18"/>
-                  <a:pt x="46" y="17"/>
-                </a:cubicBezTo>
-                <a:cubicBezTo>
-                  <a:pt x="47" y="17"/>
-                  <a:pt x="48" y="15"/>
-                  <a:pt x="47" y="14"/>
-                </a:cubicBezTo>
-                <a:cubicBezTo>
-                  <a:pt x="47" y="14"/>
-                  <a:pt x="47" y="14"/>
-                  <a:pt x="47" y="13"/>
-                </a:cubicBezTo>
-                <a:cubicBezTo>
-                  <a:pt x="49" y="13"/>
-                  <a:pt x="50" y="12"/>
-                  <a:pt x="52" y="12"/>
-                </a:cubicBezTo>
-                <a:cubicBezTo>
-                  <a:pt x="52" y="12"/>
-                  <a:pt x="52" y="12"/>
-                  <a:pt x="52" y="13"/>
-                </a:cubicBezTo>
-                <a:cubicBezTo>
-                  <a:pt x="52" y="14"/>
-                  <a:pt x="53" y="15"/>
-                  <a:pt x="55" y="15"/>
-                </a:cubicBezTo>
-                <a:cubicBezTo>
-                  <a:pt x="55" y="15"/>
-                  <a:pt x="55" y="15"/>
-                  <a:pt x="55" y="15"/>
-                </a:cubicBezTo>
-                <a:cubicBezTo>
-                  <a:pt x="56" y="14"/>
-                  <a:pt x="57" y="14"/>
-                  <a:pt x="57" y="14"/>
-                </a:cubicBezTo>
-                <a:cubicBezTo>
-                  <a:pt x="59" y="14"/>
-                  <a:pt x="60" y="13"/>
-                  <a:pt x="59" y="11"/>
-                </a:cubicBezTo>
-                <a:cubicBezTo>
-                  <a:pt x="59" y="11"/>
-                  <a:pt x="59" y="11"/>
-                  <a:pt x="59" y="10"/>
-                </a:cubicBezTo>
-                <a:cubicBezTo>
-                  <a:pt x="61" y="10"/>
-                  <a:pt x="63" y="10"/>
-                  <a:pt x="65" y="10"/>
-                </a:cubicBezTo>
-                <a:cubicBezTo>
-                  <a:pt x="65" y="10"/>
-                  <a:pt x="64" y="11"/>
-                  <a:pt x="64" y="11"/>
-                </a:cubicBezTo>
-                <a:cubicBezTo>
-                  <a:pt x="64" y="12"/>
-                  <a:pt x="65" y="13"/>
-                  <a:pt x="67" y="14"/>
-                </a:cubicBezTo>
-                <a:cubicBezTo>
-                  <a:pt x="68" y="14"/>
-                  <a:pt x="68" y="14"/>
-                  <a:pt x="69" y="14"/>
-                </a:cubicBezTo>
-                <a:cubicBezTo>
-                  <a:pt x="69" y="14"/>
-                  <a:pt x="69" y="14"/>
-                  <a:pt x="69" y="14"/>
-                </a:cubicBezTo>
-                <a:cubicBezTo>
-                  <a:pt x="71" y="14"/>
-                  <a:pt x="72" y="13"/>
-                  <a:pt x="72" y="11"/>
-                </a:cubicBezTo>
-                <a:cubicBezTo>
-                  <a:pt x="72" y="11"/>
-                  <a:pt x="72" y="11"/>
-                  <a:pt x="72" y="10"/>
-                </a:cubicBezTo>
-                <a:cubicBezTo>
-                  <a:pt x="74" y="10"/>
-                  <a:pt x="75" y="11"/>
-                  <a:pt x="77" y="11"/>
-                </a:cubicBezTo>
-                <a:cubicBezTo>
-                  <a:pt x="77" y="11"/>
-                  <a:pt x="77" y="12"/>
-                  <a:pt x="77" y="12"/>
-                </a:cubicBezTo>
-                <a:cubicBezTo>
-                  <a:pt x="76" y="13"/>
-                  <a:pt x="77" y="15"/>
-                  <a:pt x="79" y="15"/>
-                </a:cubicBezTo>
-                <a:cubicBezTo>
-                  <a:pt x="79" y="15"/>
-                  <a:pt x="80" y="15"/>
-                  <a:pt x="81" y="16"/>
-                </a:cubicBezTo>
-                <a:cubicBezTo>
-                  <a:pt x="81" y="16"/>
-                  <a:pt x="81" y="16"/>
-                  <a:pt x="82" y="16"/>
-                </a:cubicBezTo>
-                <a:cubicBezTo>
-                  <a:pt x="83" y="16"/>
-                  <a:pt x="84" y="15"/>
-                  <a:pt x="84" y="14"/>
-                </a:cubicBezTo>
-                <a:cubicBezTo>
-                  <a:pt x="84" y="14"/>
-                  <a:pt x="84" y="13"/>
-                  <a:pt x="84" y="13"/>
-                </a:cubicBezTo>
-                <a:cubicBezTo>
-                  <a:pt x="86" y="14"/>
-                  <a:pt x="88" y="14"/>
-                  <a:pt x="89" y="15"/>
-                </a:cubicBezTo>
-                <a:cubicBezTo>
-                  <a:pt x="89" y="15"/>
-                  <a:pt x="89" y="16"/>
-                  <a:pt x="89" y="16"/>
-                </a:cubicBezTo>
-                <a:cubicBezTo>
-                  <a:pt x="88" y="17"/>
-                  <a:pt x="88" y="19"/>
-                  <a:pt x="90" y="19"/>
-                </a:cubicBezTo>
-                <a:cubicBezTo>
-                  <a:pt x="90" y="20"/>
-                  <a:pt x="91" y="20"/>
-                  <a:pt x="92" y="20"/>
-                </a:cubicBezTo>
-                <a:cubicBezTo>
-                  <a:pt x="92" y="20"/>
-                  <a:pt x="93" y="21"/>
-                  <a:pt x="93" y="21"/>
-                </a:cubicBezTo>
-                <a:cubicBezTo>
-                  <a:pt x="94" y="21"/>
-                  <a:pt x="95" y="20"/>
-                  <a:pt x="95" y="19"/>
-                </a:cubicBezTo>
-                <a:cubicBezTo>
-                  <a:pt x="95" y="19"/>
-                  <a:pt x="95" y="19"/>
-                  <a:pt x="95" y="18"/>
-                </a:cubicBezTo>
-                <a:cubicBezTo>
-                  <a:pt x="97" y="19"/>
-                  <a:pt x="99" y="20"/>
-                  <a:pt x="100" y="22"/>
-                </a:cubicBezTo>
-                <a:cubicBezTo>
-                  <a:pt x="100" y="22"/>
-                  <a:pt x="99" y="22"/>
-                  <a:pt x="99" y="22"/>
-                </a:cubicBezTo>
-                <a:cubicBezTo>
-                  <a:pt x="98" y="23"/>
-                  <a:pt x="98" y="25"/>
-                  <a:pt x="99" y="26"/>
-                </a:cubicBezTo>
-                <a:cubicBezTo>
-                  <a:pt x="100" y="26"/>
-                  <a:pt x="101" y="27"/>
-                  <a:pt x="101" y="27"/>
-                </a:cubicBezTo>
-                <a:cubicBezTo>
-                  <a:pt x="102" y="28"/>
-                  <a:pt x="102" y="28"/>
-                  <a:pt x="103" y="28"/>
-                </a:cubicBezTo>
-                <a:cubicBezTo>
-                  <a:pt x="104" y="28"/>
-                  <a:pt x="104" y="28"/>
-                  <a:pt x="105" y="27"/>
-                </a:cubicBezTo>
-                <a:cubicBezTo>
-                  <a:pt x="105" y="27"/>
-                  <a:pt x="105" y="26"/>
-                  <a:pt x="105" y="26"/>
-                </a:cubicBezTo>
-                <a:cubicBezTo>
-                  <a:pt x="107" y="27"/>
-                  <a:pt x="108" y="29"/>
-                  <a:pt x="109" y="30"/>
-                </a:cubicBezTo>
-                <a:cubicBezTo>
-                  <a:pt x="109" y="30"/>
-                  <a:pt x="108" y="30"/>
-                  <a:pt x="108" y="31"/>
-                </a:cubicBezTo>
-                <a:cubicBezTo>
-                  <a:pt x="107" y="32"/>
-                  <a:pt x="107" y="33"/>
-                  <a:pt x="108" y="34"/>
-                </a:cubicBezTo>
-                <a:cubicBezTo>
-                  <a:pt x="108" y="35"/>
-                  <a:pt x="109" y="35"/>
-                  <a:pt x="109" y="36"/>
-                </a:cubicBezTo>
-                <a:cubicBezTo>
-                  <a:pt x="110" y="37"/>
-                  <a:pt x="110" y="37"/>
-                  <a:pt x="111" y="37"/>
-                </a:cubicBezTo>
-                <a:cubicBezTo>
-                  <a:pt x="112" y="37"/>
-                  <a:pt x="112" y="37"/>
-                  <a:pt x="112" y="37"/>
-                </a:cubicBezTo>
-                <a:cubicBezTo>
-                  <a:pt x="113" y="37"/>
-                  <a:pt x="113" y="36"/>
-                  <a:pt x="113" y="36"/>
-                </a:cubicBezTo>
-                <a:cubicBezTo>
-                  <a:pt x="114" y="38"/>
-                  <a:pt x="115" y="39"/>
-                  <a:pt x="116" y="41"/>
-                </a:cubicBezTo>
-                <a:cubicBezTo>
-                  <a:pt x="116" y="41"/>
-                  <a:pt x="115" y="41"/>
-                  <a:pt x="115" y="41"/>
-                </a:cubicBezTo>
-                <a:cubicBezTo>
-                  <a:pt x="114" y="42"/>
-                  <a:pt x="113" y="43"/>
-                  <a:pt x="114" y="44"/>
-                </a:cubicBezTo>
-                <a:cubicBezTo>
-                  <a:pt x="114" y="45"/>
-                  <a:pt x="114" y="46"/>
-                  <a:pt x="115" y="46"/>
-                </a:cubicBezTo>
-                <a:cubicBezTo>
-                  <a:pt x="115" y="47"/>
-                  <a:pt x="116" y="48"/>
-                  <a:pt x="117" y="48"/>
-                </a:cubicBezTo>
-                <a:cubicBezTo>
-                  <a:pt x="117" y="48"/>
-                  <a:pt x="118" y="48"/>
-                  <a:pt x="118" y="48"/>
-                </a:cubicBezTo>
-                <a:cubicBezTo>
-                  <a:pt x="118" y="48"/>
-                  <a:pt x="118" y="48"/>
-                  <a:pt x="119" y="47"/>
-                </a:cubicBezTo>
-                <a:cubicBezTo>
-                  <a:pt x="119" y="49"/>
-                  <a:pt x="120" y="51"/>
-                  <a:pt x="120" y="53"/>
-                </a:cubicBezTo>
-                <a:cubicBezTo>
-                  <a:pt x="120" y="53"/>
-                  <a:pt x="120" y="53"/>
-                  <a:pt x="119" y="53"/>
-                </a:cubicBezTo>
-                <a:cubicBezTo>
-                  <a:pt x="118" y="53"/>
-                  <a:pt x="117" y="54"/>
-                  <a:pt x="117" y="56"/>
-                </a:cubicBezTo>
-                <a:cubicBezTo>
-                  <a:pt x="118" y="56"/>
-                  <a:pt x="118" y="57"/>
-                  <a:pt x="118" y="58"/>
-                </a:cubicBezTo>
-                <a:cubicBezTo>
-                  <a:pt x="118" y="59"/>
-                  <a:pt x="119" y="60"/>
-                  <a:pt x="120" y="60"/>
-                </a:cubicBezTo>
-                <a:cubicBezTo>
-                  <a:pt x="120" y="60"/>
-                  <a:pt x="120" y="60"/>
-                  <a:pt x="121" y="60"/>
-                </a:cubicBezTo>
-                <a:cubicBezTo>
-                  <a:pt x="121" y="60"/>
-                  <a:pt x="121" y="60"/>
-                  <a:pt x="122" y="60"/>
-                </a:cubicBezTo>
-                <a:cubicBezTo>
-                  <a:pt x="122" y="61"/>
-                  <a:pt x="122" y="62"/>
-                  <a:pt x="122" y="64"/>
-                </a:cubicBezTo>
-                <a:cubicBezTo>
-                  <a:pt x="122" y="64"/>
-                  <a:pt x="121" y="64"/>
-                  <a:pt x="121" y="64"/>
-                </a:cubicBezTo>
-                <a:cubicBezTo>
-                  <a:pt x="119" y="64"/>
-                  <a:pt x="118" y="65"/>
-                  <a:pt x="118" y="66"/>
-                </a:cubicBezTo>
-                <a:cubicBezTo>
-                  <a:pt x="118" y="67"/>
-                  <a:pt x="118" y="68"/>
-                  <a:pt x="118" y="68"/>
-                </a:cubicBezTo>
-                <a:cubicBezTo>
-                  <a:pt x="118" y="70"/>
-                  <a:pt x="119" y="71"/>
-                  <a:pt x="121" y="71"/>
-                </a:cubicBezTo>
-                <a:cubicBezTo>
-                  <a:pt x="121" y="71"/>
-                  <a:pt x="121" y="71"/>
-                  <a:pt x="121" y="71"/>
-                </a:cubicBezTo>
-                <a:cubicBezTo>
-                  <a:pt x="121" y="71"/>
-                  <a:pt x="121" y="71"/>
-                  <a:pt x="122" y="71"/>
-                </a:cubicBezTo>
-                <a:cubicBezTo>
-                  <a:pt x="122" y="73"/>
-                  <a:pt x="121" y="75"/>
-                  <a:pt x="121" y="76"/>
-                </a:cubicBezTo>
-                <a:close/>
-                <a:moveTo>
-                  <a:pt x="74" y="40"/>
-                </a:moveTo>
-                <a:cubicBezTo>
-                  <a:pt x="88" y="40"/>
-                  <a:pt x="88" y="40"/>
-                  <a:pt x="88" y="40"/>
-                </a:cubicBezTo>
-                <a:cubicBezTo>
-                  <a:pt x="87" y="41"/>
-                  <a:pt x="87" y="41"/>
-                  <a:pt x="87" y="41"/>
-                </a:cubicBezTo>
-                <a:cubicBezTo>
-                  <a:pt x="82" y="51"/>
-                  <a:pt x="82" y="51"/>
-                  <a:pt x="82" y="51"/>
-                </a:cubicBezTo>
-                <a:cubicBezTo>
-                  <a:pt x="72" y="68"/>
-                  <a:pt x="72" y="68"/>
-                  <a:pt x="72" y="68"/>
-                </a:cubicBezTo>
-                <a:cubicBezTo>
-                  <a:pt x="72" y="70"/>
-                  <a:pt x="72" y="70"/>
-                  <a:pt x="72" y="70"/>
-                </a:cubicBezTo>
-                <a:cubicBezTo>
-                  <a:pt x="83" y="70"/>
-                  <a:pt x="83" y="70"/>
-                  <a:pt x="83" y="70"/>
-                </a:cubicBezTo>
-                <a:cubicBezTo>
-                  <a:pt x="83" y="71"/>
-                  <a:pt x="83" y="71"/>
-                  <a:pt x="83" y="71"/>
-                </a:cubicBezTo>
-                <a:cubicBezTo>
-                  <a:pt x="83" y="78"/>
-                  <a:pt x="83" y="78"/>
-                  <a:pt x="83" y="78"/>
-                </a:cubicBezTo>
-                <a:cubicBezTo>
-                  <a:pt x="72" y="78"/>
-                  <a:pt x="72" y="78"/>
-                  <a:pt x="72" y="78"/>
-                </a:cubicBezTo>
-                <a:cubicBezTo>
-                  <a:pt x="72" y="92"/>
-                  <a:pt x="72" y="92"/>
-                  <a:pt x="72" y="92"/>
-                </a:cubicBezTo>
-                <a:cubicBezTo>
-                  <a:pt x="60" y="92"/>
-                  <a:pt x="60" y="92"/>
-                  <a:pt x="60" y="92"/>
-                </a:cubicBezTo>
-                <a:cubicBezTo>
-                  <a:pt x="60" y="78"/>
-                  <a:pt x="60" y="78"/>
-                  <a:pt x="60" y="78"/>
-                </a:cubicBezTo>
-                <a:cubicBezTo>
-                  <a:pt x="49" y="78"/>
-                  <a:pt x="49" y="78"/>
-                  <a:pt x="49" y="78"/>
-                </a:cubicBezTo>
-                <a:cubicBezTo>
-                  <a:pt x="49" y="71"/>
-                  <a:pt x="49" y="71"/>
-                  <a:pt x="49" y="71"/>
-                </a:cubicBezTo>
-                <a:cubicBezTo>
-                  <a:pt x="49" y="70"/>
-                  <a:pt x="49" y="70"/>
-                  <a:pt x="49" y="70"/>
-                </a:cubicBezTo>
-                <a:cubicBezTo>
-                  <a:pt x="60" y="70"/>
-                  <a:pt x="60" y="70"/>
-                  <a:pt x="60" y="70"/>
-                </a:cubicBezTo>
-                <a:cubicBezTo>
-                  <a:pt x="60" y="69"/>
-                  <a:pt x="60" y="69"/>
-                  <a:pt x="60" y="69"/>
-                </a:cubicBezTo>
-                <a:cubicBezTo>
-                  <a:pt x="44" y="41"/>
-                  <a:pt x="44" y="41"/>
-                  <a:pt x="44" y="41"/>
-                </a:cubicBezTo>
-                <a:cubicBezTo>
-                  <a:pt x="44" y="40"/>
-                  <a:pt x="44" y="40"/>
-                  <a:pt x="44" y="40"/>
-                </a:cubicBezTo>
-                <a:cubicBezTo>
-                  <a:pt x="58" y="40"/>
-                  <a:pt x="58" y="40"/>
-                  <a:pt x="58" y="40"/>
-                </a:cubicBezTo>
-                <a:cubicBezTo>
-                  <a:pt x="64" y="54"/>
-                  <a:pt x="64" y="54"/>
-                  <a:pt x="64" y="54"/>
-                </a:cubicBezTo>
-                <a:cubicBezTo>
-                  <a:pt x="66" y="57"/>
-                  <a:pt x="66" y="57"/>
-                  <a:pt x="66" y="57"/>
-                </a:cubicBezTo>
-                <a:cubicBezTo>
-                  <a:pt x="68" y="52"/>
-                  <a:pt x="68" y="52"/>
-                  <a:pt x="68" y="52"/>
-                </a:cubicBezTo>
-                <a:lnTo>
-                  <a:pt x="74" y="40"/>
-                </a:lnTo>
-                <a:close/>
-              </a:path>
-            </a:pathLst>
-          </a:custGeom>
-          <a:solidFill>
-            <a:srgbClr val="FFFFFF"/>
-          </a:solidFill>
-          <a:ln>
-            <a:noFill/>
-          </a:ln>
-          <a:extLst>
-            <a:ext uri="{91240B29-F687-4F45-9708-019B960494DF}">
-              <a14:hiddenLine xmlns:a14="http://schemas.microsoft.com/office/drawing/2010/main" w="9525">
-                <a:solidFill>
-                  <a:srgbClr val="000000"/>
-                </a:solidFill>
-                <a:round/>
-              </a14:hiddenLine>
-            </a:ext>
-          </a:extLst>
-        </p:spPr>
-        <p:txBody>
-          <a:bodyPr vert="horz" wrap="square" lIns="91440" tIns="45720" rIns="91440" bIns="45720" numCol="1" anchor="t" anchorCtr="0" compatLnSpc="1"/>
-          <a:p>
-            <a:endParaRPr lang="zh-CN" altLang="en-US"/>
-          </a:p>
-        </p:txBody>
-      </p:sp>
-      <p:graphicFrame>
-        <p:nvGraphicFramePr>
-          <p:cNvPr id="10" name="对象 9"/>
-          <p:cNvGraphicFramePr/>
-          <p:nvPr/>
-        </p:nvGraphicFramePr>
-        <p:xfrm>
-          <a:off x="3413760" y="1590040"/>
-          <a:ext cx="4978400" cy="4898390"/>
-        </p:xfrm>
-        <a:graphic>
-          <a:graphicData uri="http://schemas.openxmlformats.org/presentationml/2006/ole">
-            <mc:AlternateContent xmlns:mc="http://schemas.openxmlformats.org/markup-compatibility/2006">
-              <mc:Choice xmlns:v="urn:schemas-microsoft-com:vml" Requires="v">
-                <p:oleObj spid="_x0000_s16" name="" r:id="rId1" imgW="4406900" imgH="5867400" progId="Visio.Drawing.11">
-                  <p:embed/>
-                </p:oleObj>
-              </mc:Choice>
-              <mc:Fallback>
-                <p:oleObj name="" r:id="rId1" imgW="4406900" imgH="5867400" progId="Visio.Drawing.11">
-                  <p:embed/>
-                  <p:pic>
-                    <p:nvPicPr>
-                      <p:cNvPr id="0" name="图片 15"/>
-                      <p:cNvPicPr/>
-                      <p:nvPr/>
-                    </p:nvPicPr>
-                    <p:blipFill>
-                      <a:blip r:embed="rId2"/>
-                      <a:stretch>
-                        <a:fillRect/>
-                      </a:stretch>
-                    </p:blipFill>
-                    <p:spPr>
-                      <a:xfrm>
-                        <a:off x="3413760" y="1590040"/>
-                        <a:ext cx="4978400" cy="4898390"/>
-                      </a:xfrm>
-                      <a:prstGeom prst="rect">
-                        <a:avLst/>
-                      </a:prstGeom>
-                    </p:spPr>
-                  </p:pic>
-                </p:oleObj>
-              </mc:Fallback>
-            </mc:AlternateContent>
-          </a:graphicData>
-        </a:graphic>
-      </p:graphicFrame>
-    </p:spTree>
-  </p:cSld>
-  <p:clrMapOvr>
-    <a:masterClrMapping/>
-  </p:clrMapOvr>
-  <mc:AlternateContent xmlns:mc="http://schemas.openxmlformats.org/markup-compatibility/2006">
-    <mc:Choice xmlns:p14="http://schemas.microsoft.com/office/powerpoint/2010/main" Requires="p14">
-      <p:transition spd="slow" p14:dur="1500">
-        <p:split orient="vert"/>
-      </p:transition>
-    </mc:Choice>
-    <mc:Fallback>
-      <p:transition spd="slow">
-        <p:split orient="vert"/>
-      </p:transition>
-    </mc:Fallback>
-  </mc:AlternateContent>
-  <p:timing>
-    <p:tnLst>
-      <p:par>
-        <p:cTn id="1" dur="indefinite" restart="never" nodeType="tmRoot">
-          <p:childTnLst>
-            <p:seq concurrent="1" nextAc="seek">
-              <p:cTn id="2" dur="indefinite" nodeType="mainSeq">
-                <p:childTnLst>
-                  <p:par>
-                    <p:cTn id="3" fill="hold">
-                      <p:stCondLst>
-                        <p:cond delay="indefinite"/>
-                      </p:stCondLst>
-                      <p:childTnLst>
-                        <p:par>
-                          <p:cTn id="4" fill="hold">
-                            <p:stCondLst>
-                              <p:cond delay="0"/>
-                            </p:stCondLst>
-                            <p:childTnLst>
-                              <p:par>
-                                <p:cTn id="5" presetID="3" presetClass="entr" presetSubtype="10" fill="hold" nodeType="clickEffect">
-                                  <p:stCondLst>
-                                    <p:cond delay="0"/>
-                                  </p:stCondLst>
-                                  <p:childTnLst>
-                                    <p:set>
-                                      <p:cBhvr>
-                                        <p:cTn id="6" dur="1" fill="hold">
-                                          <p:stCondLst>
-                                            <p:cond delay="0"/>
-                                          </p:stCondLst>
-                                        </p:cTn>
-                                        <p:tgtEl>
-                                          <p:spTgt spid="10"/>
-                                        </p:tgtEl>
-                                        <p:attrNameLst>
-                                          <p:attrName>style.visibility</p:attrName>
-                                        </p:attrNameLst>
-                                      </p:cBhvr>
-                                      <p:to>
-                                        <p:strVal val="visible"/>
-                                      </p:to>
-                                    </p:set>
-                                    <p:animEffect transition="in" filter="blinds(horizontal)">
-                                      <p:cBhvr>
-                                        <p:cTn id="7" dur="500"/>
-                                        <p:tgtEl>
-                                          <p:spTgt spid="10"/>
-                                        </p:tgtEl>
-                                      </p:cBhvr>
-                                    </p:animEffect>
-                                  </p:childTnLst>
-                                </p:cTn>
-                              </p:par>
-                            </p:childTnLst>
-                          </p:cTn>
-                        </p:par>
-                      </p:childTnLst>
-                    </p:cTn>
-                  </p:par>
-                </p:childTnLst>
-              </p:cTn>
-              <p:prevCondLst>
-                <p:cond evt="onPrev" delay="0">
-                  <p:tgtEl>
-                    <p:sldTgt/>
-                  </p:tgtEl>
-                </p:cond>
-              </p:prevCondLst>
-              <p:nextCondLst>
-                <p:cond evt="onNext" delay="0">
-                  <p:tgtEl>
-                    <p:sldTgt/>
-                  </p:tgtEl>
-                </p:cond>
-              </p:nextCondLst>
-            </p:seq>
-          </p:childTnLst>
-        </p:cTn>
-      </p:par>
-    </p:tnLst>
-  </p:timing>
-</p:sld>
-</file>
-
-<file path=ppt/slides/slide11.xml><?xml version="1.0" encoding="utf-8"?>
-<p:sld xmlns:a="http://schemas.openxmlformats.org/drawingml/2006/main" xmlns:r="http://schemas.openxmlformats.org/officeDocument/2006/relationships" xmlns:p="http://schemas.openxmlformats.org/presentationml/2006/main">
-  <p:cSld>
-    <p:spTree>
-      <p:nvGrpSpPr>
-        <p:cNvPr id="1" name=""/>
-        <p:cNvGrpSpPr/>
-        <p:nvPr/>
-      </p:nvGrpSpPr>
-      <p:grpSpPr>
-        <a:xfrm>
-          <a:off x="0" y="0"/>
-          <a:ext cx="0" cy="0"/>
-          <a:chOff x="0" y="0"/>
-          <a:chExt cx="0" cy="0"/>
-        </a:xfrm>
-      </p:grpSpPr>
       <p:grpSp>
         <p:nvGrpSpPr>
           <p:cNvPr id="2" name="组合 1"/>
@@ -6139,6 +4024,415 @@
 </p:sld>
 </file>
 
+<file path=ppt/slides/slide11.xml><?xml version="1.0" encoding="utf-8"?>
+<p:sld xmlns:a="http://schemas.openxmlformats.org/drawingml/2006/main" xmlns:r="http://schemas.openxmlformats.org/officeDocument/2006/relationships" xmlns:p="http://schemas.openxmlformats.org/presentationml/2006/main">
+  <p:cSld>
+    <p:spTree>
+      <p:nvGrpSpPr>
+        <p:cNvPr id="1" name=""/>
+        <p:cNvGrpSpPr/>
+        <p:nvPr/>
+      </p:nvGrpSpPr>
+      <p:grpSpPr>
+        <a:xfrm>
+          <a:off x="0" y="0"/>
+          <a:ext cx="0" cy="0"/>
+          <a:chOff x="0" y="0"/>
+          <a:chExt cx="0" cy="0"/>
+        </a:xfrm>
+      </p:grpSpPr>
+      <p:sp>
+        <p:nvSpPr>
+          <p:cNvPr id="25" name="不完整圆 24"/>
+          <p:cNvSpPr/>
+          <p:nvPr/>
+        </p:nvSpPr>
+        <p:spPr>
+          <a:xfrm>
+            <a:off x="317243" y="254362"/>
+            <a:ext cx="317240" cy="317240"/>
+          </a:xfrm>
+          <a:prstGeom prst="pie">
+            <a:avLst/>
+          </a:prstGeom>
+          <a:ln>
+            <a:noFill/>
+          </a:ln>
+        </p:spPr>
+        <p:style>
+          <a:lnRef idx="2">
+            <a:schemeClr val="accent1">
+              <a:shade val="50000"/>
+            </a:schemeClr>
+          </a:lnRef>
+          <a:fillRef idx="1">
+            <a:schemeClr val="accent1"/>
+          </a:fillRef>
+          <a:effectRef idx="0">
+            <a:schemeClr val="accent1"/>
+          </a:effectRef>
+          <a:fontRef idx="minor">
+            <a:schemeClr val="lt1"/>
+          </a:fontRef>
+        </p:style>
+        <p:txBody>
+          <a:bodyPr rtlCol="0" anchor="ctr"/>
+          <a:lstStyle/>
+          <a:p>
+            <a:pPr algn="ctr"/>
+            <a:endParaRPr lang="zh-CN" altLang="en-US">
+              <a:solidFill>
+                <a:schemeClr val="tx1"/>
+              </a:solidFill>
+            </a:endParaRPr>
+          </a:p>
+        </p:txBody>
+      </p:sp>
+      <p:sp>
+        <p:nvSpPr>
+          <p:cNvPr id="26" name="文本框 25"/>
+          <p:cNvSpPr txBox="1">
+            <a:spLocks noChangeArrowheads="1"/>
+          </p:cNvSpPr>
+          <p:nvPr/>
+        </p:nvSpPr>
+        <p:spPr bwMode="auto">
+          <a:xfrm>
+            <a:off x="657903" y="182150"/>
+            <a:ext cx="1402080" cy="460375"/>
+          </a:xfrm>
+          <a:prstGeom prst="rect">
+            <a:avLst/>
+          </a:prstGeom>
+          <a:noFill/>
+          <a:ln>
+            <a:noFill/>
+          </a:ln>
+          <a:extLst>
+            <a:ext uri="{909E8E84-426E-40DD-AFC4-6F175D3DCCD1}">
+              <a14:hiddenFill xmlns:a14="http://schemas.microsoft.com/office/drawing/2010/main">
+                <a:solidFill>
+                  <a:srgbClr val="FFFFFF"/>
+                </a:solidFill>
+              </a14:hiddenFill>
+            </a:ext>
+            <a:ext uri="{91240B29-F687-4F45-9708-019B960494DF}">
+              <a14:hiddenLine xmlns:a14="http://schemas.microsoft.com/office/drawing/2010/main" w="9525">
+                <a:solidFill>
+                  <a:srgbClr val="000000"/>
+                </a:solidFill>
+                <a:miter lim="800000"/>
+                <a:headEnd/>
+                <a:tailEnd/>
+              </a14:hiddenLine>
+            </a:ext>
+          </a:extLst>
+        </p:spPr>
+        <p:txBody>
+          <a:bodyPr wrap="none">
+            <a:spAutoFit/>
+          </a:bodyPr>
+          <a:lstStyle>
+            <a:lvl1pPr>
+              <a:lnSpc>
+                <a:spcPct val="90000"/>
+              </a:lnSpc>
+              <a:spcBef>
+                <a:spcPts val="1000"/>
+              </a:spcBef>
+              <a:buFont typeface="Arial" panose="020B0604020202020204" pitchFamily="34" charset="0"/>
+              <a:buChar char="•"/>
+              <a:defRPr sz="2800">
+                <a:solidFill>
+                  <a:schemeClr val="tx1"/>
+                </a:solidFill>
+                <a:latin typeface="Calibri" panose="020F0502020204030204" pitchFamily="34" charset="0"/>
+                <a:ea typeface="宋体" panose="02010600030101010101" pitchFamily="2" charset="-122"/>
+              </a:defRPr>
+            </a:lvl1pPr>
+            <a:lvl2pPr marL="742950" indent="-285750">
+              <a:lnSpc>
+                <a:spcPct val="90000"/>
+              </a:lnSpc>
+              <a:spcBef>
+                <a:spcPts val="500"/>
+              </a:spcBef>
+              <a:buFont typeface="Arial" panose="020B0604020202020204" pitchFamily="34" charset="0"/>
+              <a:buChar char="•"/>
+              <a:defRPr sz="2400">
+                <a:solidFill>
+                  <a:schemeClr val="tx1"/>
+                </a:solidFill>
+                <a:latin typeface="Calibri" panose="020F0502020204030204" pitchFamily="34" charset="0"/>
+                <a:ea typeface="宋体" panose="02010600030101010101" pitchFamily="2" charset="-122"/>
+              </a:defRPr>
+            </a:lvl2pPr>
+            <a:lvl3pPr marL="1143000" indent="-228600">
+              <a:lnSpc>
+                <a:spcPct val="90000"/>
+              </a:lnSpc>
+              <a:spcBef>
+                <a:spcPts val="500"/>
+              </a:spcBef>
+              <a:buFont typeface="Arial" panose="020B0604020202020204" pitchFamily="34" charset="0"/>
+              <a:buChar char="•"/>
+              <a:defRPr sz="2000">
+                <a:solidFill>
+                  <a:schemeClr val="tx1"/>
+                </a:solidFill>
+                <a:latin typeface="Calibri" panose="020F0502020204030204" pitchFamily="34" charset="0"/>
+                <a:ea typeface="宋体" panose="02010600030101010101" pitchFamily="2" charset="-122"/>
+              </a:defRPr>
+            </a:lvl3pPr>
+            <a:lvl4pPr marL="1600200" indent="-228600">
+              <a:lnSpc>
+                <a:spcPct val="90000"/>
+              </a:lnSpc>
+              <a:spcBef>
+                <a:spcPts val="500"/>
+              </a:spcBef>
+              <a:buFont typeface="Arial" panose="020B0604020202020204" pitchFamily="34" charset="0"/>
+              <a:buChar char="•"/>
+              <a:defRPr>
+                <a:solidFill>
+                  <a:schemeClr val="tx1"/>
+                </a:solidFill>
+                <a:latin typeface="Calibri" panose="020F0502020204030204" pitchFamily="34" charset="0"/>
+                <a:ea typeface="宋体" panose="02010600030101010101" pitchFamily="2" charset="-122"/>
+              </a:defRPr>
+            </a:lvl4pPr>
+            <a:lvl5pPr marL="2057400" indent="-228600">
+              <a:lnSpc>
+                <a:spcPct val="90000"/>
+              </a:lnSpc>
+              <a:spcBef>
+                <a:spcPts val="500"/>
+              </a:spcBef>
+              <a:buFont typeface="Arial" panose="020B0604020202020204" pitchFamily="34" charset="0"/>
+              <a:buChar char="•"/>
+              <a:defRPr>
+                <a:solidFill>
+                  <a:schemeClr val="tx1"/>
+                </a:solidFill>
+                <a:latin typeface="Calibri" panose="020F0502020204030204" pitchFamily="34" charset="0"/>
+                <a:ea typeface="宋体" panose="02010600030101010101" pitchFamily="2" charset="-122"/>
+              </a:defRPr>
+            </a:lvl5pPr>
+            <a:lvl6pPr marL="2514600" indent="-228600" fontAlgn="base">
+              <a:lnSpc>
+                <a:spcPct val="90000"/>
+              </a:lnSpc>
+              <a:spcBef>
+                <a:spcPts val="500"/>
+              </a:spcBef>
+              <a:spcAft>
+                <a:spcPct val="0"/>
+              </a:spcAft>
+              <a:buFont typeface="Arial" panose="020B0604020202020204" pitchFamily="34" charset="0"/>
+              <a:buChar char="•"/>
+              <a:defRPr>
+                <a:solidFill>
+                  <a:schemeClr val="tx1"/>
+                </a:solidFill>
+                <a:latin typeface="Calibri" panose="020F0502020204030204" pitchFamily="34" charset="0"/>
+                <a:ea typeface="宋体" panose="02010600030101010101" pitchFamily="2" charset="-122"/>
+              </a:defRPr>
+            </a:lvl6pPr>
+            <a:lvl7pPr marL="2971800" indent="-228600" fontAlgn="base">
+              <a:lnSpc>
+                <a:spcPct val="90000"/>
+              </a:lnSpc>
+              <a:spcBef>
+                <a:spcPts val="500"/>
+              </a:spcBef>
+              <a:spcAft>
+                <a:spcPct val="0"/>
+              </a:spcAft>
+              <a:buFont typeface="Arial" panose="020B0604020202020204" pitchFamily="34" charset="0"/>
+              <a:buChar char="•"/>
+              <a:defRPr>
+                <a:solidFill>
+                  <a:schemeClr val="tx1"/>
+                </a:solidFill>
+                <a:latin typeface="Calibri" panose="020F0502020204030204" pitchFamily="34" charset="0"/>
+                <a:ea typeface="宋体" panose="02010600030101010101" pitchFamily="2" charset="-122"/>
+              </a:defRPr>
+            </a:lvl7pPr>
+            <a:lvl8pPr marL="3429000" indent="-228600" fontAlgn="base">
+              <a:lnSpc>
+                <a:spcPct val="90000"/>
+              </a:lnSpc>
+              <a:spcBef>
+                <a:spcPts val="500"/>
+              </a:spcBef>
+              <a:spcAft>
+                <a:spcPct val="0"/>
+              </a:spcAft>
+              <a:buFont typeface="Arial" panose="020B0604020202020204" pitchFamily="34" charset="0"/>
+              <a:buChar char="•"/>
+              <a:defRPr>
+                <a:solidFill>
+                  <a:schemeClr val="tx1"/>
+                </a:solidFill>
+                <a:latin typeface="Calibri" panose="020F0502020204030204" pitchFamily="34" charset="0"/>
+                <a:ea typeface="宋体" panose="02010600030101010101" pitchFamily="2" charset="-122"/>
+              </a:defRPr>
+            </a:lvl8pPr>
+            <a:lvl9pPr marL="3886200" indent="-228600" fontAlgn="base">
+              <a:lnSpc>
+                <a:spcPct val="90000"/>
+              </a:lnSpc>
+              <a:spcBef>
+                <a:spcPts val="500"/>
+              </a:spcBef>
+              <a:spcAft>
+                <a:spcPct val="0"/>
+              </a:spcAft>
+              <a:buFont typeface="Arial" panose="020B0604020202020204" pitchFamily="34" charset="0"/>
+              <a:buChar char="•"/>
+              <a:defRPr>
+                <a:solidFill>
+                  <a:schemeClr val="tx1"/>
+                </a:solidFill>
+                <a:latin typeface="Calibri" panose="020F0502020204030204" pitchFamily="34" charset="0"/>
+                <a:ea typeface="宋体" panose="02010600030101010101" pitchFamily="2" charset="-122"/>
+              </a:defRPr>
+            </a:lvl9pPr>
+          </a:lstStyle>
+          <a:p>
+            <a:pPr algn="l" fontAlgn="base">
+              <a:lnSpc>
+                <a:spcPct val="100000"/>
+              </a:lnSpc>
+              <a:spcBef>
+                <a:spcPct val="0"/>
+              </a:spcBef>
+              <a:spcAft>
+                <a:spcPct val="0"/>
+              </a:spcAft>
+              <a:buFontTx/>
+              <a:buNone/>
+            </a:pPr>
+            <a:r>
+              <a:rPr lang="zh-CN" altLang="en-US" sz="2400" b="1" dirty="0">
+                <a:solidFill>
+                  <a:srgbClr val="000000"/>
+                </a:solidFill>
+                <a:latin typeface="微软雅黑" panose="020B0503020204020204" pitchFamily="34" charset="-122"/>
+                <a:ea typeface="微软雅黑" panose="020B0503020204020204" pitchFamily="34" charset="-122"/>
+                <a:sym typeface="+mn-ea"/>
+              </a:rPr>
+              <a:t>系统实现</a:t>
+            </a:r>
+            <a:endParaRPr lang="zh-CN" altLang="en-US" sz="2400" dirty="0">
+              <a:solidFill>
+                <a:srgbClr val="000000"/>
+              </a:solidFill>
+              <a:latin typeface="微软雅黑" panose="020B0503020204020204" pitchFamily="34" charset="-122"/>
+              <a:ea typeface="微软雅黑" panose="020B0503020204020204" pitchFamily="34" charset="-122"/>
+            </a:endParaRPr>
+          </a:p>
+        </p:txBody>
+      </p:sp>
+      <p:sp>
+        <p:nvSpPr>
+          <p:cNvPr id="29" name="文本框 28"/>
+          <p:cNvSpPr txBox="1"/>
+          <p:nvPr/>
+        </p:nvSpPr>
+        <p:spPr>
+          <a:xfrm>
+            <a:off x="549275" y="857885"/>
+            <a:ext cx="2011680" cy="368300"/>
+          </a:xfrm>
+          <a:prstGeom prst="rect">
+            <a:avLst/>
+          </a:prstGeom>
+          <a:noFill/>
+        </p:spPr>
+        <p:txBody>
+          <a:bodyPr wrap="none" rtlCol="0">
+            <a:spAutoFit/>
+            <a:scene3d>
+              <a:camera prst="orthographicFront"/>
+              <a:lightRig rig="threePt" dir="t"/>
+            </a:scene3d>
+          </a:bodyPr>
+          <a:p>
+            <a:r>
+              <a:rPr lang="zh-CN" altLang="en-US">
+                <a:solidFill>
+                  <a:schemeClr val="accent1"/>
+                </a:solidFill>
+                <a:effectLst>
+                  <a:outerShdw blurRad="38100" dist="25400" dir="5400000" algn="ctr" rotWithShape="0">
+                    <a:srgbClr val="6E747A">
+                      <a:alpha val="43000"/>
+                    </a:srgbClr>
+                  </a:outerShdw>
+                </a:effectLst>
+              </a:rPr>
+              <a:t>系统管理系统界面</a:t>
+            </a:r>
+            <a:endParaRPr lang="zh-CN" altLang="en-US">
+              <a:solidFill>
+                <a:schemeClr val="accent1"/>
+              </a:solidFill>
+              <a:effectLst>
+                <a:outerShdw blurRad="38100" dist="25400" dir="5400000" algn="ctr" rotWithShape="0">
+                  <a:srgbClr val="6E747A">
+                    <a:alpha val="43000"/>
+                  </a:srgbClr>
+                </a:outerShdw>
+              </a:effectLst>
+            </a:endParaRPr>
+          </a:p>
+        </p:txBody>
+      </p:sp>
+      <p:pic>
+        <p:nvPicPr>
+          <p:cNvPr id="2" name="图片 1"/>
+          <p:cNvPicPr>
+            <a:picLocks noChangeAspect="1"/>
+          </p:cNvPicPr>
+          <p:nvPr/>
+        </p:nvPicPr>
+        <p:blipFill>
+          <a:blip r:embed="rId1"/>
+          <a:stretch>
+            <a:fillRect/>
+          </a:stretch>
+        </p:blipFill>
+        <p:spPr>
+          <a:xfrm>
+            <a:off x="437515" y="1375410"/>
+            <a:ext cx="11438255" cy="5391150"/>
+          </a:xfrm>
+          <a:prstGeom prst="rect">
+            <a:avLst/>
+          </a:prstGeom>
+        </p:spPr>
+      </p:pic>
+    </p:spTree>
+  </p:cSld>
+  <p:clrMapOvr>
+    <a:masterClrMapping/>
+  </p:clrMapOvr>
+  <mc:AlternateContent xmlns:mc="http://schemas.openxmlformats.org/markup-compatibility/2006">
+    <mc:Choice xmlns:p14="http://schemas.microsoft.com/office/powerpoint/2010/main" Requires="p14">
+      <p:transition spd="slow" p14:dur="1500">
+        <p:split orient="vert"/>
+      </p:transition>
+    </mc:Choice>
+    <mc:Fallback>
+      <p:transition spd="slow">
+        <p:split orient="vert"/>
+      </p:transition>
+    </mc:Fallback>
+  </mc:AlternateContent>
+</p:sld>
+</file>
+
 <file path=ppt/slides/slide12.xml><?xml version="1.0" encoding="utf-8"?>
 <p:sld xmlns:a="http://schemas.openxmlformats.org/drawingml/2006/main" xmlns:r="http://schemas.openxmlformats.org/officeDocument/2006/relationships" xmlns:p="http://schemas.openxmlformats.org/presentationml/2006/main">
   <p:cSld>
@@ -6487,7 +4781,7 @@
                   </a:outerShdw>
                 </a:effectLst>
               </a:rPr>
-              <a:t>系统管理系统界面</a:t>
+              <a:t>系统收银系统界面</a:t>
             </a:r>
             <a:endParaRPr lang="zh-CN" altLang="en-US">
               <a:solidFill>
@@ -6506,7 +4800,7 @@
       </p:sp>
       <p:pic>
         <p:nvPicPr>
-          <p:cNvPr id="2" name="图片 1"/>
+          <p:cNvPr id="3" name="图片 2"/>
           <p:cNvPicPr>
             <a:picLocks noChangeAspect="1"/>
           </p:cNvPicPr>
@@ -6520,8 +4814,8 @@
         </p:blipFill>
         <p:spPr>
           <a:xfrm>
-            <a:off x="437515" y="1375410"/>
-            <a:ext cx="11438255" cy="5391150"/>
+            <a:off x="549275" y="1367790"/>
+            <a:ext cx="11272520" cy="5313045"/>
           </a:xfrm>
           <a:prstGeom prst="rect">
             <a:avLst/>
@@ -6866,8 +5160,8 @@
         </p:nvSpPr>
         <p:spPr>
           <a:xfrm>
-            <a:off x="549275" y="857885"/>
-            <a:ext cx="2011680" cy="368300"/>
+            <a:off x="434975" y="858520"/>
+            <a:ext cx="1554480" cy="368300"/>
           </a:xfrm>
           <a:prstGeom prst="rect">
             <a:avLst/>
@@ -6896,7 +5190,7 @@
                   </a:outerShdw>
                 </a:effectLst>
               </a:rPr>
-              <a:t>系统收银系统界面</a:t>
+              <a:t>销售记录界面</a:t>
             </a:r>
             <a:endParaRPr lang="zh-CN" altLang="en-US">
               <a:solidFill>
@@ -6929,8 +5223,8 @@
         </p:blipFill>
         <p:spPr>
           <a:xfrm>
-            <a:off x="549275" y="1367790"/>
-            <a:ext cx="11272520" cy="5313045"/>
+            <a:off x="434975" y="1423670"/>
+            <a:ext cx="11677015" cy="4624070"/>
           </a:xfrm>
           <a:prstGeom prst="rect">
             <a:avLst/>
@@ -7328,415 +5622,6 @@
           <p:cNvPicPr>
             <a:picLocks noChangeAspect="1"/>
           </p:cNvPicPr>
-          <p:nvPr/>
-        </p:nvPicPr>
-        <p:blipFill>
-          <a:blip r:embed="rId1"/>
-          <a:stretch>
-            <a:fillRect/>
-          </a:stretch>
-        </p:blipFill>
-        <p:spPr>
-          <a:xfrm>
-            <a:off x="434975" y="1423670"/>
-            <a:ext cx="11677015" cy="4624070"/>
-          </a:xfrm>
-          <a:prstGeom prst="rect">
-            <a:avLst/>
-          </a:prstGeom>
-        </p:spPr>
-      </p:pic>
-    </p:spTree>
-  </p:cSld>
-  <p:clrMapOvr>
-    <a:masterClrMapping/>
-  </p:clrMapOvr>
-  <mc:AlternateContent xmlns:mc="http://schemas.openxmlformats.org/markup-compatibility/2006">
-    <mc:Choice xmlns:p14="http://schemas.microsoft.com/office/powerpoint/2010/main" Requires="p14">
-      <p:transition spd="slow" p14:dur="1500">
-        <p:split orient="vert"/>
-      </p:transition>
-    </mc:Choice>
-    <mc:Fallback>
-      <p:transition spd="slow">
-        <p:split orient="vert"/>
-      </p:transition>
-    </mc:Fallback>
-  </mc:AlternateContent>
-</p:sld>
-</file>
-
-<file path=ppt/slides/slide15.xml><?xml version="1.0" encoding="utf-8"?>
-<p:sld xmlns:a="http://schemas.openxmlformats.org/drawingml/2006/main" xmlns:r="http://schemas.openxmlformats.org/officeDocument/2006/relationships" xmlns:p="http://schemas.openxmlformats.org/presentationml/2006/main">
-  <p:cSld>
-    <p:spTree>
-      <p:nvGrpSpPr>
-        <p:cNvPr id="1" name=""/>
-        <p:cNvGrpSpPr/>
-        <p:nvPr/>
-      </p:nvGrpSpPr>
-      <p:grpSpPr>
-        <a:xfrm>
-          <a:off x="0" y="0"/>
-          <a:ext cx="0" cy="0"/>
-          <a:chOff x="0" y="0"/>
-          <a:chExt cx="0" cy="0"/>
-        </a:xfrm>
-      </p:grpSpPr>
-      <p:sp>
-        <p:nvSpPr>
-          <p:cNvPr id="25" name="不完整圆 24"/>
-          <p:cNvSpPr/>
-          <p:nvPr/>
-        </p:nvSpPr>
-        <p:spPr>
-          <a:xfrm>
-            <a:off x="317243" y="254362"/>
-            <a:ext cx="317240" cy="317240"/>
-          </a:xfrm>
-          <a:prstGeom prst="pie">
-            <a:avLst/>
-          </a:prstGeom>
-          <a:ln>
-            <a:noFill/>
-          </a:ln>
-        </p:spPr>
-        <p:style>
-          <a:lnRef idx="2">
-            <a:schemeClr val="accent1">
-              <a:shade val="50000"/>
-            </a:schemeClr>
-          </a:lnRef>
-          <a:fillRef idx="1">
-            <a:schemeClr val="accent1"/>
-          </a:fillRef>
-          <a:effectRef idx="0">
-            <a:schemeClr val="accent1"/>
-          </a:effectRef>
-          <a:fontRef idx="minor">
-            <a:schemeClr val="lt1"/>
-          </a:fontRef>
-        </p:style>
-        <p:txBody>
-          <a:bodyPr rtlCol="0" anchor="ctr"/>
-          <a:lstStyle/>
-          <a:p>
-            <a:pPr algn="ctr"/>
-            <a:endParaRPr lang="zh-CN" altLang="en-US">
-              <a:solidFill>
-                <a:schemeClr val="tx1"/>
-              </a:solidFill>
-            </a:endParaRPr>
-          </a:p>
-        </p:txBody>
-      </p:sp>
-      <p:sp>
-        <p:nvSpPr>
-          <p:cNvPr id="26" name="文本框 25"/>
-          <p:cNvSpPr txBox="1">
-            <a:spLocks noChangeArrowheads="1"/>
-          </p:cNvSpPr>
-          <p:nvPr/>
-        </p:nvSpPr>
-        <p:spPr bwMode="auto">
-          <a:xfrm>
-            <a:off x="657903" y="182150"/>
-            <a:ext cx="1402080" cy="460375"/>
-          </a:xfrm>
-          <a:prstGeom prst="rect">
-            <a:avLst/>
-          </a:prstGeom>
-          <a:noFill/>
-          <a:ln>
-            <a:noFill/>
-          </a:ln>
-          <a:extLst>
-            <a:ext uri="{909E8E84-426E-40DD-AFC4-6F175D3DCCD1}">
-              <a14:hiddenFill xmlns:a14="http://schemas.microsoft.com/office/drawing/2010/main">
-                <a:solidFill>
-                  <a:srgbClr val="FFFFFF"/>
-                </a:solidFill>
-              </a14:hiddenFill>
-            </a:ext>
-            <a:ext uri="{91240B29-F687-4F45-9708-019B960494DF}">
-              <a14:hiddenLine xmlns:a14="http://schemas.microsoft.com/office/drawing/2010/main" w="9525">
-                <a:solidFill>
-                  <a:srgbClr val="000000"/>
-                </a:solidFill>
-                <a:miter lim="800000"/>
-                <a:headEnd/>
-                <a:tailEnd/>
-              </a14:hiddenLine>
-            </a:ext>
-          </a:extLst>
-        </p:spPr>
-        <p:txBody>
-          <a:bodyPr wrap="none">
-            <a:spAutoFit/>
-          </a:bodyPr>
-          <a:lstStyle>
-            <a:lvl1pPr>
-              <a:lnSpc>
-                <a:spcPct val="90000"/>
-              </a:lnSpc>
-              <a:spcBef>
-                <a:spcPts val="1000"/>
-              </a:spcBef>
-              <a:buFont typeface="Arial" panose="020B0604020202020204" pitchFamily="34" charset="0"/>
-              <a:buChar char="•"/>
-              <a:defRPr sz="2800">
-                <a:solidFill>
-                  <a:schemeClr val="tx1"/>
-                </a:solidFill>
-                <a:latin typeface="Calibri" panose="020F0502020204030204" pitchFamily="34" charset="0"/>
-                <a:ea typeface="宋体" panose="02010600030101010101" pitchFamily="2" charset="-122"/>
-              </a:defRPr>
-            </a:lvl1pPr>
-            <a:lvl2pPr marL="742950" indent="-285750">
-              <a:lnSpc>
-                <a:spcPct val="90000"/>
-              </a:lnSpc>
-              <a:spcBef>
-                <a:spcPts val="500"/>
-              </a:spcBef>
-              <a:buFont typeface="Arial" panose="020B0604020202020204" pitchFamily="34" charset="0"/>
-              <a:buChar char="•"/>
-              <a:defRPr sz="2400">
-                <a:solidFill>
-                  <a:schemeClr val="tx1"/>
-                </a:solidFill>
-                <a:latin typeface="Calibri" panose="020F0502020204030204" pitchFamily="34" charset="0"/>
-                <a:ea typeface="宋体" panose="02010600030101010101" pitchFamily="2" charset="-122"/>
-              </a:defRPr>
-            </a:lvl2pPr>
-            <a:lvl3pPr marL="1143000" indent="-228600">
-              <a:lnSpc>
-                <a:spcPct val="90000"/>
-              </a:lnSpc>
-              <a:spcBef>
-                <a:spcPts val="500"/>
-              </a:spcBef>
-              <a:buFont typeface="Arial" panose="020B0604020202020204" pitchFamily="34" charset="0"/>
-              <a:buChar char="•"/>
-              <a:defRPr sz="2000">
-                <a:solidFill>
-                  <a:schemeClr val="tx1"/>
-                </a:solidFill>
-                <a:latin typeface="Calibri" panose="020F0502020204030204" pitchFamily="34" charset="0"/>
-                <a:ea typeface="宋体" panose="02010600030101010101" pitchFamily="2" charset="-122"/>
-              </a:defRPr>
-            </a:lvl3pPr>
-            <a:lvl4pPr marL="1600200" indent="-228600">
-              <a:lnSpc>
-                <a:spcPct val="90000"/>
-              </a:lnSpc>
-              <a:spcBef>
-                <a:spcPts val="500"/>
-              </a:spcBef>
-              <a:buFont typeface="Arial" panose="020B0604020202020204" pitchFamily="34" charset="0"/>
-              <a:buChar char="•"/>
-              <a:defRPr>
-                <a:solidFill>
-                  <a:schemeClr val="tx1"/>
-                </a:solidFill>
-                <a:latin typeface="Calibri" panose="020F0502020204030204" pitchFamily="34" charset="0"/>
-                <a:ea typeface="宋体" panose="02010600030101010101" pitchFamily="2" charset="-122"/>
-              </a:defRPr>
-            </a:lvl4pPr>
-            <a:lvl5pPr marL="2057400" indent="-228600">
-              <a:lnSpc>
-                <a:spcPct val="90000"/>
-              </a:lnSpc>
-              <a:spcBef>
-                <a:spcPts val="500"/>
-              </a:spcBef>
-              <a:buFont typeface="Arial" panose="020B0604020202020204" pitchFamily="34" charset="0"/>
-              <a:buChar char="•"/>
-              <a:defRPr>
-                <a:solidFill>
-                  <a:schemeClr val="tx1"/>
-                </a:solidFill>
-                <a:latin typeface="Calibri" panose="020F0502020204030204" pitchFamily="34" charset="0"/>
-                <a:ea typeface="宋体" panose="02010600030101010101" pitchFamily="2" charset="-122"/>
-              </a:defRPr>
-            </a:lvl5pPr>
-            <a:lvl6pPr marL="2514600" indent="-228600" fontAlgn="base">
-              <a:lnSpc>
-                <a:spcPct val="90000"/>
-              </a:lnSpc>
-              <a:spcBef>
-                <a:spcPts val="500"/>
-              </a:spcBef>
-              <a:spcAft>
-                <a:spcPct val="0"/>
-              </a:spcAft>
-              <a:buFont typeface="Arial" panose="020B0604020202020204" pitchFamily="34" charset="0"/>
-              <a:buChar char="•"/>
-              <a:defRPr>
-                <a:solidFill>
-                  <a:schemeClr val="tx1"/>
-                </a:solidFill>
-                <a:latin typeface="Calibri" panose="020F0502020204030204" pitchFamily="34" charset="0"/>
-                <a:ea typeface="宋体" panose="02010600030101010101" pitchFamily="2" charset="-122"/>
-              </a:defRPr>
-            </a:lvl6pPr>
-            <a:lvl7pPr marL="2971800" indent="-228600" fontAlgn="base">
-              <a:lnSpc>
-                <a:spcPct val="90000"/>
-              </a:lnSpc>
-              <a:spcBef>
-                <a:spcPts val="500"/>
-              </a:spcBef>
-              <a:spcAft>
-                <a:spcPct val="0"/>
-              </a:spcAft>
-              <a:buFont typeface="Arial" panose="020B0604020202020204" pitchFamily="34" charset="0"/>
-              <a:buChar char="•"/>
-              <a:defRPr>
-                <a:solidFill>
-                  <a:schemeClr val="tx1"/>
-                </a:solidFill>
-                <a:latin typeface="Calibri" panose="020F0502020204030204" pitchFamily="34" charset="0"/>
-                <a:ea typeface="宋体" panose="02010600030101010101" pitchFamily="2" charset="-122"/>
-              </a:defRPr>
-            </a:lvl7pPr>
-            <a:lvl8pPr marL="3429000" indent="-228600" fontAlgn="base">
-              <a:lnSpc>
-                <a:spcPct val="90000"/>
-              </a:lnSpc>
-              <a:spcBef>
-                <a:spcPts val="500"/>
-              </a:spcBef>
-              <a:spcAft>
-                <a:spcPct val="0"/>
-              </a:spcAft>
-              <a:buFont typeface="Arial" panose="020B0604020202020204" pitchFamily="34" charset="0"/>
-              <a:buChar char="•"/>
-              <a:defRPr>
-                <a:solidFill>
-                  <a:schemeClr val="tx1"/>
-                </a:solidFill>
-                <a:latin typeface="Calibri" panose="020F0502020204030204" pitchFamily="34" charset="0"/>
-                <a:ea typeface="宋体" panose="02010600030101010101" pitchFamily="2" charset="-122"/>
-              </a:defRPr>
-            </a:lvl8pPr>
-            <a:lvl9pPr marL="3886200" indent="-228600" fontAlgn="base">
-              <a:lnSpc>
-                <a:spcPct val="90000"/>
-              </a:lnSpc>
-              <a:spcBef>
-                <a:spcPts val="500"/>
-              </a:spcBef>
-              <a:spcAft>
-                <a:spcPct val="0"/>
-              </a:spcAft>
-              <a:buFont typeface="Arial" panose="020B0604020202020204" pitchFamily="34" charset="0"/>
-              <a:buChar char="•"/>
-              <a:defRPr>
-                <a:solidFill>
-                  <a:schemeClr val="tx1"/>
-                </a:solidFill>
-                <a:latin typeface="Calibri" panose="020F0502020204030204" pitchFamily="34" charset="0"/>
-                <a:ea typeface="宋体" panose="02010600030101010101" pitchFamily="2" charset="-122"/>
-              </a:defRPr>
-            </a:lvl9pPr>
-          </a:lstStyle>
-          <a:p>
-            <a:pPr algn="l" fontAlgn="base">
-              <a:lnSpc>
-                <a:spcPct val="100000"/>
-              </a:lnSpc>
-              <a:spcBef>
-                <a:spcPct val="0"/>
-              </a:spcBef>
-              <a:spcAft>
-                <a:spcPct val="0"/>
-              </a:spcAft>
-              <a:buFontTx/>
-              <a:buNone/>
-            </a:pPr>
-            <a:r>
-              <a:rPr lang="zh-CN" altLang="en-US" sz="2400" b="1" dirty="0">
-                <a:solidFill>
-                  <a:srgbClr val="000000"/>
-                </a:solidFill>
-                <a:latin typeface="微软雅黑" panose="020B0503020204020204" pitchFamily="34" charset="-122"/>
-                <a:ea typeface="微软雅黑" panose="020B0503020204020204" pitchFamily="34" charset="-122"/>
-                <a:sym typeface="+mn-ea"/>
-              </a:rPr>
-              <a:t>系统实现</a:t>
-            </a:r>
-            <a:endParaRPr lang="zh-CN" altLang="en-US" sz="2400" dirty="0">
-              <a:solidFill>
-                <a:srgbClr val="000000"/>
-              </a:solidFill>
-              <a:latin typeface="微软雅黑" panose="020B0503020204020204" pitchFamily="34" charset="-122"/>
-              <a:ea typeface="微软雅黑" panose="020B0503020204020204" pitchFamily="34" charset="-122"/>
-            </a:endParaRPr>
-          </a:p>
-        </p:txBody>
-      </p:sp>
-      <p:sp>
-        <p:nvSpPr>
-          <p:cNvPr id="29" name="文本框 28"/>
-          <p:cNvSpPr txBox="1"/>
-          <p:nvPr/>
-        </p:nvSpPr>
-        <p:spPr>
-          <a:xfrm>
-            <a:off x="434975" y="858520"/>
-            <a:ext cx="1554480" cy="368300"/>
-          </a:xfrm>
-          <a:prstGeom prst="rect">
-            <a:avLst/>
-          </a:prstGeom>
-          <a:noFill/>
-        </p:spPr>
-        <p:txBody>
-          <a:bodyPr wrap="none" rtlCol="0">
-            <a:spAutoFit/>
-            <a:scene3d>
-              <a:camera prst="orthographicFront"/>
-              <a:lightRig rig="threePt" dir="t"/>
-            </a:scene3d>
-          </a:bodyPr>
-          <a:p>
-            <a:r>
-              <a:rPr lang="zh-CN" altLang="en-US">
-                <a:solidFill>
-                  <a:schemeClr val="accent1"/>
-                </a:solidFill>
-                <a:effectLst>
-                  <a:outerShdw blurRad="38100" dist="25400" dir="5400000" algn="ctr" rotWithShape="0">
-                    <a:srgbClr val="6E747A">
-                      <a:alpha val="43000"/>
-                    </a:srgbClr>
-                  </a:outerShdw>
-                </a:effectLst>
-              </a:rPr>
-              <a:t>销售记录界面</a:t>
-            </a:r>
-            <a:endParaRPr lang="zh-CN" altLang="en-US">
-              <a:solidFill>
-                <a:schemeClr val="accent1"/>
-              </a:solidFill>
-              <a:effectLst>
-                <a:outerShdw blurRad="38100" dist="25400" dir="5400000" algn="ctr" rotWithShape="0">
-                  <a:srgbClr val="6E747A">
-                    <a:alpha val="43000"/>
-                  </a:srgbClr>
-                </a:outerShdw>
-              </a:effectLst>
-            </a:endParaRPr>
-          </a:p>
-        </p:txBody>
-      </p:sp>
-      <p:pic>
-        <p:nvPicPr>
-          <p:cNvPr id="3" name="图片 2"/>
-          <p:cNvPicPr>
-            <a:picLocks noChangeAspect="1"/>
-          </p:cNvPicPr>
           <p:nvPr>
             <p:custDataLst>
               <p:tags r:id="rId1"/>
@@ -7779,7 +5664,7 @@
 </p:sld>
 </file>
 
-<file path=ppt/slides/slide16.xml><?xml version="1.0" encoding="utf-8"?>
+<file path=ppt/slides/slide15.xml><?xml version="1.0" encoding="utf-8"?>
 <p:sld xmlns:a="http://schemas.openxmlformats.org/drawingml/2006/main" xmlns:r="http://schemas.openxmlformats.org/officeDocument/2006/relationships" xmlns:p="http://schemas.openxmlformats.org/presentationml/2006/main">
   <p:cSld>
     <p:spTree>
@@ -8464,7 +6349,7 @@
         <p:spPr>
           <a:xfrm>
             <a:off x="2303876" y="2098131"/>
-            <a:ext cx="7584249" cy="1446550"/>
+            <a:ext cx="7584249" cy="1445260"/>
           </a:xfrm>
           <a:prstGeom prst="rect">
             <a:avLst/>
@@ -8483,7 +6368,7 @@
                 <a:latin typeface="微软雅黑" panose="020B0503020204020204" pitchFamily="34" charset="-122"/>
                 <a:ea typeface="微软雅黑" panose="020B0503020204020204" pitchFamily="34" charset="-122"/>
               </a:rPr>
-              <a:t>感谢您的聆听</a:t>
+              <a:t>感谢大家聆听</a:t>
             </a:r>
             <a:endParaRPr lang="zh-CN" altLang="en-US" sz="8800" b="1" dirty="0">
               <a:latin typeface="微软雅黑" panose="020B0503020204020204" pitchFamily="34" charset="-122"/>
@@ -9319,7 +7204,7 @@
         <p:spPr bwMode="auto">
           <a:xfrm>
             <a:off x="5461578" y="1913644"/>
-            <a:ext cx="3057247" cy="584775"/>
+            <a:ext cx="1808480" cy="583565"/>
           </a:xfrm>
           <a:prstGeom prst="rect">
             <a:avLst/>
@@ -9541,7 +7426,7 @@
                 <a:latin typeface="微软雅黑" panose="020B0503020204020204" pitchFamily="34" charset="-122"/>
                 <a:ea typeface="微软雅黑" panose="020B0503020204020204" pitchFamily="34" charset="-122"/>
               </a:rPr>
-              <a:t>研究思路与方法</a:t>
+              <a:t>研究思路</a:t>
             </a:r>
             <a:endParaRPr lang="zh-CN" altLang="en-US" sz="3200" dirty="0">
               <a:solidFill>
@@ -12629,3194 +10514,6 @@
 <file path=ppt/slides/slide5.xml><?xml version="1.0" encoding="utf-8"?>
 <p:sld xmlns:a="http://schemas.openxmlformats.org/drawingml/2006/main" xmlns:r="http://schemas.openxmlformats.org/officeDocument/2006/relationships" xmlns:p="http://schemas.openxmlformats.org/presentationml/2006/main">
   <p:cSld>
-    <p:bg>
-      <p:bgPr>
-        <a:blipFill>
-          <a:blip r:embed="rId1"/>
-          <a:stretch>
-            <a:fillRect/>
-          </a:stretch>
-        </a:blipFill>
-        <a:effectLst/>
-      </p:bgPr>
-    </p:bg>
-    <p:spTree>
-      <p:nvGrpSpPr>
-        <p:cNvPr id="1" name=""/>
-        <p:cNvGrpSpPr/>
-        <p:nvPr/>
-      </p:nvGrpSpPr>
-      <p:grpSpPr>
-        <a:xfrm>
-          <a:off x="0" y="0"/>
-          <a:ext cx="0" cy="0"/>
-          <a:chOff x="0" y="0"/>
-          <a:chExt cx="0" cy="0"/>
-        </a:xfrm>
-      </p:grpSpPr>
-      <p:sp>
-        <p:nvSpPr>
-          <p:cNvPr id="25" name="不完整圆 24"/>
-          <p:cNvSpPr/>
-          <p:nvPr/>
-        </p:nvSpPr>
-        <p:spPr>
-          <a:xfrm>
-            <a:off x="317243" y="254362"/>
-            <a:ext cx="317240" cy="317240"/>
-          </a:xfrm>
-          <a:prstGeom prst="pie">
-            <a:avLst/>
-          </a:prstGeom>
-          <a:ln>
-            <a:noFill/>
-          </a:ln>
-        </p:spPr>
-        <p:style>
-          <a:lnRef idx="2">
-            <a:schemeClr val="accent1">
-              <a:shade val="50000"/>
-            </a:schemeClr>
-          </a:lnRef>
-          <a:fillRef idx="1">
-            <a:schemeClr val="accent1"/>
-          </a:fillRef>
-          <a:effectRef idx="0">
-            <a:schemeClr val="accent1"/>
-          </a:effectRef>
-          <a:fontRef idx="minor">
-            <a:schemeClr val="lt1"/>
-          </a:fontRef>
-        </p:style>
-        <p:txBody>
-          <a:bodyPr rtlCol="0" anchor="ctr"/>
-          <a:lstStyle/>
-          <a:p>
-            <a:pPr algn="ctr"/>
-            <a:endParaRPr lang="zh-CN" altLang="en-US">
-              <a:solidFill>
-                <a:schemeClr val="tx1"/>
-              </a:solidFill>
-            </a:endParaRPr>
-          </a:p>
-        </p:txBody>
-      </p:sp>
-      <p:sp>
-        <p:nvSpPr>
-          <p:cNvPr id="26" name="文本框 25"/>
-          <p:cNvSpPr txBox="1">
-            <a:spLocks noChangeArrowheads="1"/>
-          </p:cNvSpPr>
-          <p:nvPr/>
-        </p:nvSpPr>
-        <p:spPr bwMode="auto">
-          <a:xfrm>
-            <a:off x="657903" y="182150"/>
-            <a:ext cx="2339102" cy="461665"/>
-          </a:xfrm>
-          <a:prstGeom prst="rect">
-            <a:avLst/>
-          </a:prstGeom>
-          <a:noFill/>
-          <a:ln>
-            <a:noFill/>
-          </a:ln>
-          <a:extLst>
-            <a:ext uri="{909E8E84-426E-40DD-AFC4-6F175D3DCCD1}">
-              <a14:hiddenFill xmlns:a14="http://schemas.microsoft.com/office/drawing/2010/main">
-                <a:solidFill>
-                  <a:srgbClr val="FFFFFF"/>
-                </a:solidFill>
-              </a14:hiddenFill>
-            </a:ext>
-            <a:ext uri="{91240B29-F687-4F45-9708-019B960494DF}">
-              <a14:hiddenLine xmlns:a14="http://schemas.microsoft.com/office/drawing/2010/main" w="9525">
-                <a:solidFill>
-                  <a:srgbClr val="000000"/>
-                </a:solidFill>
-                <a:miter lim="800000"/>
-                <a:headEnd/>
-                <a:tailEnd/>
-              </a14:hiddenLine>
-            </a:ext>
-          </a:extLst>
-        </p:spPr>
-        <p:txBody>
-          <a:bodyPr wrap="none">
-            <a:spAutoFit/>
-          </a:bodyPr>
-          <a:lstStyle>
-            <a:lvl1pPr>
-              <a:lnSpc>
-                <a:spcPct val="90000"/>
-              </a:lnSpc>
-              <a:spcBef>
-                <a:spcPts val="1000"/>
-              </a:spcBef>
-              <a:buFont typeface="Arial" panose="020B0604020202020204" pitchFamily="34" charset="0"/>
-              <a:buChar char="•"/>
-              <a:defRPr sz="2800">
-                <a:solidFill>
-                  <a:schemeClr val="tx1"/>
-                </a:solidFill>
-                <a:latin typeface="Calibri" panose="020F0502020204030204" pitchFamily="34" charset="0"/>
-                <a:ea typeface="宋体" panose="02010600030101010101" pitchFamily="2" charset="-122"/>
-              </a:defRPr>
-            </a:lvl1pPr>
-            <a:lvl2pPr marL="742950" indent="-285750">
-              <a:lnSpc>
-                <a:spcPct val="90000"/>
-              </a:lnSpc>
-              <a:spcBef>
-                <a:spcPts val="500"/>
-              </a:spcBef>
-              <a:buFont typeface="Arial" panose="020B0604020202020204" pitchFamily="34" charset="0"/>
-              <a:buChar char="•"/>
-              <a:defRPr sz="2400">
-                <a:solidFill>
-                  <a:schemeClr val="tx1"/>
-                </a:solidFill>
-                <a:latin typeface="Calibri" panose="020F0502020204030204" pitchFamily="34" charset="0"/>
-                <a:ea typeface="宋体" panose="02010600030101010101" pitchFamily="2" charset="-122"/>
-              </a:defRPr>
-            </a:lvl2pPr>
-            <a:lvl3pPr marL="1143000" indent="-228600">
-              <a:lnSpc>
-                <a:spcPct val="90000"/>
-              </a:lnSpc>
-              <a:spcBef>
-                <a:spcPts val="500"/>
-              </a:spcBef>
-              <a:buFont typeface="Arial" panose="020B0604020202020204" pitchFamily="34" charset="0"/>
-              <a:buChar char="•"/>
-              <a:defRPr sz="2000">
-                <a:solidFill>
-                  <a:schemeClr val="tx1"/>
-                </a:solidFill>
-                <a:latin typeface="Calibri" panose="020F0502020204030204" pitchFamily="34" charset="0"/>
-                <a:ea typeface="宋体" panose="02010600030101010101" pitchFamily="2" charset="-122"/>
-              </a:defRPr>
-            </a:lvl3pPr>
-            <a:lvl4pPr marL="1600200" indent="-228600">
-              <a:lnSpc>
-                <a:spcPct val="90000"/>
-              </a:lnSpc>
-              <a:spcBef>
-                <a:spcPts val="500"/>
-              </a:spcBef>
-              <a:buFont typeface="Arial" panose="020B0604020202020204" pitchFamily="34" charset="0"/>
-              <a:buChar char="•"/>
-              <a:defRPr>
-                <a:solidFill>
-                  <a:schemeClr val="tx1"/>
-                </a:solidFill>
-                <a:latin typeface="Calibri" panose="020F0502020204030204" pitchFamily="34" charset="0"/>
-                <a:ea typeface="宋体" panose="02010600030101010101" pitchFamily="2" charset="-122"/>
-              </a:defRPr>
-            </a:lvl4pPr>
-            <a:lvl5pPr marL="2057400" indent="-228600">
-              <a:lnSpc>
-                <a:spcPct val="90000"/>
-              </a:lnSpc>
-              <a:spcBef>
-                <a:spcPts val="500"/>
-              </a:spcBef>
-              <a:buFont typeface="Arial" panose="020B0604020202020204" pitchFamily="34" charset="0"/>
-              <a:buChar char="•"/>
-              <a:defRPr>
-                <a:solidFill>
-                  <a:schemeClr val="tx1"/>
-                </a:solidFill>
-                <a:latin typeface="Calibri" panose="020F0502020204030204" pitchFamily="34" charset="0"/>
-                <a:ea typeface="宋体" panose="02010600030101010101" pitchFamily="2" charset="-122"/>
-              </a:defRPr>
-            </a:lvl5pPr>
-            <a:lvl6pPr marL="2514600" indent="-228600" fontAlgn="base">
-              <a:lnSpc>
-                <a:spcPct val="90000"/>
-              </a:lnSpc>
-              <a:spcBef>
-                <a:spcPts val="500"/>
-              </a:spcBef>
-              <a:spcAft>
-                <a:spcPct val="0"/>
-              </a:spcAft>
-              <a:buFont typeface="Arial" panose="020B0604020202020204" pitchFamily="34" charset="0"/>
-              <a:buChar char="•"/>
-              <a:defRPr>
-                <a:solidFill>
-                  <a:schemeClr val="tx1"/>
-                </a:solidFill>
-                <a:latin typeface="Calibri" panose="020F0502020204030204" pitchFamily="34" charset="0"/>
-                <a:ea typeface="宋体" panose="02010600030101010101" pitchFamily="2" charset="-122"/>
-              </a:defRPr>
-            </a:lvl6pPr>
-            <a:lvl7pPr marL="2971800" indent="-228600" fontAlgn="base">
-              <a:lnSpc>
-                <a:spcPct val="90000"/>
-              </a:lnSpc>
-              <a:spcBef>
-                <a:spcPts val="500"/>
-              </a:spcBef>
-              <a:spcAft>
-                <a:spcPct val="0"/>
-              </a:spcAft>
-              <a:buFont typeface="Arial" panose="020B0604020202020204" pitchFamily="34" charset="0"/>
-              <a:buChar char="•"/>
-              <a:defRPr>
-                <a:solidFill>
-                  <a:schemeClr val="tx1"/>
-                </a:solidFill>
-                <a:latin typeface="Calibri" panose="020F0502020204030204" pitchFamily="34" charset="0"/>
-                <a:ea typeface="宋体" panose="02010600030101010101" pitchFamily="2" charset="-122"/>
-              </a:defRPr>
-            </a:lvl7pPr>
-            <a:lvl8pPr marL="3429000" indent="-228600" fontAlgn="base">
-              <a:lnSpc>
-                <a:spcPct val="90000"/>
-              </a:lnSpc>
-              <a:spcBef>
-                <a:spcPts val="500"/>
-              </a:spcBef>
-              <a:spcAft>
-                <a:spcPct val="0"/>
-              </a:spcAft>
-              <a:buFont typeface="Arial" panose="020B0604020202020204" pitchFamily="34" charset="0"/>
-              <a:buChar char="•"/>
-              <a:defRPr>
-                <a:solidFill>
-                  <a:schemeClr val="tx1"/>
-                </a:solidFill>
-                <a:latin typeface="Calibri" panose="020F0502020204030204" pitchFamily="34" charset="0"/>
-                <a:ea typeface="宋体" panose="02010600030101010101" pitchFamily="2" charset="-122"/>
-              </a:defRPr>
-            </a:lvl8pPr>
-            <a:lvl9pPr marL="3886200" indent="-228600" fontAlgn="base">
-              <a:lnSpc>
-                <a:spcPct val="90000"/>
-              </a:lnSpc>
-              <a:spcBef>
-                <a:spcPts val="500"/>
-              </a:spcBef>
-              <a:spcAft>
-                <a:spcPct val="0"/>
-              </a:spcAft>
-              <a:buFont typeface="Arial" panose="020B0604020202020204" pitchFamily="34" charset="0"/>
-              <a:buChar char="•"/>
-              <a:defRPr>
-                <a:solidFill>
-                  <a:schemeClr val="tx1"/>
-                </a:solidFill>
-                <a:latin typeface="Calibri" panose="020F0502020204030204" pitchFamily="34" charset="0"/>
-                <a:ea typeface="宋体" panose="02010600030101010101" pitchFamily="2" charset="-122"/>
-              </a:defRPr>
-            </a:lvl9pPr>
-          </a:lstStyle>
-          <a:p>
-            <a:pPr fontAlgn="base">
-              <a:lnSpc>
-                <a:spcPct val="100000"/>
-              </a:lnSpc>
-              <a:spcBef>
-                <a:spcPct val="0"/>
-              </a:spcBef>
-              <a:spcAft>
-                <a:spcPct val="0"/>
-              </a:spcAft>
-              <a:buFontTx/>
-              <a:buNone/>
-            </a:pPr>
-            <a:r>
-              <a:rPr lang="zh-CN" altLang="en-US" sz="2400">
-                <a:solidFill>
-                  <a:srgbClr val="000000"/>
-                </a:solidFill>
-                <a:latin typeface="微软雅黑" panose="020B0503020204020204" pitchFamily="34" charset="-122"/>
-                <a:ea typeface="微软雅黑" panose="020B0503020204020204" pitchFamily="34" charset="-122"/>
-              </a:rPr>
-              <a:t>研究思路与方法</a:t>
-            </a:r>
-            <a:endParaRPr lang="zh-CN" altLang="en-US" sz="2400" dirty="0">
-              <a:solidFill>
-                <a:srgbClr val="000000"/>
-              </a:solidFill>
-              <a:latin typeface="微软雅黑" panose="020B0503020204020204" pitchFamily="34" charset="-122"/>
-              <a:ea typeface="微软雅黑" panose="020B0503020204020204" pitchFamily="34" charset="-122"/>
-            </a:endParaRPr>
-          </a:p>
-        </p:txBody>
-      </p:sp>
-      <p:sp>
-        <p:nvSpPr>
-          <p:cNvPr id="27" name="文本框 26"/>
-          <p:cNvSpPr txBox="1"/>
-          <p:nvPr/>
-        </p:nvSpPr>
-        <p:spPr>
-          <a:xfrm>
-            <a:off x="1014095" y="754380"/>
-            <a:ext cx="1228090" cy="398780"/>
-          </a:xfrm>
-          <a:prstGeom prst="rect">
-            <a:avLst/>
-          </a:prstGeom>
-          <a:noFill/>
-        </p:spPr>
-        <p:txBody>
-          <a:bodyPr wrap="square" rtlCol="0">
-            <a:spAutoFit/>
-          </a:bodyPr>
-          <a:p>
-            <a:r>
-              <a:rPr lang="zh-CN" altLang="en-US" sz="2000" b="1">
-                <a:solidFill>
-                  <a:schemeClr val="accent1"/>
-                </a:solidFill>
-                <a:effectLst>
-                  <a:outerShdw blurRad="38100" dist="25400" dir="5400000" algn="ctr" rotWithShape="0">
-                    <a:srgbClr val="6E747A">
-                      <a:alpha val="43000"/>
-                    </a:srgbClr>
-                  </a:outerShdw>
-                </a:effectLst>
-              </a:rPr>
-              <a:t>研究方法</a:t>
-            </a:r>
-            <a:endParaRPr lang="zh-CN" altLang="en-US" sz="2000" b="1">
-              <a:solidFill>
-                <a:schemeClr val="accent1"/>
-              </a:solidFill>
-              <a:effectLst>
-                <a:outerShdw blurRad="38100" dist="25400" dir="5400000" algn="ctr" rotWithShape="0">
-                  <a:srgbClr val="6E747A">
-                    <a:alpha val="43000"/>
-                  </a:srgbClr>
-                </a:outerShdw>
-              </a:effectLst>
-            </a:endParaRPr>
-          </a:p>
-        </p:txBody>
-      </p:sp>
-      <p:sp>
-        <p:nvSpPr>
-          <p:cNvPr id="8" name="Oval 95"/>
-          <p:cNvSpPr>
-            <a:spLocks noChangeArrowheads="1"/>
-          </p:cNvSpPr>
-          <p:nvPr/>
-        </p:nvSpPr>
-        <p:spPr bwMode="auto">
-          <a:xfrm>
-            <a:off x="4324985" y="1630680"/>
-            <a:ext cx="845185" cy="880745"/>
-          </a:xfrm>
-          <a:prstGeom prst="ellipse">
-            <a:avLst/>
-          </a:prstGeom>
-          <a:solidFill>
-            <a:schemeClr val="accent1"/>
-          </a:solidFill>
-          <a:ln>
-            <a:noFill/>
-          </a:ln>
-        </p:spPr>
-        <p:txBody>
-          <a:bodyPr vert="horz" wrap="square" lIns="91440" tIns="45720" rIns="91440" bIns="45720" numCol="1" anchor="t" anchorCtr="0" compatLnSpc="1"/>
-          <a:p>
-            <a:endParaRPr lang="zh-CN" altLang="en-US"/>
-          </a:p>
-        </p:txBody>
-      </p:sp>
-      <p:sp>
-        <p:nvSpPr>
-          <p:cNvPr id="21" name="Arc 13"/>
-          <p:cNvSpPr/>
-          <p:nvPr/>
-        </p:nvSpPr>
-        <p:spPr>
-          <a:xfrm flipH="1">
-            <a:off x="4203279" y="1542132"/>
-            <a:ext cx="875257" cy="875257"/>
-          </a:xfrm>
-          <a:prstGeom prst="arc">
-            <a:avLst/>
-          </a:prstGeom>
-          <a:noFill/>
-          <a:ln w="3175">
-            <a:solidFill>
-              <a:srgbClr val="95A5A6"/>
-            </a:solidFill>
-            <a:prstDash val="dash"/>
-            <a:headEnd type="oval" w="med" len="med"/>
-            <a:tailEnd type="oval" w="med" len="med"/>
-          </a:ln>
-        </p:spPr>
-        <p:style>
-          <a:lnRef idx="2">
-            <a:schemeClr val="accent1">
-              <a:shade val="50000"/>
-            </a:schemeClr>
-          </a:lnRef>
-          <a:fillRef idx="1">
-            <a:schemeClr val="accent1"/>
-          </a:fillRef>
-          <a:effectRef idx="0">
-            <a:schemeClr val="accent1"/>
-          </a:effectRef>
-          <a:fontRef idx="minor">
-            <a:schemeClr val="lt1"/>
-          </a:fontRef>
-        </p:style>
-        <p:txBody>
-          <a:bodyPr rtlCol="0" anchor="ctr"/>
-          <a:p>
-            <a:pPr algn="ctr">
-              <a:lnSpc>
-                <a:spcPct val="120000"/>
-              </a:lnSpc>
-            </a:pPr>
-            <a:endParaRPr lang="en-US"/>
-          </a:p>
-        </p:txBody>
-      </p:sp>
-      <p:cxnSp>
-        <p:nvCxnSpPr>
-          <p:cNvPr id="22" name="Straight Connector 22"/>
-          <p:cNvCxnSpPr/>
-          <p:nvPr/>
-        </p:nvCxnSpPr>
-        <p:spPr>
-          <a:xfrm>
-            <a:off x="3729080" y="1635983"/>
-            <a:ext cx="643172" cy="0"/>
-          </a:xfrm>
-          <a:prstGeom prst="line">
-            <a:avLst/>
-          </a:prstGeom>
-          <a:ln>
-            <a:solidFill>
-              <a:srgbClr val="95A5A6"/>
-            </a:solidFill>
-            <a:prstDash val="dash"/>
-            <a:headEnd type="oval"/>
-          </a:ln>
-        </p:spPr>
-        <p:style>
-          <a:lnRef idx="1">
-            <a:schemeClr val="accent1"/>
-          </a:lnRef>
-          <a:fillRef idx="0">
-            <a:schemeClr val="accent1"/>
-          </a:fillRef>
-          <a:effectRef idx="0">
-            <a:schemeClr val="accent1"/>
-          </a:effectRef>
-          <a:fontRef idx="minor">
-            <a:schemeClr val="tx1"/>
-          </a:fontRef>
-        </p:style>
-      </p:cxnSp>
-      <p:pic>
-        <p:nvPicPr>
-          <p:cNvPr id="31" name="图片 30" descr="1617249529(1)"/>
-          <p:cNvPicPr>
-            <a:picLocks noChangeAspect="1"/>
-          </p:cNvPicPr>
-          <p:nvPr/>
-        </p:nvPicPr>
-        <p:blipFill>
-          <a:blip r:embed="rId2"/>
-          <a:stretch>
-            <a:fillRect/>
-          </a:stretch>
-        </p:blipFill>
-        <p:spPr>
-          <a:xfrm>
-            <a:off x="4391660" y="1784985"/>
-            <a:ext cx="645795" cy="572770"/>
-          </a:xfrm>
-          <a:prstGeom prst="rect">
-            <a:avLst/>
-          </a:prstGeom>
-        </p:spPr>
-      </p:pic>
-      <p:sp>
-        <p:nvSpPr>
-          <p:cNvPr id="34" name="流程图: 可选过程 33"/>
-          <p:cNvSpPr/>
-          <p:nvPr/>
-        </p:nvSpPr>
-        <p:spPr>
-          <a:xfrm>
-            <a:off x="429260" y="1482090"/>
-            <a:ext cx="3242310" cy="1685290"/>
-          </a:xfrm>
-          <a:prstGeom prst="flowChartAlternateProcess">
-            <a:avLst/>
-          </a:prstGeom>
-        </p:spPr>
-        <p:style>
-          <a:lnRef idx="2">
-            <a:schemeClr val="accent1">
-              <a:shade val="50000"/>
-            </a:schemeClr>
-          </a:lnRef>
-          <a:fillRef idx="1">
-            <a:schemeClr val="accent1"/>
-          </a:fillRef>
-          <a:effectRef idx="0">
-            <a:schemeClr val="accent1"/>
-          </a:effectRef>
-          <a:fontRef idx="minor">
-            <a:schemeClr val="lt1"/>
-          </a:fontRef>
-        </p:style>
-        <p:txBody>
-          <a:bodyPr rtlCol="0" anchor="ctr"/>
-          <a:p>
-            <a:pPr algn="ctr"/>
-            <a:endParaRPr lang="zh-CN" altLang="en-US"/>
-          </a:p>
-        </p:txBody>
-      </p:sp>
-      <p:sp>
-        <p:nvSpPr>
-          <p:cNvPr id="36" name="文本框 35"/>
-          <p:cNvSpPr txBox="1"/>
-          <p:nvPr/>
-        </p:nvSpPr>
-        <p:spPr>
-          <a:xfrm>
-            <a:off x="494665" y="1542415"/>
-            <a:ext cx="3176905" cy="1753235"/>
-          </a:xfrm>
-          <a:prstGeom prst="rect">
-            <a:avLst/>
-          </a:prstGeom>
-          <a:noFill/>
-        </p:spPr>
-        <p:txBody>
-          <a:bodyPr wrap="square" rtlCol="0">
-            <a:spAutoFit/>
-          </a:bodyPr>
-          <a:p>
-            <a:pPr algn="l"/>
-            <a:r>
-              <a:rPr lang="zh-CN" altLang="en-US">
-                <a:solidFill>
-                  <a:schemeClr val="bg1"/>
-                </a:solidFill>
-                <a:latin typeface="Arial" panose="020B0604020202020204" pitchFamily="34" charset="0"/>
-                <a:ea typeface="微软雅黑" panose="020B0503020204020204" pitchFamily="34" charset="-122"/>
-                <a:sym typeface="Arial" panose="020B0604020202020204" pitchFamily="34" charset="0"/>
-              </a:rPr>
-              <a:t>通过上网搜索或者翻阅图书查找生鲜超市管理系统的相关资料，了解目前各个生鲜超市的发展情况及需求，以此确定系统的研究思路方向</a:t>
-            </a:r>
-            <a:endParaRPr lang="zh-CN" altLang="en-US">
-              <a:solidFill>
-                <a:schemeClr val="bg1"/>
-              </a:solidFill>
-              <a:latin typeface="Arial" panose="020B0604020202020204" pitchFamily="34" charset="0"/>
-              <a:ea typeface="微软雅黑" panose="020B0503020204020204" pitchFamily="34" charset="-122"/>
-              <a:sym typeface="Arial" panose="020B0604020202020204" pitchFamily="34" charset="0"/>
-            </a:endParaRPr>
-          </a:p>
-          <a:p>
-            <a:endParaRPr lang="zh-CN" altLang="en-US">
-              <a:solidFill>
-                <a:schemeClr val="bg1"/>
-              </a:solidFill>
-              <a:latin typeface="Arial" panose="020B0604020202020204" pitchFamily="34" charset="0"/>
-              <a:ea typeface="微软雅黑" panose="020B0503020204020204" pitchFamily="34" charset="-122"/>
-              <a:sym typeface="Arial" panose="020B0604020202020204" pitchFamily="34" charset="0"/>
-            </a:endParaRPr>
-          </a:p>
-        </p:txBody>
-      </p:sp>
-      <p:sp>
-        <p:nvSpPr>
-          <p:cNvPr id="37" name="Oval 7"/>
-          <p:cNvSpPr>
-            <a:spLocks noChangeArrowheads="1"/>
-          </p:cNvSpPr>
-          <p:nvPr/>
-        </p:nvSpPr>
-        <p:spPr bwMode="auto">
-          <a:xfrm>
-            <a:off x="4335780" y="4276090"/>
-            <a:ext cx="834390" cy="864235"/>
-          </a:xfrm>
-          <a:prstGeom prst="ellipse">
-            <a:avLst/>
-          </a:prstGeom>
-          <a:solidFill>
-            <a:schemeClr val="accent2"/>
-          </a:solidFill>
-          <a:ln w="9525">
-            <a:noFill/>
-            <a:round/>
-          </a:ln>
-        </p:spPr>
-        <p:txBody>
-          <a:bodyPr vert="horz" wrap="square" lIns="91440" tIns="45720" rIns="91440" bIns="45720" numCol="1" anchor="t" anchorCtr="0" compatLnSpc="1"/>
-          <a:p>
-            <a:endParaRPr lang="zh-CN" altLang="en-US"/>
-          </a:p>
-        </p:txBody>
-      </p:sp>
-      <p:sp>
-        <p:nvSpPr>
-          <p:cNvPr id="39" name="Arc 13"/>
-          <p:cNvSpPr/>
-          <p:nvPr/>
-        </p:nvSpPr>
-        <p:spPr>
-          <a:xfrm>
-            <a:off x="6974205" y="1513840"/>
-            <a:ext cx="711200" cy="802005"/>
-          </a:xfrm>
-          <a:prstGeom prst="arc">
-            <a:avLst/>
-          </a:prstGeom>
-          <a:noFill/>
-          <a:ln w="3175">
-            <a:solidFill>
-              <a:srgbClr val="95A5A6"/>
-            </a:solidFill>
-            <a:prstDash val="dash"/>
-            <a:headEnd type="oval" w="med" len="med"/>
-            <a:tailEnd type="oval" w="med" len="med"/>
-          </a:ln>
-        </p:spPr>
-        <p:style>
-          <a:lnRef idx="2">
-            <a:schemeClr val="accent1">
-              <a:shade val="50000"/>
-            </a:schemeClr>
-          </a:lnRef>
-          <a:fillRef idx="1">
-            <a:schemeClr val="accent1"/>
-          </a:fillRef>
-          <a:effectRef idx="0">
-            <a:schemeClr val="accent1"/>
-          </a:effectRef>
-          <a:fontRef idx="minor">
-            <a:schemeClr val="lt1"/>
-          </a:fontRef>
-        </p:style>
-        <p:txBody>
-          <a:bodyPr rtlCol="0" anchor="ctr"/>
-          <a:p>
-            <a:pPr algn="ctr">
-              <a:lnSpc>
-                <a:spcPct val="120000"/>
-              </a:lnSpc>
-            </a:pPr>
-            <a:endParaRPr lang="en-US"/>
-          </a:p>
-        </p:txBody>
-      </p:sp>
-      <p:cxnSp>
-        <p:nvCxnSpPr>
-          <p:cNvPr id="40" name="Straight Connector 22"/>
-          <p:cNvCxnSpPr/>
-          <p:nvPr/>
-        </p:nvCxnSpPr>
-        <p:spPr>
-          <a:xfrm>
-            <a:off x="7680521" y="1615909"/>
-            <a:ext cx="521335" cy="0"/>
-          </a:xfrm>
-          <a:prstGeom prst="line">
-            <a:avLst/>
-          </a:prstGeom>
-          <a:ln>
-            <a:solidFill>
-              <a:srgbClr val="95A5A6"/>
-            </a:solidFill>
-            <a:prstDash val="dash"/>
-            <a:headEnd type="oval"/>
-          </a:ln>
-        </p:spPr>
-        <p:style>
-          <a:lnRef idx="1">
-            <a:schemeClr val="accent1"/>
-          </a:lnRef>
-          <a:fillRef idx="0">
-            <a:schemeClr val="accent1"/>
-          </a:fillRef>
-          <a:effectRef idx="0">
-            <a:schemeClr val="accent1"/>
-          </a:effectRef>
-          <a:fontRef idx="minor">
-            <a:schemeClr val="tx1"/>
-          </a:fontRef>
-        </p:style>
-      </p:cxnSp>
-      <p:pic>
-        <p:nvPicPr>
-          <p:cNvPr id="41" name="图片 40" descr="9~F3_C]66M(U$S4G64_[%_R"/>
-          <p:cNvPicPr>
-            <a:picLocks noChangeAspect="1"/>
-          </p:cNvPicPr>
-          <p:nvPr/>
-        </p:nvPicPr>
-        <p:blipFill>
-          <a:blip r:embed="rId3"/>
-          <a:stretch>
-            <a:fillRect/>
-          </a:stretch>
-        </p:blipFill>
-        <p:spPr>
-          <a:xfrm>
-            <a:off x="4373880" y="4528185"/>
-            <a:ext cx="825500" cy="359410"/>
-          </a:xfrm>
-          <a:prstGeom prst="rect">
-            <a:avLst/>
-          </a:prstGeom>
-        </p:spPr>
-      </p:pic>
-      <p:sp>
-        <p:nvSpPr>
-          <p:cNvPr id="42" name="流程图: 可选过程 41"/>
-          <p:cNvSpPr/>
-          <p:nvPr/>
-        </p:nvSpPr>
-        <p:spPr>
-          <a:xfrm>
-            <a:off x="429260" y="4421505"/>
-            <a:ext cx="3242310" cy="1685290"/>
-          </a:xfrm>
-          <a:prstGeom prst="flowChartAlternateProcess">
-            <a:avLst/>
-          </a:prstGeom>
-        </p:spPr>
-        <p:style>
-          <a:lnRef idx="2">
-            <a:schemeClr val="accent2">
-              <a:shade val="50000"/>
-            </a:schemeClr>
-          </a:lnRef>
-          <a:fillRef idx="1">
-            <a:schemeClr val="accent2"/>
-          </a:fillRef>
-          <a:effectRef idx="0">
-            <a:schemeClr val="accent2"/>
-          </a:effectRef>
-          <a:fontRef idx="minor">
-            <a:schemeClr val="lt1"/>
-          </a:fontRef>
-        </p:style>
-        <p:txBody>
-          <a:bodyPr rtlCol="0" anchor="ctr"/>
-          <a:p>
-            <a:pPr algn="l"/>
-            <a:r>
-              <a:rPr lang="zh-CN" altLang="en-US">
-                <a:solidFill>
-                  <a:schemeClr val="bg2"/>
-                </a:solidFill>
-                <a:latin typeface="Arial" panose="020B0604020202020204" pitchFamily="34" charset="0"/>
-                <a:ea typeface="微软雅黑" panose="020B0503020204020204" pitchFamily="34" charset="-122"/>
-                <a:sym typeface="Arial" panose="020B0604020202020204" pitchFamily="34" charset="0"/>
-              </a:rPr>
-              <a:t>采用</a:t>
-            </a:r>
-            <a:r>
-              <a:rPr lang="en-US" altLang="zh-CN">
-                <a:solidFill>
-                  <a:schemeClr val="bg2"/>
-                </a:solidFill>
-                <a:latin typeface="Arial" panose="020B0604020202020204" pitchFamily="34" charset="0"/>
-                <a:ea typeface="微软雅黑" panose="020B0503020204020204" pitchFamily="34" charset="-122"/>
-                <a:sym typeface="Arial" panose="020B0604020202020204" pitchFamily="34" charset="0"/>
-              </a:rPr>
-              <a:t>SSM</a:t>
-            </a:r>
-            <a:r>
-              <a:rPr lang="zh-CN" altLang="en-US">
-                <a:solidFill>
-                  <a:schemeClr val="bg2"/>
-                </a:solidFill>
-                <a:latin typeface="Arial" panose="020B0604020202020204" pitchFamily="34" charset="0"/>
-                <a:ea typeface="微软雅黑" panose="020B0503020204020204" pitchFamily="34" charset="-122"/>
-                <a:sym typeface="Arial" panose="020B0604020202020204" pitchFamily="34" charset="0"/>
-              </a:rPr>
-              <a:t>框架实现生鲜超市管理系统的功能模块设计，结合实体属性之间E-R图描述各实体间的关系模式</a:t>
-            </a:r>
-            <a:endParaRPr lang="zh-CN" altLang="en-US"/>
-          </a:p>
-        </p:txBody>
-      </p:sp>
-      <p:sp>
-        <p:nvSpPr>
-          <p:cNvPr id="43" name="Oval 7"/>
-          <p:cNvSpPr>
-            <a:spLocks noChangeArrowheads="1"/>
-          </p:cNvSpPr>
-          <p:nvPr/>
-        </p:nvSpPr>
-        <p:spPr bwMode="auto">
-          <a:xfrm>
-            <a:off x="6720840" y="1616075"/>
-            <a:ext cx="765175" cy="800735"/>
-          </a:xfrm>
-          <a:prstGeom prst="ellipse">
-            <a:avLst/>
-          </a:prstGeom>
-          <a:solidFill>
-            <a:schemeClr val="accent2"/>
-          </a:solidFill>
-          <a:ln w="9525">
-            <a:noFill/>
-            <a:round/>
-          </a:ln>
-        </p:spPr>
-        <p:txBody>
-          <a:bodyPr vert="horz" wrap="square" lIns="91440" tIns="45720" rIns="91440" bIns="45720" numCol="1" anchor="t" anchorCtr="0" compatLnSpc="1"/>
-          <a:p>
-            <a:endParaRPr lang="zh-CN" altLang="en-US"/>
-          </a:p>
-        </p:txBody>
-      </p:sp>
-      <p:sp>
-        <p:nvSpPr>
-          <p:cNvPr id="101" name="Freeform 192"/>
-          <p:cNvSpPr>
-            <a:spLocks noEditPoints="1"/>
-          </p:cNvSpPr>
-          <p:nvPr/>
-        </p:nvSpPr>
-        <p:spPr bwMode="auto">
-          <a:xfrm>
-            <a:off x="6881495" y="1836420"/>
-            <a:ext cx="460375" cy="478155"/>
-          </a:xfrm>
-          <a:custGeom>
-            <a:avLst/>
-            <a:gdLst>
-              <a:gd name="T0" fmla="*/ 0 w 140"/>
-              <a:gd name="T1" fmla="*/ 7 h 134"/>
-              <a:gd name="T2" fmla="*/ 5 w 140"/>
-              <a:gd name="T3" fmla="*/ 7 h 134"/>
-              <a:gd name="T4" fmla="*/ 5 w 140"/>
-              <a:gd name="T5" fmla="*/ 9 h 134"/>
-              <a:gd name="T6" fmla="*/ 0 w 140"/>
-              <a:gd name="T7" fmla="*/ 9 h 134"/>
-              <a:gd name="T8" fmla="*/ 0 w 140"/>
-              <a:gd name="T9" fmla="*/ 7 h 134"/>
-              <a:gd name="T10" fmla="*/ 0 w 140"/>
-              <a:gd name="T11" fmla="*/ 21 h 134"/>
-              <a:gd name="T12" fmla="*/ 5 w 140"/>
-              <a:gd name="T13" fmla="*/ 21 h 134"/>
-              <a:gd name="T14" fmla="*/ 5 w 140"/>
-              <a:gd name="T15" fmla="*/ 19 h 134"/>
-              <a:gd name="T16" fmla="*/ 0 w 140"/>
-              <a:gd name="T17" fmla="*/ 19 h 134"/>
-              <a:gd name="T18" fmla="*/ 0 w 140"/>
-              <a:gd name="T19" fmla="*/ 21 h 134"/>
-              <a:gd name="T20" fmla="*/ 0 w 140"/>
-              <a:gd name="T21" fmla="*/ 34 h 134"/>
-              <a:gd name="T22" fmla="*/ 5 w 140"/>
-              <a:gd name="T23" fmla="*/ 34 h 134"/>
-              <a:gd name="T24" fmla="*/ 5 w 140"/>
-              <a:gd name="T25" fmla="*/ 32 h 134"/>
-              <a:gd name="T26" fmla="*/ 0 w 140"/>
-              <a:gd name="T27" fmla="*/ 32 h 134"/>
-              <a:gd name="T28" fmla="*/ 0 w 140"/>
-              <a:gd name="T29" fmla="*/ 34 h 134"/>
-              <a:gd name="T30" fmla="*/ 0 w 140"/>
-              <a:gd name="T31" fmla="*/ 46 h 134"/>
-              <a:gd name="T32" fmla="*/ 5 w 140"/>
-              <a:gd name="T33" fmla="*/ 46 h 134"/>
-              <a:gd name="T34" fmla="*/ 5 w 140"/>
-              <a:gd name="T35" fmla="*/ 44 h 134"/>
-              <a:gd name="T36" fmla="*/ 0 w 140"/>
-              <a:gd name="T37" fmla="*/ 44 h 134"/>
-              <a:gd name="T38" fmla="*/ 0 w 140"/>
-              <a:gd name="T39" fmla="*/ 46 h 134"/>
-              <a:gd name="T40" fmla="*/ 0 w 140"/>
-              <a:gd name="T41" fmla="*/ 59 h 134"/>
-              <a:gd name="T42" fmla="*/ 5 w 140"/>
-              <a:gd name="T43" fmla="*/ 59 h 134"/>
-              <a:gd name="T44" fmla="*/ 5 w 140"/>
-              <a:gd name="T45" fmla="*/ 57 h 134"/>
-              <a:gd name="T46" fmla="*/ 0 w 140"/>
-              <a:gd name="T47" fmla="*/ 57 h 134"/>
-              <a:gd name="T48" fmla="*/ 0 w 140"/>
-              <a:gd name="T49" fmla="*/ 59 h 134"/>
-              <a:gd name="T50" fmla="*/ 140 w 140"/>
-              <a:gd name="T51" fmla="*/ 99 h 134"/>
-              <a:gd name="T52" fmla="*/ 104 w 140"/>
-              <a:gd name="T53" fmla="*/ 134 h 134"/>
-              <a:gd name="T54" fmla="*/ 69 w 140"/>
-              <a:gd name="T55" fmla="*/ 99 h 134"/>
-              <a:gd name="T56" fmla="*/ 72 w 140"/>
-              <a:gd name="T57" fmla="*/ 85 h 134"/>
-              <a:gd name="T58" fmla="*/ 9 w 140"/>
-              <a:gd name="T59" fmla="*/ 85 h 134"/>
-              <a:gd name="T60" fmla="*/ 9 w 140"/>
-              <a:gd name="T61" fmla="*/ 0 h 134"/>
-              <a:gd name="T62" fmla="*/ 11 w 140"/>
-              <a:gd name="T63" fmla="*/ 0 h 134"/>
-              <a:gd name="T64" fmla="*/ 11 w 140"/>
-              <a:gd name="T65" fmla="*/ 82 h 134"/>
-              <a:gd name="T66" fmla="*/ 23 w 140"/>
-              <a:gd name="T67" fmla="*/ 82 h 134"/>
-              <a:gd name="T68" fmla="*/ 23 w 140"/>
-              <a:gd name="T69" fmla="*/ 8 h 134"/>
-              <a:gd name="T70" fmla="*/ 33 w 140"/>
-              <a:gd name="T71" fmla="*/ 8 h 134"/>
-              <a:gd name="T72" fmla="*/ 33 w 140"/>
-              <a:gd name="T73" fmla="*/ 82 h 134"/>
-              <a:gd name="T74" fmla="*/ 41 w 140"/>
-              <a:gd name="T75" fmla="*/ 82 h 134"/>
-              <a:gd name="T76" fmla="*/ 41 w 140"/>
-              <a:gd name="T77" fmla="*/ 24 h 134"/>
-              <a:gd name="T78" fmla="*/ 51 w 140"/>
-              <a:gd name="T79" fmla="*/ 24 h 134"/>
-              <a:gd name="T80" fmla="*/ 51 w 140"/>
-              <a:gd name="T81" fmla="*/ 82 h 134"/>
-              <a:gd name="T82" fmla="*/ 59 w 140"/>
-              <a:gd name="T83" fmla="*/ 82 h 134"/>
-              <a:gd name="T84" fmla="*/ 59 w 140"/>
-              <a:gd name="T85" fmla="*/ 37 h 134"/>
-              <a:gd name="T86" fmla="*/ 69 w 140"/>
-              <a:gd name="T87" fmla="*/ 37 h 134"/>
-              <a:gd name="T88" fmla="*/ 69 w 140"/>
-              <a:gd name="T89" fmla="*/ 82 h 134"/>
-              <a:gd name="T90" fmla="*/ 74 w 140"/>
-              <a:gd name="T91" fmla="*/ 82 h 134"/>
-              <a:gd name="T92" fmla="*/ 78 w 140"/>
-              <a:gd name="T93" fmla="*/ 76 h 134"/>
-              <a:gd name="T94" fmla="*/ 78 w 140"/>
-              <a:gd name="T95" fmla="*/ 13 h 134"/>
-              <a:gd name="T96" fmla="*/ 87 w 140"/>
-              <a:gd name="T97" fmla="*/ 13 h 134"/>
-              <a:gd name="T98" fmla="*/ 87 w 140"/>
-              <a:gd name="T99" fmla="*/ 68 h 134"/>
-              <a:gd name="T100" fmla="*/ 104 w 140"/>
-              <a:gd name="T101" fmla="*/ 64 h 134"/>
-              <a:gd name="T102" fmla="*/ 140 w 140"/>
-              <a:gd name="T103" fmla="*/ 99 h 134"/>
-              <a:gd name="T104" fmla="*/ 122 w 140"/>
-              <a:gd name="T105" fmla="*/ 77 h 134"/>
-              <a:gd name="T106" fmla="*/ 104 w 140"/>
-              <a:gd name="T107" fmla="*/ 71 h 134"/>
-              <a:gd name="T108" fmla="*/ 76 w 140"/>
-              <a:gd name="T109" fmla="*/ 99 h 134"/>
-              <a:gd name="T110" fmla="*/ 102 w 140"/>
-              <a:gd name="T111" fmla="*/ 127 h 134"/>
-              <a:gd name="T112" fmla="*/ 104 w 140"/>
-              <a:gd name="T113" fmla="*/ 99 h 134"/>
-              <a:gd name="T114" fmla="*/ 122 w 140"/>
-              <a:gd name="T115" fmla="*/ 77 h 134"/>
-            </a:gdLst>
-            <a:ahLst/>
-            <a:cxnLst>
-              <a:cxn ang="0">
-                <a:pos x="T0" y="T1"/>
-              </a:cxn>
-              <a:cxn ang="0">
-                <a:pos x="T2" y="T3"/>
-              </a:cxn>
-              <a:cxn ang="0">
-                <a:pos x="T4" y="T5"/>
-              </a:cxn>
-              <a:cxn ang="0">
-                <a:pos x="T6" y="T7"/>
-              </a:cxn>
-              <a:cxn ang="0">
-                <a:pos x="T8" y="T9"/>
-              </a:cxn>
-              <a:cxn ang="0">
-                <a:pos x="T10" y="T11"/>
-              </a:cxn>
-              <a:cxn ang="0">
-                <a:pos x="T12" y="T13"/>
-              </a:cxn>
-              <a:cxn ang="0">
-                <a:pos x="T14" y="T15"/>
-              </a:cxn>
-              <a:cxn ang="0">
-                <a:pos x="T16" y="T17"/>
-              </a:cxn>
-              <a:cxn ang="0">
-                <a:pos x="T18" y="T19"/>
-              </a:cxn>
-              <a:cxn ang="0">
-                <a:pos x="T20" y="T21"/>
-              </a:cxn>
-              <a:cxn ang="0">
-                <a:pos x="T22" y="T23"/>
-              </a:cxn>
-              <a:cxn ang="0">
-                <a:pos x="T24" y="T25"/>
-              </a:cxn>
-              <a:cxn ang="0">
-                <a:pos x="T26" y="T27"/>
-              </a:cxn>
-              <a:cxn ang="0">
-                <a:pos x="T28" y="T29"/>
-              </a:cxn>
-              <a:cxn ang="0">
-                <a:pos x="T30" y="T31"/>
-              </a:cxn>
-              <a:cxn ang="0">
-                <a:pos x="T32" y="T33"/>
-              </a:cxn>
-              <a:cxn ang="0">
-                <a:pos x="T34" y="T35"/>
-              </a:cxn>
-              <a:cxn ang="0">
-                <a:pos x="T36" y="T37"/>
-              </a:cxn>
-              <a:cxn ang="0">
-                <a:pos x="T38" y="T39"/>
-              </a:cxn>
-              <a:cxn ang="0">
-                <a:pos x="T40" y="T41"/>
-              </a:cxn>
-              <a:cxn ang="0">
-                <a:pos x="T42" y="T43"/>
-              </a:cxn>
-              <a:cxn ang="0">
-                <a:pos x="T44" y="T45"/>
-              </a:cxn>
-              <a:cxn ang="0">
-                <a:pos x="T46" y="T47"/>
-              </a:cxn>
-              <a:cxn ang="0">
-                <a:pos x="T48" y="T49"/>
-              </a:cxn>
-              <a:cxn ang="0">
-                <a:pos x="T50" y="T51"/>
-              </a:cxn>
-              <a:cxn ang="0">
-                <a:pos x="T52" y="T53"/>
-              </a:cxn>
-              <a:cxn ang="0">
-                <a:pos x="T54" y="T55"/>
-              </a:cxn>
-              <a:cxn ang="0">
-                <a:pos x="T56" y="T57"/>
-              </a:cxn>
-              <a:cxn ang="0">
-                <a:pos x="T58" y="T59"/>
-              </a:cxn>
-              <a:cxn ang="0">
-                <a:pos x="T60" y="T61"/>
-              </a:cxn>
-              <a:cxn ang="0">
-                <a:pos x="T62" y="T63"/>
-              </a:cxn>
-              <a:cxn ang="0">
-                <a:pos x="T64" y="T65"/>
-              </a:cxn>
-              <a:cxn ang="0">
-                <a:pos x="T66" y="T67"/>
-              </a:cxn>
-              <a:cxn ang="0">
-                <a:pos x="T68" y="T69"/>
-              </a:cxn>
-              <a:cxn ang="0">
-                <a:pos x="T70" y="T71"/>
-              </a:cxn>
-              <a:cxn ang="0">
-                <a:pos x="T72" y="T73"/>
-              </a:cxn>
-              <a:cxn ang="0">
-                <a:pos x="T74" y="T75"/>
-              </a:cxn>
-              <a:cxn ang="0">
-                <a:pos x="T76" y="T77"/>
-              </a:cxn>
-              <a:cxn ang="0">
-                <a:pos x="T78" y="T79"/>
-              </a:cxn>
-              <a:cxn ang="0">
-                <a:pos x="T80" y="T81"/>
-              </a:cxn>
-              <a:cxn ang="0">
-                <a:pos x="T82" y="T83"/>
-              </a:cxn>
-              <a:cxn ang="0">
-                <a:pos x="T84" y="T85"/>
-              </a:cxn>
-              <a:cxn ang="0">
-                <a:pos x="T86" y="T87"/>
-              </a:cxn>
-              <a:cxn ang="0">
-                <a:pos x="T88" y="T89"/>
-              </a:cxn>
-              <a:cxn ang="0">
-                <a:pos x="T90" y="T91"/>
-              </a:cxn>
-              <a:cxn ang="0">
-                <a:pos x="T92" y="T93"/>
-              </a:cxn>
-              <a:cxn ang="0">
-                <a:pos x="T94" y="T95"/>
-              </a:cxn>
-              <a:cxn ang="0">
-                <a:pos x="T96" y="T97"/>
-              </a:cxn>
-              <a:cxn ang="0">
-                <a:pos x="T98" y="T99"/>
-              </a:cxn>
-              <a:cxn ang="0">
-                <a:pos x="T100" y="T101"/>
-              </a:cxn>
-              <a:cxn ang="0">
-                <a:pos x="T102" y="T103"/>
-              </a:cxn>
-              <a:cxn ang="0">
-                <a:pos x="T104" y="T105"/>
-              </a:cxn>
-              <a:cxn ang="0">
-                <a:pos x="T106" y="T107"/>
-              </a:cxn>
-              <a:cxn ang="0">
-                <a:pos x="T108" y="T109"/>
-              </a:cxn>
-              <a:cxn ang="0">
-                <a:pos x="T110" y="T111"/>
-              </a:cxn>
-              <a:cxn ang="0">
-                <a:pos x="T112" y="T113"/>
-              </a:cxn>
-              <a:cxn ang="0">
-                <a:pos x="T114" y="T115"/>
-              </a:cxn>
-            </a:cxnLst>
-            <a:rect l="0" t="0" r="r" b="b"/>
-            <a:pathLst>
-              <a:path w="140" h="134">
-                <a:moveTo>
-                  <a:pt x="0" y="7"/>
-                </a:moveTo>
-                <a:cubicBezTo>
-                  <a:pt x="5" y="7"/>
-                  <a:pt x="5" y="7"/>
-                  <a:pt x="5" y="7"/>
-                </a:cubicBezTo>
-                <a:cubicBezTo>
-                  <a:pt x="5" y="9"/>
-                  <a:pt x="5" y="9"/>
-                  <a:pt x="5" y="9"/>
-                </a:cubicBezTo>
-                <a:cubicBezTo>
-                  <a:pt x="0" y="9"/>
-                  <a:pt x="0" y="9"/>
-                  <a:pt x="0" y="9"/>
-                </a:cubicBezTo>
-                <a:lnTo>
-                  <a:pt x="0" y="7"/>
-                </a:lnTo>
-                <a:close/>
-                <a:moveTo>
-                  <a:pt x="0" y="21"/>
-                </a:moveTo>
-                <a:cubicBezTo>
-                  <a:pt x="5" y="21"/>
-                  <a:pt x="5" y="21"/>
-                  <a:pt x="5" y="21"/>
-                </a:cubicBezTo>
-                <a:cubicBezTo>
-                  <a:pt x="5" y="19"/>
-                  <a:pt x="5" y="19"/>
-                  <a:pt x="5" y="19"/>
-                </a:cubicBezTo>
-                <a:cubicBezTo>
-                  <a:pt x="0" y="19"/>
-                  <a:pt x="0" y="19"/>
-                  <a:pt x="0" y="19"/>
-                </a:cubicBezTo>
-                <a:lnTo>
-                  <a:pt x="0" y="21"/>
-                </a:lnTo>
-                <a:close/>
-                <a:moveTo>
-                  <a:pt x="0" y="34"/>
-                </a:moveTo>
-                <a:cubicBezTo>
-                  <a:pt x="5" y="34"/>
-                  <a:pt x="5" y="34"/>
-                  <a:pt x="5" y="34"/>
-                </a:cubicBezTo>
-                <a:cubicBezTo>
-                  <a:pt x="5" y="32"/>
-                  <a:pt x="5" y="32"/>
-                  <a:pt x="5" y="32"/>
-                </a:cubicBezTo>
-                <a:cubicBezTo>
-                  <a:pt x="0" y="32"/>
-                  <a:pt x="0" y="32"/>
-                  <a:pt x="0" y="32"/>
-                </a:cubicBezTo>
-                <a:lnTo>
-                  <a:pt x="0" y="34"/>
-                </a:lnTo>
-                <a:close/>
-                <a:moveTo>
-                  <a:pt x="0" y="46"/>
-                </a:moveTo>
-                <a:cubicBezTo>
-                  <a:pt x="5" y="46"/>
-                  <a:pt x="5" y="46"/>
-                  <a:pt x="5" y="46"/>
-                </a:cubicBezTo>
-                <a:cubicBezTo>
-                  <a:pt x="5" y="44"/>
-                  <a:pt x="5" y="44"/>
-                  <a:pt x="5" y="44"/>
-                </a:cubicBezTo>
-                <a:cubicBezTo>
-                  <a:pt x="0" y="44"/>
-                  <a:pt x="0" y="44"/>
-                  <a:pt x="0" y="44"/>
-                </a:cubicBezTo>
-                <a:lnTo>
-                  <a:pt x="0" y="46"/>
-                </a:lnTo>
-                <a:close/>
-                <a:moveTo>
-                  <a:pt x="0" y="59"/>
-                </a:moveTo>
-                <a:cubicBezTo>
-                  <a:pt x="5" y="59"/>
-                  <a:pt x="5" y="59"/>
-                  <a:pt x="5" y="59"/>
-                </a:cubicBezTo>
-                <a:cubicBezTo>
-                  <a:pt x="5" y="57"/>
-                  <a:pt x="5" y="57"/>
-                  <a:pt x="5" y="57"/>
-                </a:cubicBezTo>
-                <a:cubicBezTo>
-                  <a:pt x="0" y="57"/>
-                  <a:pt x="0" y="57"/>
-                  <a:pt x="0" y="57"/>
-                </a:cubicBezTo>
-                <a:lnTo>
-                  <a:pt x="0" y="59"/>
-                </a:lnTo>
-                <a:close/>
-                <a:moveTo>
-                  <a:pt x="140" y="99"/>
-                </a:moveTo>
-                <a:cubicBezTo>
-                  <a:pt x="140" y="118"/>
-                  <a:pt x="124" y="134"/>
-                  <a:pt x="104" y="134"/>
-                </a:cubicBezTo>
-                <a:cubicBezTo>
-                  <a:pt x="85" y="134"/>
-                  <a:pt x="69" y="118"/>
-                  <a:pt x="69" y="99"/>
-                </a:cubicBezTo>
-                <a:cubicBezTo>
-                  <a:pt x="69" y="94"/>
-                  <a:pt x="70" y="89"/>
-                  <a:pt x="72" y="85"/>
-                </a:cubicBezTo>
-                <a:cubicBezTo>
-                  <a:pt x="9" y="85"/>
-                  <a:pt x="9" y="85"/>
-                  <a:pt x="9" y="85"/>
-                </a:cubicBezTo>
-                <a:cubicBezTo>
-                  <a:pt x="9" y="0"/>
-                  <a:pt x="9" y="0"/>
-                  <a:pt x="9" y="0"/>
-                </a:cubicBezTo>
-                <a:cubicBezTo>
-                  <a:pt x="11" y="0"/>
-                  <a:pt x="11" y="0"/>
-                  <a:pt x="11" y="0"/>
-                </a:cubicBezTo>
-                <a:cubicBezTo>
-                  <a:pt x="11" y="82"/>
-                  <a:pt x="11" y="82"/>
-                  <a:pt x="11" y="82"/>
-                </a:cubicBezTo>
-                <a:cubicBezTo>
-                  <a:pt x="23" y="82"/>
-                  <a:pt x="23" y="82"/>
-                  <a:pt x="23" y="82"/>
-                </a:cubicBezTo>
-                <a:cubicBezTo>
-                  <a:pt x="23" y="8"/>
-                  <a:pt x="23" y="8"/>
-                  <a:pt x="23" y="8"/>
-                </a:cubicBezTo>
-                <a:cubicBezTo>
-                  <a:pt x="33" y="8"/>
-                  <a:pt x="33" y="8"/>
-                  <a:pt x="33" y="8"/>
-                </a:cubicBezTo>
-                <a:cubicBezTo>
-                  <a:pt x="33" y="82"/>
-                  <a:pt x="33" y="82"/>
-                  <a:pt x="33" y="82"/>
-                </a:cubicBezTo>
-                <a:cubicBezTo>
-                  <a:pt x="41" y="82"/>
-                  <a:pt x="41" y="82"/>
-                  <a:pt x="41" y="82"/>
-                </a:cubicBezTo>
-                <a:cubicBezTo>
-                  <a:pt x="41" y="24"/>
-                  <a:pt x="41" y="24"/>
-                  <a:pt x="41" y="24"/>
-                </a:cubicBezTo>
-                <a:cubicBezTo>
-                  <a:pt x="51" y="24"/>
-                  <a:pt x="51" y="24"/>
-                  <a:pt x="51" y="24"/>
-                </a:cubicBezTo>
-                <a:cubicBezTo>
-                  <a:pt x="51" y="82"/>
-                  <a:pt x="51" y="82"/>
-                  <a:pt x="51" y="82"/>
-                </a:cubicBezTo>
-                <a:cubicBezTo>
-                  <a:pt x="59" y="82"/>
-                  <a:pt x="59" y="82"/>
-                  <a:pt x="59" y="82"/>
-                </a:cubicBezTo>
-                <a:cubicBezTo>
-                  <a:pt x="59" y="37"/>
-                  <a:pt x="59" y="37"/>
-                  <a:pt x="59" y="37"/>
-                </a:cubicBezTo>
-                <a:cubicBezTo>
-                  <a:pt x="69" y="37"/>
-                  <a:pt x="69" y="37"/>
-                  <a:pt x="69" y="37"/>
-                </a:cubicBezTo>
-                <a:cubicBezTo>
-                  <a:pt x="69" y="82"/>
-                  <a:pt x="69" y="82"/>
-                  <a:pt x="69" y="82"/>
-                </a:cubicBezTo>
-                <a:cubicBezTo>
-                  <a:pt x="74" y="82"/>
-                  <a:pt x="74" y="82"/>
-                  <a:pt x="74" y="82"/>
-                </a:cubicBezTo>
-                <a:cubicBezTo>
-                  <a:pt x="75" y="80"/>
-                  <a:pt x="76" y="78"/>
-                  <a:pt x="78" y="76"/>
-                </a:cubicBezTo>
-                <a:cubicBezTo>
-                  <a:pt x="78" y="13"/>
-                  <a:pt x="78" y="13"/>
-                  <a:pt x="78" y="13"/>
-                </a:cubicBezTo>
-                <a:cubicBezTo>
-                  <a:pt x="87" y="13"/>
-                  <a:pt x="87" y="13"/>
-                  <a:pt x="87" y="13"/>
-                </a:cubicBezTo>
-                <a:cubicBezTo>
-                  <a:pt x="87" y="68"/>
-                  <a:pt x="87" y="68"/>
-                  <a:pt x="87" y="68"/>
-                </a:cubicBezTo>
-                <a:cubicBezTo>
-                  <a:pt x="92" y="65"/>
-                  <a:pt x="98" y="64"/>
-                  <a:pt x="104" y="64"/>
-                </a:cubicBezTo>
-                <a:cubicBezTo>
-                  <a:pt x="124" y="64"/>
-                  <a:pt x="140" y="80"/>
-                  <a:pt x="140" y="99"/>
-                </a:cubicBezTo>
-                <a:close/>
-                <a:moveTo>
-                  <a:pt x="122" y="77"/>
-                </a:moveTo>
-                <a:cubicBezTo>
-                  <a:pt x="117" y="73"/>
-                  <a:pt x="111" y="71"/>
-                  <a:pt x="104" y="71"/>
-                </a:cubicBezTo>
-                <a:cubicBezTo>
-                  <a:pt x="89" y="71"/>
-                  <a:pt x="76" y="83"/>
-                  <a:pt x="76" y="99"/>
-                </a:cubicBezTo>
-                <a:cubicBezTo>
-                  <a:pt x="76" y="114"/>
-                  <a:pt x="87" y="126"/>
-                  <a:pt x="102" y="127"/>
-                </a:cubicBezTo>
-                <a:cubicBezTo>
-                  <a:pt x="104" y="99"/>
-                  <a:pt x="104" y="99"/>
-                  <a:pt x="104" y="99"/>
-                </a:cubicBezTo>
-                <a:lnTo>
-                  <a:pt x="122" y="77"/>
-                </a:lnTo>
-                <a:close/>
-              </a:path>
-            </a:pathLst>
-          </a:custGeom>
-          <a:solidFill>
-            <a:schemeClr val="bg1"/>
-          </a:solidFill>
-          <a:ln>
-            <a:noFill/>
-          </a:ln>
-        </p:spPr>
-        <p:txBody>
-          <a:bodyPr vert="horz" wrap="square" lIns="91440" tIns="45720" rIns="91440" bIns="45720" numCol="1" anchor="t" anchorCtr="0" compatLnSpc="1"/>
-          <a:p>
-            <a:endParaRPr lang="zh-CN" altLang="en-US"/>
-          </a:p>
-        </p:txBody>
-      </p:sp>
-      <p:sp>
-        <p:nvSpPr>
-          <p:cNvPr id="46" name="流程图: 可选过程 45"/>
-          <p:cNvSpPr/>
-          <p:nvPr/>
-        </p:nvSpPr>
-        <p:spPr>
-          <a:xfrm>
-            <a:off x="8300720" y="1347470"/>
-            <a:ext cx="3242310" cy="1685290"/>
-          </a:xfrm>
-          <a:prstGeom prst="flowChartAlternateProcess">
-            <a:avLst/>
-          </a:prstGeom>
-        </p:spPr>
-        <p:style>
-          <a:lnRef idx="2">
-            <a:schemeClr val="accent2">
-              <a:shade val="50000"/>
-            </a:schemeClr>
-          </a:lnRef>
-          <a:fillRef idx="1">
-            <a:schemeClr val="accent2"/>
-          </a:fillRef>
-          <a:effectRef idx="0">
-            <a:schemeClr val="accent2"/>
-          </a:effectRef>
-          <a:fontRef idx="minor">
-            <a:schemeClr val="lt1"/>
-          </a:fontRef>
-        </p:style>
-        <p:txBody>
-          <a:bodyPr rtlCol="0" anchor="ctr"/>
-          <a:p>
-            <a:pPr indent="0" algn="l" defTabSz="1216660" fontAlgn="auto">
-              <a:lnSpc>
-                <a:spcPct val="100000"/>
-              </a:lnSpc>
-              <a:spcBef>
-                <a:spcPts val="0"/>
-              </a:spcBef>
-              <a:defRPr/>
-            </a:pPr>
-            <a:r>
-              <a:rPr lang="zh-CN" altLang="en-US">
-                <a:solidFill>
-                  <a:schemeClr val="bg2"/>
-                </a:solidFill>
-                <a:latin typeface="Arial" panose="020B0604020202020204" pitchFamily="34" charset="0"/>
-                <a:ea typeface="微软雅黑" panose="020B0503020204020204" pitchFamily="34" charset="-122"/>
-                <a:sym typeface="Arial" panose="020B0604020202020204" pitchFamily="34" charset="0"/>
-              </a:rPr>
-              <a:t>对系统进行可行性需求分析及功能需求分析，确保该系统的开发能够具有实用性、安全性等</a:t>
-            </a:r>
-            <a:endParaRPr lang="zh-CN" altLang="en-US"/>
-          </a:p>
-        </p:txBody>
-      </p:sp>
-      <p:sp>
-        <p:nvSpPr>
-          <p:cNvPr id="47" name="Arc 13"/>
-          <p:cNvSpPr/>
-          <p:nvPr/>
-        </p:nvSpPr>
-        <p:spPr>
-          <a:xfrm>
-            <a:off x="7020560" y="4154170"/>
-            <a:ext cx="711200" cy="802005"/>
-          </a:xfrm>
-          <a:prstGeom prst="arc">
-            <a:avLst/>
-          </a:prstGeom>
-          <a:noFill/>
-          <a:ln w="3175">
-            <a:solidFill>
-              <a:srgbClr val="95A5A6"/>
-            </a:solidFill>
-            <a:prstDash val="dash"/>
-            <a:headEnd type="oval" w="med" len="med"/>
-            <a:tailEnd type="oval" w="med" len="med"/>
-          </a:ln>
-        </p:spPr>
-        <p:style>
-          <a:lnRef idx="2">
-            <a:schemeClr val="accent1">
-              <a:shade val="50000"/>
-            </a:schemeClr>
-          </a:lnRef>
-          <a:fillRef idx="1">
-            <a:schemeClr val="accent1"/>
-          </a:fillRef>
-          <a:effectRef idx="0">
-            <a:schemeClr val="accent1"/>
-          </a:effectRef>
-          <a:fontRef idx="minor">
-            <a:schemeClr val="lt1"/>
-          </a:fontRef>
-        </p:style>
-        <p:txBody>
-          <a:bodyPr rtlCol="0" anchor="ctr"/>
-          <a:p>
-            <a:pPr algn="ctr">
-              <a:lnSpc>
-                <a:spcPct val="120000"/>
-              </a:lnSpc>
-            </a:pPr>
-            <a:endParaRPr lang="en-US"/>
-          </a:p>
-        </p:txBody>
-      </p:sp>
-      <p:cxnSp>
-        <p:nvCxnSpPr>
-          <p:cNvPr id="48" name="Straight Connector 22"/>
-          <p:cNvCxnSpPr/>
-          <p:nvPr/>
-        </p:nvCxnSpPr>
-        <p:spPr>
-          <a:xfrm>
-            <a:off x="7731956" y="4266399"/>
-            <a:ext cx="521335" cy="0"/>
-          </a:xfrm>
-          <a:prstGeom prst="line">
-            <a:avLst/>
-          </a:prstGeom>
-          <a:ln>
-            <a:solidFill>
-              <a:srgbClr val="95A5A6"/>
-            </a:solidFill>
-            <a:prstDash val="dash"/>
-            <a:headEnd type="oval"/>
-          </a:ln>
-        </p:spPr>
-        <p:style>
-          <a:lnRef idx="1">
-            <a:schemeClr val="accent1"/>
-          </a:lnRef>
-          <a:fillRef idx="0">
-            <a:schemeClr val="accent1"/>
-          </a:fillRef>
-          <a:effectRef idx="0">
-            <a:schemeClr val="accent1"/>
-          </a:effectRef>
-          <a:fontRef idx="minor">
-            <a:schemeClr val="tx1"/>
-          </a:fontRef>
-        </p:style>
-      </p:cxnSp>
-      <p:sp>
-        <p:nvSpPr>
-          <p:cNvPr id="51" name="Oval 95"/>
-          <p:cNvSpPr>
-            <a:spLocks noChangeArrowheads="1"/>
-          </p:cNvSpPr>
-          <p:nvPr/>
-        </p:nvSpPr>
-        <p:spPr bwMode="auto">
-          <a:xfrm>
-            <a:off x="6835140" y="4299585"/>
-            <a:ext cx="845185" cy="880745"/>
-          </a:xfrm>
-          <a:prstGeom prst="ellipse">
-            <a:avLst/>
-          </a:prstGeom>
-          <a:solidFill>
-            <a:schemeClr val="accent1"/>
-          </a:solidFill>
-          <a:ln>
-            <a:noFill/>
-          </a:ln>
-        </p:spPr>
-        <p:txBody>
-          <a:bodyPr vert="horz" wrap="square" lIns="91440" tIns="45720" rIns="91440" bIns="45720" numCol="1" anchor="t" anchorCtr="0" compatLnSpc="1"/>
-          <a:p>
-            <a:endParaRPr lang="zh-CN" altLang="en-US"/>
-          </a:p>
-        </p:txBody>
-      </p:sp>
-      <p:sp>
-        <p:nvSpPr>
-          <p:cNvPr id="52" name="Freeform 215"/>
-          <p:cNvSpPr>
-            <a:spLocks noEditPoints="1"/>
-          </p:cNvSpPr>
-          <p:nvPr/>
-        </p:nvSpPr>
-        <p:spPr bwMode="auto">
-          <a:xfrm>
-            <a:off x="7063105" y="4548505"/>
-            <a:ext cx="388620" cy="383540"/>
-          </a:xfrm>
-          <a:custGeom>
-            <a:avLst/>
-            <a:gdLst>
-              <a:gd name="T0" fmla="*/ 61 w 122"/>
-              <a:gd name="T1" fmla="*/ 55 h 140"/>
-              <a:gd name="T2" fmla="*/ 61 w 122"/>
-              <a:gd name="T3" fmla="*/ 69 h 140"/>
-              <a:gd name="T4" fmla="*/ 12 w 122"/>
-              <a:gd name="T5" fmla="*/ 69 h 140"/>
-              <a:gd name="T6" fmla="*/ 10 w 122"/>
-              <a:gd name="T7" fmla="*/ 55 h 140"/>
-              <a:gd name="T8" fmla="*/ 10 w 122"/>
-              <a:gd name="T9" fmla="*/ 34 h 140"/>
-              <a:gd name="T10" fmla="*/ 61 w 122"/>
-              <a:gd name="T11" fmla="*/ 10 h 140"/>
-              <a:gd name="T12" fmla="*/ 61 w 122"/>
-              <a:gd name="T13" fmla="*/ 55 h 140"/>
-              <a:gd name="T14" fmla="*/ 61 w 122"/>
-              <a:gd name="T15" fmla="*/ 129 h 140"/>
-              <a:gd name="T16" fmla="*/ 109 w 122"/>
-              <a:gd name="T17" fmla="*/ 69 h 140"/>
-              <a:gd name="T18" fmla="*/ 61 w 122"/>
-              <a:gd name="T19" fmla="*/ 69 h 140"/>
-              <a:gd name="T20" fmla="*/ 61 w 122"/>
-              <a:gd name="T21" fmla="*/ 129 h 140"/>
-              <a:gd name="T22" fmla="*/ 122 w 122"/>
-              <a:gd name="T23" fmla="*/ 28 h 140"/>
-              <a:gd name="T24" fmla="*/ 122 w 122"/>
-              <a:gd name="T25" fmla="*/ 34 h 140"/>
-              <a:gd name="T26" fmla="*/ 122 w 122"/>
-              <a:gd name="T27" fmla="*/ 55 h 140"/>
-              <a:gd name="T28" fmla="*/ 119 w 122"/>
-              <a:gd name="T29" fmla="*/ 71 h 140"/>
-              <a:gd name="T30" fmla="*/ 64 w 122"/>
-              <a:gd name="T31" fmla="*/ 139 h 140"/>
-              <a:gd name="T32" fmla="*/ 62 w 122"/>
-              <a:gd name="T33" fmla="*/ 140 h 140"/>
-              <a:gd name="T34" fmla="*/ 61 w 122"/>
-              <a:gd name="T35" fmla="*/ 140 h 140"/>
-              <a:gd name="T36" fmla="*/ 60 w 122"/>
-              <a:gd name="T37" fmla="*/ 140 h 140"/>
-              <a:gd name="T38" fmla="*/ 57 w 122"/>
-              <a:gd name="T39" fmla="*/ 139 h 140"/>
-              <a:gd name="T40" fmla="*/ 2 w 122"/>
-              <a:gd name="T41" fmla="*/ 71 h 140"/>
-              <a:gd name="T42" fmla="*/ 0 w 122"/>
-              <a:gd name="T43" fmla="*/ 55 h 140"/>
-              <a:gd name="T44" fmla="*/ 0 w 122"/>
-              <a:gd name="T45" fmla="*/ 34 h 140"/>
-              <a:gd name="T46" fmla="*/ 0 w 122"/>
-              <a:gd name="T47" fmla="*/ 28 h 140"/>
-              <a:gd name="T48" fmla="*/ 1 w 122"/>
-              <a:gd name="T49" fmla="*/ 26 h 140"/>
-              <a:gd name="T50" fmla="*/ 7 w 122"/>
-              <a:gd name="T51" fmla="*/ 25 h 140"/>
-              <a:gd name="T52" fmla="*/ 35 w 122"/>
-              <a:gd name="T53" fmla="*/ 11 h 140"/>
-              <a:gd name="T54" fmla="*/ 61 w 122"/>
-              <a:gd name="T55" fmla="*/ 0 h 140"/>
-              <a:gd name="T56" fmla="*/ 86 w 122"/>
-              <a:gd name="T57" fmla="*/ 11 h 140"/>
-              <a:gd name="T58" fmla="*/ 114 w 122"/>
-              <a:gd name="T59" fmla="*/ 25 h 140"/>
-              <a:gd name="T60" fmla="*/ 120 w 122"/>
-              <a:gd name="T61" fmla="*/ 26 h 140"/>
-              <a:gd name="T62" fmla="*/ 122 w 122"/>
-              <a:gd name="T63" fmla="*/ 28 h 140"/>
-              <a:gd name="T64" fmla="*/ 117 w 122"/>
-              <a:gd name="T65" fmla="*/ 30 h 140"/>
-              <a:gd name="T66" fmla="*/ 113 w 122"/>
-              <a:gd name="T67" fmla="*/ 29 h 140"/>
-              <a:gd name="T68" fmla="*/ 84 w 122"/>
-              <a:gd name="T69" fmla="*/ 14 h 140"/>
-              <a:gd name="T70" fmla="*/ 61 w 122"/>
-              <a:gd name="T71" fmla="*/ 4 h 140"/>
-              <a:gd name="T72" fmla="*/ 38 w 122"/>
-              <a:gd name="T73" fmla="*/ 14 h 140"/>
-              <a:gd name="T74" fmla="*/ 8 w 122"/>
-              <a:gd name="T75" fmla="*/ 29 h 140"/>
-              <a:gd name="T76" fmla="*/ 4 w 122"/>
-              <a:gd name="T77" fmla="*/ 30 h 140"/>
-              <a:gd name="T78" fmla="*/ 4 w 122"/>
-              <a:gd name="T79" fmla="*/ 34 h 140"/>
-              <a:gd name="T80" fmla="*/ 4 w 122"/>
-              <a:gd name="T81" fmla="*/ 55 h 140"/>
-              <a:gd name="T82" fmla="*/ 7 w 122"/>
-              <a:gd name="T83" fmla="*/ 70 h 140"/>
-              <a:gd name="T84" fmla="*/ 59 w 122"/>
-              <a:gd name="T85" fmla="*/ 135 h 140"/>
-              <a:gd name="T86" fmla="*/ 61 w 122"/>
-              <a:gd name="T87" fmla="*/ 135 h 140"/>
-              <a:gd name="T88" fmla="*/ 63 w 122"/>
-              <a:gd name="T89" fmla="*/ 135 h 140"/>
-              <a:gd name="T90" fmla="*/ 115 w 122"/>
-              <a:gd name="T91" fmla="*/ 70 h 140"/>
-              <a:gd name="T92" fmla="*/ 117 w 122"/>
-              <a:gd name="T93" fmla="*/ 55 h 140"/>
-              <a:gd name="T94" fmla="*/ 117 w 122"/>
-              <a:gd name="T95" fmla="*/ 34 h 140"/>
-              <a:gd name="T96" fmla="*/ 117 w 122"/>
-              <a:gd name="T97" fmla="*/ 30 h 140"/>
-            </a:gdLst>
-            <a:ahLst/>
-            <a:cxnLst>
-              <a:cxn ang="0">
-                <a:pos x="T0" y="T1"/>
-              </a:cxn>
-              <a:cxn ang="0">
-                <a:pos x="T2" y="T3"/>
-              </a:cxn>
-              <a:cxn ang="0">
-                <a:pos x="T4" y="T5"/>
-              </a:cxn>
-              <a:cxn ang="0">
-                <a:pos x="T6" y="T7"/>
-              </a:cxn>
-              <a:cxn ang="0">
-                <a:pos x="T8" y="T9"/>
-              </a:cxn>
-              <a:cxn ang="0">
-                <a:pos x="T10" y="T11"/>
-              </a:cxn>
-              <a:cxn ang="0">
-                <a:pos x="T12" y="T13"/>
-              </a:cxn>
-              <a:cxn ang="0">
-                <a:pos x="T14" y="T15"/>
-              </a:cxn>
-              <a:cxn ang="0">
-                <a:pos x="T16" y="T17"/>
-              </a:cxn>
-              <a:cxn ang="0">
-                <a:pos x="T18" y="T19"/>
-              </a:cxn>
-              <a:cxn ang="0">
-                <a:pos x="T20" y="T21"/>
-              </a:cxn>
-              <a:cxn ang="0">
-                <a:pos x="T22" y="T23"/>
-              </a:cxn>
-              <a:cxn ang="0">
-                <a:pos x="T24" y="T25"/>
-              </a:cxn>
-              <a:cxn ang="0">
-                <a:pos x="T26" y="T27"/>
-              </a:cxn>
-              <a:cxn ang="0">
-                <a:pos x="T28" y="T29"/>
-              </a:cxn>
-              <a:cxn ang="0">
-                <a:pos x="T30" y="T31"/>
-              </a:cxn>
-              <a:cxn ang="0">
-                <a:pos x="T32" y="T33"/>
-              </a:cxn>
-              <a:cxn ang="0">
-                <a:pos x="T34" y="T35"/>
-              </a:cxn>
-              <a:cxn ang="0">
-                <a:pos x="T36" y="T37"/>
-              </a:cxn>
-              <a:cxn ang="0">
-                <a:pos x="T38" y="T39"/>
-              </a:cxn>
-              <a:cxn ang="0">
-                <a:pos x="T40" y="T41"/>
-              </a:cxn>
-              <a:cxn ang="0">
-                <a:pos x="T42" y="T43"/>
-              </a:cxn>
-              <a:cxn ang="0">
-                <a:pos x="T44" y="T45"/>
-              </a:cxn>
-              <a:cxn ang="0">
-                <a:pos x="T46" y="T47"/>
-              </a:cxn>
-              <a:cxn ang="0">
-                <a:pos x="T48" y="T49"/>
-              </a:cxn>
-              <a:cxn ang="0">
-                <a:pos x="T50" y="T51"/>
-              </a:cxn>
-              <a:cxn ang="0">
-                <a:pos x="T52" y="T53"/>
-              </a:cxn>
-              <a:cxn ang="0">
-                <a:pos x="T54" y="T55"/>
-              </a:cxn>
-              <a:cxn ang="0">
-                <a:pos x="T56" y="T57"/>
-              </a:cxn>
-              <a:cxn ang="0">
-                <a:pos x="T58" y="T59"/>
-              </a:cxn>
-              <a:cxn ang="0">
-                <a:pos x="T60" y="T61"/>
-              </a:cxn>
-              <a:cxn ang="0">
-                <a:pos x="T62" y="T63"/>
-              </a:cxn>
-              <a:cxn ang="0">
-                <a:pos x="T64" y="T65"/>
-              </a:cxn>
-              <a:cxn ang="0">
-                <a:pos x="T66" y="T67"/>
-              </a:cxn>
-              <a:cxn ang="0">
-                <a:pos x="T68" y="T69"/>
-              </a:cxn>
-              <a:cxn ang="0">
-                <a:pos x="T70" y="T71"/>
-              </a:cxn>
-              <a:cxn ang="0">
-                <a:pos x="T72" y="T73"/>
-              </a:cxn>
-              <a:cxn ang="0">
-                <a:pos x="T74" y="T75"/>
-              </a:cxn>
-              <a:cxn ang="0">
-                <a:pos x="T76" y="T77"/>
-              </a:cxn>
-              <a:cxn ang="0">
-                <a:pos x="T78" y="T79"/>
-              </a:cxn>
-              <a:cxn ang="0">
-                <a:pos x="T80" y="T81"/>
-              </a:cxn>
-              <a:cxn ang="0">
-                <a:pos x="T82" y="T83"/>
-              </a:cxn>
-              <a:cxn ang="0">
-                <a:pos x="T84" y="T85"/>
-              </a:cxn>
-              <a:cxn ang="0">
-                <a:pos x="T86" y="T87"/>
-              </a:cxn>
-              <a:cxn ang="0">
-                <a:pos x="T88" y="T89"/>
-              </a:cxn>
-              <a:cxn ang="0">
-                <a:pos x="T90" y="T91"/>
-              </a:cxn>
-              <a:cxn ang="0">
-                <a:pos x="T92" y="T93"/>
-              </a:cxn>
-              <a:cxn ang="0">
-                <a:pos x="T94" y="T95"/>
-              </a:cxn>
-              <a:cxn ang="0">
-                <a:pos x="T96" y="T97"/>
-              </a:cxn>
-            </a:cxnLst>
-            <a:rect l="0" t="0" r="r" b="b"/>
-            <a:pathLst>
-              <a:path w="122" h="140">
-                <a:moveTo>
-                  <a:pt x="61" y="55"/>
-                </a:moveTo>
-                <a:cubicBezTo>
-                  <a:pt x="61" y="69"/>
-                  <a:pt x="61" y="69"/>
-                  <a:pt x="61" y="69"/>
-                </a:cubicBezTo>
-                <a:cubicBezTo>
-                  <a:pt x="12" y="69"/>
-                  <a:pt x="12" y="69"/>
-                  <a:pt x="12" y="69"/>
-                </a:cubicBezTo>
-                <a:cubicBezTo>
-                  <a:pt x="11" y="65"/>
-                  <a:pt x="11" y="60"/>
-                  <a:pt x="10" y="55"/>
-                </a:cubicBezTo>
-                <a:cubicBezTo>
-                  <a:pt x="10" y="52"/>
-                  <a:pt x="10" y="37"/>
-                  <a:pt x="10" y="34"/>
-                </a:cubicBezTo>
-                <a:cubicBezTo>
-                  <a:pt x="35" y="27"/>
-                  <a:pt x="48" y="10"/>
-                  <a:pt x="61" y="10"/>
-                </a:cubicBezTo>
-                <a:lnTo>
-                  <a:pt x="61" y="55"/>
-                </a:lnTo>
-                <a:close/>
-                <a:moveTo>
-                  <a:pt x="61" y="129"/>
-                </a:moveTo>
-                <a:cubicBezTo>
-                  <a:pt x="61" y="129"/>
-                  <a:pt x="99" y="115"/>
-                  <a:pt x="109" y="69"/>
-                </a:cubicBezTo>
-                <a:cubicBezTo>
-                  <a:pt x="61" y="69"/>
-                  <a:pt x="61" y="69"/>
-                  <a:pt x="61" y="69"/>
-                </a:cubicBezTo>
-                <a:lnTo>
-                  <a:pt x="61" y="129"/>
-                </a:lnTo>
-                <a:close/>
-                <a:moveTo>
-                  <a:pt x="122" y="28"/>
-                </a:moveTo>
-                <a:cubicBezTo>
-                  <a:pt x="122" y="34"/>
-                  <a:pt x="122" y="34"/>
-                  <a:pt x="122" y="34"/>
-                </a:cubicBezTo>
-                <a:cubicBezTo>
-                  <a:pt x="122" y="36"/>
-                  <a:pt x="122" y="52"/>
-                  <a:pt x="122" y="55"/>
-                </a:cubicBezTo>
-                <a:cubicBezTo>
-                  <a:pt x="121" y="61"/>
-                  <a:pt x="120" y="66"/>
-                  <a:pt x="119" y="71"/>
-                </a:cubicBezTo>
-                <a:cubicBezTo>
-                  <a:pt x="108" y="122"/>
-                  <a:pt x="66" y="138"/>
-                  <a:pt x="64" y="139"/>
-                </a:cubicBezTo>
-                <a:cubicBezTo>
-                  <a:pt x="62" y="140"/>
-                  <a:pt x="62" y="140"/>
-                  <a:pt x="62" y="140"/>
-                </a:cubicBezTo>
-                <a:cubicBezTo>
-                  <a:pt x="61" y="140"/>
-                  <a:pt x="61" y="140"/>
-                  <a:pt x="61" y="140"/>
-                </a:cubicBezTo>
-                <a:cubicBezTo>
-                  <a:pt x="61" y="140"/>
-                  <a:pt x="60" y="140"/>
-                  <a:pt x="60" y="140"/>
-                </a:cubicBezTo>
-                <a:cubicBezTo>
-                  <a:pt x="57" y="139"/>
-                  <a:pt x="57" y="139"/>
-                  <a:pt x="57" y="139"/>
-                </a:cubicBezTo>
-                <a:cubicBezTo>
-                  <a:pt x="55" y="138"/>
-                  <a:pt x="13" y="122"/>
-                  <a:pt x="2" y="71"/>
-                </a:cubicBezTo>
-                <a:cubicBezTo>
-                  <a:pt x="1" y="66"/>
-                  <a:pt x="0" y="61"/>
-                  <a:pt x="0" y="55"/>
-                </a:cubicBezTo>
-                <a:cubicBezTo>
-                  <a:pt x="0" y="52"/>
-                  <a:pt x="0" y="36"/>
-                  <a:pt x="0" y="34"/>
-                </a:cubicBezTo>
-                <a:cubicBezTo>
-                  <a:pt x="0" y="28"/>
-                  <a:pt x="0" y="28"/>
-                  <a:pt x="0" y="28"/>
-                </a:cubicBezTo>
-                <a:cubicBezTo>
-                  <a:pt x="0" y="27"/>
-                  <a:pt x="0" y="27"/>
-                  <a:pt x="1" y="26"/>
-                </a:cubicBezTo>
-                <a:cubicBezTo>
-                  <a:pt x="7" y="25"/>
-                  <a:pt x="7" y="25"/>
-                  <a:pt x="7" y="25"/>
-                </a:cubicBezTo>
-                <a:cubicBezTo>
-                  <a:pt x="19" y="21"/>
-                  <a:pt x="28" y="16"/>
-                  <a:pt x="35" y="11"/>
-                </a:cubicBezTo>
-                <a:cubicBezTo>
-                  <a:pt x="44" y="5"/>
-                  <a:pt x="52" y="0"/>
-                  <a:pt x="61" y="0"/>
-                </a:cubicBezTo>
-                <a:cubicBezTo>
-                  <a:pt x="70" y="0"/>
-                  <a:pt x="77" y="5"/>
-                  <a:pt x="86" y="11"/>
-                </a:cubicBezTo>
-                <a:cubicBezTo>
-                  <a:pt x="94" y="16"/>
-                  <a:pt x="103" y="21"/>
-                  <a:pt x="114" y="25"/>
-                </a:cubicBezTo>
-                <a:cubicBezTo>
-                  <a:pt x="120" y="26"/>
-                  <a:pt x="120" y="26"/>
-                  <a:pt x="120" y="26"/>
-                </a:cubicBezTo>
-                <a:cubicBezTo>
-                  <a:pt x="121" y="27"/>
-                  <a:pt x="122" y="27"/>
-                  <a:pt x="122" y="28"/>
-                </a:cubicBezTo>
-                <a:close/>
-                <a:moveTo>
-                  <a:pt x="117" y="30"/>
-                </a:moveTo>
-                <a:cubicBezTo>
-                  <a:pt x="113" y="29"/>
-                  <a:pt x="113" y="29"/>
-                  <a:pt x="113" y="29"/>
-                </a:cubicBezTo>
-                <a:cubicBezTo>
-                  <a:pt x="101" y="25"/>
-                  <a:pt x="92" y="19"/>
-                  <a:pt x="84" y="14"/>
-                </a:cubicBezTo>
-                <a:cubicBezTo>
-                  <a:pt x="76" y="9"/>
-                  <a:pt x="69" y="4"/>
-                  <a:pt x="61" y="4"/>
-                </a:cubicBezTo>
-                <a:cubicBezTo>
-                  <a:pt x="53" y="4"/>
-                  <a:pt x="46" y="9"/>
-                  <a:pt x="38" y="14"/>
-                </a:cubicBezTo>
-                <a:cubicBezTo>
-                  <a:pt x="30" y="19"/>
-                  <a:pt x="21" y="25"/>
-                  <a:pt x="8" y="29"/>
-                </a:cubicBezTo>
-                <a:cubicBezTo>
-                  <a:pt x="4" y="30"/>
-                  <a:pt x="4" y="30"/>
-                  <a:pt x="4" y="30"/>
-                </a:cubicBezTo>
-                <a:cubicBezTo>
-                  <a:pt x="4" y="34"/>
-                  <a:pt x="4" y="34"/>
-                  <a:pt x="4" y="34"/>
-                </a:cubicBezTo>
-                <a:cubicBezTo>
-                  <a:pt x="4" y="37"/>
-                  <a:pt x="4" y="52"/>
-                  <a:pt x="4" y="55"/>
-                </a:cubicBezTo>
-                <a:cubicBezTo>
-                  <a:pt x="5" y="60"/>
-                  <a:pt x="6" y="65"/>
-                  <a:pt x="7" y="70"/>
-                </a:cubicBezTo>
-                <a:cubicBezTo>
-                  <a:pt x="17" y="118"/>
-                  <a:pt x="57" y="134"/>
-                  <a:pt x="59" y="135"/>
-                </a:cubicBezTo>
-                <a:cubicBezTo>
-                  <a:pt x="61" y="135"/>
-                  <a:pt x="61" y="135"/>
-                  <a:pt x="61" y="135"/>
-                </a:cubicBezTo>
-                <a:cubicBezTo>
-                  <a:pt x="63" y="135"/>
-                  <a:pt x="63" y="135"/>
-                  <a:pt x="63" y="135"/>
-                </a:cubicBezTo>
-                <a:cubicBezTo>
-                  <a:pt x="65" y="134"/>
-                  <a:pt x="105" y="118"/>
-                  <a:pt x="115" y="70"/>
-                </a:cubicBezTo>
-                <a:cubicBezTo>
-                  <a:pt x="116" y="65"/>
-                  <a:pt x="117" y="60"/>
-                  <a:pt x="117" y="55"/>
-                </a:cubicBezTo>
-                <a:cubicBezTo>
-                  <a:pt x="117" y="52"/>
-                  <a:pt x="117" y="37"/>
-                  <a:pt x="117" y="34"/>
-                </a:cubicBezTo>
-                <a:lnTo>
-                  <a:pt x="117" y="30"/>
-                </a:lnTo>
-                <a:close/>
-              </a:path>
-            </a:pathLst>
-          </a:custGeom>
-          <a:solidFill>
-            <a:schemeClr val="bg1"/>
-          </a:solidFill>
-          <a:ln>
-            <a:noFill/>
-          </a:ln>
-        </p:spPr>
-        <p:txBody>
-          <a:bodyPr vert="horz" wrap="square" lIns="91440" tIns="45720" rIns="91440" bIns="45720" numCol="1" anchor="t" anchorCtr="0" compatLnSpc="1"/>
-          <a:p>
-            <a:endParaRPr lang="zh-CN" altLang="en-US"/>
-          </a:p>
-        </p:txBody>
-      </p:sp>
-      <p:sp>
-        <p:nvSpPr>
-          <p:cNvPr id="53" name="流程图: 可选过程 52"/>
-          <p:cNvSpPr/>
-          <p:nvPr/>
-        </p:nvSpPr>
-        <p:spPr>
-          <a:xfrm>
-            <a:off x="8300720" y="4154170"/>
-            <a:ext cx="3242310" cy="1685290"/>
-          </a:xfrm>
-          <a:prstGeom prst="flowChartAlternateProcess">
-            <a:avLst/>
-          </a:prstGeom>
-        </p:spPr>
-        <p:style>
-          <a:lnRef idx="2">
-            <a:schemeClr val="accent1">
-              <a:shade val="50000"/>
-            </a:schemeClr>
-          </a:lnRef>
-          <a:fillRef idx="1">
-            <a:schemeClr val="accent1"/>
-          </a:fillRef>
-          <a:effectRef idx="0">
-            <a:schemeClr val="accent1"/>
-          </a:effectRef>
-          <a:fontRef idx="minor">
-            <a:schemeClr val="lt1"/>
-          </a:fontRef>
-        </p:style>
-        <p:txBody>
-          <a:bodyPr rtlCol="0" anchor="ctr"/>
-          <a:p>
-            <a:pPr indent="0" defTabSz="1216660" fontAlgn="auto">
-              <a:lnSpc>
-                <a:spcPct val="100000"/>
-              </a:lnSpc>
-              <a:spcBef>
-                <a:spcPts val="0"/>
-              </a:spcBef>
-              <a:defRPr/>
-            </a:pPr>
-            <a:r>
-              <a:rPr lang="zh-CN" altLang="en-US">
-                <a:solidFill>
-                  <a:schemeClr val="bg2"/>
-                </a:solidFill>
-                <a:latin typeface="Arial" panose="020B0604020202020204" pitchFamily="34" charset="0"/>
-                <a:ea typeface="微软雅黑" panose="020B0503020204020204" pitchFamily="34" charset="-122"/>
-                <a:sym typeface="Arial" panose="020B0604020202020204" pitchFamily="34" charset="0"/>
-              </a:rPr>
-              <a:t>对系统功能模块详细测试和优化改进，记录出现的漏洞和改进方法作为维护系统的操作手册</a:t>
-            </a:r>
-            <a:endParaRPr lang="zh-CN" altLang="en-US"/>
-          </a:p>
-        </p:txBody>
-      </p:sp>
-      <p:cxnSp>
-        <p:nvCxnSpPr>
-          <p:cNvPr id="54" name="Straight Connector 22"/>
-          <p:cNvCxnSpPr/>
-          <p:nvPr/>
-        </p:nvCxnSpPr>
-        <p:spPr>
-          <a:xfrm>
-            <a:off x="3653515" y="4421728"/>
-            <a:ext cx="643172" cy="0"/>
-          </a:xfrm>
-          <a:prstGeom prst="line">
-            <a:avLst/>
-          </a:prstGeom>
-          <a:ln>
-            <a:solidFill>
-              <a:srgbClr val="95A5A6"/>
-            </a:solidFill>
-            <a:prstDash val="dash"/>
-            <a:headEnd type="oval"/>
-          </a:ln>
-        </p:spPr>
-        <p:style>
-          <a:lnRef idx="1">
-            <a:schemeClr val="accent1"/>
-          </a:lnRef>
-          <a:fillRef idx="0">
-            <a:schemeClr val="accent1"/>
-          </a:fillRef>
-          <a:effectRef idx="0">
-            <a:schemeClr val="accent1"/>
-          </a:effectRef>
-          <a:fontRef idx="minor">
-            <a:schemeClr val="tx1"/>
-          </a:fontRef>
-        </p:style>
-      </p:cxnSp>
-      <p:sp>
-        <p:nvSpPr>
-          <p:cNvPr id="57" name="Arc 13"/>
-          <p:cNvSpPr/>
-          <p:nvPr/>
-        </p:nvSpPr>
-        <p:spPr>
-          <a:xfrm flipH="1">
-            <a:off x="4295354" y="4153887"/>
-            <a:ext cx="875257" cy="875257"/>
-          </a:xfrm>
-          <a:prstGeom prst="arc">
-            <a:avLst/>
-          </a:prstGeom>
-          <a:noFill/>
-          <a:ln w="3175">
-            <a:solidFill>
-              <a:srgbClr val="95A5A6"/>
-            </a:solidFill>
-            <a:prstDash val="dash"/>
-            <a:headEnd type="oval" w="med" len="med"/>
-            <a:tailEnd type="oval" w="med" len="med"/>
-          </a:ln>
-        </p:spPr>
-        <p:style>
-          <a:lnRef idx="2">
-            <a:schemeClr val="accent1">
-              <a:shade val="50000"/>
-            </a:schemeClr>
-          </a:lnRef>
-          <a:fillRef idx="1">
-            <a:schemeClr val="accent1"/>
-          </a:fillRef>
-          <a:effectRef idx="0">
-            <a:schemeClr val="accent1"/>
-          </a:effectRef>
-          <a:fontRef idx="minor">
-            <a:schemeClr val="lt1"/>
-          </a:fontRef>
-        </p:style>
-        <p:txBody>
-          <a:bodyPr rtlCol="0" anchor="ctr"/>
-          <a:p>
-            <a:pPr algn="ctr">
-              <a:lnSpc>
-                <a:spcPct val="120000"/>
-              </a:lnSpc>
-            </a:pPr>
-            <a:endParaRPr lang="en-US"/>
-          </a:p>
-        </p:txBody>
-      </p:sp>
-    </p:spTree>
-  </p:cSld>
-  <p:clrMapOvr>
-    <a:masterClrMapping/>
-  </p:clrMapOvr>
-  <mc:AlternateContent xmlns:mc="http://schemas.openxmlformats.org/markup-compatibility/2006">
-    <mc:Choice xmlns:p14="http://schemas.microsoft.com/office/powerpoint/2010/main" Requires="p14">
-      <p:transition spd="slow" p14:dur="1500">
-        <p:split orient="vert"/>
-      </p:transition>
-    </mc:Choice>
-    <mc:Fallback>
-      <p:transition spd="slow">
-        <p:split orient="vert"/>
-      </p:transition>
-    </mc:Fallback>
-  </mc:AlternateContent>
-  <p:timing>
-    <p:tnLst>
-      <p:par>
-        <p:cTn id="1" dur="indefinite" restart="never" nodeType="tmRoot">
-          <p:childTnLst>
-            <p:seq concurrent="1" nextAc="seek">
-              <p:cTn id="2" dur="indefinite" nodeType="mainSeq">
-                <p:childTnLst>
-                  <p:par>
-                    <p:cTn id="3" fill="hold">
-                      <p:stCondLst>
-                        <p:cond delay="indefinite"/>
-                      </p:stCondLst>
-                      <p:childTnLst>
-                        <p:par>
-                          <p:cTn id="4" fill="hold">
-                            <p:stCondLst>
-                              <p:cond delay="0"/>
-                            </p:stCondLst>
-                            <p:childTnLst>
-                              <p:par>
-                                <p:cTn id="5" presetID="3" presetClass="entr" presetSubtype="10" fill="hold" grpId="0" nodeType="clickEffect">
-                                  <p:stCondLst>
-                                    <p:cond delay="0"/>
-                                  </p:stCondLst>
-                                  <p:childTnLst>
-                                    <p:set>
-                                      <p:cBhvr>
-                                        <p:cTn id="6" dur="1" fill="hold">
-                                          <p:stCondLst>
-                                            <p:cond delay="0"/>
-                                          </p:stCondLst>
-                                        </p:cTn>
-                                        <p:tgtEl>
-                                          <p:spTgt spid="8"/>
-                                        </p:tgtEl>
-                                        <p:attrNameLst>
-                                          <p:attrName>style.visibility</p:attrName>
-                                        </p:attrNameLst>
-                                      </p:cBhvr>
-                                      <p:to>
-                                        <p:strVal val="visible"/>
-                                      </p:to>
-                                    </p:set>
-                                    <p:animEffect transition="in" filter="blinds(horizontal)">
-                                      <p:cBhvr>
-                                        <p:cTn id="7" dur="500"/>
-                                        <p:tgtEl>
-                                          <p:spTgt spid="8"/>
-                                        </p:tgtEl>
-                                      </p:cBhvr>
-                                    </p:animEffect>
-                                  </p:childTnLst>
-                                </p:cTn>
-                              </p:par>
-                              <p:par>
-                                <p:cTn id="8" presetID="3" presetClass="entr" presetSubtype="10" fill="hold" grpId="0" nodeType="withEffect">
-                                  <p:stCondLst>
-                                    <p:cond delay="0"/>
-                                  </p:stCondLst>
-                                  <p:childTnLst>
-                                    <p:set>
-                                      <p:cBhvr>
-                                        <p:cTn id="9" dur="1" fill="hold">
-                                          <p:stCondLst>
-                                            <p:cond delay="0"/>
-                                          </p:stCondLst>
-                                        </p:cTn>
-                                        <p:tgtEl>
-                                          <p:spTgt spid="21"/>
-                                        </p:tgtEl>
-                                        <p:attrNameLst>
-                                          <p:attrName>style.visibility</p:attrName>
-                                        </p:attrNameLst>
-                                      </p:cBhvr>
-                                      <p:to>
-                                        <p:strVal val="visible"/>
-                                      </p:to>
-                                    </p:set>
-                                    <p:animEffect transition="in" filter="blinds(horizontal)">
-                                      <p:cBhvr>
-                                        <p:cTn id="10" dur="500"/>
-                                        <p:tgtEl>
-                                          <p:spTgt spid="21"/>
-                                        </p:tgtEl>
-                                      </p:cBhvr>
-                                    </p:animEffect>
-                                  </p:childTnLst>
-                                </p:cTn>
-                              </p:par>
-                              <p:par>
-                                <p:cTn id="11" presetID="3" presetClass="entr" presetSubtype="10" fill="hold" nodeType="withEffect">
-                                  <p:stCondLst>
-                                    <p:cond delay="0"/>
-                                  </p:stCondLst>
-                                  <p:childTnLst>
-                                    <p:set>
-                                      <p:cBhvr>
-                                        <p:cTn id="12" dur="1" fill="hold">
-                                          <p:stCondLst>
-                                            <p:cond delay="0"/>
-                                          </p:stCondLst>
-                                        </p:cTn>
-                                        <p:tgtEl>
-                                          <p:spTgt spid="22"/>
-                                        </p:tgtEl>
-                                        <p:attrNameLst>
-                                          <p:attrName>style.visibility</p:attrName>
-                                        </p:attrNameLst>
-                                      </p:cBhvr>
-                                      <p:to>
-                                        <p:strVal val="visible"/>
-                                      </p:to>
-                                    </p:set>
-                                    <p:animEffect transition="in" filter="blinds(horizontal)">
-                                      <p:cBhvr>
-                                        <p:cTn id="13" dur="500"/>
-                                        <p:tgtEl>
-                                          <p:spTgt spid="22"/>
-                                        </p:tgtEl>
-                                      </p:cBhvr>
-                                    </p:animEffect>
-                                  </p:childTnLst>
-                                </p:cTn>
-                              </p:par>
-                              <p:par>
-                                <p:cTn id="14" presetID="3" presetClass="entr" presetSubtype="10" fill="hold" nodeType="withEffect">
-                                  <p:stCondLst>
-                                    <p:cond delay="0"/>
-                                  </p:stCondLst>
-                                  <p:childTnLst>
-                                    <p:set>
-                                      <p:cBhvr>
-                                        <p:cTn id="15" dur="1" fill="hold">
-                                          <p:stCondLst>
-                                            <p:cond delay="0"/>
-                                          </p:stCondLst>
-                                        </p:cTn>
-                                        <p:tgtEl>
-                                          <p:spTgt spid="31"/>
-                                        </p:tgtEl>
-                                        <p:attrNameLst>
-                                          <p:attrName>style.visibility</p:attrName>
-                                        </p:attrNameLst>
-                                      </p:cBhvr>
-                                      <p:to>
-                                        <p:strVal val="visible"/>
-                                      </p:to>
-                                    </p:set>
-                                    <p:animEffect transition="in" filter="blinds(horizontal)">
-                                      <p:cBhvr>
-                                        <p:cTn id="16" dur="500"/>
-                                        <p:tgtEl>
-                                          <p:spTgt spid="31"/>
-                                        </p:tgtEl>
-                                      </p:cBhvr>
-                                    </p:animEffect>
-                                  </p:childTnLst>
-                                </p:cTn>
-                              </p:par>
-                              <p:par>
-                                <p:cTn id="17" presetID="3" presetClass="entr" presetSubtype="10" fill="hold" grpId="0" nodeType="withEffect">
-                                  <p:stCondLst>
-                                    <p:cond delay="0"/>
-                                  </p:stCondLst>
-                                  <p:childTnLst>
-                                    <p:set>
-                                      <p:cBhvr>
-                                        <p:cTn id="18" dur="1" fill="hold">
-                                          <p:stCondLst>
-                                            <p:cond delay="0"/>
-                                          </p:stCondLst>
-                                        </p:cTn>
-                                        <p:tgtEl>
-                                          <p:spTgt spid="34"/>
-                                        </p:tgtEl>
-                                        <p:attrNameLst>
-                                          <p:attrName>style.visibility</p:attrName>
-                                        </p:attrNameLst>
-                                      </p:cBhvr>
-                                      <p:to>
-                                        <p:strVal val="visible"/>
-                                      </p:to>
-                                    </p:set>
-                                    <p:animEffect transition="in" filter="blinds(horizontal)">
-                                      <p:cBhvr>
-                                        <p:cTn id="19" dur="500"/>
-                                        <p:tgtEl>
-                                          <p:spTgt spid="34"/>
-                                        </p:tgtEl>
-                                      </p:cBhvr>
-                                    </p:animEffect>
-                                  </p:childTnLst>
-                                </p:cTn>
-                              </p:par>
-                              <p:par>
-                                <p:cTn id="20" presetID="3" presetClass="entr" presetSubtype="10" fill="hold" grpId="0" nodeType="withEffect">
-                                  <p:stCondLst>
-                                    <p:cond delay="0"/>
-                                  </p:stCondLst>
-                                  <p:childTnLst>
-                                    <p:set>
-                                      <p:cBhvr>
-                                        <p:cTn id="21" dur="1" fill="hold">
-                                          <p:stCondLst>
-                                            <p:cond delay="0"/>
-                                          </p:stCondLst>
-                                        </p:cTn>
-                                        <p:tgtEl>
-                                          <p:spTgt spid="36"/>
-                                        </p:tgtEl>
-                                        <p:attrNameLst>
-                                          <p:attrName>style.visibility</p:attrName>
-                                        </p:attrNameLst>
-                                      </p:cBhvr>
-                                      <p:to>
-                                        <p:strVal val="visible"/>
-                                      </p:to>
-                                    </p:set>
-                                    <p:animEffect transition="in" filter="blinds(horizontal)">
-                                      <p:cBhvr>
-                                        <p:cTn id="22" dur="500"/>
-                                        <p:tgtEl>
-                                          <p:spTgt spid="36"/>
-                                        </p:tgtEl>
-                                      </p:cBhvr>
-                                    </p:animEffect>
-                                  </p:childTnLst>
-                                </p:cTn>
-                              </p:par>
-                            </p:childTnLst>
-                          </p:cTn>
-                        </p:par>
-                      </p:childTnLst>
-                    </p:cTn>
-                  </p:par>
-                  <p:par>
-                    <p:cTn id="23" fill="hold">
-                      <p:stCondLst>
-                        <p:cond delay="indefinite"/>
-                      </p:stCondLst>
-                      <p:childTnLst>
-                        <p:par>
-                          <p:cTn id="24" fill="hold">
-                            <p:stCondLst>
-                              <p:cond delay="0"/>
-                            </p:stCondLst>
-                            <p:childTnLst>
-                              <p:par>
-                                <p:cTn id="25" presetID="3" presetClass="entr" presetSubtype="10" fill="hold" grpId="0" nodeType="clickEffect">
-                                  <p:stCondLst>
-                                    <p:cond delay="0"/>
-                                  </p:stCondLst>
-                                  <p:childTnLst>
-                                    <p:set>
-                                      <p:cBhvr>
-                                        <p:cTn id="26" dur="1" fill="hold">
-                                          <p:stCondLst>
-                                            <p:cond delay="0"/>
-                                          </p:stCondLst>
-                                        </p:cTn>
-                                        <p:tgtEl>
-                                          <p:spTgt spid="39"/>
-                                        </p:tgtEl>
-                                        <p:attrNameLst>
-                                          <p:attrName>style.visibility</p:attrName>
-                                        </p:attrNameLst>
-                                      </p:cBhvr>
-                                      <p:to>
-                                        <p:strVal val="visible"/>
-                                      </p:to>
-                                    </p:set>
-                                    <p:animEffect transition="in" filter="blinds(horizontal)">
-                                      <p:cBhvr>
-                                        <p:cTn id="27" dur="500"/>
-                                        <p:tgtEl>
-                                          <p:spTgt spid="39"/>
-                                        </p:tgtEl>
-                                      </p:cBhvr>
-                                    </p:animEffect>
-                                  </p:childTnLst>
-                                </p:cTn>
-                              </p:par>
-                              <p:par>
-                                <p:cTn id="28" presetID="3" presetClass="entr" presetSubtype="10" fill="hold" nodeType="withEffect">
-                                  <p:stCondLst>
-                                    <p:cond delay="0"/>
-                                  </p:stCondLst>
-                                  <p:childTnLst>
-                                    <p:set>
-                                      <p:cBhvr>
-                                        <p:cTn id="29" dur="1" fill="hold">
-                                          <p:stCondLst>
-                                            <p:cond delay="0"/>
-                                          </p:stCondLst>
-                                        </p:cTn>
-                                        <p:tgtEl>
-                                          <p:spTgt spid="40"/>
-                                        </p:tgtEl>
-                                        <p:attrNameLst>
-                                          <p:attrName>style.visibility</p:attrName>
-                                        </p:attrNameLst>
-                                      </p:cBhvr>
-                                      <p:to>
-                                        <p:strVal val="visible"/>
-                                      </p:to>
-                                    </p:set>
-                                    <p:animEffect transition="in" filter="blinds(horizontal)">
-                                      <p:cBhvr>
-                                        <p:cTn id="30" dur="500"/>
-                                        <p:tgtEl>
-                                          <p:spTgt spid="40"/>
-                                        </p:tgtEl>
-                                      </p:cBhvr>
-                                    </p:animEffect>
-                                  </p:childTnLst>
-                                </p:cTn>
-                              </p:par>
-                              <p:par>
-                                <p:cTn id="31" presetID="3" presetClass="entr" presetSubtype="10" fill="hold" grpId="0" nodeType="withEffect">
-                                  <p:stCondLst>
-                                    <p:cond delay="0"/>
-                                  </p:stCondLst>
-                                  <p:childTnLst>
-                                    <p:set>
-                                      <p:cBhvr>
-                                        <p:cTn id="32" dur="1" fill="hold">
-                                          <p:stCondLst>
-                                            <p:cond delay="0"/>
-                                          </p:stCondLst>
-                                        </p:cTn>
-                                        <p:tgtEl>
-                                          <p:spTgt spid="43"/>
-                                        </p:tgtEl>
-                                        <p:attrNameLst>
-                                          <p:attrName>style.visibility</p:attrName>
-                                        </p:attrNameLst>
-                                      </p:cBhvr>
-                                      <p:to>
-                                        <p:strVal val="visible"/>
-                                      </p:to>
-                                    </p:set>
-                                    <p:animEffect transition="in" filter="blinds(horizontal)">
-                                      <p:cBhvr>
-                                        <p:cTn id="33" dur="500"/>
-                                        <p:tgtEl>
-                                          <p:spTgt spid="43"/>
-                                        </p:tgtEl>
-                                      </p:cBhvr>
-                                    </p:animEffect>
-                                  </p:childTnLst>
-                                </p:cTn>
-                              </p:par>
-                              <p:par>
-                                <p:cTn id="34" presetID="3" presetClass="entr" presetSubtype="10" fill="hold" grpId="0" nodeType="withEffect">
-                                  <p:stCondLst>
-                                    <p:cond delay="0"/>
-                                  </p:stCondLst>
-                                  <p:childTnLst>
-                                    <p:set>
-                                      <p:cBhvr>
-                                        <p:cTn id="35" dur="1" fill="hold">
-                                          <p:stCondLst>
-                                            <p:cond delay="0"/>
-                                          </p:stCondLst>
-                                        </p:cTn>
-                                        <p:tgtEl>
-                                          <p:spTgt spid="101"/>
-                                        </p:tgtEl>
-                                        <p:attrNameLst>
-                                          <p:attrName>style.visibility</p:attrName>
-                                        </p:attrNameLst>
-                                      </p:cBhvr>
-                                      <p:to>
-                                        <p:strVal val="visible"/>
-                                      </p:to>
-                                    </p:set>
-                                    <p:animEffect transition="in" filter="blinds(horizontal)">
-                                      <p:cBhvr>
-                                        <p:cTn id="36" dur="500"/>
-                                        <p:tgtEl>
-                                          <p:spTgt spid="101"/>
-                                        </p:tgtEl>
-                                      </p:cBhvr>
-                                    </p:animEffect>
-                                  </p:childTnLst>
-                                </p:cTn>
-                              </p:par>
-                              <p:par>
-                                <p:cTn id="37" presetID="3" presetClass="entr" presetSubtype="10" fill="hold" grpId="0" nodeType="withEffect">
-                                  <p:stCondLst>
-                                    <p:cond delay="0"/>
-                                  </p:stCondLst>
-                                  <p:childTnLst>
-                                    <p:set>
-                                      <p:cBhvr>
-                                        <p:cTn id="38" dur="1" fill="hold">
-                                          <p:stCondLst>
-                                            <p:cond delay="0"/>
-                                          </p:stCondLst>
-                                        </p:cTn>
-                                        <p:tgtEl>
-                                          <p:spTgt spid="46"/>
-                                        </p:tgtEl>
-                                        <p:attrNameLst>
-                                          <p:attrName>style.visibility</p:attrName>
-                                        </p:attrNameLst>
-                                      </p:cBhvr>
-                                      <p:to>
-                                        <p:strVal val="visible"/>
-                                      </p:to>
-                                    </p:set>
-                                    <p:animEffect transition="in" filter="blinds(horizontal)">
-                                      <p:cBhvr>
-                                        <p:cTn id="39" dur="500"/>
-                                        <p:tgtEl>
-                                          <p:spTgt spid="46"/>
-                                        </p:tgtEl>
-                                      </p:cBhvr>
-                                    </p:animEffect>
-                                  </p:childTnLst>
-                                </p:cTn>
-                              </p:par>
-                            </p:childTnLst>
-                          </p:cTn>
-                        </p:par>
-                      </p:childTnLst>
-                    </p:cTn>
-                  </p:par>
-                  <p:par>
-                    <p:cTn id="40" fill="hold">
-                      <p:stCondLst>
-                        <p:cond delay="indefinite"/>
-                      </p:stCondLst>
-                      <p:childTnLst>
-                        <p:par>
-                          <p:cTn id="41" fill="hold">
-                            <p:stCondLst>
-                              <p:cond delay="0"/>
-                            </p:stCondLst>
-                            <p:childTnLst>
-                              <p:par>
-                                <p:cTn id="42" presetID="3" presetClass="entr" presetSubtype="10" fill="hold" grpId="0" nodeType="clickEffect">
-                                  <p:stCondLst>
-                                    <p:cond delay="0"/>
-                                  </p:stCondLst>
-                                  <p:childTnLst>
-                                    <p:set>
-                                      <p:cBhvr>
-                                        <p:cTn id="43" dur="1" fill="hold">
-                                          <p:stCondLst>
-                                            <p:cond delay="0"/>
-                                          </p:stCondLst>
-                                        </p:cTn>
-                                        <p:tgtEl>
-                                          <p:spTgt spid="37"/>
-                                        </p:tgtEl>
-                                        <p:attrNameLst>
-                                          <p:attrName>style.visibility</p:attrName>
-                                        </p:attrNameLst>
-                                      </p:cBhvr>
-                                      <p:to>
-                                        <p:strVal val="visible"/>
-                                      </p:to>
-                                    </p:set>
-                                    <p:animEffect transition="in" filter="blinds(horizontal)">
-                                      <p:cBhvr>
-                                        <p:cTn id="44" dur="500"/>
-                                        <p:tgtEl>
-                                          <p:spTgt spid="37"/>
-                                        </p:tgtEl>
-                                      </p:cBhvr>
-                                    </p:animEffect>
-                                  </p:childTnLst>
-                                </p:cTn>
-                              </p:par>
-                              <p:par>
-                                <p:cTn id="45" presetID="3" presetClass="entr" presetSubtype="10" fill="hold" nodeType="withEffect">
-                                  <p:stCondLst>
-                                    <p:cond delay="0"/>
-                                  </p:stCondLst>
-                                  <p:childTnLst>
-                                    <p:set>
-                                      <p:cBhvr>
-                                        <p:cTn id="46" dur="1" fill="hold">
-                                          <p:stCondLst>
-                                            <p:cond delay="0"/>
-                                          </p:stCondLst>
-                                        </p:cTn>
-                                        <p:tgtEl>
-                                          <p:spTgt spid="41"/>
-                                        </p:tgtEl>
-                                        <p:attrNameLst>
-                                          <p:attrName>style.visibility</p:attrName>
-                                        </p:attrNameLst>
-                                      </p:cBhvr>
-                                      <p:to>
-                                        <p:strVal val="visible"/>
-                                      </p:to>
-                                    </p:set>
-                                    <p:animEffect transition="in" filter="blinds(horizontal)">
-                                      <p:cBhvr>
-                                        <p:cTn id="47" dur="500"/>
-                                        <p:tgtEl>
-                                          <p:spTgt spid="41"/>
-                                        </p:tgtEl>
-                                      </p:cBhvr>
-                                    </p:animEffect>
-                                  </p:childTnLst>
-                                </p:cTn>
-                              </p:par>
-                              <p:par>
-                                <p:cTn id="48" presetID="3" presetClass="entr" presetSubtype="10" fill="hold" grpId="0" nodeType="withEffect">
-                                  <p:stCondLst>
-                                    <p:cond delay="0"/>
-                                  </p:stCondLst>
-                                  <p:childTnLst>
-                                    <p:set>
-                                      <p:cBhvr>
-                                        <p:cTn id="49" dur="1" fill="hold">
-                                          <p:stCondLst>
-                                            <p:cond delay="0"/>
-                                          </p:stCondLst>
-                                        </p:cTn>
-                                        <p:tgtEl>
-                                          <p:spTgt spid="42"/>
-                                        </p:tgtEl>
-                                        <p:attrNameLst>
-                                          <p:attrName>style.visibility</p:attrName>
-                                        </p:attrNameLst>
-                                      </p:cBhvr>
-                                      <p:to>
-                                        <p:strVal val="visible"/>
-                                      </p:to>
-                                    </p:set>
-                                    <p:animEffect transition="in" filter="blinds(horizontal)">
-                                      <p:cBhvr>
-                                        <p:cTn id="50" dur="500"/>
-                                        <p:tgtEl>
-                                          <p:spTgt spid="42"/>
-                                        </p:tgtEl>
-                                      </p:cBhvr>
-                                    </p:animEffect>
-                                  </p:childTnLst>
-                                </p:cTn>
-                              </p:par>
-                              <p:par>
-                                <p:cTn id="51" presetID="3" presetClass="entr" presetSubtype="10" fill="hold" nodeType="withEffect">
-                                  <p:stCondLst>
-                                    <p:cond delay="0"/>
-                                  </p:stCondLst>
-                                  <p:childTnLst>
-                                    <p:set>
-                                      <p:cBhvr>
-                                        <p:cTn id="52" dur="1" fill="hold">
-                                          <p:stCondLst>
-                                            <p:cond delay="0"/>
-                                          </p:stCondLst>
-                                        </p:cTn>
-                                        <p:tgtEl>
-                                          <p:spTgt spid="54"/>
-                                        </p:tgtEl>
-                                        <p:attrNameLst>
-                                          <p:attrName>style.visibility</p:attrName>
-                                        </p:attrNameLst>
-                                      </p:cBhvr>
-                                      <p:to>
-                                        <p:strVal val="visible"/>
-                                      </p:to>
-                                    </p:set>
-                                    <p:animEffect transition="in" filter="blinds(horizontal)">
-                                      <p:cBhvr>
-                                        <p:cTn id="53" dur="500"/>
-                                        <p:tgtEl>
-                                          <p:spTgt spid="54"/>
-                                        </p:tgtEl>
-                                      </p:cBhvr>
-                                    </p:animEffect>
-                                  </p:childTnLst>
-                                </p:cTn>
-                              </p:par>
-                              <p:par>
-                                <p:cTn id="54" presetID="3" presetClass="entr" presetSubtype="10" fill="hold" grpId="0" nodeType="withEffect">
-                                  <p:stCondLst>
-                                    <p:cond delay="0"/>
-                                  </p:stCondLst>
-                                  <p:childTnLst>
-                                    <p:set>
-                                      <p:cBhvr>
-                                        <p:cTn id="55" dur="1" fill="hold">
-                                          <p:stCondLst>
-                                            <p:cond delay="0"/>
-                                          </p:stCondLst>
-                                        </p:cTn>
-                                        <p:tgtEl>
-                                          <p:spTgt spid="57"/>
-                                        </p:tgtEl>
-                                        <p:attrNameLst>
-                                          <p:attrName>style.visibility</p:attrName>
-                                        </p:attrNameLst>
-                                      </p:cBhvr>
-                                      <p:to>
-                                        <p:strVal val="visible"/>
-                                      </p:to>
-                                    </p:set>
-                                    <p:animEffect transition="in" filter="blinds(horizontal)">
-                                      <p:cBhvr>
-                                        <p:cTn id="56" dur="500"/>
-                                        <p:tgtEl>
-                                          <p:spTgt spid="57"/>
-                                        </p:tgtEl>
-                                      </p:cBhvr>
-                                    </p:animEffect>
-                                  </p:childTnLst>
-                                </p:cTn>
-                              </p:par>
-                            </p:childTnLst>
-                          </p:cTn>
-                        </p:par>
-                      </p:childTnLst>
-                    </p:cTn>
-                  </p:par>
-                  <p:par>
-                    <p:cTn id="57" fill="hold">
-                      <p:stCondLst>
-                        <p:cond delay="indefinite"/>
-                      </p:stCondLst>
-                      <p:childTnLst>
-                        <p:par>
-                          <p:cTn id="58" fill="hold">
-                            <p:stCondLst>
-                              <p:cond delay="0"/>
-                            </p:stCondLst>
-                            <p:childTnLst>
-                              <p:par>
-                                <p:cTn id="59" presetID="3" presetClass="entr" presetSubtype="10" fill="hold" grpId="0" nodeType="clickEffect">
-                                  <p:stCondLst>
-                                    <p:cond delay="0"/>
-                                  </p:stCondLst>
-                                  <p:childTnLst>
-                                    <p:set>
-                                      <p:cBhvr>
-                                        <p:cTn id="60" dur="1" fill="hold">
-                                          <p:stCondLst>
-                                            <p:cond delay="0"/>
-                                          </p:stCondLst>
-                                        </p:cTn>
-                                        <p:tgtEl>
-                                          <p:spTgt spid="47"/>
-                                        </p:tgtEl>
-                                        <p:attrNameLst>
-                                          <p:attrName>style.visibility</p:attrName>
-                                        </p:attrNameLst>
-                                      </p:cBhvr>
-                                      <p:to>
-                                        <p:strVal val="visible"/>
-                                      </p:to>
-                                    </p:set>
-                                    <p:animEffect transition="in" filter="blinds(horizontal)">
-                                      <p:cBhvr>
-                                        <p:cTn id="61" dur="500"/>
-                                        <p:tgtEl>
-                                          <p:spTgt spid="47"/>
-                                        </p:tgtEl>
-                                      </p:cBhvr>
-                                    </p:animEffect>
-                                  </p:childTnLst>
-                                </p:cTn>
-                              </p:par>
-                              <p:par>
-                                <p:cTn id="62" presetID="3" presetClass="entr" presetSubtype="10" fill="hold" nodeType="withEffect">
-                                  <p:stCondLst>
-                                    <p:cond delay="0"/>
-                                  </p:stCondLst>
-                                  <p:childTnLst>
-                                    <p:set>
-                                      <p:cBhvr>
-                                        <p:cTn id="63" dur="1" fill="hold">
-                                          <p:stCondLst>
-                                            <p:cond delay="0"/>
-                                          </p:stCondLst>
-                                        </p:cTn>
-                                        <p:tgtEl>
-                                          <p:spTgt spid="48"/>
-                                        </p:tgtEl>
-                                        <p:attrNameLst>
-                                          <p:attrName>style.visibility</p:attrName>
-                                        </p:attrNameLst>
-                                      </p:cBhvr>
-                                      <p:to>
-                                        <p:strVal val="visible"/>
-                                      </p:to>
-                                    </p:set>
-                                    <p:animEffect transition="in" filter="blinds(horizontal)">
-                                      <p:cBhvr>
-                                        <p:cTn id="64" dur="500"/>
-                                        <p:tgtEl>
-                                          <p:spTgt spid="48"/>
-                                        </p:tgtEl>
-                                      </p:cBhvr>
-                                    </p:animEffect>
-                                  </p:childTnLst>
-                                </p:cTn>
-                              </p:par>
-                              <p:par>
-                                <p:cTn id="65" presetID="3" presetClass="entr" presetSubtype="10" fill="hold" grpId="0" nodeType="withEffect">
-                                  <p:stCondLst>
-                                    <p:cond delay="0"/>
-                                  </p:stCondLst>
-                                  <p:childTnLst>
-                                    <p:set>
-                                      <p:cBhvr>
-                                        <p:cTn id="66" dur="1" fill="hold">
-                                          <p:stCondLst>
-                                            <p:cond delay="0"/>
-                                          </p:stCondLst>
-                                        </p:cTn>
-                                        <p:tgtEl>
-                                          <p:spTgt spid="51"/>
-                                        </p:tgtEl>
-                                        <p:attrNameLst>
-                                          <p:attrName>style.visibility</p:attrName>
-                                        </p:attrNameLst>
-                                      </p:cBhvr>
-                                      <p:to>
-                                        <p:strVal val="visible"/>
-                                      </p:to>
-                                    </p:set>
-                                    <p:animEffect transition="in" filter="blinds(horizontal)">
-                                      <p:cBhvr>
-                                        <p:cTn id="67" dur="500"/>
-                                        <p:tgtEl>
-                                          <p:spTgt spid="51"/>
-                                        </p:tgtEl>
-                                      </p:cBhvr>
-                                    </p:animEffect>
-                                  </p:childTnLst>
-                                </p:cTn>
-                              </p:par>
-                              <p:par>
-                                <p:cTn id="68" presetID="3" presetClass="entr" presetSubtype="10" fill="hold" grpId="0" nodeType="withEffect">
-                                  <p:stCondLst>
-                                    <p:cond delay="0"/>
-                                  </p:stCondLst>
-                                  <p:childTnLst>
-                                    <p:set>
-                                      <p:cBhvr>
-                                        <p:cTn id="69" dur="1" fill="hold">
-                                          <p:stCondLst>
-                                            <p:cond delay="0"/>
-                                          </p:stCondLst>
-                                        </p:cTn>
-                                        <p:tgtEl>
-                                          <p:spTgt spid="52"/>
-                                        </p:tgtEl>
-                                        <p:attrNameLst>
-                                          <p:attrName>style.visibility</p:attrName>
-                                        </p:attrNameLst>
-                                      </p:cBhvr>
-                                      <p:to>
-                                        <p:strVal val="visible"/>
-                                      </p:to>
-                                    </p:set>
-                                    <p:animEffect transition="in" filter="blinds(horizontal)">
-                                      <p:cBhvr>
-                                        <p:cTn id="70" dur="500"/>
-                                        <p:tgtEl>
-                                          <p:spTgt spid="52"/>
-                                        </p:tgtEl>
-                                      </p:cBhvr>
-                                    </p:animEffect>
-                                  </p:childTnLst>
-                                </p:cTn>
-                              </p:par>
-                              <p:par>
-                                <p:cTn id="71" presetID="3" presetClass="entr" presetSubtype="10" fill="hold" grpId="0" nodeType="withEffect">
-                                  <p:stCondLst>
-                                    <p:cond delay="0"/>
-                                  </p:stCondLst>
-                                  <p:childTnLst>
-                                    <p:set>
-                                      <p:cBhvr>
-                                        <p:cTn id="72" dur="1" fill="hold">
-                                          <p:stCondLst>
-                                            <p:cond delay="0"/>
-                                          </p:stCondLst>
-                                        </p:cTn>
-                                        <p:tgtEl>
-                                          <p:spTgt spid="53"/>
-                                        </p:tgtEl>
-                                        <p:attrNameLst>
-                                          <p:attrName>style.visibility</p:attrName>
-                                        </p:attrNameLst>
-                                      </p:cBhvr>
-                                      <p:to>
-                                        <p:strVal val="visible"/>
-                                      </p:to>
-                                    </p:set>
-                                    <p:animEffect transition="in" filter="blinds(horizontal)">
-                                      <p:cBhvr>
-                                        <p:cTn id="73" dur="500"/>
-                                        <p:tgtEl>
-                                          <p:spTgt spid="53"/>
-                                        </p:tgtEl>
-                                      </p:cBhvr>
-                                    </p:animEffect>
-                                  </p:childTnLst>
-                                </p:cTn>
-                              </p:par>
-                            </p:childTnLst>
-                          </p:cTn>
-                        </p:par>
-                      </p:childTnLst>
-                    </p:cTn>
-                  </p:par>
-                </p:childTnLst>
-              </p:cTn>
-              <p:prevCondLst>
-                <p:cond evt="onPrev" delay="0">
-                  <p:tgtEl>
-                    <p:sldTgt/>
-                  </p:tgtEl>
-                </p:cond>
-              </p:prevCondLst>
-              <p:nextCondLst>
-                <p:cond evt="onNext" delay="0">
-                  <p:tgtEl>
-                    <p:sldTgt/>
-                  </p:tgtEl>
-                </p:cond>
-              </p:nextCondLst>
-            </p:seq>
-          </p:childTnLst>
-        </p:cTn>
-      </p:par>
-    </p:tnLst>
-    <p:bldLst>
-      <p:bldP spid="8" grpId="0" animBg="1"/>
-      <p:bldP spid="21" grpId="0" animBg="1"/>
-      <p:bldP spid="34" grpId="0" animBg="1"/>
-      <p:bldP spid="36" grpId="0"/>
-      <p:bldP spid="8" grpId="1" animBg="1"/>
-      <p:bldP spid="21" grpId="1" animBg="1"/>
-      <p:bldP spid="34" grpId="1" animBg="1"/>
-      <p:bldP spid="36" grpId="1"/>
-      <p:bldP spid="39" grpId="0" animBg="1"/>
-      <p:bldP spid="43" grpId="0" animBg="1"/>
-      <p:bldP spid="101" grpId="0" animBg="1"/>
-      <p:bldP spid="46" grpId="0" animBg="1"/>
-      <p:bldP spid="39" grpId="1" animBg="1"/>
-      <p:bldP spid="43" grpId="1" animBg="1"/>
-      <p:bldP spid="101" grpId="1" animBg="1"/>
-      <p:bldP spid="46" grpId="1" animBg="1"/>
-      <p:bldP spid="37" grpId="0" animBg="1"/>
-      <p:bldP spid="42" grpId="0" animBg="1"/>
-      <p:bldP spid="57" grpId="0" animBg="1"/>
-      <p:bldP spid="37" grpId="1" animBg="1"/>
-      <p:bldP spid="42" grpId="1" animBg="1"/>
-      <p:bldP spid="57" grpId="1" animBg="1"/>
-      <p:bldP spid="47" grpId="0" animBg="1"/>
-      <p:bldP spid="51" grpId="0" animBg="1"/>
-      <p:bldP spid="52" grpId="0" animBg="1"/>
-      <p:bldP spid="53" grpId="0" animBg="1"/>
-      <p:bldP spid="47" grpId="1" animBg="1"/>
-      <p:bldP spid="51" grpId="1" animBg="1"/>
-      <p:bldP spid="52" grpId="1" animBg="1"/>
-      <p:bldP spid="53" grpId="1" animBg="1"/>
-    </p:bldLst>
-  </p:timing>
-</p:sld>
-</file>
-
-<file path=ppt/slides/slide6.xml><?xml version="1.0" encoding="utf-8"?>
-<p:sld xmlns:a="http://schemas.openxmlformats.org/drawingml/2006/main" xmlns:r="http://schemas.openxmlformats.org/officeDocument/2006/relationships" xmlns:p="http://schemas.openxmlformats.org/presentationml/2006/main">
-  <p:cSld>
     <p:spTree>
       <p:nvGrpSpPr>
         <p:cNvPr id="1" name=""/>
@@ -16740,7 +11437,7 @@
 </p:sld>
 </file>
 
-<file path=ppt/slides/slide7.xml><?xml version="1.0" encoding="utf-8"?>
+<file path=ppt/slides/slide6.xml><?xml version="1.0" encoding="utf-8"?>
 <p:sld xmlns:a="http://schemas.openxmlformats.org/drawingml/2006/main" xmlns:r="http://schemas.openxmlformats.org/officeDocument/2006/relationships" xmlns:p="http://schemas.openxmlformats.org/presentationml/2006/main">
   <p:cSld>
     <p:spTree>
@@ -17231,7 +11928,7 @@
 </p:sld>
 </file>
 
-<file path=ppt/slides/slide8.xml><?xml version="1.0" encoding="utf-8"?>
+<file path=ppt/slides/slide7.xml><?xml version="1.0" encoding="utf-8"?>
 <p:sld xmlns:a="http://schemas.openxmlformats.org/drawingml/2006/main" xmlns:r="http://schemas.openxmlformats.org/officeDocument/2006/relationships" xmlns:p="http://schemas.openxmlformats.org/presentationml/2006/main">
   <p:cSld>
     <p:spTree>
@@ -18225,7 +12922,7 @@
 </p:sld>
 </file>
 
-<file path=ppt/slides/slide9.xml><?xml version="1.0" encoding="utf-8"?>
+<file path=ppt/slides/slide8.xml><?xml version="1.0" encoding="utf-8"?>
 <p:sld xmlns:a="http://schemas.openxmlformats.org/drawingml/2006/main" xmlns:r="http://schemas.openxmlformats.org/officeDocument/2006/relationships" xmlns:p="http://schemas.openxmlformats.org/presentationml/2006/main">
   <p:cSld>
     <p:spTree>
@@ -19309,6 +14006,2041 @@
                                         <p:cTn id="7" dur="500"/>
                                         <p:tgtEl>
                                           <p:spTgt spid="18"/>
+                                        </p:tgtEl>
+                                      </p:cBhvr>
+                                    </p:animEffect>
+                                  </p:childTnLst>
+                                </p:cTn>
+                              </p:par>
+                            </p:childTnLst>
+                          </p:cTn>
+                        </p:par>
+                      </p:childTnLst>
+                    </p:cTn>
+                  </p:par>
+                </p:childTnLst>
+              </p:cTn>
+              <p:prevCondLst>
+                <p:cond evt="onPrev" delay="0">
+                  <p:tgtEl>
+                    <p:sldTgt/>
+                  </p:tgtEl>
+                </p:cond>
+              </p:prevCondLst>
+              <p:nextCondLst>
+                <p:cond evt="onNext" delay="0">
+                  <p:tgtEl>
+                    <p:sldTgt/>
+                  </p:tgtEl>
+                </p:cond>
+              </p:nextCondLst>
+            </p:seq>
+          </p:childTnLst>
+        </p:cTn>
+      </p:par>
+    </p:tnLst>
+  </p:timing>
+</p:sld>
+</file>
+
+<file path=ppt/slides/slide9.xml><?xml version="1.0" encoding="utf-8"?>
+<p:sld xmlns:a="http://schemas.openxmlformats.org/drawingml/2006/main" xmlns:r="http://schemas.openxmlformats.org/officeDocument/2006/relationships" xmlns:p="http://schemas.openxmlformats.org/presentationml/2006/main">
+  <p:cSld>
+    <p:spTree>
+      <p:nvGrpSpPr>
+        <p:cNvPr id="1" name=""/>
+        <p:cNvGrpSpPr/>
+        <p:nvPr/>
+      </p:nvGrpSpPr>
+      <p:grpSpPr>
+        <a:xfrm>
+          <a:off x="0" y="0"/>
+          <a:ext cx="0" cy="0"/>
+          <a:chOff x="0" y="0"/>
+          <a:chExt cx="0" cy="0"/>
+        </a:xfrm>
+      </p:grpSpPr>
+      <p:sp>
+        <p:nvSpPr>
+          <p:cNvPr id="4" name="TextBox 13"/>
+          <p:cNvSpPr txBox="1"/>
+          <p:nvPr/>
+        </p:nvSpPr>
+        <p:spPr>
+          <a:xfrm>
+            <a:off x="1242060" y="1070610"/>
+            <a:ext cx="3670300" cy="332105"/>
+          </a:xfrm>
+          <a:prstGeom prst="rect">
+            <a:avLst/>
+          </a:prstGeom>
+          <a:noFill/>
+        </p:spPr>
+        <p:txBody>
+          <a:bodyPr wrap="square" lIns="0" tIns="0" rIns="0" bIns="0" rtlCol="0" anchor="t" anchorCtr="0">
+            <a:spAutoFit/>
+            <a:scene3d>
+              <a:camera prst="orthographicFront"/>
+              <a:lightRig rig="threePt" dir="t"/>
+            </a:scene3d>
+          </a:bodyPr>
+          <a:lstStyle/>
+          <a:p>
+            <a:pPr algn="ctr" defTabSz="1216660">
+              <a:lnSpc>
+                <a:spcPct val="120000"/>
+              </a:lnSpc>
+              <a:spcBef>
+                <a:spcPct val="0"/>
+              </a:spcBef>
+              <a:defRPr/>
+            </a:pPr>
+            <a:r>
+              <a:rPr lang="zh-CN" altLang="en-US" b="1" dirty="0">
+                <a:solidFill>
+                  <a:schemeClr val="accent1"/>
+                </a:solidFill>
+                <a:effectLst>
+                  <a:outerShdw blurRad="38100" dist="25400" dir="5400000" algn="ctr" rotWithShape="0">
+                    <a:srgbClr val="6E747A">
+                      <a:alpha val="43000"/>
+                    </a:srgbClr>
+                  </a:outerShdw>
+                </a:effectLst>
+                <a:latin typeface="Arial" panose="020B0604020202020204" pitchFamily="34" charset="0"/>
+                <a:ea typeface="微软雅黑" panose="020B0503020204020204" pitchFamily="34" charset="-122"/>
+                <a:sym typeface="Arial" panose="020B0604020202020204" pitchFamily="34" charset="0"/>
+              </a:rPr>
+              <a:t>收银结算优惠判断的执行流程</a:t>
+            </a:r>
+            <a:endParaRPr lang="zh-CN" altLang="en-US" b="1" dirty="0">
+              <a:solidFill>
+                <a:schemeClr val="accent1"/>
+              </a:solidFill>
+              <a:effectLst>
+                <a:outerShdw blurRad="38100" dist="25400" dir="5400000" algn="ctr" rotWithShape="0">
+                  <a:srgbClr val="6E747A">
+                    <a:alpha val="43000"/>
+                  </a:srgbClr>
+                </a:outerShdw>
+              </a:effectLst>
+              <a:latin typeface="Arial" panose="020B0604020202020204" pitchFamily="34" charset="0"/>
+              <a:ea typeface="微软雅黑" panose="020B0503020204020204" pitchFamily="34" charset="-122"/>
+              <a:sym typeface="Arial" panose="020B0604020202020204" pitchFamily="34" charset="0"/>
+            </a:endParaRPr>
+          </a:p>
+        </p:txBody>
+      </p:sp>
+      <p:sp>
+        <p:nvSpPr>
+          <p:cNvPr id="6" name="不完整圆 38"/>
+          <p:cNvSpPr/>
+          <p:nvPr/>
+        </p:nvSpPr>
+        <p:spPr>
+          <a:xfrm>
+            <a:off x="317243" y="254362"/>
+            <a:ext cx="317240" cy="317240"/>
+          </a:xfrm>
+          <a:prstGeom prst="pie">
+            <a:avLst/>
+          </a:prstGeom>
+          <a:ln>
+            <a:noFill/>
+          </a:ln>
+        </p:spPr>
+        <p:style>
+          <a:lnRef idx="2">
+            <a:schemeClr val="accent1">
+              <a:shade val="50000"/>
+            </a:schemeClr>
+          </a:lnRef>
+          <a:fillRef idx="1">
+            <a:schemeClr val="accent1"/>
+          </a:fillRef>
+          <a:effectRef idx="0">
+            <a:schemeClr val="accent1"/>
+          </a:effectRef>
+          <a:fontRef idx="minor">
+            <a:schemeClr val="lt1"/>
+          </a:fontRef>
+        </p:style>
+        <p:txBody>
+          <a:bodyPr rtlCol="0" anchor="ctr"/>
+          <a:lstStyle/>
+          <a:p>
+            <a:pPr algn="ctr"/>
+            <a:endParaRPr lang="zh-CN" altLang="en-US">
+              <a:solidFill>
+                <a:schemeClr val="tx1"/>
+              </a:solidFill>
+            </a:endParaRPr>
+          </a:p>
+        </p:txBody>
+      </p:sp>
+      <p:sp>
+        <p:nvSpPr>
+          <p:cNvPr id="7" name="文本框 6"/>
+          <p:cNvSpPr txBox="1">
+            <a:spLocks noChangeArrowheads="1"/>
+          </p:cNvSpPr>
+          <p:nvPr/>
+        </p:nvSpPr>
+        <p:spPr bwMode="auto">
+          <a:xfrm>
+            <a:off x="657903" y="182150"/>
+            <a:ext cx="1402080" cy="460375"/>
+          </a:xfrm>
+          <a:prstGeom prst="rect">
+            <a:avLst/>
+          </a:prstGeom>
+          <a:noFill/>
+          <a:ln>
+            <a:noFill/>
+          </a:ln>
+          <a:extLst>
+            <a:ext uri="{909E8E84-426E-40DD-AFC4-6F175D3DCCD1}">
+              <a14:hiddenFill xmlns:a14="http://schemas.microsoft.com/office/drawing/2010/main">
+                <a:solidFill>
+                  <a:srgbClr val="FFFFFF"/>
+                </a:solidFill>
+              </a14:hiddenFill>
+            </a:ext>
+            <a:ext uri="{91240B29-F687-4F45-9708-019B960494DF}">
+              <a14:hiddenLine xmlns:a14="http://schemas.microsoft.com/office/drawing/2010/main" w="9525">
+                <a:solidFill>
+                  <a:srgbClr val="000000"/>
+                </a:solidFill>
+                <a:miter lim="800000"/>
+                <a:headEnd/>
+                <a:tailEnd/>
+              </a14:hiddenLine>
+            </a:ext>
+          </a:extLst>
+        </p:spPr>
+        <p:txBody>
+          <a:bodyPr wrap="none">
+            <a:spAutoFit/>
+          </a:bodyPr>
+          <a:lstStyle>
+            <a:lvl1pPr>
+              <a:lnSpc>
+                <a:spcPct val="90000"/>
+              </a:lnSpc>
+              <a:spcBef>
+                <a:spcPts val="1000"/>
+              </a:spcBef>
+              <a:buFont typeface="Arial" panose="020B0604020202020204" pitchFamily="34" charset="0"/>
+              <a:buChar char="•"/>
+              <a:defRPr sz="2800">
+                <a:solidFill>
+                  <a:schemeClr val="tx1"/>
+                </a:solidFill>
+                <a:latin typeface="Calibri" panose="020F0502020204030204" pitchFamily="34" charset="0"/>
+                <a:ea typeface="宋体" panose="02010600030101010101" pitchFamily="2" charset="-122"/>
+              </a:defRPr>
+            </a:lvl1pPr>
+            <a:lvl2pPr marL="742950" indent="-285750">
+              <a:lnSpc>
+                <a:spcPct val="90000"/>
+              </a:lnSpc>
+              <a:spcBef>
+                <a:spcPts val="500"/>
+              </a:spcBef>
+              <a:buFont typeface="Arial" panose="020B0604020202020204" pitchFamily="34" charset="0"/>
+              <a:buChar char="•"/>
+              <a:defRPr sz="2400">
+                <a:solidFill>
+                  <a:schemeClr val="tx1"/>
+                </a:solidFill>
+                <a:latin typeface="Calibri" panose="020F0502020204030204" pitchFamily="34" charset="0"/>
+                <a:ea typeface="宋体" panose="02010600030101010101" pitchFamily="2" charset="-122"/>
+              </a:defRPr>
+            </a:lvl2pPr>
+            <a:lvl3pPr marL="1143000" indent="-228600">
+              <a:lnSpc>
+                <a:spcPct val="90000"/>
+              </a:lnSpc>
+              <a:spcBef>
+                <a:spcPts val="500"/>
+              </a:spcBef>
+              <a:buFont typeface="Arial" panose="020B0604020202020204" pitchFamily="34" charset="0"/>
+              <a:buChar char="•"/>
+              <a:defRPr sz="2000">
+                <a:solidFill>
+                  <a:schemeClr val="tx1"/>
+                </a:solidFill>
+                <a:latin typeface="Calibri" panose="020F0502020204030204" pitchFamily="34" charset="0"/>
+                <a:ea typeface="宋体" panose="02010600030101010101" pitchFamily="2" charset="-122"/>
+              </a:defRPr>
+            </a:lvl3pPr>
+            <a:lvl4pPr marL="1600200" indent="-228600">
+              <a:lnSpc>
+                <a:spcPct val="90000"/>
+              </a:lnSpc>
+              <a:spcBef>
+                <a:spcPts val="500"/>
+              </a:spcBef>
+              <a:buFont typeface="Arial" panose="020B0604020202020204" pitchFamily="34" charset="0"/>
+              <a:buChar char="•"/>
+              <a:defRPr>
+                <a:solidFill>
+                  <a:schemeClr val="tx1"/>
+                </a:solidFill>
+                <a:latin typeface="Calibri" panose="020F0502020204030204" pitchFamily="34" charset="0"/>
+                <a:ea typeface="宋体" panose="02010600030101010101" pitchFamily="2" charset="-122"/>
+              </a:defRPr>
+            </a:lvl4pPr>
+            <a:lvl5pPr marL="2057400" indent="-228600">
+              <a:lnSpc>
+                <a:spcPct val="90000"/>
+              </a:lnSpc>
+              <a:spcBef>
+                <a:spcPts val="500"/>
+              </a:spcBef>
+              <a:buFont typeface="Arial" panose="020B0604020202020204" pitchFamily="34" charset="0"/>
+              <a:buChar char="•"/>
+              <a:defRPr>
+                <a:solidFill>
+                  <a:schemeClr val="tx1"/>
+                </a:solidFill>
+                <a:latin typeface="Calibri" panose="020F0502020204030204" pitchFamily="34" charset="0"/>
+                <a:ea typeface="宋体" panose="02010600030101010101" pitchFamily="2" charset="-122"/>
+              </a:defRPr>
+            </a:lvl5pPr>
+            <a:lvl6pPr marL="2514600" indent="-228600" fontAlgn="base">
+              <a:lnSpc>
+                <a:spcPct val="90000"/>
+              </a:lnSpc>
+              <a:spcBef>
+                <a:spcPts val="500"/>
+              </a:spcBef>
+              <a:spcAft>
+                <a:spcPct val="0"/>
+              </a:spcAft>
+              <a:buFont typeface="Arial" panose="020B0604020202020204" pitchFamily="34" charset="0"/>
+              <a:buChar char="•"/>
+              <a:defRPr>
+                <a:solidFill>
+                  <a:schemeClr val="tx1"/>
+                </a:solidFill>
+                <a:latin typeface="Calibri" panose="020F0502020204030204" pitchFamily="34" charset="0"/>
+                <a:ea typeface="宋体" panose="02010600030101010101" pitchFamily="2" charset="-122"/>
+              </a:defRPr>
+            </a:lvl6pPr>
+            <a:lvl7pPr marL="2971800" indent="-228600" fontAlgn="base">
+              <a:lnSpc>
+                <a:spcPct val="90000"/>
+              </a:lnSpc>
+              <a:spcBef>
+                <a:spcPts val="500"/>
+              </a:spcBef>
+              <a:spcAft>
+                <a:spcPct val="0"/>
+              </a:spcAft>
+              <a:buFont typeface="Arial" panose="020B0604020202020204" pitchFamily="34" charset="0"/>
+              <a:buChar char="•"/>
+              <a:defRPr>
+                <a:solidFill>
+                  <a:schemeClr val="tx1"/>
+                </a:solidFill>
+                <a:latin typeface="Calibri" panose="020F0502020204030204" pitchFamily="34" charset="0"/>
+                <a:ea typeface="宋体" panose="02010600030101010101" pitchFamily="2" charset="-122"/>
+              </a:defRPr>
+            </a:lvl7pPr>
+            <a:lvl8pPr marL="3429000" indent="-228600" fontAlgn="base">
+              <a:lnSpc>
+                <a:spcPct val="90000"/>
+              </a:lnSpc>
+              <a:spcBef>
+                <a:spcPts val="500"/>
+              </a:spcBef>
+              <a:spcAft>
+                <a:spcPct val="0"/>
+              </a:spcAft>
+              <a:buFont typeface="Arial" panose="020B0604020202020204" pitchFamily="34" charset="0"/>
+              <a:buChar char="•"/>
+              <a:defRPr>
+                <a:solidFill>
+                  <a:schemeClr val="tx1"/>
+                </a:solidFill>
+                <a:latin typeface="Calibri" panose="020F0502020204030204" pitchFamily="34" charset="0"/>
+                <a:ea typeface="宋体" panose="02010600030101010101" pitchFamily="2" charset="-122"/>
+              </a:defRPr>
+            </a:lvl8pPr>
+            <a:lvl9pPr marL="3886200" indent="-228600" fontAlgn="base">
+              <a:lnSpc>
+                <a:spcPct val="90000"/>
+              </a:lnSpc>
+              <a:spcBef>
+                <a:spcPts val="500"/>
+              </a:spcBef>
+              <a:spcAft>
+                <a:spcPct val="0"/>
+              </a:spcAft>
+              <a:buFont typeface="Arial" panose="020B0604020202020204" pitchFamily="34" charset="0"/>
+              <a:buChar char="•"/>
+              <a:defRPr>
+                <a:solidFill>
+                  <a:schemeClr val="tx1"/>
+                </a:solidFill>
+                <a:latin typeface="Calibri" panose="020F0502020204030204" pitchFamily="34" charset="0"/>
+                <a:ea typeface="宋体" panose="02010600030101010101" pitchFamily="2" charset="-122"/>
+              </a:defRPr>
+            </a:lvl9pPr>
+          </a:lstStyle>
+          <a:p>
+            <a:pPr algn="l" fontAlgn="base">
+              <a:lnSpc>
+                <a:spcPct val="100000"/>
+              </a:lnSpc>
+              <a:spcBef>
+                <a:spcPct val="0"/>
+              </a:spcBef>
+              <a:spcAft>
+                <a:spcPct val="0"/>
+              </a:spcAft>
+              <a:buFontTx/>
+              <a:buNone/>
+            </a:pPr>
+            <a:r>
+              <a:rPr lang="zh-CN" altLang="en-US" sz="2400">
+                <a:solidFill>
+                  <a:srgbClr val="000000"/>
+                </a:solidFill>
+                <a:latin typeface="微软雅黑" panose="020B0503020204020204" pitchFamily="34" charset="-122"/>
+                <a:ea typeface="微软雅黑" panose="020B0503020204020204" pitchFamily="34" charset="-122"/>
+                <a:sym typeface="+mn-ea"/>
+              </a:rPr>
+              <a:t>系统设计</a:t>
+            </a:r>
+            <a:endParaRPr lang="zh-CN" altLang="en-US" sz="2400" dirty="0">
+              <a:solidFill>
+                <a:srgbClr val="000000"/>
+              </a:solidFill>
+              <a:latin typeface="微软雅黑" panose="020B0503020204020204" pitchFamily="34" charset="-122"/>
+              <a:ea typeface="微软雅黑" panose="020B0503020204020204" pitchFamily="34" charset="-122"/>
+            </a:endParaRPr>
+          </a:p>
+        </p:txBody>
+      </p:sp>
+      <p:sp>
+        <p:nvSpPr>
+          <p:cNvPr id="2" name="Oval 31"/>
+          <p:cNvSpPr/>
+          <p:nvPr/>
+        </p:nvSpPr>
+        <p:spPr>
+          <a:xfrm>
+            <a:off x="657678" y="927235"/>
+            <a:ext cx="663186" cy="663186"/>
+          </a:xfrm>
+          <a:prstGeom prst="ellipse">
+            <a:avLst/>
+          </a:prstGeom>
+          <a:solidFill>
+            <a:schemeClr val="accent1"/>
+          </a:solidFill>
+          <a:ln>
+            <a:noFill/>
+          </a:ln>
+        </p:spPr>
+        <p:style>
+          <a:lnRef idx="2">
+            <a:schemeClr val="accent1">
+              <a:shade val="50000"/>
+            </a:schemeClr>
+          </a:lnRef>
+          <a:fillRef idx="1">
+            <a:schemeClr val="accent1"/>
+          </a:fillRef>
+          <a:effectRef idx="0">
+            <a:schemeClr val="accent1"/>
+          </a:effectRef>
+          <a:fontRef idx="minor">
+            <a:schemeClr val="lt1"/>
+          </a:fontRef>
+        </p:style>
+        <p:txBody>
+          <a:bodyPr rtlCol="0" anchor="ctr"/>
+          <a:p>
+            <a:pPr algn="ctr">
+              <a:lnSpc>
+                <a:spcPct val="120000"/>
+              </a:lnSpc>
+            </a:pPr>
+            <a:endParaRPr lang="en-US" sz="760"/>
+          </a:p>
+        </p:txBody>
+      </p:sp>
+      <p:sp>
+        <p:nvSpPr>
+          <p:cNvPr id="8" name="Freeform 173"/>
+          <p:cNvSpPr>
+            <a:spLocks noEditPoints="1"/>
+          </p:cNvSpPr>
+          <p:nvPr/>
+        </p:nvSpPr>
+        <p:spPr bwMode="auto">
+          <a:xfrm>
+            <a:off x="835775" y="1105208"/>
+            <a:ext cx="307501" cy="307502"/>
+          </a:xfrm>
+          <a:custGeom>
+            <a:avLst/>
+            <a:gdLst>
+              <a:gd name="T0" fmla="*/ 110 w 132"/>
+              <a:gd name="T1" fmla="*/ 66 h 132"/>
+              <a:gd name="T2" fmla="*/ 66 w 132"/>
+              <a:gd name="T3" fmla="*/ 26 h 132"/>
+              <a:gd name="T4" fmla="*/ 0 w 132"/>
+              <a:gd name="T5" fmla="*/ 66 h 132"/>
+              <a:gd name="T6" fmla="*/ 121 w 132"/>
+              <a:gd name="T7" fmla="*/ 76 h 132"/>
+              <a:gd name="T8" fmla="*/ 118 w 132"/>
+              <a:gd name="T9" fmla="*/ 83 h 132"/>
+              <a:gd name="T10" fmla="*/ 116 w 132"/>
+              <a:gd name="T11" fmla="*/ 88 h 132"/>
+              <a:gd name="T12" fmla="*/ 114 w 132"/>
+              <a:gd name="T13" fmla="*/ 95 h 132"/>
+              <a:gd name="T14" fmla="*/ 105 w 132"/>
+              <a:gd name="T15" fmla="*/ 101 h 132"/>
+              <a:gd name="T16" fmla="*/ 102 w 132"/>
+              <a:gd name="T17" fmla="*/ 108 h 132"/>
+              <a:gd name="T18" fmla="*/ 97 w 132"/>
+              <a:gd name="T19" fmla="*/ 113 h 132"/>
+              <a:gd name="T20" fmla="*/ 86 w 132"/>
+              <a:gd name="T21" fmla="*/ 114 h 132"/>
+              <a:gd name="T22" fmla="*/ 80 w 132"/>
+              <a:gd name="T23" fmla="*/ 119 h 132"/>
+              <a:gd name="T24" fmla="*/ 73 w 132"/>
+              <a:gd name="T25" fmla="*/ 122 h 132"/>
+              <a:gd name="T26" fmla="*/ 63 w 132"/>
+              <a:gd name="T27" fmla="*/ 118 h 132"/>
+              <a:gd name="T28" fmla="*/ 56 w 132"/>
+              <a:gd name="T29" fmla="*/ 120 h 132"/>
+              <a:gd name="T30" fmla="*/ 48 w 132"/>
+              <a:gd name="T31" fmla="*/ 119 h 132"/>
+              <a:gd name="T32" fmla="*/ 41 w 132"/>
+              <a:gd name="T33" fmla="*/ 112 h 132"/>
+              <a:gd name="T34" fmla="*/ 33 w 132"/>
+              <a:gd name="T35" fmla="*/ 110 h 132"/>
+              <a:gd name="T36" fmla="*/ 27 w 132"/>
+              <a:gd name="T37" fmla="*/ 106 h 132"/>
+              <a:gd name="T38" fmla="*/ 23 w 132"/>
+              <a:gd name="T39" fmla="*/ 96 h 132"/>
+              <a:gd name="T40" fmla="*/ 17 w 132"/>
+              <a:gd name="T41" fmla="*/ 92 h 132"/>
+              <a:gd name="T42" fmla="*/ 13 w 132"/>
+              <a:gd name="T43" fmla="*/ 85 h 132"/>
+              <a:gd name="T44" fmla="*/ 15 w 132"/>
+              <a:gd name="T45" fmla="*/ 77 h 132"/>
+              <a:gd name="T46" fmla="*/ 10 w 132"/>
+              <a:gd name="T47" fmla="*/ 68 h 132"/>
+              <a:gd name="T48" fmla="*/ 13 w 132"/>
+              <a:gd name="T49" fmla="*/ 63 h 132"/>
+              <a:gd name="T50" fmla="*/ 12 w 132"/>
+              <a:gd name="T51" fmla="*/ 55 h 132"/>
+              <a:gd name="T52" fmla="*/ 14 w 132"/>
+              <a:gd name="T53" fmla="*/ 48 h 132"/>
+              <a:gd name="T54" fmla="*/ 17 w 132"/>
+              <a:gd name="T55" fmla="*/ 44 h 132"/>
+              <a:gd name="T56" fmla="*/ 18 w 132"/>
+              <a:gd name="T57" fmla="*/ 37 h 132"/>
+              <a:gd name="T58" fmla="*/ 25 w 132"/>
+              <a:gd name="T59" fmla="*/ 33 h 132"/>
+              <a:gd name="T60" fmla="*/ 30 w 132"/>
+              <a:gd name="T61" fmla="*/ 23 h 132"/>
+              <a:gd name="T62" fmla="*/ 36 w 132"/>
+              <a:gd name="T63" fmla="*/ 23 h 132"/>
+              <a:gd name="T64" fmla="*/ 41 w 132"/>
+              <a:gd name="T65" fmla="*/ 17 h 132"/>
+              <a:gd name="T66" fmla="*/ 47 w 132"/>
+              <a:gd name="T67" fmla="*/ 14 h 132"/>
+              <a:gd name="T68" fmla="*/ 55 w 132"/>
+              <a:gd name="T69" fmla="*/ 15 h 132"/>
+              <a:gd name="T70" fmla="*/ 59 w 132"/>
+              <a:gd name="T71" fmla="*/ 10 h 132"/>
+              <a:gd name="T72" fmla="*/ 69 w 132"/>
+              <a:gd name="T73" fmla="*/ 14 h 132"/>
+              <a:gd name="T74" fmla="*/ 77 w 132"/>
+              <a:gd name="T75" fmla="*/ 11 h 132"/>
+              <a:gd name="T76" fmla="*/ 82 w 132"/>
+              <a:gd name="T77" fmla="*/ 16 h 132"/>
+              <a:gd name="T78" fmla="*/ 89 w 132"/>
+              <a:gd name="T79" fmla="*/ 16 h 132"/>
+              <a:gd name="T80" fmla="*/ 95 w 132"/>
+              <a:gd name="T81" fmla="*/ 19 h 132"/>
+              <a:gd name="T82" fmla="*/ 99 w 132"/>
+              <a:gd name="T83" fmla="*/ 26 h 132"/>
+              <a:gd name="T84" fmla="*/ 105 w 132"/>
+              <a:gd name="T85" fmla="*/ 26 h 132"/>
+              <a:gd name="T86" fmla="*/ 109 w 132"/>
+              <a:gd name="T87" fmla="*/ 36 h 132"/>
+              <a:gd name="T88" fmla="*/ 116 w 132"/>
+              <a:gd name="T89" fmla="*/ 41 h 132"/>
+              <a:gd name="T90" fmla="*/ 117 w 132"/>
+              <a:gd name="T91" fmla="*/ 48 h 132"/>
+              <a:gd name="T92" fmla="*/ 119 w 132"/>
+              <a:gd name="T93" fmla="*/ 53 h 132"/>
+              <a:gd name="T94" fmla="*/ 121 w 132"/>
+              <a:gd name="T95" fmla="*/ 60 h 132"/>
+              <a:gd name="T96" fmla="*/ 118 w 132"/>
+              <a:gd name="T97" fmla="*/ 66 h 132"/>
+              <a:gd name="T98" fmla="*/ 122 w 132"/>
+              <a:gd name="T99" fmla="*/ 71 h 132"/>
+              <a:gd name="T100" fmla="*/ 87 w 132"/>
+              <a:gd name="T101" fmla="*/ 41 h 132"/>
+              <a:gd name="T102" fmla="*/ 83 w 132"/>
+              <a:gd name="T103" fmla="*/ 70 h 132"/>
+              <a:gd name="T104" fmla="*/ 72 w 132"/>
+              <a:gd name="T105" fmla="*/ 92 h 132"/>
+              <a:gd name="T106" fmla="*/ 49 w 132"/>
+              <a:gd name="T107" fmla="*/ 71 h 132"/>
+              <a:gd name="T108" fmla="*/ 44 w 132"/>
+              <a:gd name="T109" fmla="*/ 41 h 132"/>
+              <a:gd name="T110" fmla="*/ 66 w 132"/>
+              <a:gd name="T111" fmla="*/ 57 h 132"/>
+            </a:gdLst>
+            <a:ahLst/>
+            <a:cxnLst>
+              <a:cxn ang="0">
+                <a:pos x="T0" y="T1"/>
+              </a:cxn>
+              <a:cxn ang="0">
+                <a:pos x="T2" y="T3"/>
+              </a:cxn>
+              <a:cxn ang="0">
+                <a:pos x="T4" y="T5"/>
+              </a:cxn>
+              <a:cxn ang="0">
+                <a:pos x="T6" y="T7"/>
+              </a:cxn>
+              <a:cxn ang="0">
+                <a:pos x="T8" y="T9"/>
+              </a:cxn>
+              <a:cxn ang="0">
+                <a:pos x="T10" y="T11"/>
+              </a:cxn>
+              <a:cxn ang="0">
+                <a:pos x="T12" y="T13"/>
+              </a:cxn>
+              <a:cxn ang="0">
+                <a:pos x="T14" y="T15"/>
+              </a:cxn>
+              <a:cxn ang="0">
+                <a:pos x="T16" y="T17"/>
+              </a:cxn>
+              <a:cxn ang="0">
+                <a:pos x="T18" y="T19"/>
+              </a:cxn>
+              <a:cxn ang="0">
+                <a:pos x="T20" y="T21"/>
+              </a:cxn>
+              <a:cxn ang="0">
+                <a:pos x="T22" y="T23"/>
+              </a:cxn>
+              <a:cxn ang="0">
+                <a:pos x="T24" y="T25"/>
+              </a:cxn>
+              <a:cxn ang="0">
+                <a:pos x="T26" y="T27"/>
+              </a:cxn>
+              <a:cxn ang="0">
+                <a:pos x="T28" y="T29"/>
+              </a:cxn>
+              <a:cxn ang="0">
+                <a:pos x="T30" y="T31"/>
+              </a:cxn>
+              <a:cxn ang="0">
+                <a:pos x="T32" y="T33"/>
+              </a:cxn>
+              <a:cxn ang="0">
+                <a:pos x="T34" y="T35"/>
+              </a:cxn>
+              <a:cxn ang="0">
+                <a:pos x="T36" y="T37"/>
+              </a:cxn>
+              <a:cxn ang="0">
+                <a:pos x="T38" y="T39"/>
+              </a:cxn>
+              <a:cxn ang="0">
+                <a:pos x="T40" y="T41"/>
+              </a:cxn>
+              <a:cxn ang="0">
+                <a:pos x="T42" y="T43"/>
+              </a:cxn>
+              <a:cxn ang="0">
+                <a:pos x="T44" y="T45"/>
+              </a:cxn>
+              <a:cxn ang="0">
+                <a:pos x="T46" y="T47"/>
+              </a:cxn>
+              <a:cxn ang="0">
+                <a:pos x="T48" y="T49"/>
+              </a:cxn>
+              <a:cxn ang="0">
+                <a:pos x="T50" y="T51"/>
+              </a:cxn>
+              <a:cxn ang="0">
+                <a:pos x="T52" y="T53"/>
+              </a:cxn>
+              <a:cxn ang="0">
+                <a:pos x="T54" y="T55"/>
+              </a:cxn>
+              <a:cxn ang="0">
+                <a:pos x="T56" y="T57"/>
+              </a:cxn>
+              <a:cxn ang="0">
+                <a:pos x="T58" y="T59"/>
+              </a:cxn>
+              <a:cxn ang="0">
+                <a:pos x="T60" y="T61"/>
+              </a:cxn>
+              <a:cxn ang="0">
+                <a:pos x="T62" y="T63"/>
+              </a:cxn>
+              <a:cxn ang="0">
+                <a:pos x="T64" y="T65"/>
+              </a:cxn>
+              <a:cxn ang="0">
+                <a:pos x="T66" y="T67"/>
+              </a:cxn>
+              <a:cxn ang="0">
+                <a:pos x="T68" y="T69"/>
+              </a:cxn>
+              <a:cxn ang="0">
+                <a:pos x="T70" y="T71"/>
+              </a:cxn>
+              <a:cxn ang="0">
+                <a:pos x="T72" y="T73"/>
+              </a:cxn>
+              <a:cxn ang="0">
+                <a:pos x="T74" y="T75"/>
+              </a:cxn>
+              <a:cxn ang="0">
+                <a:pos x="T76" y="T77"/>
+              </a:cxn>
+              <a:cxn ang="0">
+                <a:pos x="T78" y="T79"/>
+              </a:cxn>
+              <a:cxn ang="0">
+                <a:pos x="T80" y="T81"/>
+              </a:cxn>
+              <a:cxn ang="0">
+                <a:pos x="T82" y="T83"/>
+              </a:cxn>
+              <a:cxn ang="0">
+                <a:pos x="T84" y="T85"/>
+              </a:cxn>
+              <a:cxn ang="0">
+                <a:pos x="T86" y="T87"/>
+              </a:cxn>
+              <a:cxn ang="0">
+                <a:pos x="T88" y="T89"/>
+              </a:cxn>
+              <a:cxn ang="0">
+                <a:pos x="T90" y="T91"/>
+              </a:cxn>
+              <a:cxn ang="0">
+                <a:pos x="T92" y="T93"/>
+              </a:cxn>
+              <a:cxn ang="0">
+                <a:pos x="T94" y="T95"/>
+              </a:cxn>
+              <a:cxn ang="0">
+                <a:pos x="T96" y="T97"/>
+              </a:cxn>
+              <a:cxn ang="0">
+                <a:pos x="T98" y="T99"/>
+              </a:cxn>
+              <a:cxn ang="0">
+                <a:pos x="T100" y="T101"/>
+              </a:cxn>
+              <a:cxn ang="0">
+                <a:pos x="T102" y="T103"/>
+              </a:cxn>
+              <a:cxn ang="0">
+                <a:pos x="T104" y="T105"/>
+              </a:cxn>
+              <a:cxn ang="0">
+                <a:pos x="T106" y="T107"/>
+              </a:cxn>
+              <a:cxn ang="0">
+                <a:pos x="T108" y="T109"/>
+              </a:cxn>
+              <a:cxn ang="0">
+                <a:pos x="T110" y="T111"/>
+              </a:cxn>
+            </a:cxnLst>
+            <a:rect l="0" t="0" r="r" b="b"/>
+            <a:pathLst>
+              <a:path w="132" h="132">
+                <a:moveTo>
+                  <a:pt x="66" y="22"/>
+                </a:moveTo>
+                <a:cubicBezTo>
+                  <a:pt x="42" y="22"/>
+                  <a:pt x="22" y="42"/>
+                  <a:pt x="22" y="66"/>
+                </a:cubicBezTo>
+                <a:cubicBezTo>
+                  <a:pt x="22" y="90"/>
+                  <a:pt x="42" y="110"/>
+                  <a:pt x="66" y="110"/>
+                </a:cubicBezTo>
+                <a:cubicBezTo>
+                  <a:pt x="90" y="110"/>
+                  <a:pt x="110" y="90"/>
+                  <a:pt x="110" y="66"/>
+                </a:cubicBezTo>
+                <a:cubicBezTo>
+                  <a:pt x="110" y="42"/>
+                  <a:pt x="90" y="22"/>
+                  <a:pt x="66" y="22"/>
+                </a:cubicBezTo>
+                <a:close/>
+                <a:moveTo>
+                  <a:pt x="66" y="106"/>
+                </a:moveTo>
+                <a:cubicBezTo>
+                  <a:pt x="44" y="106"/>
+                  <a:pt x="26" y="88"/>
+                  <a:pt x="26" y="66"/>
+                </a:cubicBezTo>
+                <a:cubicBezTo>
+                  <a:pt x="26" y="44"/>
+                  <a:pt x="44" y="26"/>
+                  <a:pt x="66" y="26"/>
+                </a:cubicBezTo>
+                <a:cubicBezTo>
+                  <a:pt x="88" y="26"/>
+                  <a:pt x="105" y="44"/>
+                  <a:pt x="105" y="66"/>
+                </a:cubicBezTo>
+                <a:cubicBezTo>
+                  <a:pt x="105" y="88"/>
+                  <a:pt x="88" y="106"/>
+                  <a:pt x="66" y="106"/>
+                </a:cubicBezTo>
+                <a:close/>
+                <a:moveTo>
+                  <a:pt x="66" y="0"/>
+                </a:moveTo>
+                <a:cubicBezTo>
+                  <a:pt x="29" y="0"/>
+                  <a:pt x="0" y="30"/>
+                  <a:pt x="0" y="66"/>
+                </a:cubicBezTo>
+                <a:cubicBezTo>
+                  <a:pt x="0" y="102"/>
+                  <a:pt x="29" y="132"/>
+                  <a:pt x="66" y="132"/>
+                </a:cubicBezTo>
+                <a:cubicBezTo>
+                  <a:pt x="102" y="132"/>
+                  <a:pt x="132" y="102"/>
+                  <a:pt x="132" y="66"/>
+                </a:cubicBezTo>
+                <a:cubicBezTo>
+                  <a:pt x="132" y="30"/>
+                  <a:pt x="102" y="0"/>
+                  <a:pt x="66" y="0"/>
+                </a:cubicBezTo>
+                <a:close/>
+                <a:moveTo>
+                  <a:pt x="121" y="76"/>
+                </a:moveTo>
+                <a:cubicBezTo>
+                  <a:pt x="121" y="76"/>
+                  <a:pt x="120" y="76"/>
+                  <a:pt x="120" y="76"/>
+                </a:cubicBezTo>
+                <a:cubicBezTo>
+                  <a:pt x="119" y="76"/>
+                  <a:pt x="117" y="76"/>
+                  <a:pt x="117" y="78"/>
+                </a:cubicBezTo>
+                <a:cubicBezTo>
+                  <a:pt x="117" y="78"/>
+                  <a:pt x="117" y="79"/>
+                  <a:pt x="116" y="80"/>
+                </a:cubicBezTo>
+                <a:cubicBezTo>
+                  <a:pt x="116" y="81"/>
+                  <a:pt x="117" y="83"/>
+                  <a:pt x="118" y="83"/>
+                </a:cubicBezTo>
+                <a:cubicBezTo>
+                  <a:pt x="118" y="83"/>
+                  <a:pt x="119" y="83"/>
+                  <a:pt x="119" y="83"/>
+                </a:cubicBezTo>
+                <a:cubicBezTo>
+                  <a:pt x="119" y="83"/>
+                  <a:pt x="119" y="83"/>
+                  <a:pt x="119" y="83"/>
+                </a:cubicBezTo>
+                <a:cubicBezTo>
+                  <a:pt x="119" y="85"/>
+                  <a:pt x="118" y="87"/>
+                  <a:pt x="117" y="88"/>
+                </a:cubicBezTo>
+                <a:cubicBezTo>
+                  <a:pt x="117" y="88"/>
+                  <a:pt x="117" y="88"/>
+                  <a:pt x="116" y="88"/>
+                </a:cubicBezTo>
+                <a:cubicBezTo>
+                  <a:pt x="115" y="87"/>
+                  <a:pt x="114" y="88"/>
+                  <a:pt x="113" y="89"/>
+                </a:cubicBezTo>
+                <a:cubicBezTo>
+                  <a:pt x="113" y="90"/>
+                  <a:pt x="112" y="90"/>
+                  <a:pt x="112" y="91"/>
+                </a:cubicBezTo>
+                <a:cubicBezTo>
+                  <a:pt x="111" y="92"/>
+                  <a:pt x="112" y="94"/>
+                  <a:pt x="113" y="94"/>
+                </a:cubicBezTo>
+                <a:cubicBezTo>
+                  <a:pt x="113" y="95"/>
+                  <a:pt x="114" y="95"/>
+                  <a:pt x="114" y="95"/>
+                </a:cubicBezTo>
+                <a:cubicBezTo>
+                  <a:pt x="113" y="96"/>
+                  <a:pt x="112" y="98"/>
+                  <a:pt x="111" y="99"/>
+                </a:cubicBezTo>
+                <a:cubicBezTo>
+                  <a:pt x="111" y="99"/>
+                  <a:pt x="111" y="99"/>
+                  <a:pt x="110" y="98"/>
+                </a:cubicBezTo>
+                <a:cubicBezTo>
+                  <a:pt x="109" y="98"/>
+                  <a:pt x="108" y="98"/>
+                  <a:pt x="107" y="99"/>
+                </a:cubicBezTo>
+                <a:cubicBezTo>
+                  <a:pt x="106" y="99"/>
+                  <a:pt x="106" y="100"/>
+                  <a:pt x="105" y="101"/>
+                </a:cubicBezTo>
+                <a:cubicBezTo>
+                  <a:pt x="104" y="102"/>
+                  <a:pt x="105" y="103"/>
+                  <a:pt x="106" y="104"/>
+                </a:cubicBezTo>
+                <a:cubicBezTo>
+                  <a:pt x="106" y="104"/>
+                  <a:pt x="106" y="105"/>
+                  <a:pt x="106" y="105"/>
+                </a:cubicBezTo>
+                <a:cubicBezTo>
+                  <a:pt x="105" y="106"/>
+                  <a:pt x="104" y="107"/>
+                  <a:pt x="102" y="108"/>
+                </a:cubicBezTo>
+                <a:cubicBezTo>
+                  <a:pt x="102" y="108"/>
+                  <a:pt x="102" y="108"/>
+                  <a:pt x="102" y="108"/>
+                </a:cubicBezTo>
+                <a:cubicBezTo>
+                  <a:pt x="101" y="107"/>
+                  <a:pt x="100" y="106"/>
+                  <a:pt x="98" y="107"/>
+                </a:cubicBezTo>
+                <a:cubicBezTo>
+                  <a:pt x="98" y="108"/>
+                  <a:pt x="97" y="108"/>
+                  <a:pt x="97" y="109"/>
+                </a:cubicBezTo>
+                <a:cubicBezTo>
+                  <a:pt x="95" y="109"/>
+                  <a:pt x="95" y="111"/>
+                  <a:pt x="96" y="112"/>
+                </a:cubicBezTo>
+                <a:cubicBezTo>
+                  <a:pt x="96" y="112"/>
+                  <a:pt x="97" y="113"/>
+                  <a:pt x="97" y="113"/>
+                </a:cubicBezTo>
+                <a:cubicBezTo>
+                  <a:pt x="95" y="114"/>
+                  <a:pt x="94" y="115"/>
+                  <a:pt x="92" y="116"/>
+                </a:cubicBezTo>
+                <a:cubicBezTo>
+                  <a:pt x="92" y="115"/>
+                  <a:pt x="92" y="115"/>
+                  <a:pt x="92" y="115"/>
+                </a:cubicBezTo>
+                <a:cubicBezTo>
+                  <a:pt x="91" y="113"/>
+                  <a:pt x="90" y="113"/>
+                  <a:pt x="88" y="113"/>
+                </a:cubicBezTo>
+                <a:cubicBezTo>
+                  <a:pt x="88" y="114"/>
+                  <a:pt x="87" y="114"/>
+                  <a:pt x="86" y="114"/>
+                </a:cubicBezTo>
+                <a:cubicBezTo>
+                  <a:pt x="85" y="115"/>
+                  <a:pt x="84" y="116"/>
+                  <a:pt x="85" y="118"/>
+                </a:cubicBezTo>
+                <a:cubicBezTo>
+                  <a:pt x="85" y="118"/>
+                  <a:pt x="85" y="118"/>
+                  <a:pt x="86" y="118"/>
+                </a:cubicBezTo>
+                <a:cubicBezTo>
+                  <a:pt x="84" y="119"/>
+                  <a:pt x="82" y="120"/>
+                  <a:pt x="80" y="120"/>
+                </a:cubicBezTo>
+                <a:cubicBezTo>
+                  <a:pt x="80" y="120"/>
+                  <a:pt x="80" y="119"/>
+                  <a:pt x="80" y="119"/>
+                </a:cubicBezTo>
+                <a:cubicBezTo>
+                  <a:pt x="80" y="118"/>
+                  <a:pt x="79" y="117"/>
+                  <a:pt x="77" y="117"/>
+                </a:cubicBezTo>
+                <a:cubicBezTo>
+                  <a:pt x="77" y="117"/>
+                  <a:pt x="76" y="118"/>
+                  <a:pt x="75" y="118"/>
+                </a:cubicBezTo>
+                <a:cubicBezTo>
+                  <a:pt x="74" y="118"/>
+                  <a:pt x="73" y="119"/>
+                  <a:pt x="73" y="121"/>
+                </a:cubicBezTo>
+                <a:cubicBezTo>
+                  <a:pt x="73" y="121"/>
+                  <a:pt x="73" y="121"/>
+                  <a:pt x="73" y="122"/>
+                </a:cubicBezTo>
+                <a:cubicBezTo>
+                  <a:pt x="72" y="122"/>
+                  <a:pt x="70" y="122"/>
+                  <a:pt x="68" y="122"/>
+                </a:cubicBezTo>
+                <a:cubicBezTo>
+                  <a:pt x="68" y="122"/>
+                  <a:pt x="68" y="121"/>
+                  <a:pt x="68" y="121"/>
+                </a:cubicBezTo>
+                <a:cubicBezTo>
+                  <a:pt x="68" y="120"/>
+                  <a:pt x="67" y="119"/>
+                  <a:pt x="66" y="118"/>
+                </a:cubicBezTo>
+                <a:cubicBezTo>
+                  <a:pt x="65" y="118"/>
+                  <a:pt x="64" y="118"/>
+                  <a:pt x="63" y="118"/>
+                </a:cubicBezTo>
+                <a:cubicBezTo>
+                  <a:pt x="62" y="118"/>
+                  <a:pt x="61" y="119"/>
+                  <a:pt x="61" y="121"/>
+                </a:cubicBezTo>
+                <a:cubicBezTo>
+                  <a:pt x="61" y="121"/>
+                  <a:pt x="61" y="122"/>
+                  <a:pt x="61" y="122"/>
+                </a:cubicBezTo>
+                <a:cubicBezTo>
+                  <a:pt x="59" y="122"/>
+                  <a:pt x="57" y="121"/>
+                  <a:pt x="55" y="121"/>
+                </a:cubicBezTo>
+                <a:cubicBezTo>
+                  <a:pt x="55" y="121"/>
+                  <a:pt x="56" y="120"/>
+                  <a:pt x="56" y="120"/>
+                </a:cubicBezTo>
+                <a:cubicBezTo>
+                  <a:pt x="56" y="119"/>
+                  <a:pt x="55" y="117"/>
+                  <a:pt x="54" y="117"/>
+                </a:cubicBezTo>
+                <a:cubicBezTo>
+                  <a:pt x="53" y="117"/>
+                  <a:pt x="52" y="117"/>
+                  <a:pt x="52" y="117"/>
+                </a:cubicBezTo>
+                <a:cubicBezTo>
+                  <a:pt x="50" y="116"/>
+                  <a:pt x="49" y="117"/>
+                  <a:pt x="49" y="118"/>
+                </a:cubicBezTo>
+                <a:cubicBezTo>
+                  <a:pt x="48" y="119"/>
+                  <a:pt x="48" y="119"/>
+                  <a:pt x="48" y="119"/>
+                </a:cubicBezTo>
+                <a:cubicBezTo>
+                  <a:pt x="47" y="119"/>
+                  <a:pt x="45" y="118"/>
+                  <a:pt x="43" y="117"/>
+                </a:cubicBezTo>
+                <a:cubicBezTo>
+                  <a:pt x="43" y="117"/>
+                  <a:pt x="44" y="117"/>
+                  <a:pt x="44" y="116"/>
+                </a:cubicBezTo>
+                <a:cubicBezTo>
+                  <a:pt x="44" y="115"/>
+                  <a:pt x="44" y="114"/>
+                  <a:pt x="43" y="113"/>
+                </a:cubicBezTo>
+                <a:cubicBezTo>
+                  <a:pt x="42" y="113"/>
+                  <a:pt x="41" y="112"/>
+                  <a:pt x="41" y="112"/>
+                </a:cubicBezTo>
+                <a:cubicBezTo>
+                  <a:pt x="39" y="111"/>
+                  <a:pt x="38" y="112"/>
+                  <a:pt x="37" y="113"/>
+                </a:cubicBezTo>
+                <a:cubicBezTo>
+                  <a:pt x="37" y="113"/>
+                  <a:pt x="37" y="114"/>
+                  <a:pt x="37" y="114"/>
+                </a:cubicBezTo>
+                <a:cubicBezTo>
+                  <a:pt x="35" y="113"/>
+                  <a:pt x="34" y="112"/>
+                  <a:pt x="32" y="111"/>
+                </a:cubicBezTo>
+                <a:cubicBezTo>
+                  <a:pt x="33" y="111"/>
+                  <a:pt x="33" y="111"/>
+                  <a:pt x="33" y="110"/>
+                </a:cubicBezTo>
+                <a:cubicBezTo>
+                  <a:pt x="34" y="109"/>
+                  <a:pt x="34" y="108"/>
+                  <a:pt x="33" y="107"/>
+                </a:cubicBezTo>
+                <a:cubicBezTo>
+                  <a:pt x="32" y="106"/>
+                  <a:pt x="32" y="106"/>
+                  <a:pt x="31" y="105"/>
+                </a:cubicBezTo>
+                <a:cubicBezTo>
+                  <a:pt x="30" y="104"/>
+                  <a:pt x="28" y="104"/>
+                  <a:pt x="27" y="105"/>
+                </a:cubicBezTo>
+                <a:cubicBezTo>
+                  <a:pt x="27" y="106"/>
+                  <a:pt x="27" y="106"/>
+                  <a:pt x="27" y="106"/>
+                </a:cubicBezTo>
+                <a:cubicBezTo>
+                  <a:pt x="26" y="105"/>
+                  <a:pt x="24" y="104"/>
+                  <a:pt x="23" y="102"/>
+                </a:cubicBezTo>
+                <a:cubicBezTo>
+                  <a:pt x="23" y="102"/>
+                  <a:pt x="24" y="102"/>
+                  <a:pt x="24" y="102"/>
+                </a:cubicBezTo>
+                <a:cubicBezTo>
+                  <a:pt x="25" y="101"/>
+                  <a:pt x="25" y="99"/>
+                  <a:pt x="25" y="98"/>
+                </a:cubicBezTo>
+                <a:cubicBezTo>
+                  <a:pt x="24" y="98"/>
+                  <a:pt x="24" y="97"/>
+                  <a:pt x="23" y="96"/>
+                </a:cubicBezTo>
+                <a:cubicBezTo>
+                  <a:pt x="22" y="95"/>
+                  <a:pt x="21" y="95"/>
+                  <a:pt x="20" y="96"/>
+                </a:cubicBezTo>
+                <a:cubicBezTo>
+                  <a:pt x="19" y="96"/>
+                  <a:pt x="19" y="96"/>
+                  <a:pt x="19" y="97"/>
+                </a:cubicBezTo>
+                <a:cubicBezTo>
+                  <a:pt x="18" y="95"/>
+                  <a:pt x="17" y="93"/>
+                  <a:pt x="16" y="92"/>
+                </a:cubicBezTo>
+                <a:cubicBezTo>
+                  <a:pt x="16" y="92"/>
+                  <a:pt x="17" y="92"/>
+                  <a:pt x="17" y="92"/>
+                </a:cubicBezTo>
+                <a:cubicBezTo>
+                  <a:pt x="18" y="91"/>
+                  <a:pt x="19" y="90"/>
+                  <a:pt x="18" y="88"/>
+                </a:cubicBezTo>
+                <a:cubicBezTo>
+                  <a:pt x="18" y="88"/>
+                  <a:pt x="18" y="87"/>
+                  <a:pt x="17" y="86"/>
+                </a:cubicBezTo>
+                <a:cubicBezTo>
+                  <a:pt x="17" y="85"/>
+                  <a:pt x="15" y="84"/>
+                  <a:pt x="14" y="85"/>
+                </a:cubicBezTo>
+                <a:cubicBezTo>
+                  <a:pt x="14" y="85"/>
+                  <a:pt x="14" y="85"/>
+                  <a:pt x="13" y="85"/>
+                </a:cubicBezTo>
+                <a:cubicBezTo>
+                  <a:pt x="13" y="84"/>
+                  <a:pt x="12" y="82"/>
+                  <a:pt x="12" y="80"/>
+                </a:cubicBezTo>
+                <a:cubicBezTo>
+                  <a:pt x="12" y="80"/>
+                  <a:pt x="12" y="80"/>
+                  <a:pt x="12" y="80"/>
+                </a:cubicBezTo>
+                <a:cubicBezTo>
+                  <a:pt x="12" y="80"/>
+                  <a:pt x="12" y="80"/>
+                  <a:pt x="13" y="80"/>
+                </a:cubicBezTo>
+                <a:cubicBezTo>
+                  <a:pt x="14" y="80"/>
+                  <a:pt x="15" y="78"/>
+                  <a:pt x="15" y="77"/>
+                </a:cubicBezTo>
+                <a:cubicBezTo>
+                  <a:pt x="14" y="76"/>
+                  <a:pt x="14" y="76"/>
+                  <a:pt x="14" y="75"/>
+                </a:cubicBezTo>
+                <a:cubicBezTo>
+                  <a:pt x="14" y="73"/>
+                  <a:pt x="13" y="73"/>
+                  <a:pt x="11" y="73"/>
+                </a:cubicBezTo>
+                <a:cubicBezTo>
+                  <a:pt x="11" y="73"/>
+                  <a:pt x="11" y="73"/>
+                  <a:pt x="10" y="73"/>
+                </a:cubicBezTo>
+                <a:cubicBezTo>
+                  <a:pt x="10" y="71"/>
+                  <a:pt x="10" y="69"/>
+                  <a:pt x="10" y="68"/>
+                </a:cubicBezTo>
+                <a:cubicBezTo>
+                  <a:pt x="10" y="68"/>
+                  <a:pt x="11" y="68"/>
+                  <a:pt x="11" y="68"/>
+                </a:cubicBezTo>
+                <a:cubicBezTo>
+                  <a:pt x="11" y="68"/>
+                  <a:pt x="11" y="68"/>
+                  <a:pt x="11" y="68"/>
+                </a:cubicBezTo>
+                <a:cubicBezTo>
+                  <a:pt x="12" y="68"/>
+                  <a:pt x="13" y="67"/>
+                  <a:pt x="13" y="65"/>
+                </a:cubicBezTo>
+                <a:cubicBezTo>
+                  <a:pt x="13" y="65"/>
+                  <a:pt x="13" y="64"/>
+                  <a:pt x="13" y="63"/>
+                </a:cubicBezTo>
+                <a:cubicBezTo>
+                  <a:pt x="14" y="62"/>
+                  <a:pt x="13" y="60"/>
+                  <a:pt x="11" y="60"/>
+                </a:cubicBezTo>
+                <a:cubicBezTo>
+                  <a:pt x="11" y="60"/>
+                  <a:pt x="10" y="60"/>
+                  <a:pt x="10" y="61"/>
+                </a:cubicBezTo>
+                <a:cubicBezTo>
+                  <a:pt x="10" y="59"/>
+                  <a:pt x="11" y="57"/>
+                  <a:pt x="11" y="55"/>
+                </a:cubicBezTo>
+                <a:cubicBezTo>
+                  <a:pt x="11" y="55"/>
+                  <a:pt x="11" y="55"/>
+                  <a:pt x="12" y="55"/>
+                </a:cubicBezTo>
+                <a:cubicBezTo>
+                  <a:pt x="12" y="56"/>
+                  <a:pt x="12" y="56"/>
+                  <a:pt x="12" y="56"/>
+                </a:cubicBezTo>
+                <a:cubicBezTo>
+                  <a:pt x="14" y="56"/>
+                  <a:pt x="15" y="55"/>
+                  <a:pt x="15" y="54"/>
+                </a:cubicBezTo>
+                <a:cubicBezTo>
+                  <a:pt x="15" y="53"/>
+                  <a:pt x="15" y="52"/>
+                  <a:pt x="15" y="51"/>
+                </a:cubicBezTo>
+                <a:cubicBezTo>
+                  <a:pt x="16" y="50"/>
+                  <a:pt x="15" y="49"/>
+                  <a:pt x="14" y="48"/>
+                </a:cubicBezTo>
+                <a:cubicBezTo>
+                  <a:pt x="13" y="48"/>
+                  <a:pt x="13" y="48"/>
+                  <a:pt x="13" y="48"/>
+                </a:cubicBezTo>
+                <a:cubicBezTo>
+                  <a:pt x="13" y="46"/>
+                  <a:pt x="14" y="45"/>
+                  <a:pt x="15" y="43"/>
+                </a:cubicBezTo>
+                <a:cubicBezTo>
+                  <a:pt x="15" y="43"/>
+                  <a:pt x="15" y="43"/>
+                  <a:pt x="16" y="44"/>
+                </a:cubicBezTo>
+                <a:cubicBezTo>
+                  <a:pt x="16" y="44"/>
+                  <a:pt x="16" y="44"/>
+                  <a:pt x="17" y="44"/>
+                </a:cubicBezTo>
+                <a:cubicBezTo>
+                  <a:pt x="18" y="44"/>
+                  <a:pt x="18" y="43"/>
+                  <a:pt x="19" y="43"/>
+                </a:cubicBezTo>
+                <a:cubicBezTo>
+                  <a:pt x="19" y="42"/>
+                  <a:pt x="20" y="41"/>
+                  <a:pt x="20" y="40"/>
+                </a:cubicBezTo>
+                <a:cubicBezTo>
+                  <a:pt x="21" y="39"/>
+                  <a:pt x="20" y="38"/>
+                  <a:pt x="19" y="37"/>
+                </a:cubicBezTo>
+                <a:cubicBezTo>
+                  <a:pt x="19" y="37"/>
+                  <a:pt x="18" y="37"/>
+                  <a:pt x="18" y="37"/>
+                </a:cubicBezTo>
+                <a:cubicBezTo>
+                  <a:pt x="19" y="35"/>
+                  <a:pt x="20" y="34"/>
+                  <a:pt x="21" y="32"/>
+                </a:cubicBezTo>
+                <a:cubicBezTo>
+                  <a:pt x="21" y="32"/>
+                  <a:pt x="22" y="33"/>
+                  <a:pt x="22" y="33"/>
+                </a:cubicBezTo>
+                <a:cubicBezTo>
+                  <a:pt x="22" y="33"/>
+                  <a:pt x="23" y="34"/>
+                  <a:pt x="23" y="34"/>
+                </a:cubicBezTo>
+                <a:cubicBezTo>
+                  <a:pt x="24" y="34"/>
+                  <a:pt x="25" y="33"/>
+                  <a:pt x="25" y="33"/>
+                </a:cubicBezTo>
+                <a:cubicBezTo>
+                  <a:pt x="26" y="32"/>
+                  <a:pt x="26" y="31"/>
+                  <a:pt x="27" y="31"/>
+                </a:cubicBezTo>
+                <a:cubicBezTo>
+                  <a:pt x="28" y="30"/>
+                  <a:pt x="28" y="28"/>
+                  <a:pt x="27" y="27"/>
+                </a:cubicBezTo>
+                <a:cubicBezTo>
+                  <a:pt x="26" y="27"/>
+                  <a:pt x="26" y="27"/>
+                  <a:pt x="26" y="27"/>
+                </a:cubicBezTo>
+                <a:cubicBezTo>
+                  <a:pt x="27" y="26"/>
+                  <a:pt x="28" y="24"/>
+                  <a:pt x="30" y="23"/>
+                </a:cubicBezTo>
+                <a:cubicBezTo>
+                  <a:pt x="30" y="23"/>
+                  <a:pt x="30" y="24"/>
+                  <a:pt x="30" y="24"/>
+                </a:cubicBezTo>
+                <a:cubicBezTo>
+                  <a:pt x="31" y="25"/>
+                  <a:pt x="32" y="25"/>
+                  <a:pt x="32" y="25"/>
+                </a:cubicBezTo>
+                <a:cubicBezTo>
+                  <a:pt x="33" y="25"/>
+                  <a:pt x="33" y="25"/>
+                  <a:pt x="34" y="24"/>
+                </a:cubicBezTo>
+                <a:cubicBezTo>
+                  <a:pt x="34" y="24"/>
+                  <a:pt x="35" y="23"/>
+                  <a:pt x="36" y="23"/>
+                </a:cubicBezTo>
+                <a:cubicBezTo>
+                  <a:pt x="37" y="22"/>
+                  <a:pt x="37" y="21"/>
+                  <a:pt x="36" y="20"/>
+                </a:cubicBezTo>
+                <a:cubicBezTo>
+                  <a:pt x="36" y="19"/>
+                  <a:pt x="36" y="19"/>
+                  <a:pt x="36" y="19"/>
+                </a:cubicBezTo>
+                <a:cubicBezTo>
+                  <a:pt x="37" y="18"/>
+                  <a:pt x="39" y="17"/>
+                  <a:pt x="40" y="16"/>
+                </a:cubicBezTo>
+                <a:cubicBezTo>
+                  <a:pt x="40" y="16"/>
+                  <a:pt x="40" y="17"/>
+                  <a:pt x="41" y="17"/>
+                </a:cubicBezTo>
+                <a:cubicBezTo>
+                  <a:pt x="41" y="18"/>
+                  <a:pt x="42" y="19"/>
+                  <a:pt x="43" y="19"/>
+                </a:cubicBezTo>
+                <a:cubicBezTo>
+                  <a:pt x="43" y="19"/>
+                  <a:pt x="44" y="18"/>
+                  <a:pt x="44" y="18"/>
+                </a:cubicBezTo>
+                <a:cubicBezTo>
+                  <a:pt x="45" y="18"/>
+                  <a:pt x="45" y="18"/>
+                  <a:pt x="46" y="17"/>
+                </a:cubicBezTo>
+                <a:cubicBezTo>
+                  <a:pt x="47" y="17"/>
+                  <a:pt x="48" y="15"/>
+                  <a:pt x="47" y="14"/>
+                </a:cubicBezTo>
+                <a:cubicBezTo>
+                  <a:pt x="47" y="14"/>
+                  <a:pt x="47" y="14"/>
+                  <a:pt x="47" y="13"/>
+                </a:cubicBezTo>
+                <a:cubicBezTo>
+                  <a:pt x="49" y="13"/>
+                  <a:pt x="50" y="12"/>
+                  <a:pt x="52" y="12"/>
+                </a:cubicBezTo>
+                <a:cubicBezTo>
+                  <a:pt x="52" y="12"/>
+                  <a:pt x="52" y="12"/>
+                  <a:pt x="52" y="13"/>
+                </a:cubicBezTo>
+                <a:cubicBezTo>
+                  <a:pt x="52" y="14"/>
+                  <a:pt x="53" y="15"/>
+                  <a:pt x="55" y="15"/>
+                </a:cubicBezTo>
+                <a:cubicBezTo>
+                  <a:pt x="55" y="15"/>
+                  <a:pt x="55" y="15"/>
+                  <a:pt x="55" y="15"/>
+                </a:cubicBezTo>
+                <a:cubicBezTo>
+                  <a:pt x="56" y="14"/>
+                  <a:pt x="57" y="14"/>
+                  <a:pt x="57" y="14"/>
+                </a:cubicBezTo>
+                <a:cubicBezTo>
+                  <a:pt x="59" y="14"/>
+                  <a:pt x="60" y="13"/>
+                  <a:pt x="59" y="11"/>
+                </a:cubicBezTo>
+                <a:cubicBezTo>
+                  <a:pt x="59" y="11"/>
+                  <a:pt x="59" y="11"/>
+                  <a:pt x="59" y="10"/>
+                </a:cubicBezTo>
+                <a:cubicBezTo>
+                  <a:pt x="61" y="10"/>
+                  <a:pt x="63" y="10"/>
+                  <a:pt x="65" y="10"/>
+                </a:cubicBezTo>
+                <a:cubicBezTo>
+                  <a:pt x="65" y="10"/>
+                  <a:pt x="64" y="11"/>
+                  <a:pt x="64" y="11"/>
+                </a:cubicBezTo>
+                <a:cubicBezTo>
+                  <a:pt x="64" y="12"/>
+                  <a:pt x="65" y="13"/>
+                  <a:pt x="67" y="14"/>
+                </a:cubicBezTo>
+                <a:cubicBezTo>
+                  <a:pt x="68" y="14"/>
+                  <a:pt x="68" y="14"/>
+                  <a:pt x="69" y="14"/>
+                </a:cubicBezTo>
+                <a:cubicBezTo>
+                  <a:pt x="69" y="14"/>
+                  <a:pt x="69" y="14"/>
+                  <a:pt x="69" y="14"/>
+                </a:cubicBezTo>
+                <a:cubicBezTo>
+                  <a:pt x="71" y="14"/>
+                  <a:pt x="72" y="13"/>
+                  <a:pt x="72" y="11"/>
+                </a:cubicBezTo>
+                <a:cubicBezTo>
+                  <a:pt x="72" y="11"/>
+                  <a:pt x="72" y="11"/>
+                  <a:pt x="72" y="10"/>
+                </a:cubicBezTo>
+                <a:cubicBezTo>
+                  <a:pt x="74" y="10"/>
+                  <a:pt x="75" y="11"/>
+                  <a:pt x="77" y="11"/>
+                </a:cubicBezTo>
+                <a:cubicBezTo>
+                  <a:pt x="77" y="11"/>
+                  <a:pt x="77" y="12"/>
+                  <a:pt x="77" y="12"/>
+                </a:cubicBezTo>
+                <a:cubicBezTo>
+                  <a:pt x="76" y="13"/>
+                  <a:pt x="77" y="15"/>
+                  <a:pt x="79" y="15"/>
+                </a:cubicBezTo>
+                <a:cubicBezTo>
+                  <a:pt x="79" y="15"/>
+                  <a:pt x="80" y="15"/>
+                  <a:pt x="81" y="16"/>
+                </a:cubicBezTo>
+                <a:cubicBezTo>
+                  <a:pt x="81" y="16"/>
+                  <a:pt x="81" y="16"/>
+                  <a:pt x="82" y="16"/>
+                </a:cubicBezTo>
+                <a:cubicBezTo>
+                  <a:pt x="83" y="16"/>
+                  <a:pt x="84" y="15"/>
+                  <a:pt x="84" y="14"/>
+                </a:cubicBezTo>
+                <a:cubicBezTo>
+                  <a:pt x="84" y="14"/>
+                  <a:pt x="84" y="13"/>
+                  <a:pt x="84" y="13"/>
+                </a:cubicBezTo>
+                <a:cubicBezTo>
+                  <a:pt x="86" y="14"/>
+                  <a:pt x="88" y="14"/>
+                  <a:pt x="89" y="15"/>
+                </a:cubicBezTo>
+                <a:cubicBezTo>
+                  <a:pt x="89" y="15"/>
+                  <a:pt x="89" y="16"/>
+                  <a:pt x="89" y="16"/>
+                </a:cubicBezTo>
+                <a:cubicBezTo>
+                  <a:pt x="88" y="17"/>
+                  <a:pt x="88" y="19"/>
+                  <a:pt x="90" y="19"/>
+                </a:cubicBezTo>
+                <a:cubicBezTo>
+                  <a:pt x="90" y="20"/>
+                  <a:pt x="91" y="20"/>
+                  <a:pt x="92" y="20"/>
+                </a:cubicBezTo>
+                <a:cubicBezTo>
+                  <a:pt x="92" y="20"/>
+                  <a:pt x="93" y="21"/>
+                  <a:pt x="93" y="21"/>
+                </a:cubicBezTo>
+                <a:cubicBezTo>
+                  <a:pt x="94" y="21"/>
+                  <a:pt x="95" y="20"/>
+                  <a:pt x="95" y="19"/>
+                </a:cubicBezTo>
+                <a:cubicBezTo>
+                  <a:pt x="95" y="19"/>
+                  <a:pt x="95" y="19"/>
+                  <a:pt x="95" y="18"/>
+                </a:cubicBezTo>
+                <a:cubicBezTo>
+                  <a:pt x="97" y="19"/>
+                  <a:pt x="99" y="20"/>
+                  <a:pt x="100" y="22"/>
+                </a:cubicBezTo>
+                <a:cubicBezTo>
+                  <a:pt x="100" y="22"/>
+                  <a:pt x="99" y="22"/>
+                  <a:pt x="99" y="22"/>
+                </a:cubicBezTo>
+                <a:cubicBezTo>
+                  <a:pt x="98" y="23"/>
+                  <a:pt x="98" y="25"/>
+                  <a:pt x="99" y="26"/>
+                </a:cubicBezTo>
+                <a:cubicBezTo>
+                  <a:pt x="100" y="26"/>
+                  <a:pt x="101" y="27"/>
+                  <a:pt x="101" y="27"/>
+                </a:cubicBezTo>
+                <a:cubicBezTo>
+                  <a:pt x="102" y="28"/>
+                  <a:pt x="102" y="28"/>
+                  <a:pt x="103" y="28"/>
+                </a:cubicBezTo>
+                <a:cubicBezTo>
+                  <a:pt x="104" y="28"/>
+                  <a:pt x="104" y="28"/>
+                  <a:pt x="105" y="27"/>
+                </a:cubicBezTo>
+                <a:cubicBezTo>
+                  <a:pt x="105" y="27"/>
+                  <a:pt x="105" y="26"/>
+                  <a:pt x="105" y="26"/>
+                </a:cubicBezTo>
+                <a:cubicBezTo>
+                  <a:pt x="107" y="27"/>
+                  <a:pt x="108" y="29"/>
+                  <a:pt x="109" y="30"/>
+                </a:cubicBezTo>
+                <a:cubicBezTo>
+                  <a:pt x="109" y="30"/>
+                  <a:pt x="108" y="30"/>
+                  <a:pt x="108" y="31"/>
+                </a:cubicBezTo>
+                <a:cubicBezTo>
+                  <a:pt x="107" y="32"/>
+                  <a:pt x="107" y="33"/>
+                  <a:pt x="108" y="34"/>
+                </a:cubicBezTo>
+                <a:cubicBezTo>
+                  <a:pt x="108" y="35"/>
+                  <a:pt x="109" y="35"/>
+                  <a:pt x="109" y="36"/>
+                </a:cubicBezTo>
+                <a:cubicBezTo>
+                  <a:pt x="110" y="37"/>
+                  <a:pt x="110" y="37"/>
+                  <a:pt x="111" y="37"/>
+                </a:cubicBezTo>
+                <a:cubicBezTo>
+                  <a:pt x="112" y="37"/>
+                  <a:pt x="112" y="37"/>
+                  <a:pt x="112" y="37"/>
+                </a:cubicBezTo>
+                <a:cubicBezTo>
+                  <a:pt x="113" y="37"/>
+                  <a:pt x="113" y="36"/>
+                  <a:pt x="113" y="36"/>
+                </a:cubicBezTo>
+                <a:cubicBezTo>
+                  <a:pt x="114" y="38"/>
+                  <a:pt x="115" y="39"/>
+                  <a:pt x="116" y="41"/>
+                </a:cubicBezTo>
+                <a:cubicBezTo>
+                  <a:pt x="116" y="41"/>
+                  <a:pt x="115" y="41"/>
+                  <a:pt x="115" y="41"/>
+                </a:cubicBezTo>
+                <a:cubicBezTo>
+                  <a:pt x="114" y="42"/>
+                  <a:pt x="113" y="43"/>
+                  <a:pt x="114" y="44"/>
+                </a:cubicBezTo>
+                <a:cubicBezTo>
+                  <a:pt x="114" y="45"/>
+                  <a:pt x="114" y="46"/>
+                  <a:pt x="115" y="46"/>
+                </a:cubicBezTo>
+                <a:cubicBezTo>
+                  <a:pt x="115" y="47"/>
+                  <a:pt x="116" y="48"/>
+                  <a:pt x="117" y="48"/>
+                </a:cubicBezTo>
+                <a:cubicBezTo>
+                  <a:pt x="117" y="48"/>
+                  <a:pt x="118" y="48"/>
+                  <a:pt x="118" y="48"/>
+                </a:cubicBezTo>
+                <a:cubicBezTo>
+                  <a:pt x="118" y="48"/>
+                  <a:pt x="118" y="48"/>
+                  <a:pt x="119" y="47"/>
+                </a:cubicBezTo>
+                <a:cubicBezTo>
+                  <a:pt x="119" y="49"/>
+                  <a:pt x="120" y="51"/>
+                  <a:pt x="120" y="53"/>
+                </a:cubicBezTo>
+                <a:cubicBezTo>
+                  <a:pt x="120" y="53"/>
+                  <a:pt x="120" y="53"/>
+                  <a:pt x="119" y="53"/>
+                </a:cubicBezTo>
+                <a:cubicBezTo>
+                  <a:pt x="118" y="53"/>
+                  <a:pt x="117" y="54"/>
+                  <a:pt x="117" y="56"/>
+                </a:cubicBezTo>
+                <a:cubicBezTo>
+                  <a:pt x="118" y="56"/>
+                  <a:pt x="118" y="57"/>
+                  <a:pt x="118" y="58"/>
+                </a:cubicBezTo>
+                <a:cubicBezTo>
+                  <a:pt x="118" y="59"/>
+                  <a:pt x="119" y="60"/>
+                  <a:pt x="120" y="60"/>
+                </a:cubicBezTo>
+                <a:cubicBezTo>
+                  <a:pt x="120" y="60"/>
+                  <a:pt x="120" y="60"/>
+                  <a:pt x="121" y="60"/>
+                </a:cubicBezTo>
+                <a:cubicBezTo>
+                  <a:pt x="121" y="60"/>
+                  <a:pt x="121" y="60"/>
+                  <a:pt x="122" y="60"/>
+                </a:cubicBezTo>
+                <a:cubicBezTo>
+                  <a:pt x="122" y="61"/>
+                  <a:pt x="122" y="62"/>
+                  <a:pt x="122" y="64"/>
+                </a:cubicBezTo>
+                <a:cubicBezTo>
+                  <a:pt x="122" y="64"/>
+                  <a:pt x="121" y="64"/>
+                  <a:pt x="121" y="64"/>
+                </a:cubicBezTo>
+                <a:cubicBezTo>
+                  <a:pt x="119" y="64"/>
+                  <a:pt x="118" y="65"/>
+                  <a:pt x="118" y="66"/>
+                </a:cubicBezTo>
+                <a:cubicBezTo>
+                  <a:pt x="118" y="67"/>
+                  <a:pt x="118" y="68"/>
+                  <a:pt x="118" y="68"/>
+                </a:cubicBezTo>
+                <a:cubicBezTo>
+                  <a:pt x="118" y="70"/>
+                  <a:pt x="119" y="71"/>
+                  <a:pt x="121" y="71"/>
+                </a:cubicBezTo>
+                <a:cubicBezTo>
+                  <a:pt x="121" y="71"/>
+                  <a:pt x="121" y="71"/>
+                  <a:pt x="121" y="71"/>
+                </a:cubicBezTo>
+                <a:cubicBezTo>
+                  <a:pt x="121" y="71"/>
+                  <a:pt x="121" y="71"/>
+                  <a:pt x="122" y="71"/>
+                </a:cubicBezTo>
+                <a:cubicBezTo>
+                  <a:pt x="122" y="73"/>
+                  <a:pt x="121" y="75"/>
+                  <a:pt x="121" y="76"/>
+                </a:cubicBezTo>
+                <a:close/>
+                <a:moveTo>
+                  <a:pt x="74" y="40"/>
+                </a:moveTo>
+                <a:cubicBezTo>
+                  <a:pt x="88" y="40"/>
+                  <a:pt x="88" y="40"/>
+                  <a:pt x="88" y="40"/>
+                </a:cubicBezTo>
+                <a:cubicBezTo>
+                  <a:pt x="87" y="41"/>
+                  <a:pt x="87" y="41"/>
+                  <a:pt x="87" y="41"/>
+                </a:cubicBezTo>
+                <a:cubicBezTo>
+                  <a:pt x="82" y="51"/>
+                  <a:pt x="82" y="51"/>
+                  <a:pt x="82" y="51"/>
+                </a:cubicBezTo>
+                <a:cubicBezTo>
+                  <a:pt x="72" y="68"/>
+                  <a:pt x="72" y="68"/>
+                  <a:pt x="72" y="68"/>
+                </a:cubicBezTo>
+                <a:cubicBezTo>
+                  <a:pt x="72" y="70"/>
+                  <a:pt x="72" y="70"/>
+                  <a:pt x="72" y="70"/>
+                </a:cubicBezTo>
+                <a:cubicBezTo>
+                  <a:pt x="83" y="70"/>
+                  <a:pt x="83" y="70"/>
+                  <a:pt x="83" y="70"/>
+                </a:cubicBezTo>
+                <a:cubicBezTo>
+                  <a:pt x="83" y="71"/>
+                  <a:pt x="83" y="71"/>
+                  <a:pt x="83" y="71"/>
+                </a:cubicBezTo>
+                <a:cubicBezTo>
+                  <a:pt x="83" y="78"/>
+                  <a:pt x="83" y="78"/>
+                  <a:pt x="83" y="78"/>
+                </a:cubicBezTo>
+                <a:cubicBezTo>
+                  <a:pt x="72" y="78"/>
+                  <a:pt x="72" y="78"/>
+                  <a:pt x="72" y="78"/>
+                </a:cubicBezTo>
+                <a:cubicBezTo>
+                  <a:pt x="72" y="92"/>
+                  <a:pt x="72" y="92"/>
+                  <a:pt x="72" y="92"/>
+                </a:cubicBezTo>
+                <a:cubicBezTo>
+                  <a:pt x="60" y="92"/>
+                  <a:pt x="60" y="92"/>
+                  <a:pt x="60" y="92"/>
+                </a:cubicBezTo>
+                <a:cubicBezTo>
+                  <a:pt x="60" y="78"/>
+                  <a:pt x="60" y="78"/>
+                  <a:pt x="60" y="78"/>
+                </a:cubicBezTo>
+                <a:cubicBezTo>
+                  <a:pt x="49" y="78"/>
+                  <a:pt x="49" y="78"/>
+                  <a:pt x="49" y="78"/>
+                </a:cubicBezTo>
+                <a:cubicBezTo>
+                  <a:pt x="49" y="71"/>
+                  <a:pt x="49" y="71"/>
+                  <a:pt x="49" y="71"/>
+                </a:cubicBezTo>
+                <a:cubicBezTo>
+                  <a:pt x="49" y="70"/>
+                  <a:pt x="49" y="70"/>
+                  <a:pt x="49" y="70"/>
+                </a:cubicBezTo>
+                <a:cubicBezTo>
+                  <a:pt x="60" y="70"/>
+                  <a:pt x="60" y="70"/>
+                  <a:pt x="60" y="70"/>
+                </a:cubicBezTo>
+                <a:cubicBezTo>
+                  <a:pt x="60" y="69"/>
+                  <a:pt x="60" y="69"/>
+                  <a:pt x="60" y="69"/>
+                </a:cubicBezTo>
+                <a:cubicBezTo>
+                  <a:pt x="44" y="41"/>
+                  <a:pt x="44" y="41"/>
+                  <a:pt x="44" y="41"/>
+                </a:cubicBezTo>
+                <a:cubicBezTo>
+                  <a:pt x="44" y="40"/>
+                  <a:pt x="44" y="40"/>
+                  <a:pt x="44" y="40"/>
+                </a:cubicBezTo>
+                <a:cubicBezTo>
+                  <a:pt x="58" y="40"/>
+                  <a:pt x="58" y="40"/>
+                  <a:pt x="58" y="40"/>
+                </a:cubicBezTo>
+                <a:cubicBezTo>
+                  <a:pt x="64" y="54"/>
+                  <a:pt x="64" y="54"/>
+                  <a:pt x="64" y="54"/>
+                </a:cubicBezTo>
+                <a:cubicBezTo>
+                  <a:pt x="66" y="57"/>
+                  <a:pt x="66" y="57"/>
+                  <a:pt x="66" y="57"/>
+                </a:cubicBezTo>
+                <a:cubicBezTo>
+                  <a:pt x="68" y="52"/>
+                  <a:pt x="68" y="52"/>
+                  <a:pt x="68" y="52"/>
+                </a:cubicBezTo>
+                <a:lnTo>
+                  <a:pt x="74" y="40"/>
+                </a:lnTo>
+                <a:close/>
+              </a:path>
+            </a:pathLst>
+          </a:custGeom>
+          <a:solidFill>
+            <a:srgbClr val="FFFFFF"/>
+          </a:solidFill>
+          <a:ln>
+            <a:noFill/>
+          </a:ln>
+          <a:extLst>
+            <a:ext uri="{91240B29-F687-4F45-9708-019B960494DF}">
+              <a14:hiddenLine xmlns:a14="http://schemas.microsoft.com/office/drawing/2010/main" w="9525">
+                <a:solidFill>
+                  <a:srgbClr val="000000"/>
+                </a:solidFill>
+                <a:round/>
+              </a14:hiddenLine>
+            </a:ext>
+          </a:extLst>
+        </p:spPr>
+        <p:txBody>
+          <a:bodyPr vert="horz" wrap="square" lIns="91440" tIns="45720" rIns="91440" bIns="45720" numCol="1" anchor="t" anchorCtr="0" compatLnSpc="1"/>
+          <a:p>
+            <a:endParaRPr lang="zh-CN" altLang="en-US"/>
+          </a:p>
+        </p:txBody>
+      </p:sp>
+      <p:graphicFrame>
+        <p:nvGraphicFramePr>
+          <p:cNvPr id="10" name="对象 9"/>
+          <p:cNvGraphicFramePr/>
+          <p:nvPr/>
+        </p:nvGraphicFramePr>
+        <p:xfrm>
+          <a:off x="3413760" y="1590040"/>
+          <a:ext cx="4978400" cy="4898390"/>
+        </p:xfrm>
+        <a:graphic>
+          <a:graphicData uri="http://schemas.openxmlformats.org/presentationml/2006/ole">
+            <mc:AlternateContent xmlns:mc="http://schemas.openxmlformats.org/markup-compatibility/2006">
+              <mc:Choice xmlns:v="urn:schemas-microsoft-com:vml" Requires="v">
+                <p:oleObj spid="_x0000_s16" name="" r:id="rId1" imgW="4406900" imgH="5867400" progId="Visio.Drawing.11">
+                  <p:embed/>
+                </p:oleObj>
+              </mc:Choice>
+              <mc:Fallback>
+                <p:oleObj name="" r:id="rId1" imgW="4406900" imgH="5867400" progId="Visio.Drawing.11">
+                  <p:embed/>
+                  <p:pic>
+                    <p:nvPicPr>
+                      <p:cNvPr id="0" name="图片 15"/>
+                      <p:cNvPicPr/>
+                      <p:nvPr/>
+                    </p:nvPicPr>
+                    <p:blipFill>
+                      <a:blip r:embed="rId2"/>
+                      <a:stretch>
+                        <a:fillRect/>
+                      </a:stretch>
+                    </p:blipFill>
+                    <p:spPr>
+                      <a:xfrm>
+                        <a:off x="3413760" y="1590040"/>
+                        <a:ext cx="4978400" cy="4898390"/>
+                      </a:xfrm>
+                      <a:prstGeom prst="rect">
+                        <a:avLst/>
+                      </a:prstGeom>
+                    </p:spPr>
+                  </p:pic>
+                </p:oleObj>
+              </mc:Fallback>
+            </mc:AlternateContent>
+          </a:graphicData>
+        </a:graphic>
+      </p:graphicFrame>
+    </p:spTree>
+  </p:cSld>
+  <p:clrMapOvr>
+    <a:masterClrMapping/>
+  </p:clrMapOvr>
+  <mc:AlternateContent xmlns:mc="http://schemas.openxmlformats.org/markup-compatibility/2006">
+    <mc:Choice xmlns:p14="http://schemas.microsoft.com/office/powerpoint/2010/main" Requires="p14">
+      <p:transition spd="slow" p14:dur="1500">
+        <p:split orient="vert"/>
+      </p:transition>
+    </mc:Choice>
+    <mc:Fallback>
+      <p:transition spd="slow">
+        <p:split orient="vert"/>
+      </p:transition>
+    </mc:Fallback>
+  </mc:AlternateContent>
+  <p:timing>
+    <p:tnLst>
+      <p:par>
+        <p:cTn id="1" dur="indefinite" restart="never" nodeType="tmRoot">
+          <p:childTnLst>
+            <p:seq concurrent="1" nextAc="seek">
+              <p:cTn id="2" dur="indefinite" nodeType="mainSeq">
+                <p:childTnLst>
+                  <p:par>
+                    <p:cTn id="3" fill="hold">
+                      <p:stCondLst>
+                        <p:cond delay="indefinite"/>
+                      </p:stCondLst>
+                      <p:childTnLst>
+                        <p:par>
+                          <p:cTn id="4" fill="hold">
+                            <p:stCondLst>
+                              <p:cond delay="0"/>
+                            </p:stCondLst>
+                            <p:childTnLst>
+                              <p:par>
+                                <p:cTn id="5" presetID="3" presetClass="entr" presetSubtype="10" fill="hold" nodeType="clickEffect">
+                                  <p:stCondLst>
+                                    <p:cond delay="0"/>
+                                  </p:stCondLst>
+                                  <p:childTnLst>
+                                    <p:set>
+                                      <p:cBhvr>
+                                        <p:cTn id="6" dur="1" fill="hold">
+                                          <p:stCondLst>
+                                            <p:cond delay="0"/>
+                                          </p:stCondLst>
+                                        </p:cTn>
+                                        <p:tgtEl>
+                                          <p:spTgt spid="10"/>
+                                        </p:tgtEl>
+                                        <p:attrNameLst>
+                                          <p:attrName>style.visibility</p:attrName>
+                                        </p:attrNameLst>
+                                      </p:cBhvr>
+                                      <p:to>
+                                        <p:strVal val="visible"/>
+                                      </p:to>
+                                    </p:set>
+                                    <p:animEffect transition="in" filter="blinds(horizontal)">
+                                      <p:cBhvr>
+                                        <p:cTn id="7" dur="500"/>
+                                        <p:tgtEl>
+                                          <p:spTgt spid="10"/>
                                         </p:tgtEl>
                                       </p:cBhvr>
                                     </p:animEffect>
